--- a/Presentation-projet-SQLite [Autosaved].pptx
+++ b/Presentation-projet-SQLite [Autosaved].pptx
@@ -356,7 +356,7 @@
           <a:p>
             <a:fld id="{4BBBBF6B-ACDD-4A14-800E-2B828951F2E5}" type="slidenum">
               <a:rPr lang="fr-FR" smtClean="0"/>
-              <a:t>‹#›</a:t>
+              <a:t>‹N°›</a:t>
             </a:fld>
             <a:endParaRPr lang="fr-FR"/>
           </a:p>
@@ -615,7 +615,7 @@
           <a:p>
             <a:fld id="{F4625AEE-926E-49DB-B657-4E194F63E769}" type="slidenum">
               <a:rPr lang="fr-FR" smtClean="0"/>
-              <a:t>‹#›</a:t>
+              <a:t>‹N°›</a:t>
             </a:fld>
             <a:endParaRPr lang="fr-FR"/>
           </a:p>
@@ -897,7 +897,7 @@
             <a:fld id="{2376E620-B82E-4BB3-B55A-C1C511C62C08}" type="slidenum">
               <a:rPr lang="fr-FR" smtClean="0"/>
               <a:pPr/>
-              <a:t>‹#›</a:t>
+              <a:t>‹N°›</a:t>
             </a:fld>
             <a:endParaRPr lang="fr-FR" dirty="0"/>
           </a:p>
@@ -1066,7 +1066,7 @@
             <a:fld id="{2376E620-B82E-4BB3-B55A-C1C511C62C08}" type="slidenum">
               <a:rPr lang="fr-FR" smtClean="0"/>
               <a:pPr/>
-              <a:t>‹#›</a:t>
+              <a:t>‹N°›</a:t>
             </a:fld>
             <a:endParaRPr lang="fr-FR" dirty="0"/>
           </a:p>
@@ -1246,7 +1246,7 @@
             <a:fld id="{2376E620-B82E-4BB3-B55A-C1C511C62C08}" type="slidenum">
               <a:rPr lang="fr-FR" smtClean="0"/>
               <a:pPr/>
-              <a:t>‹#›</a:t>
+              <a:t>‹N°›</a:t>
             </a:fld>
             <a:endParaRPr lang="fr-FR" dirty="0"/>
           </a:p>
@@ -1416,7 +1416,7 @@
             <a:fld id="{2376E620-B82E-4BB3-B55A-C1C511C62C08}" type="slidenum">
               <a:rPr lang="fr-FR" smtClean="0"/>
               <a:pPr/>
-              <a:t>‹#›</a:t>
+              <a:t>‹N°›</a:t>
             </a:fld>
             <a:endParaRPr lang="fr-FR" dirty="0"/>
           </a:p>
@@ -1662,7 +1662,7 @@
           <a:p>
             <a:fld id="{2376E620-B82E-4BB3-B55A-C1C511C62C08}" type="slidenum">
               <a:rPr lang="fr-FR" smtClean="0"/>
-              <a:t>‹#›</a:t>
+              <a:t>‹N°›</a:t>
             </a:fld>
             <a:endParaRPr lang="fr-FR" dirty="0"/>
           </a:p>
@@ -1892,7 +1892,7 @@
             <a:fld id="{2376E620-B82E-4BB3-B55A-C1C511C62C08}" type="slidenum">
               <a:rPr lang="fr-FR" smtClean="0"/>
               <a:pPr/>
-              <a:t>‹#›</a:t>
+              <a:t>‹N°›</a:t>
             </a:fld>
             <a:endParaRPr lang="fr-FR" dirty="0"/>
           </a:p>
@@ -2258,7 +2258,7 @@
             <a:fld id="{2376E620-B82E-4BB3-B55A-C1C511C62C08}" type="slidenum">
               <a:rPr lang="fr-FR" smtClean="0"/>
               <a:pPr/>
-              <a:t>‹#›</a:t>
+              <a:t>‹N°›</a:t>
             </a:fld>
             <a:endParaRPr lang="fr-FR" dirty="0"/>
           </a:p>
@@ -2376,7 +2376,7 @@
           <a:p>
             <a:fld id="{2376E620-B82E-4BB3-B55A-C1C511C62C08}" type="slidenum">
               <a:rPr lang="fr-FR" smtClean="0"/>
-              <a:t>‹#›</a:t>
+              <a:t>‹N°›</a:t>
             </a:fld>
             <a:endParaRPr lang="fr-FR" dirty="0"/>
           </a:p>
@@ -2471,7 +2471,7 @@
           <a:p>
             <a:fld id="{2376E620-B82E-4BB3-B55A-C1C511C62C08}" type="slidenum">
               <a:rPr lang="fr-FR" smtClean="0"/>
-              <a:t>‹#›</a:t>
+              <a:t>‹N°›</a:t>
             </a:fld>
             <a:endParaRPr lang="fr-FR" dirty="0"/>
           </a:p>
@@ -2747,7 +2747,7 @@
             <a:fld id="{2376E620-B82E-4BB3-B55A-C1C511C62C08}" type="slidenum">
               <a:rPr lang="fr-FR" smtClean="0"/>
               <a:pPr/>
-              <a:t>‹#›</a:t>
+              <a:t>‹N°›</a:t>
             </a:fld>
             <a:endParaRPr lang="fr-FR" dirty="0"/>
           </a:p>
@@ -3000,7 +3000,7 @@
           <a:p>
             <a:fld id="{2376E620-B82E-4BB3-B55A-C1C511C62C08}" type="slidenum">
               <a:rPr lang="fr-FR" smtClean="0"/>
-              <a:t>‹#›</a:t>
+              <a:t>‹N°›</a:t>
             </a:fld>
             <a:endParaRPr lang="fr-FR"/>
           </a:p>
@@ -3248,7 +3248,7 @@
             <a:fld id="{2376E620-B82E-4BB3-B55A-C1C511C62C08}" type="slidenum">
               <a:rPr lang="fr-FR" smtClean="0"/>
               <a:pPr/>
-              <a:t>‹#›</a:t>
+              <a:t>‹N°›</a:t>
             </a:fld>
             <a:endParaRPr lang="fr-FR" dirty="0"/>
           </a:p>
@@ -3707,7 +3707,7 @@
               </a:rPr>
               <a:t>People's Democratic Republic of Algeria</a:t>
             </a:r>
-            <a:r>
+            <a:br>
               <a:rPr kumimoji="0" lang="fr-FR" sz="2000" b="0" i="0" u="none" strike="noStrike" kern="1200" cap="none" spc="0" normalizeH="0" baseline="0" noProof="0" dirty="0">
                 <a:ln>
                   <a:noFill/>
@@ -3722,23 +3722,6 @@
                 <a:ea typeface="Times New Roman"/>
                 <a:cs typeface="+mj-cs"/>
               </a:rPr>
-              <a:t/>
-            </a:r>
-            <a:br>
-              <a:rPr kumimoji="0" lang="fr-FR" sz="2000" b="0" i="0" u="none" strike="noStrike" kern="1200" cap="none" spc="0" normalizeH="0" baseline="0" noProof="0" dirty="0">
-                <a:ln>
-                  <a:noFill/>
-                </a:ln>
-                <a:solidFill>
-                  <a:prstClr val="black"/>
-                </a:solidFill>
-                <a:effectLst/>
-                <a:uLnTx/>
-                <a:uFillTx/>
-                <a:latin typeface="Times New Roman"/>
-                <a:ea typeface="Times New Roman"/>
-                <a:cs typeface="+mj-cs"/>
-              </a:rPr>
             </a:br>
             <a:r>
               <a:rPr kumimoji="0" lang="en-US" sz="2000" b="0" i="0" u="none" strike="noStrike" kern="1200" cap="none" spc="0" normalizeH="0" baseline="0" noProof="0" dirty="0">
@@ -3757,7 +3740,7 @@
               </a:rPr>
               <a:t>Ministry of Higher Education and Scientific Research</a:t>
             </a:r>
-            <a:r>
+            <a:br>
               <a:rPr kumimoji="0" lang="fr-FR" sz="2000" b="0" i="0" u="none" strike="noStrike" kern="1200" cap="none" spc="0" normalizeH="0" baseline="0" noProof="0" dirty="0">
                 <a:ln>
                   <a:noFill/>
@@ -3772,9 +3755,8 @@
                 <a:ea typeface="Calibri"/>
                 <a:cs typeface="Times New Roman"/>
               </a:rPr>
-              <a:t/>
-            </a:r>
-            <a:br>
+            </a:br>
+            <a:r>
               <a:rPr kumimoji="0" lang="fr-FR" sz="2000" b="0" i="0" u="none" strike="noStrike" kern="1200" cap="none" spc="0" normalizeH="0" baseline="0" noProof="0" dirty="0">
                 <a:ln>
                   <a:noFill/>
@@ -3789,9 +3771,10 @@
                 <a:ea typeface="Calibri"/>
                 <a:cs typeface="Times New Roman"/>
               </a:rPr>
-            </a:br>
-            <a:r>
-              <a:rPr kumimoji="0" lang="fr-FR" sz="2000" b="0" i="0" u="none" strike="noStrike" kern="1200" cap="none" spc="0" normalizeH="0" baseline="0" noProof="0" dirty="0">
+              <a:t>Ibn </a:t>
+            </a:r>
+            <a:r>
+              <a:rPr kumimoji="0" lang="fr-FR" sz="2000" b="0" i="0" u="none" strike="noStrike" kern="1200" cap="none" spc="0" normalizeH="0" baseline="0" noProof="0" dirty="0" err="1">
                 <a:ln>
                   <a:noFill/>
                 </a:ln>
@@ -3805,10 +3788,10 @@
                 <a:ea typeface="Calibri"/>
                 <a:cs typeface="Times New Roman"/>
               </a:rPr>
-              <a:t>Ibn </a:t>
-            </a:r>
-            <a:r>
-              <a:rPr kumimoji="0" lang="fr-FR" sz="2000" b="0" i="0" u="none" strike="noStrike" kern="1200" cap="none" spc="0" normalizeH="0" baseline="0" noProof="0" dirty="0" err="1" smtClean="0">
+              <a:t>Khaldoun</a:t>
+            </a:r>
+            <a:r>
+              <a:rPr kumimoji="0" lang="fr-FR" sz="2000" b="0" i="0" u="none" strike="noStrike" kern="1200" cap="none" spc="0" normalizeH="0" baseline="0" noProof="0" dirty="0">
                 <a:ln>
                   <a:noFill/>
                 </a:ln>
@@ -3822,10 +3805,10 @@
                 <a:ea typeface="Calibri"/>
                 <a:cs typeface="Times New Roman"/>
               </a:rPr>
-              <a:t>Khaldoun</a:t>
-            </a:r>
-            <a:r>
-              <a:rPr kumimoji="0" lang="fr-FR" sz="2000" b="0" i="0" u="none" strike="noStrike" kern="1200" cap="none" spc="0" normalizeH="0" baseline="0" noProof="0" dirty="0" smtClean="0">
+              <a:t> </a:t>
+            </a:r>
+            <a:r>
+              <a:rPr kumimoji="0" lang="fr-FR" sz="2000" b="0" i="0" u="none" strike="noStrike" kern="1200" cap="none" spc="0" normalizeH="0" baseline="0" noProof="0" dirty="0" err="1">
                 <a:ln>
                   <a:noFill/>
                 </a:ln>
@@ -3839,10 +3822,10 @@
                 <a:ea typeface="Calibri"/>
                 <a:cs typeface="Times New Roman"/>
               </a:rPr>
-              <a:t> </a:t>
-            </a:r>
-            <a:r>
-              <a:rPr kumimoji="0" lang="fr-FR" sz="2000" b="0" i="0" u="none" strike="noStrike" kern="1200" cap="none" spc="0" normalizeH="0" baseline="0" noProof="0" dirty="0" err="1">
+              <a:t>University</a:t>
+            </a:r>
+            <a:r>
+              <a:rPr kumimoji="0" lang="fr-FR" sz="2000" b="0" i="0" u="none" strike="noStrike" kern="1200" cap="none" spc="0" normalizeH="0" baseline="0" noProof="0" dirty="0">
                 <a:ln>
                   <a:noFill/>
                 </a:ln>
@@ -3856,9 +3839,9 @@
                 <a:ea typeface="Calibri"/>
                 <a:cs typeface="Times New Roman"/>
               </a:rPr>
-              <a:t>University</a:t>
-            </a:r>
-            <a:r>
+              <a:t> of Tiaret</a:t>
+            </a:r>
+            <a:br>
               <a:rPr kumimoji="0" lang="fr-FR" sz="2000" b="0" i="0" u="none" strike="noStrike" kern="1200" cap="none" spc="0" normalizeH="0" baseline="0" noProof="0" dirty="0">
                 <a:ln>
                   <a:noFill/>
@@ -3873,9 +3856,8 @@
                 <a:ea typeface="Calibri"/>
                 <a:cs typeface="Times New Roman"/>
               </a:rPr>
-              <a:t> of Tiaret</a:t>
-            </a:r>
-            <a:br>
+            </a:br>
+            <a:r>
               <a:rPr kumimoji="0" lang="fr-FR" sz="2000" b="0" i="0" u="none" strike="noStrike" kern="1200" cap="none" spc="0" normalizeH="0" baseline="0" noProof="0" dirty="0">
                 <a:ln>
                   <a:noFill/>
@@ -3890,9 +3872,10 @@
                 <a:ea typeface="Calibri"/>
                 <a:cs typeface="Times New Roman"/>
               </a:rPr>
-            </a:br>
-            <a:r>
-              <a:rPr kumimoji="0" lang="fr-FR" sz="2000" b="0" i="0" u="none" strike="noStrike" kern="1200" cap="none" spc="0" normalizeH="0" baseline="0" noProof="0" dirty="0">
+              <a:t>computer science </a:t>
+            </a:r>
+            <a:r>
+              <a:rPr kumimoji="0" lang="fr-FR" sz="2000" b="0" i="0" u="none" strike="noStrike" kern="1200" cap="none" spc="0" normalizeH="0" baseline="0" noProof="0" dirty="0" err="1">
                 <a:ln>
                   <a:noFill/>
                 </a:ln>
@@ -3906,10 +3889,10 @@
                 <a:ea typeface="Calibri"/>
                 <a:cs typeface="Times New Roman"/>
               </a:rPr>
-              <a:t>computer science </a:t>
-            </a:r>
-            <a:r>
-              <a:rPr kumimoji="0" lang="fr-FR" sz="2000" b="0" i="0" u="none" strike="noStrike" kern="1200" cap="none" spc="0" normalizeH="0" baseline="0" noProof="0" dirty="0" err="1" smtClean="0">
+              <a:t>faculty</a:t>
+            </a:r>
+            <a:r>
+              <a:rPr kumimoji="0" lang="fr-FR" sz="2000" b="0" i="0" u="none" strike="noStrike" kern="1200" cap="none" spc="0" normalizeH="0" baseline="0" noProof="0" dirty="0">
                 <a:ln>
                   <a:noFill/>
                 </a:ln>
@@ -3923,10 +3906,10 @@
                 <a:ea typeface="Calibri"/>
                 <a:cs typeface="Times New Roman"/>
               </a:rPr>
-              <a:t>faculty</a:t>
-            </a:r>
-            <a:r>
-              <a:rPr kumimoji="0" lang="fr-FR" sz="2000" b="0" i="0" u="none" strike="noStrike" kern="1200" cap="none" spc="0" normalizeH="0" baseline="0" noProof="0" dirty="0" smtClean="0">
+              <a:t> </a:t>
+            </a:r>
+            <a:r>
+              <a:rPr kumimoji="0" lang="fr-FR" sz="100" b="0" i="0" u="none" strike="noStrike" kern="1200" cap="none" spc="0" normalizeH="0" noProof="0" dirty="0">
                 <a:ln>
                   <a:noFill/>
                 </a:ln>
@@ -3943,34 +3926,17 @@
               <a:t> </a:t>
             </a:r>
             <a:r>
-              <a:rPr kumimoji="0" lang="fr-FR" sz="100" b="0" i="0" u="none" strike="noStrike" kern="1200" cap="none" spc="0" normalizeH="0" noProof="0" dirty="0" smtClean="0">
-                <a:ln>
-                  <a:noFill/>
-                </a:ln>
+              <a:rPr lang="ja-JP" altLang="en-US" sz="100" dirty="0">
                 <a:solidFill>
                   <a:prstClr val="black"/>
                 </a:solidFill>
-                <a:effectLst/>
-                <a:uLnTx/>
-                <a:uFillTx/>
                 <a:latin typeface="Times New Roman"/>
                 <a:ea typeface="Calibri"/>
                 <a:cs typeface="Times New Roman"/>
               </a:rPr>
-              <a:t> </a:t>
-            </a:r>
-            <a:r>
-              <a:rPr lang="ja-JP" altLang="en-US" sz="100" dirty="0">
-                <a:solidFill>
-                  <a:prstClr val="black"/>
-                </a:solidFill>
-                <a:latin typeface="Times New Roman"/>
-                <a:ea typeface="Calibri"/>
-                <a:cs typeface="Times New Roman"/>
-              </a:rPr>
               <a:t>私たちはアルジェリア人です</a:t>
             </a:r>
-            <a:r>
+            <a:br>
               <a:rPr kumimoji="0" lang="fr-FR" sz="2000" b="1" i="0" u="none" strike="noStrike" kern="1200" cap="none" spc="0" normalizeH="0" baseline="0" noProof="0" dirty="0">
                 <a:ln>
                   <a:noFill/>
@@ -3985,41 +3951,7 @@
                 <a:ea typeface="+mj-ea"/>
                 <a:cs typeface="+mj-cs"/>
               </a:rPr>
-              <a:t/>
-            </a:r>
-            <a:br>
-              <a:rPr kumimoji="0" lang="fr-FR" sz="2000" b="1" i="0" u="none" strike="noStrike" kern="1200" cap="none" spc="0" normalizeH="0" baseline="0" noProof="0" dirty="0">
-                <a:ln>
-                  <a:noFill/>
-                </a:ln>
-                <a:solidFill>
-                  <a:srgbClr val="000000"/>
-                </a:solidFill>
-                <a:effectLst/>
-                <a:uLnTx/>
-                <a:uFillTx/>
-                <a:latin typeface="Constantia" pitchFamily="18" charset="0"/>
-                <a:ea typeface="+mj-ea"/>
-                <a:cs typeface="+mj-cs"/>
-              </a:rPr>
             </a:br>
-            <a:r>
-              <a:rPr kumimoji="0" lang="fr-FR" sz="2000" b="0" i="0" u="none" strike="noStrike" kern="1200" cap="none" spc="0" normalizeH="0" baseline="0" noProof="0" dirty="0">
-                <a:ln>
-                  <a:noFill/>
-                </a:ln>
-                <a:solidFill>
-                  <a:prstClr val="black"/>
-                </a:solidFill>
-                <a:effectLst/>
-                <a:uLnTx/>
-                <a:uFillTx/>
-                <a:latin typeface="Times New Roman"/>
-                <a:ea typeface="Times New Roman"/>
-                <a:cs typeface="+mj-cs"/>
-              </a:rPr>
-              <a:t/>
-            </a:r>
             <a:br>
               <a:rPr kumimoji="0" lang="fr-FR" sz="2000" b="0" i="0" u="none" strike="noStrike" kern="1200" cap="none" spc="0" normalizeH="0" baseline="0" noProof="0" dirty="0">
                 <a:ln>
@@ -4149,24 +4081,7 @@
                 <a:ea typeface="+mn-ea"/>
                 <a:cs typeface="Times New Roman" pitchFamily="18" charset="0"/>
               </a:rPr>
-              <a:t>    - Mme BEN </a:t>
-            </a:r>
-            <a:r>
-              <a:rPr kumimoji="0" lang="fr-FR" sz="2000" b="1" i="0" u="none" strike="noStrike" kern="1200" cap="none" spc="0" normalizeH="0" baseline="0" noProof="0" dirty="0" smtClean="0">
-                <a:ln>
-                  <a:noFill/>
-                </a:ln>
-                <a:solidFill>
-                  <a:prstClr val="black"/>
-                </a:solidFill>
-                <a:effectLst/>
-                <a:uLnTx/>
-                <a:uFillTx/>
-                <a:latin typeface="Times New Roman" pitchFamily="18" charset="0"/>
-                <a:ea typeface="+mn-ea"/>
-                <a:cs typeface="Times New Roman" pitchFamily="18" charset="0"/>
-              </a:rPr>
-              <a:t>OUTHMANE </a:t>
+              <a:t>    - Mme BEN OUTHMANE </a:t>
             </a:r>
             <a:r>
               <a:rPr lang="ja-JP" altLang="en-US" sz="100" dirty="0"/>
@@ -4247,10 +4162,10 @@
                 <a:ea typeface="+mn-ea"/>
                 <a:cs typeface="Times New Roman" pitchFamily="18" charset="0"/>
               </a:rPr>
-              <a:t> </a:t>
-            </a:r>
-            <a:r>
-              <a:rPr kumimoji="0" lang="fr-FR" sz="2000" b="1" i="0" u="none" strike="noStrike" kern="1200" cap="none" spc="0" normalizeH="0" baseline="0" noProof="0" dirty="0" smtClean="0">
+              <a:t> by</a:t>
+            </a:r>
+            <a:r>
+              <a:rPr kumimoji="0" lang="fr-FR" sz="2000" b="1" i="0" u="none" strike="noStrike" kern="1200" cap="none" spc="0" normalizeH="0" noProof="0" dirty="0">
                 <a:ln>
                   <a:noFill/>
                 </a:ln>
@@ -4264,10 +4179,10 @@
                 <a:ea typeface="+mn-ea"/>
                 <a:cs typeface="Times New Roman" pitchFamily="18" charset="0"/>
               </a:rPr>
-              <a:t>by</a:t>
-            </a:r>
-            <a:r>
-              <a:rPr kumimoji="0" lang="fr-FR" sz="2000" b="1" i="0" u="none" strike="noStrike" kern="1200" cap="none" spc="0" normalizeH="0" noProof="0" dirty="0" smtClean="0">
+              <a:t> </a:t>
+            </a:r>
+            <a:r>
+              <a:rPr kumimoji="0" lang="fr-FR" sz="2000" b="1" i="0" u="none" strike="noStrike" kern="1200" cap="none" spc="0" normalizeH="0" baseline="0" noProof="0" dirty="0">
                 <a:ln>
                   <a:noFill/>
                 </a:ln>
@@ -4281,39 +4196,8 @@
                 <a:ea typeface="+mn-ea"/>
                 <a:cs typeface="Times New Roman" pitchFamily="18" charset="0"/>
               </a:rPr>
-              <a:t> </a:t>
-            </a:r>
-            <a:r>
-              <a:rPr kumimoji="0" lang="fr-FR" sz="2000" b="1" i="0" u="none" strike="noStrike" kern="1200" cap="none" spc="0" normalizeH="0" baseline="0" noProof="0" dirty="0" smtClean="0">
-                <a:ln>
-                  <a:noFill/>
-                </a:ln>
-                <a:solidFill>
-                  <a:prstClr val="black"/>
-                </a:solidFill>
-                <a:effectLst/>
-                <a:uLnTx/>
-                <a:uFillTx/>
-                <a:latin typeface="Times New Roman" pitchFamily="18" charset="0"/>
-                <a:ea typeface="+mn-ea"/>
-                <a:cs typeface="Times New Roman" pitchFamily="18" charset="0"/>
-              </a:rPr>
               <a:t>: </a:t>
             </a:r>
-            <a:endParaRPr kumimoji="0" lang="fr-FR" sz="2000" b="1" i="0" u="none" strike="noStrike" kern="1200" cap="none" spc="0" normalizeH="0" baseline="0" noProof="0" dirty="0">
-              <a:ln>
-                <a:noFill/>
-              </a:ln>
-              <a:solidFill>
-                <a:prstClr val="black"/>
-              </a:solidFill>
-              <a:effectLst/>
-              <a:uLnTx/>
-              <a:uFillTx/>
-              <a:latin typeface="Times New Roman" pitchFamily="18" charset="0"/>
-              <a:ea typeface="+mn-ea"/>
-              <a:cs typeface="Times New Roman" pitchFamily="18" charset="0"/>
-            </a:endParaRPr>
           </a:p>
           <a:p>
             <a:pPr marL="0" marR="0" lvl="0" indent="0" algn="l" defTabSz="914400" rtl="0" eaLnBrk="1" fontAlgn="auto" latinLnBrk="0" hangingPunct="1">
@@ -4407,34 +4291,12 @@
                 <a:ea typeface="+mn-ea"/>
                 <a:cs typeface="Times New Roman" pitchFamily="18" charset="0"/>
               </a:rPr>
-              <a:t>   - Laoumir Mustapha </a:t>
-            </a:r>
-            <a:r>
-              <a:rPr kumimoji="0" lang="fr-FR" sz="2000" b="1" i="0" u="none" strike="noStrike" kern="1200" cap="none" spc="0" normalizeH="0" baseline="0" noProof="0" dirty="0" smtClean="0">
-                <a:ln>
-                  <a:noFill/>
-                </a:ln>
-                <a:solidFill>
-                  <a:prstClr val="black"/>
-                </a:solidFill>
-                <a:effectLst/>
-                <a:uLnTx/>
-                <a:uFillTx/>
-                <a:latin typeface="Times New Roman" pitchFamily="18" charset="0"/>
-                <a:ea typeface="+mn-ea"/>
-                <a:cs typeface="Times New Roman" pitchFamily="18" charset="0"/>
-              </a:rPr>
-              <a:t>AEK </a:t>
+              <a:t>   - Laoumir Mustapha AEK </a:t>
             </a:r>
             <a:r>
               <a:rPr lang="ja-JP" altLang="en-US" sz="100" b="1" dirty="0"/>
-              <a:t>お前はもう死んでい</a:t>
-            </a:r>
-            <a:r>
-              <a:rPr lang="ja-JP" altLang="en-US" sz="100" b="1" dirty="0" smtClean="0"/>
-              <a:t>る</a:t>
-            </a:r>
-            <a:endParaRPr lang="ja-JP" altLang="en-US" sz="100" b="1" dirty="0"/>
+              <a:t>お前はもう死んでいる</a:t>
+            </a:r>
           </a:p>
         </p:txBody>
       </p:sp>
@@ -4570,13 +4432,6 @@
   <p:clrMapOvr>
     <a:masterClrMapping/>
   </p:clrMapOvr>
-  <p:timing>
-    <p:tnLst>
-      <p:par>
-        <p:cTn id="1" dur="indefinite" restart="never" nodeType="tmRoot"/>
-      </p:par>
-    </p:tnLst>
-  </p:timing>
 </p:sld>
 </file>
 
@@ -4664,7 +4519,7 @@
               <a:defRPr/>
             </a:pPr>
             <a:r>
-              <a:rPr lang="fr-FR" sz="3800" dirty="0" err="1" smtClean="0">
+              <a:rPr lang="fr-FR" sz="3800" dirty="0" err="1">
                 <a:solidFill>
                   <a:prstClr val="black">
                     <a:lumMod val="85000"/>
@@ -4677,7 +4532,7 @@
               <a:t>Why</a:t>
             </a:r>
             <a:r>
-              <a:rPr lang="fr-FR" sz="3800" dirty="0" smtClean="0">
+              <a:rPr lang="fr-FR" sz="3800" dirty="0">
                 <a:solidFill>
                   <a:prstClr val="black">
                     <a:lumMod val="85000"/>
@@ -4690,7 +4545,7 @@
               <a:t> </a:t>
             </a:r>
             <a:r>
-              <a:rPr lang="fr-FR" sz="3800" dirty="0" err="1" smtClean="0">
+              <a:rPr lang="fr-FR" sz="3800" dirty="0" err="1">
                 <a:solidFill>
                   <a:prstClr val="black">
                     <a:lumMod val="85000"/>
@@ -4703,7 +4558,7 @@
               <a:t>was</a:t>
             </a:r>
             <a:r>
-              <a:rPr lang="fr-FR" sz="3800" dirty="0" smtClean="0">
+              <a:rPr lang="fr-FR" sz="3800" dirty="0">
                 <a:solidFill>
                   <a:prstClr val="black">
                     <a:lumMod val="85000"/>
@@ -4716,7 +4571,7 @@
               <a:t> </a:t>
             </a:r>
             <a:r>
-              <a:rPr lang="fr-FR" sz="3800" dirty="0" err="1" smtClean="0">
+              <a:rPr lang="fr-FR" sz="3800" dirty="0" err="1">
                 <a:solidFill>
                   <a:prstClr val="black">
                     <a:lumMod val="85000"/>
@@ -4729,7 +4584,7 @@
               <a:t>it</a:t>
             </a:r>
             <a:r>
-              <a:rPr lang="fr-FR" sz="3800" dirty="0" smtClean="0">
+              <a:rPr lang="fr-FR" sz="3800" dirty="0">
                 <a:solidFill>
                   <a:prstClr val="black">
                     <a:lumMod val="85000"/>
@@ -4742,7 +4597,7 @@
               <a:t> </a:t>
             </a:r>
             <a:r>
-              <a:rPr lang="fr-FR" sz="3800" dirty="0" err="1" smtClean="0">
+              <a:rPr lang="fr-FR" sz="3800" dirty="0" err="1">
                 <a:solidFill>
                   <a:prstClr val="black">
                     <a:lumMod val="85000"/>
@@ -4755,7 +4610,7 @@
               <a:t>created</a:t>
             </a:r>
             <a:r>
-              <a:rPr lang="fr-FR" sz="3800" dirty="0" smtClean="0">
+              <a:rPr lang="fr-FR" sz="3800" dirty="0">
                 <a:solidFill>
                   <a:prstClr val="black">
                     <a:lumMod val="85000"/>
@@ -4825,23 +4680,6 @@
               <a:tabLst/>
               <a:defRPr/>
             </a:pPr>
-            <a:r>
-              <a:rPr kumimoji="0" lang="fr-FR" sz="2400" b="0" i="0" u="none" strike="noStrike" kern="1200" cap="none" spc="0" normalizeH="0" baseline="0" noProof="0" dirty="0">
-                <a:ln>
-                  <a:noFill/>
-                </a:ln>
-                <a:solidFill>
-                  <a:prstClr val="black"/>
-                </a:solidFill>
-                <a:effectLst/>
-                <a:uLnTx/>
-                <a:uFillTx/>
-                <a:latin typeface="Calibri" panose="020F0502020204030204"/>
-                <a:ea typeface="+mn-ea"/>
-                <a:cs typeface="+mn-cs"/>
-              </a:rPr>
-              <a:t/>
-            </a:r>
             <a:br>
               <a:rPr kumimoji="0" lang="fr-FR" sz="2400" b="0" i="0" u="none" strike="noStrike" kern="1200" cap="none" spc="0" normalizeH="0" baseline="0" noProof="0" dirty="0">
                 <a:ln>
@@ -4905,7 +4743,7 @@
               <a:defRPr/>
             </a:pPr>
             <a:r>
-              <a:rPr lang="en-US" sz="2400" dirty="0" smtClean="0">
+              <a:rPr lang="en-US" sz="2400" dirty="0">
                 <a:solidFill>
                   <a:prstClr val="black"/>
                 </a:solidFill>
@@ -4913,8 +4751,18 @@
                 <a:ea typeface="Calibri" panose="020F0502020204030204" pitchFamily="34" charset="0"/>
                 <a:cs typeface="Arial" panose="020B0604020202020204" pitchFamily="34" charset="0"/>
               </a:rPr>
-              <a:t>It is </a:t>
-            </a:r>
+              <a:t>It is designed to be fast, portable, and reliable and  whether you’re storing only kilobytes of data or multi-gigabyte blobs.</a:t>
+            </a:r>
+          </a:p>
+          <a:p>
+            <a:pPr marL="800100" lvl="1" indent="-342900">
+              <a:lnSpc>
+                <a:spcPct val="200000"/>
+              </a:lnSpc>
+              <a:buFont typeface="Arial" panose="020B0604020202020204" pitchFamily="34" charset="0"/>
+              <a:buChar char="•"/>
+              <a:defRPr/>
+            </a:pPr>
             <a:r>
               <a:rPr lang="en-US" sz="2400" dirty="0">
                 <a:solidFill>
@@ -4924,40 +4772,7 @@
                 <a:ea typeface="Calibri" panose="020F0502020204030204" pitchFamily="34" charset="0"/>
                 <a:cs typeface="Arial" panose="020B0604020202020204" pitchFamily="34" charset="0"/>
               </a:rPr>
-              <a:t>designed to be fast, portable, and </a:t>
-            </a:r>
-            <a:r>
-              <a:rPr lang="en-US" sz="2400" dirty="0" smtClean="0">
-                <a:solidFill>
-                  <a:prstClr val="black"/>
-                </a:solidFill>
-                <a:latin typeface="Calibri" panose="020F0502020204030204" pitchFamily="34" charset="0"/>
-                <a:ea typeface="Calibri" panose="020F0502020204030204" pitchFamily="34" charset="0"/>
-                <a:cs typeface="Arial" panose="020B0604020202020204" pitchFamily="34" charset="0"/>
-              </a:rPr>
-              <a:t>reliable and  whether you’re </a:t>
-            </a:r>
-            <a:r>
-              <a:rPr lang="en-US" sz="2400" dirty="0">
-                <a:solidFill>
-                  <a:prstClr val="black"/>
-                </a:solidFill>
-                <a:latin typeface="Calibri" panose="020F0502020204030204" pitchFamily="34" charset="0"/>
-                <a:ea typeface="Calibri" panose="020F0502020204030204" pitchFamily="34" charset="0"/>
-                <a:cs typeface="Arial" panose="020B0604020202020204" pitchFamily="34" charset="0"/>
-              </a:rPr>
-              <a:t>storing only kilobytes of data or multi-gigabyte blobs</a:t>
-            </a:r>
-            <a:r>
-              <a:rPr lang="en-US" sz="2400" dirty="0" smtClean="0">
-                <a:solidFill>
-                  <a:prstClr val="black"/>
-                </a:solidFill>
-                <a:latin typeface="Calibri" panose="020F0502020204030204" pitchFamily="34" charset="0"/>
-                <a:ea typeface="Calibri" panose="020F0502020204030204" pitchFamily="34" charset="0"/>
-                <a:cs typeface="Arial" panose="020B0604020202020204" pitchFamily="34" charset="0"/>
-              </a:rPr>
-              <a:t>.</a:t>
+              <a:t>For the offline use (no-server) . </a:t>
             </a:r>
           </a:p>
           <a:p>
@@ -4969,28 +4784,7 @@
               <a:buChar char="•"/>
               <a:defRPr/>
             </a:pPr>
-            <a:r>
-              <a:rPr lang="en-US" sz="2400" dirty="0" smtClean="0">
-                <a:solidFill>
-                  <a:prstClr val="black"/>
-                </a:solidFill>
-                <a:latin typeface="Calibri" panose="020F0502020204030204" pitchFamily="34" charset="0"/>
-                <a:ea typeface="Calibri" panose="020F0502020204030204" pitchFamily="34" charset="0"/>
-                <a:cs typeface="Arial" panose="020B0604020202020204" pitchFamily="34" charset="0"/>
-              </a:rPr>
-              <a:t>For the offline use (no-server) . </a:t>
-            </a:r>
-          </a:p>
-          <a:p>
-            <a:pPr marL="800100" lvl="1" indent="-342900">
-              <a:lnSpc>
-                <a:spcPct val="200000"/>
-              </a:lnSpc>
-              <a:buFont typeface="Arial" panose="020B0604020202020204" pitchFamily="34" charset="0"/>
-              <a:buChar char="•"/>
-              <a:defRPr/>
-            </a:pPr>
-            <a:endParaRPr lang="en-US" sz="2400" dirty="0" smtClean="0">
+            <a:endParaRPr lang="en-US" sz="2400" dirty="0">
               <a:solidFill>
                 <a:prstClr val="black"/>
               </a:solidFill>
@@ -5011,13 +4805,6 @@
   <p:clrMapOvr>
     <a:masterClrMapping/>
   </p:clrMapOvr>
-  <p:timing>
-    <p:tnLst>
-      <p:par>
-        <p:cTn id="1" dur="indefinite" restart="never" nodeType="tmRoot"/>
-      </p:par>
-    </p:tnLst>
-  </p:timing>
 </p:sld>
 </file>
 
@@ -5088,24 +4875,13 @@
                 <a:ea typeface="Segoe UI" pitchFamily="34" charset="0"/>
                 <a:cs typeface="Segoe UI" pitchFamily="34" charset="0"/>
               </a:rPr>
-              <a:t> </a:t>
-            </a:r>
-            <a:r>
-              <a:rPr lang="fr-FR" sz="6000" b="1" dirty="0" smtClean="0">
-                <a:solidFill>
-                  <a:prstClr val="white"/>
-                </a:solidFill>
-                <a:latin typeface="Segoe UI" pitchFamily="34" charset="0"/>
-                <a:ea typeface="Segoe UI" pitchFamily="34" charset="0"/>
-                <a:cs typeface="Segoe UI" pitchFamily="34" charset="0"/>
-              </a:rPr>
-              <a:t>and</a:t>
+              <a:t> and</a:t>
             </a:r>
           </a:p>
           <a:p>
             <a:pPr algn="r"/>
             <a:r>
-              <a:rPr lang="fr-FR" sz="6000" b="1" dirty="0" err="1" smtClean="0">
+              <a:rPr lang="fr-FR" sz="6000" b="1" dirty="0" err="1">
                 <a:solidFill>
                   <a:prstClr val="white"/>
                 </a:solidFill>
@@ -5136,13 +4912,6 @@
   <p:clrMapOvr>
     <a:masterClrMapping/>
   </p:clrMapOvr>
-  <p:timing>
-    <p:tnLst>
-      <p:par>
-        <p:cTn id="1" dur="indefinite" restart="never" nodeType="tmRoot"/>
-      </p:par>
-    </p:tnLst>
-  </p:timing>
 </p:sld>
 </file>
 
@@ -5213,7 +4982,7 @@
           </a:lstStyle>
           <a:p>
             <a:r>
-              <a:rPr lang="fr-FR" sz="3700" dirty="0" err="1" smtClean="0">
+              <a:rPr lang="fr-FR" sz="3700" dirty="0" err="1">
                 <a:solidFill>
                   <a:prstClr val="black">
                     <a:lumMod val="85000"/>
@@ -5260,10 +5029,6 @@
           <a:lstStyle/>
           <a:p>
             <a:pPr marL="12700" algn="ctr"/>
-            <a:r>
-              <a:rPr lang="fr-FR" sz="2400" dirty="0"/>
-              <a:t/>
-            </a:r>
             <a:br>
               <a:rPr lang="fr-FR" sz="2400" dirty="0"/>
             </a:br>
@@ -5307,11 +5072,7 @@
             </a:pPr>
             <a:r>
               <a:rPr lang="fr-FR" sz="2400" dirty="0"/>
-              <a:t>Open </a:t>
-            </a:r>
-            <a:r>
-              <a:rPr lang="fr-FR" sz="2400" dirty="0" smtClean="0"/>
-              <a:t>source. </a:t>
+              <a:t>Open source. </a:t>
             </a:r>
           </a:p>
           <a:p>
@@ -5324,11 +5085,7 @@
             </a:pPr>
             <a:r>
               <a:rPr lang="en-US" sz="2400" dirty="0"/>
-              <a:t>Its small size</a:t>
-            </a:r>
-            <a:r>
-              <a:rPr lang="en-US" sz="2400" dirty="0" smtClean="0"/>
-              <a:t>.</a:t>
+              <a:t>Its small size.</a:t>
             </a:r>
           </a:p>
           <a:p>
@@ -5348,10 +5105,10 @@
               <a:t> to </a:t>
             </a:r>
             <a:r>
-              <a:rPr lang="fr-FR" sz="2400" dirty="0" err="1" smtClean="0"/>
+              <a:rPr lang="fr-FR" sz="2400" dirty="0" err="1"/>
               <a:t>install</a:t>
             </a:r>
-            <a:endParaRPr lang="fr-FR" sz="2400" dirty="0" smtClean="0"/>
+            <a:endParaRPr lang="fr-FR" sz="2400" dirty="0"/>
           </a:p>
           <a:p>
             <a:pPr marL="342900" indent="-342900">
@@ -5362,20 +5119,51 @@
               <a:buChar char="•"/>
             </a:pPr>
             <a:r>
-              <a:rPr lang="fr-FR" sz="2400" dirty="0" smtClean="0"/>
+              <a:rPr lang="fr-FR" sz="2400" dirty="0"/>
               <a:t>No </a:t>
             </a:r>
             <a:r>
-              <a:rPr lang="fr-FR" sz="2400" dirty="0" err="1" smtClean="0"/>
+              <a:rPr lang="fr-FR" sz="2400" dirty="0" err="1"/>
               <a:t>need</a:t>
+            </a:r>
+            <a:r>
+              <a:rPr lang="fr-FR" sz="2400" dirty="0"/>
+              <a:t> a lot of configuration</a:t>
+            </a:r>
+            <a:endParaRPr lang="en-US" sz="2400" dirty="0"/>
+          </a:p>
+          <a:p>
+            <a:pPr marL="342900" indent="-342900">
+              <a:lnSpc>
+                <a:spcPct val="150000"/>
+              </a:lnSpc>
+              <a:buFont typeface="Arial" panose="020B0604020202020204" pitchFamily="34" charset="0"/>
+              <a:buChar char="•"/>
+            </a:pPr>
+            <a:r>
+              <a:rPr lang="en-US" sz="2400" dirty="0"/>
+              <a:t>No coding problems.</a:t>
+            </a:r>
+          </a:p>
+          <a:p>
+            <a:pPr marL="342900" indent="-342900">
+              <a:lnSpc>
+                <a:spcPct val="150000"/>
+              </a:lnSpc>
+              <a:buFont typeface="Arial" panose="020B0604020202020204" pitchFamily="34" charset="0"/>
+              <a:buChar char="•"/>
+            </a:pPr>
+            <a:r>
+              <a:rPr lang="fr-FR" sz="2400" dirty="0" err="1"/>
+              <a:t>Fast</a:t>
             </a:r>
             <a:r>
               <a:rPr lang="fr-FR" sz="2400" dirty="0"/>
               <a:t> </a:t>
             </a:r>
             <a:r>
-              <a:rPr lang="fr-FR" sz="2400" dirty="0" smtClean="0"/>
-              <a:t>a lot of configuration</a:t>
+              <a:rPr lang="fr-FR" sz="2400" dirty="0" err="1"/>
+              <a:t>Development</a:t>
             </a:r>
             <a:endParaRPr lang="en-US" sz="2400" dirty="0"/>
           </a:p>
@@ -5389,52 +5177,8 @@
             </a:pPr>
             <a:r>
               <a:rPr lang="en-US" sz="2400" dirty="0"/>
-              <a:t>No coding problems</a:t>
-            </a:r>
-            <a:r>
-              <a:rPr lang="en-US" sz="2400" dirty="0" smtClean="0"/>
-              <a:t>.</a:t>
-            </a:r>
-          </a:p>
-          <a:p>
-            <a:pPr marL="342900" indent="-342900">
-              <a:lnSpc>
-                <a:spcPct val="150000"/>
-              </a:lnSpc>
-              <a:buFont typeface="Arial" panose="020B0604020202020204" pitchFamily="34" charset="0"/>
-              <a:buChar char="•"/>
-            </a:pPr>
-            <a:r>
-              <a:rPr lang="fr-FR" sz="2400" dirty="0" err="1"/>
-              <a:t>Fast</a:t>
-            </a:r>
-            <a:r>
-              <a:rPr lang="fr-FR" sz="2400" dirty="0"/>
-              <a:t> </a:t>
-            </a:r>
-            <a:r>
-              <a:rPr lang="fr-FR" sz="2400" dirty="0" err="1" smtClean="0"/>
-              <a:t>Development</a:t>
-            </a:r>
-            <a:endParaRPr lang="en-US" sz="2400" dirty="0"/>
-          </a:p>
-          <a:p>
-            <a:pPr marL="342900" indent="-342900">
-              <a:lnSpc>
-                <a:spcPct val="150000"/>
-              </a:lnSpc>
-              <a:buFont typeface="Arial" panose="020B0604020202020204" pitchFamily="34" charset="0"/>
-              <a:buChar char="•"/>
-            </a:pPr>
-            <a:r>
-              <a:rPr lang="en-US" sz="2400" dirty="0"/>
-              <a:t>The database is only one file</a:t>
-            </a:r>
-            <a:r>
-              <a:rPr lang="en-US" sz="2400" dirty="0" smtClean="0"/>
-              <a:t>.</a:t>
-            </a:r>
-            <a:endParaRPr lang="en-US" sz="2400" dirty="0"/>
+              <a:t>The database is only one file.</a:t>
+            </a:r>
           </a:p>
           <a:p>
             <a:pPr marL="342900" indent="-342900">
@@ -5466,13 +5210,6 @@
   <p:transition spd="med">
     <p:pull/>
   </p:transition>
-  <p:timing>
-    <p:tnLst>
-      <p:par>
-        <p:cTn id="1" dur="indefinite" restart="never" nodeType="tmRoot"/>
-      </p:par>
-    </p:tnLst>
-  </p:timing>
 </p:sld>
 </file>
 
@@ -5543,7 +5280,7 @@
           </a:lstStyle>
           <a:p>
             <a:r>
-              <a:rPr lang="fr-FR" sz="3700" dirty="0" err="1" smtClean="0">
+              <a:rPr lang="fr-FR" sz="3700" dirty="0" err="1">
                 <a:solidFill>
                   <a:prstClr val="black">
                     <a:lumMod val="85000"/>
@@ -5590,10 +5327,6 @@
           <a:lstStyle/>
           <a:p>
             <a:pPr marL="12700" algn="ctr"/>
-            <a:r>
-              <a:rPr lang="fr-FR" sz="2400" dirty="0"/>
-              <a:t/>
-            </a:r>
             <a:br>
               <a:rPr lang="fr-FR" sz="2400" dirty="0"/>
             </a:br>
@@ -5635,18 +5368,9 @@
               <a:buChar char="•"/>
             </a:pPr>
             <a:r>
-              <a:rPr lang="en-US" sz="2400" dirty="0" smtClean="0"/>
-              <a:t>The </a:t>
-            </a:r>
-            <a:r>
               <a:rPr lang="en-US" sz="2400" dirty="0"/>
-              <a:t>call and query code is </a:t>
-            </a:r>
-            <a:r>
-              <a:rPr lang="en-US" sz="2400" dirty="0" smtClean="0"/>
-              <a:t>easy.</a:t>
-            </a:r>
-            <a:endParaRPr lang="en-US" sz="2400" dirty="0"/>
+              <a:t>The call and query code is easy.</a:t>
+            </a:r>
           </a:p>
           <a:p>
             <a:pPr marL="342900" indent="-342900">
@@ -5682,13 +5406,9 @@
             </a:r>
             <a:r>
               <a:rPr lang="fr-FR" sz="2400" dirty="0"/>
-              <a:t> in an </a:t>
-            </a:r>
-            <a:r>
-              <a:rPr lang="fr-FR" sz="2400" dirty="0" smtClean="0"/>
-              <a:t>application.</a:t>
-            </a:r>
-            <a:endParaRPr lang="en-US" sz="2400" dirty="0" smtClean="0"/>
+              <a:t> in an application.</a:t>
+            </a:r>
+            <a:endParaRPr lang="en-US" sz="2400" dirty="0"/>
           </a:p>
           <a:p>
             <a:pPr marL="342900" indent="-342900">
@@ -5699,16 +5419,8 @@
               <a:buChar char="•"/>
             </a:pPr>
             <a:r>
-              <a:rPr lang="en-US" sz="2400" dirty="0" smtClean="0"/>
-              <a:t>Supports </a:t>
-            </a:r>
-            <a:r>
               <a:rPr lang="en-US" sz="2400" dirty="0"/>
-              <a:t>database size up to </a:t>
-            </a:r>
-            <a:r>
-              <a:rPr lang="en-US" sz="2400" dirty="0" smtClean="0"/>
-              <a:t>281 TB .</a:t>
+              <a:t>Supports database size up to 281 TB .</a:t>
             </a:r>
           </a:p>
           <a:p>
@@ -5721,13 +5433,8 @@
             </a:pPr>
             <a:r>
               <a:rPr lang="en-US" sz="2400" dirty="0"/>
-              <a:t>Easy transfer of data from one provider to another</a:t>
-            </a:r>
-            <a:r>
-              <a:rPr lang="en-US" sz="2400" dirty="0" smtClean="0"/>
-              <a:t>.</a:t>
-            </a:r>
-            <a:endParaRPr lang="en-US" sz="2400" dirty="0"/>
+              <a:t>Easy transfer of data from one provider to another.</a:t>
+            </a:r>
           </a:p>
           <a:p>
             <a:pPr marL="342900" indent="-342900">
@@ -5738,16 +5445,8 @@
               <a:buChar char="•"/>
             </a:pPr>
             <a:r>
-              <a:rPr lang="en-US" sz="2400" dirty="0" smtClean="0"/>
-              <a:t>Can </a:t>
-            </a:r>
-            <a:r>
               <a:rPr lang="en-US" sz="2400" dirty="0"/>
-              <a:t>be used on sites that do not support MySQL</a:t>
-            </a:r>
-            <a:r>
-              <a:rPr lang="en-US" sz="2400" dirty="0" smtClean="0"/>
-              <a:t>.</a:t>
+              <a:t>Can be used on sites that do not support MySQL.</a:t>
             </a:r>
           </a:p>
           <a:p>
@@ -5796,11 +5495,7 @@
             </a:r>
             <a:r>
               <a:rPr lang="fr-FR" sz="2400" dirty="0"/>
-              <a:t>++,PHP</a:t>
-            </a:r>
-            <a:r>
-              <a:rPr lang="fr-FR" sz="2400" dirty="0" smtClean="0"/>
-              <a:t>…).</a:t>
+              <a:t>++,PHP…).</a:t>
             </a:r>
             <a:endParaRPr lang="fr-FR" sz="2400" dirty="0">
               <a:solidFill>
@@ -5837,13 +5532,6 @@
   <p:transition spd="med">
     <p:pull/>
   </p:transition>
-  <p:timing>
-    <p:tnLst>
-      <p:par>
-        <p:cTn id="1" dur="indefinite" restart="never" nodeType="tmRoot"/>
-      </p:par>
-    </p:tnLst>
-  </p:timing>
 </p:sld>
 </file>
 
@@ -5914,7 +5602,7 @@
           </a:lstStyle>
           <a:p>
             <a:r>
-              <a:rPr lang="fr-FR" sz="3800" dirty="0" err="1" smtClean="0">
+              <a:rPr lang="fr-FR" sz="3800" dirty="0" err="1">
                 <a:solidFill>
                   <a:prstClr val="black">
                     <a:lumMod val="85000"/>
@@ -5927,7 +5615,7 @@
               <a:t>Disadventages</a:t>
             </a:r>
             <a:r>
-              <a:rPr lang="fr-FR" sz="3800" dirty="0" smtClean="0">
+              <a:rPr lang="fr-FR" sz="3800" dirty="0">
                 <a:solidFill>
                   <a:prstClr val="black">
                     <a:lumMod val="85000"/>
@@ -5979,10 +5667,6 @@
           <a:lstStyle/>
           <a:p>
             <a:pPr marL="12700" algn="ctr"/>
-            <a:r>
-              <a:rPr lang="fr-FR" sz="2400" dirty="0"/>
-              <a:t/>
-            </a:r>
             <a:br>
               <a:rPr lang="fr-FR" sz="2400" dirty="0"/>
             </a:br>
@@ -6230,39 +5914,32 @@
               <a:t> as </a:t>
             </a:r>
             <a:r>
-              <a:rPr lang="fr-FR" sz="2200" dirty="0" err="1" smtClean="0">
+              <a:rPr lang="fr-FR" sz="2200" dirty="0" err="1">
                 <a:latin typeface="Calibri (Body)"/>
                 <a:cs typeface="Lao UI" panose="020B0502040204020203" pitchFamily="34" charset="0"/>
               </a:rPr>
               <a:t>grant</a:t>
-            </a:r>
-            <a:r>
-              <a:rPr lang="fr-FR" sz="2200" dirty="0" smtClean="0">
-                <a:latin typeface="Calibri (Body)"/>
-                <a:cs typeface="Lao UI" panose="020B0502040204020203" pitchFamily="34" charset="0"/>
-              </a:rPr>
-              <a:t>/</a:t>
-            </a:r>
-            <a:r>
-              <a:rPr lang="fr-FR" sz="2200" dirty="0" err="1" smtClean="0">
-                <a:latin typeface="Calibri (Body)"/>
-                <a:cs typeface="Lao UI" panose="020B0502040204020203" pitchFamily="34" charset="0"/>
-              </a:rPr>
-              <a:t>revoke</a:t>
             </a:r>
             <a:r>
               <a:rPr lang="fr-FR" sz="2200" dirty="0">
                 <a:latin typeface="Calibri (Body)"/>
                 <a:cs typeface="Lao UI" panose="020B0502040204020203" pitchFamily="34" charset="0"/>
               </a:rPr>
-              <a:t> </a:t>
-            </a:r>
-            <a:r>
-              <a:rPr lang="fr-FR" sz="2200" dirty="0" smtClean="0">
+              <a:t>/</a:t>
+            </a:r>
+            <a:r>
+              <a:rPr lang="fr-FR" sz="2200" dirty="0" err="1">
                 <a:latin typeface="Calibri (Body)"/>
                 <a:cs typeface="Lao UI" panose="020B0502040204020203" pitchFamily="34" charset="0"/>
               </a:rPr>
-              <a:t>.</a:t>
+              <a:t>revoke</a:t>
+            </a:r>
+            <a:r>
+              <a:rPr lang="fr-FR" sz="2200" dirty="0">
+                <a:latin typeface="Calibri (Body)"/>
+                <a:cs typeface="Lao UI" panose="020B0502040204020203" pitchFamily="34" charset="0"/>
+              </a:rPr>
+              <a:t> .</a:t>
             </a:r>
           </a:p>
           <a:p>
@@ -6275,49 +5952,49 @@
               </a:spcBef>
             </a:pPr>
             <a:r>
-              <a:rPr lang="fr-FR" sz="2200" dirty="0" smtClean="0">
+              <a:rPr lang="fr-FR" sz="2200" dirty="0">
                 <a:latin typeface="Calibri (Body)"/>
                 <a:cs typeface="Lao UI" panose="020B0502040204020203" pitchFamily="34" charset="0"/>
               </a:rPr>
               <a:t>Not </a:t>
             </a:r>
             <a:r>
-              <a:rPr lang="fr-FR" sz="2200" dirty="0" err="1" smtClean="0">
+              <a:rPr lang="fr-FR" sz="2200" dirty="0" err="1">
                 <a:latin typeface="Calibri (Body)"/>
                 <a:cs typeface="Lao UI" panose="020B0502040204020203" pitchFamily="34" charset="0"/>
               </a:rPr>
               <a:t>recommended</a:t>
             </a:r>
             <a:r>
-              <a:rPr lang="fr-FR" sz="2200" dirty="0" smtClean="0">
+              <a:rPr lang="fr-FR" sz="2200" dirty="0">
                 <a:latin typeface="Calibri (Body)"/>
                 <a:cs typeface="Lao UI" panose="020B0502040204020203" pitchFamily="34" charset="0"/>
               </a:rPr>
               <a:t> for </a:t>
             </a:r>
             <a:r>
-              <a:rPr lang="fr-FR" sz="2200" dirty="0" err="1" smtClean="0">
+              <a:rPr lang="fr-FR" sz="2200" dirty="0" err="1">
                 <a:latin typeface="Calibri (Body)"/>
                 <a:cs typeface="Lao UI" panose="020B0502040204020203" pitchFamily="34" charset="0"/>
               </a:rPr>
               <a:t>big</a:t>
             </a:r>
             <a:r>
-              <a:rPr lang="fr-FR" sz="2200" dirty="0" smtClean="0">
+              <a:rPr lang="fr-FR" sz="2200" dirty="0">
                 <a:latin typeface="Calibri (Body)"/>
                 <a:cs typeface="Lao UI" panose="020B0502040204020203" pitchFamily="34" charset="0"/>
               </a:rPr>
               <a:t> </a:t>
             </a:r>
             <a:r>
-              <a:rPr lang="fr-FR" sz="2200" dirty="0" err="1" smtClean="0">
+              <a:rPr lang="fr-FR" sz="2200" dirty="0" err="1">
                 <a:latin typeface="Calibri (Body)"/>
                 <a:cs typeface="Lao UI" panose="020B0502040204020203" pitchFamily="34" charset="0"/>
               </a:rPr>
               <a:t>databases</a:t>
             </a:r>
             <a:r>
-              <a:rPr lang="en-US" sz="2200" dirty="0" smtClean="0">
+              <a:rPr lang="en-US" sz="2200" dirty="0">
                 <a:latin typeface="Calibri (Body)"/>
                 <a:cs typeface="Lao UI" panose="020B0502040204020203" pitchFamily="34" charset="0"/>
               </a:rPr>
@@ -6334,7 +6011,7 @@
               </a:spcBef>
             </a:pPr>
             <a:r>
-              <a:rPr lang="en-US" sz="2200" dirty="0" smtClean="0">
+              <a:rPr lang="en-US" sz="2200" dirty="0">
                 <a:latin typeface="Calibri (Body)"/>
                 <a:cs typeface="Lao UI" panose="020B0502040204020203" pitchFamily="34" charset="0"/>
               </a:rPr>
@@ -6351,18 +6028,11 @@
               </a:spcBef>
             </a:pPr>
             <a:r>
-              <a:rPr lang="en-US" sz="2200" dirty="0" smtClean="0">
-                <a:latin typeface="Calibri (Body)"/>
-                <a:cs typeface="Lao UI" panose="020B0502040204020203" pitchFamily="34" charset="0"/>
-              </a:rPr>
-              <a:t>SQL </a:t>
-            </a:r>
-            <a:r>
               <a:rPr lang="en-US" sz="2200" dirty="0">
                 <a:latin typeface="Calibri (Body)"/>
                 <a:cs typeface="Lao UI" panose="020B0502040204020203" pitchFamily="34" charset="0"/>
               </a:rPr>
-              <a:t>statement is only limited to a million bytes.</a:t>
+              <a:t>SQL statement is only limited to a million bytes.</a:t>
             </a:r>
           </a:p>
           <a:p>
@@ -6375,18 +6045,11 @@
               </a:spcBef>
             </a:pPr>
             <a:r>
-              <a:rPr lang="en-US" sz="2200" dirty="0" smtClean="0">
-                <a:latin typeface="Calibri (Body)"/>
-                <a:cs typeface="Lao UI" panose="020B0502040204020203" pitchFamily="34" charset="0"/>
-              </a:rPr>
-              <a:t>The </a:t>
-            </a:r>
-            <a:r>
               <a:rPr lang="en-US" sz="2200" dirty="0">
                 <a:latin typeface="Calibri (Body)"/>
                 <a:cs typeface="Lao UI" panose="020B0502040204020203" pitchFamily="34" charset="0"/>
               </a:rPr>
-              <a:t>maximum number of tables in the Join clause is 64 tables.</a:t>
+              <a:t>The maximum number of tables in the Join clause is 64 tables.</a:t>
             </a:r>
           </a:p>
           <a:p>
@@ -6438,14 +6101,13 @@
               <a:t>14</a:t>
             </a:fld>
             <a:r>
-              <a:rPr lang="fr-FR" dirty="0" smtClean="0"/>
+              <a:rPr lang="fr-FR" dirty="0"/>
               <a:t> </a:t>
             </a:r>
             <a:r>
-              <a:rPr lang="fr-FR" sz="100" dirty="0" smtClean="0"/>
+              <a:rPr lang="fr-FR" sz="100" dirty="0"/>
               <a:t>oh yeah </a:t>
             </a:r>
-            <a:endParaRPr lang="fr-FR" sz="100" dirty="0"/>
           </a:p>
         </p:txBody>
       </p:sp>
@@ -6462,13 +6124,6 @@
   <p:transition spd="slow">
     <p:push dir="u"/>
   </p:transition>
-  <p:timing>
-    <p:tnLst>
-      <p:par>
-        <p:cTn id="1" dur="indefinite" restart="never" nodeType="tmRoot"/>
-      </p:par>
-    </p:tnLst>
-  </p:timing>
 </p:sld>
 </file>
 
@@ -6527,16 +6182,8 @@
               <a:buChar char="•"/>
             </a:pPr>
             <a:r>
-              <a:rPr lang="en-US" sz="2200" dirty="0" smtClean="0"/>
-              <a:t>both </a:t>
-            </a:r>
-            <a:r>
               <a:rPr lang="en-US" sz="2200" dirty="0"/>
-              <a:t>are </a:t>
-            </a:r>
-            <a:r>
-              <a:rPr lang="en-US" sz="2200" dirty="0" smtClean="0"/>
-              <a:t>open-source</a:t>
+              <a:t>both are open-source</a:t>
             </a:r>
           </a:p>
           <a:p>
@@ -6548,14 +6195,9 @@
               <a:buChar char="•"/>
             </a:pPr>
             <a:r>
-              <a:rPr lang="en-US" sz="2200" dirty="0" smtClean="0"/>
-              <a:t> </a:t>
-            </a:r>
-            <a:r>
               <a:rPr lang="en-US" sz="2200" dirty="0"/>
-              <a:t>SQLite is a public domain . It is an “embedded” database which means the database engine runs as a part of your app "server-less". </a:t>
-            </a:r>
-            <a:endParaRPr lang="en-US" sz="2200" dirty="0" smtClean="0"/>
+              <a:t> SQLite is a public domain . It is an “embedded” database which means the database engine runs as a part of your app "server-less". </a:t>
+            </a:r>
           </a:p>
           <a:p>
             <a:pPr marL="800100" lvl="1" indent="-342900">
@@ -6566,20 +6208,8 @@
               <a:buChar char="•"/>
             </a:pPr>
             <a:r>
-              <a:rPr lang="en-US" sz="2200" dirty="0" smtClean="0"/>
-              <a:t>MySQL </a:t>
-            </a:r>
-            <a:r>
               <a:rPr lang="en-US" sz="2200" dirty="0"/>
-              <a:t>is a database server so you have to install it somewhere and then connect to it from your app , so </a:t>
-            </a:r>
-            <a:r>
-              <a:rPr lang="en-US" sz="2200" dirty="0" smtClean="0"/>
-              <a:t>is </a:t>
-            </a:r>
-            <a:r>
-              <a:rPr lang="en-US" sz="2200" dirty="0"/>
-              <a:t>PostgreSQL . </a:t>
+              <a:t>MySQL is a database server so you have to install it somewhere and then connect to it from your app , so is PostgreSQL . </a:t>
             </a:r>
           </a:p>
           <a:p>
@@ -6691,13 +6321,6 @@
   <p:clrMapOvr>
     <a:masterClrMapping/>
   </p:clrMapOvr>
-  <p:timing>
-    <p:tnLst>
-      <p:par>
-        <p:cTn id="1" dur="indefinite" restart="never" nodeType="tmRoot"/>
-      </p:par>
-    </p:tnLst>
-  </p:timing>
 </p:sld>
 </file>
 
@@ -6757,8 +6380,8 @@
         </p:nvSpPr>
         <p:spPr>
           <a:xfrm>
-            <a:off x="5460274" y="705394"/>
-            <a:ext cx="2073260" cy="369332"/>
+            <a:off x="3986440" y="705394"/>
+            <a:ext cx="5020926" cy="661720"/>
           </a:xfrm>
           <a:prstGeom prst="rect">
             <a:avLst/>
@@ -6771,17 +6394,10 @@
           </a:bodyPr>
           <a:lstStyle/>
           <a:p>
-            <a:r>
-              <a:rPr lang="en-US" dirty="0" smtClean="0"/>
-              <a:t>When we use </a:t>
-            </a:r>
-            <a:r>
-              <a:rPr lang="en-US" dirty="0" err="1" smtClean="0"/>
-              <a:t>sqlite</a:t>
-            </a:r>
-            <a:r>
-              <a:rPr lang="en-US" dirty="0" smtClean="0"/>
-              <a:t> </a:t>
+            <a:pPr algn="ctr"/>
+            <a:r>
+              <a:rPr lang="en-US" sz="3700" dirty="0"/>
+              <a:t>When Do We Use SQLite </a:t>
             </a:r>
           </a:p>
         </p:txBody>
@@ -6794,8 +6410,8 @@
         </p:nvSpPr>
         <p:spPr>
           <a:xfrm>
-            <a:off x="3056709" y="2573383"/>
-            <a:ext cx="3270319" cy="1200329"/>
+            <a:off x="1933154" y="2463264"/>
+            <a:ext cx="9511145" cy="2062103"/>
           </a:xfrm>
           <a:prstGeom prst="rect">
             <a:avLst/>
@@ -6803,46 +6419,49 @@
           <a:noFill/>
         </p:spPr>
         <p:txBody>
-          <a:bodyPr wrap="none" rtlCol="0">
+          <a:bodyPr wrap="square" rtlCol="0">
             <a:spAutoFit/>
           </a:bodyPr>
           <a:lstStyle/>
           <a:p>
-            <a:r>
-              <a:rPr lang="en-US" b="1" dirty="0"/>
-              <a:t>Education and </a:t>
-            </a:r>
-            <a:r>
-              <a:rPr lang="en-US" b="1" dirty="0" smtClean="0"/>
-              <a:t>Training</a:t>
-            </a:r>
-          </a:p>
-          <a:p>
-            <a:r>
-              <a:rPr lang="en-US" b="1" dirty="0"/>
-              <a:t>Internal or temporary </a:t>
-            </a:r>
-            <a:r>
-              <a:rPr lang="en-US" b="1" dirty="0" smtClean="0"/>
-              <a:t>databases</a:t>
-            </a:r>
-          </a:p>
-          <a:p>
-            <a:r>
-              <a:rPr lang="en-US" b="1" dirty="0"/>
-              <a:t>Data </a:t>
-            </a:r>
-            <a:r>
-              <a:rPr lang="en-US" b="1" dirty="0" smtClean="0"/>
-              <a:t>analysis</a:t>
-            </a:r>
-          </a:p>
-          <a:p>
-            <a:r>
-              <a:rPr lang="en-US" b="1" dirty="0"/>
+            <a:pPr marL="571500" indent="-571500">
+              <a:buFont typeface="Arial" panose="020B0604020202020204" pitchFamily="34" charset="0"/>
+              <a:buChar char="•"/>
+            </a:pPr>
+            <a:r>
+              <a:rPr lang="en-US" sz="3200" dirty="0"/>
+              <a:t>Education and Training </a:t>
+            </a:r>
+          </a:p>
+          <a:p>
+            <a:pPr marL="571500" indent="-571500">
+              <a:buFont typeface="Arial" panose="020B0604020202020204" pitchFamily="34" charset="0"/>
+              <a:buChar char="•"/>
+            </a:pPr>
+            <a:r>
+              <a:rPr lang="en-US" sz="3200" dirty="0"/>
+              <a:t>Internal or temporary databases</a:t>
+            </a:r>
+          </a:p>
+          <a:p>
+            <a:pPr marL="571500" indent="-571500">
+              <a:buFont typeface="Arial" panose="020B0604020202020204" pitchFamily="34" charset="0"/>
+              <a:buChar char="•"/>
+            </a:pPr>
+            <a:r>
+              <a:rPr lang="en-US" sz="3200" dirty="0"/>
+              <a:t>Data analysis</a:t>
+            </a:r>
+          </a:p>
+          <a:p>
+            <a:pPr marL="571500" indent="-571500">
+              <a:buFont typeface="Arial" panose="020B0604020202020204" pitchFamily="34" charset="0"/>
+              <a:buChar char="•"/>
+            </a:pPr>
+            <a:r>
+              <a:rPr lang="en-US" sz="3200" dirty="0"/>
               <a:t>Application file format</a:t>
             </a:r>
-            <a:endParaRPr lang="en-US" dirty="0"/>
           </a:p>
         </p:txBody>
       </p:sp>
@@ -6856,13 +6475,6 @@
   <p:clrMapOvr>
     <a:masterClrMapping/>
   </p:clrMapOvr>
-  <p:timing>
-    <p:tnLst>
-      <p:par>
-        <p:cTn id="1" dur="indefinite" restart="never" nodeType="tmRoot"/>
-      </p:par>
-    </p:tnLst>
-  </p:timing>
 </p:sld>
 </file>
 
@@ -6922,8 +6534,8 @@
         </p:nvSpPr>
         <p:spPr>
           <a:xfrm>
-            <a:off x="2560320" y="2834640"/>
-            <a:ext cx="5622950" cy="1754326"/>
+            <a:off x="1879070" y="2473174"/>
+            <a:ext cx="10302244" cy="3323987"/>
           </a:xfrm>
           <a:prstGeom prst="rect">
             <a:avLst/>
@@ -6936,57 +6548,115 @@
           </a:bodyPr>
           <a:lstStyle/>
           <a:p>
-            <a:r>
-              <a:rPr lang="en-US" b="1" dirty="0"/>
-              <a:t>Big </a:t>
-            </a:r>
-            <a:r>
-              <a:rPr lang="en-US" b="1" dirty="0" smtClean="0"/>
-              <a:t>data</a:t>
-            </a:r>
-          </a:p>
-          <a:p>
-            <a:r>
-              <a:rPr lang="en-US" b="1" dirty="0"/>
-              <a:t>Is the data separated from the application by a </a:t>
-            </a:r>
-            <a:r>
-              <a:rPr lang="en-US" b="1" dirty="0" smtClean="0"/>
-              <a:t>network</a:t>
-            </a:r>
-          </a:p>
-          <a:p>
-            <a:r>
-              <a:rPr lang="en-US" b="1" dirty="0" smtClean="0"/>
-              <a:t>When Many </a:t>
-            </a:r>
-            <a:r>
-              <a:rPr lang="en-US" b="1" dirty="0"/>
-              <a:t>concurrent </a:t>
-            </a:r>
-            <a:r>
-              <a:rPr lang="en-US" b="1" dirty="0" smtClean="0"/>
-              <a:t>writers</a:t>
-            </a:r>
-          </a:p>
-          <a:p>
-            <a:r>
-              <a:rPr lang="en-US" b="1" dirty="0"/>
-              <a:t>High-volume </a:t>
-            </a:r>
-            <a:r>
-              <a:rPr lang="en-US" b="1" dirty="0" smtClean="0"/>
-              <a:t>Websites</a:t>
-            </a:r>
-          </a:p>
-          <a:p>
-            <a:r>
-              <a:rPr lang="en-US" dirty="0"/>
+            <a:pPr marL="457200" indent="-457200">
+              <a:buFont typeface="Arial" panose="020B0604020202020204" pitchFamily="34" charset="0"/>
+              <a:buChar char="•"/>
+            </a:pPr>
+            <a:r>
+              <a:rPr lang="en-US" sz="3200" dirty="0"/>
+              <a:t>Big data</a:t>
+            </a:r>
+          </a:p>
+          <a:p>
+            <a:pPr marL="457200" indent="-457200">
+              <a:buFont typeface="Arial" panose="020B0604020202020204" pitchFamily="34" charset="0"/>
+              <a:buChar char="•"/>
+            </a:pPr>
+            <a:r>
+              <a:rPr lang="en-US" sz="3200" dirty="0"/>
+              <a:t>Data is separated from the application by a network</a:t>
+            </a:r>
+          </a:p>
+          <a:p>
+            <a:pPr marL="457200" indent="-457200">
+              <a:buFont typeface="Arial" panose="020B0604020202020204" pitchFamily="34" charset="0"/>
+              <a:buChar char="•"/>
+            </a:pPr>
+            <a:r>
+              <a:rPr lang="en-US" sz="3200" dirty="0"/>
+              <a:t>When Many concurrent writers</a:t>
+            </a:r>
+          </a:p>
+          <a:p>
+            <a:pPr marL="457200" indent="-457200">
+              <a:buFont typeface="Arial" panose="020B0604020202020204" pitchFamily="34" charset="0"/>
+              <a:buChar char="•"/>
+            </a:pPr>
+            <a:r>
+              <a:rPr lang="en-US" sz="3200" dirty="0"/>
+              <a:t>High-volume Websites</a:t>
+            </a:r>
+          </a:p>
+          <a:p>
+            <a:pPr marL="457200" indent="-457200">
+              <a:buFont typeface="Arial" panose="020B0604020202020204" pitchFamily="34" charset="0"/>
+              <a:buChar char="•"/>
+            </a:pPr>
+            <a:r>
+              <a:rPr lang="en-US" sz="3200" dirty="0"/>
               <a:t>Where high-security features are required for data access.</a:t>
             </a:r>
           </a:p>
           <a:p>
+            <a:pPr marL="457200" indent="-457200">
+              <a:buFont typeface="Arial" panose="020B0604020202020204" pitchFamily="34" charset="0"/>
+              <a:buChar char="•"/>
+            </a:pPr>
+            <a:r>
+              <a:rPr lang="en-US" sz="3200" dirty="0"/>
+              <a:t>Apps that SQLite doesn’t support</a:t>
+            </a:r>
+          </a:p>
+          <a:p>
             <a:endParaRPr lang="en-US" dirty="0"/>
+          </a:p>
+        </p:txBody>
+      </p:sp>
+      <p:sp>
+        <p:nvSpPr>
+          <p:cNvPr id="4" name="TextBox 2">
+            <a:extLst>
+              <a:ext uri="{FF2B5EF4-FFF2-40B4-BE49-F238E27FC236}">
+                <a16:creationId xmlns:a16="http://schemas.microsoft.com/office/drawing/2014/main" id="{5820D017-66B4-4028-A7F9-98CEB8A521D8}"/>
+              </a:ext>
+            </a:extLst>
+          </p:cNvPr>
+          <p:cNvSpPr txBox="1"/>
+          <p:nvPr/>
+        </p:nvSpPr>
+        <p:spPr>
+          <a:xfrm>
+            <a:off x="3112618" y="759822"/>
+            <a:ext cx="5966763" cy="661720"/>
+          </a:xfrm>
+          <a:prstGeom prst="rect">
+            <a:avLst/>
+          </a:prstGeom>
+          <a:noFill/>
+        </p:spPr>
+        <p:txBody>
+          <a:bodyPr wrap="none" rtlCol="0">
+            <a:spAutoFit/>
+          </a:bodyPr>
+          <a:lstStyle/>
+          <a:p>
+            <a:pPr algn="ctr"/>
+            <a:r>
+              <a:rPr lang="en-US" sz="3700" dirty="0"/>
+              <a:t>When Do We </a:t>
+            </a:r>
+            <a:r>
+              <a:rPr lang="en-US" sz="3700" dirty="0">
+                <a:solidFill>
+                  <a:srgbClr val="FF0000"/>
+                </a:solidFill>
+              </a:rPr>
+              <a:t>NOT</a:t>
+            </a:r>
+            <a:r>
+              <a:rPr lang="en-US" sz="3700" dirty="0"/>
+              <a:t> Use SQLite </a:t>
+            </a:r>
           </a:p>
         </p:txBody>
       </p:sp>
@@ -7000,13 +6670,6 @@
   <p:clrMapOvr>
     <a:masterClrMapping/>
   </p:clrMapOvr>
-  <p:timing>
-    <p:tnLst>
-      <p:par>
-        <p:cTn id="1" dur="indefinite" restart="never" nodeType="tmRoot"/>
-      </p:par>
-    </p:tnLst>
-  </p:timing>
 </p:sld>
 </file>
 
@@ -7104,13 +6767,6 @@
       </p:transition>
     </mc:Fallback>
   </mc:AlternateContent>
-  <p:timing>
-    <p:tnLst>
-      <p:par>
-        <p:cTn id="1" dur="indefinite" restart="never" nodeType="tmRoot"/>
-      </p:par>
-    </p:tnLst>
-  </p:timing>
 </p:sld>
 </file>
 
@@ -7226,10 +6882,6 @@
           <a:lstStyle/>
           <a:p>
             <a:pPr marL="12700" algn="ctr"/>
-            <a:r>
-              <a:rPr lang="fr-FR" sz="2400" dirty="0"/>
-              <a:t/>
-            </a:r>
             <a:br>
               <a:rPr lang="fr-FR" sz="2400" dirty="0"/>
             </a:br>
@@ -7617,13 +7269,6 @@
   <p:transition spd="med">
     <p:pull/>
   </p:transition>
-  <p:timing>
-    <p:tnLst>
-      <p:par>
-        <p:cTn id="1" dur="indefinite" restart="never" nodeType="tmRoot"/>
-      </p:par>
-    </p:tnLst>
-  </p:timing>
 </p:sld>
 </file>
 
@@ -8391,18 +8036,11 @@
               <a:defRPr/>
             </a:pPr>
             <a:r>
-              <a:rPr lang="fr-FR" sz="2400" dirty="0" smtClean="0">
-                <a:latin typeface="Arial" panose="020B0604020202020204" pitchFamily="34" charset="0"/>
-                <a:cs typeface="Arial" panose="020B0604020202020204" pitchFamily="34" charset="0"/>
-              </a:rPr>
-              <a:t>Introduction </a:t>
-            </a:r>
-            <a:r>
               <a:rPr lang="fr-FR" sz="2400" dirty="0">
                 <a:latin typeface="Arial" panose="020B0604020202020204" pitchFamily="34" charset="0"/>
                 <a:cs typeface="Arial" panose="020B0604020202020204" pitchFamily="34" charset="0"/>
               </a:rPr>
-              <a:t>&amp; Présentation générale</a:t>
+              <a:t>Introduction &amp; Présentation générale</a:t>
             </a:r>
           </a:p>
           <a:p>
@@ -8649,13 +8287,6 @@
       <p:transition/>
     </mc:Fallback>
   </mc:AlternateContent>
-  <p:timing>
-    <p:tnLst>
-      <p:par>
-        <p:cTn id="1" dur="indefinite" restart="never" nodeType="tmRoot"/>
-      </p:par>
-    </p:tnLst>
-  </p:timing>
 </p:sld>
 </file>
 
@@ -8726,12 +8357,8 @@
           </a:lstStyle>
           <a:p>
             <a:r>
-              <a:rPr lang="fr-FR" b="1" dirty="0" smtClean="0"/>
-              <a:t>DB </a:t>
-            </a:r>
-            <a:r>
               <a:rPr lang="fr-FR" b="1" dirty="0"/>
-              <a:t>Browser for </a:t>
+              <a:t>DB Browser for </a:t>
             </a:r>
             <a:r>
               <a:rPr lang="fr-FR" b="1" dirty="0" err="1"/>
@@ -8774,10 +8401,6 @@
           <a:lstStyle/>
           <a:p>
             <a:pPr marL="12700" algn="ctr"/>
-            <a:r>
-              <a:rPr lang="fr-FR" sz="2400" dirty="0"/>
-              <a:t/>
-            </a:r>
             <a:br>
               <a:rPr lang="fr-FR" sz="2400" dirty="0"/>
             </a:br>
@@ -8817,15 +8440,15 @@
               <a:buChar char="•"/>
             </a:pPr>
             <a:r>
-              <a:rPr lang="en-US" sz="2200" dirty="0" smtClean="0"/>
+              <a:rPr lang="en-US" sz="2200" dirty="0"/>
               <a:t>We will use the DB </a:t>
             </a:r>
             <a:r>
-              <a:rPr lang="en-US" sz="2200" dirty="0" err="1" smtClean="0"/>
+              <a:rPr lang="en-US" sz="2200" dirty="0" err="1"/>
               <a:t>brower</a:t>
             </a:r>
             <a:r>
-              <a:rPr lang="en-US" sz="2200" dirty="0" smtClean="0"/>
+              <a:rPr lang="en-US" sz="2200" dirty="0"/>
               <a:t> for SQLite in this presentation</a:t>
             </a:r>
           </a:p>
@@ -8835,16 +8458,12 @@
               <a:buChar char="•"/>
             </a:pPr>
             <a:r>
-              <a:rPr lang="fr-FR" sz="2200" dirty="0" err="1" smtClean="0"/>
+              <a:rPr lang="fr-FR" sz="2200" dirty="0" err="1"/>
               <a:t>It’s</a:t>
             </a:r>
             <a:r>
-              <a:rPr lang="fr-FR" sz="2200" dirty="0" smtClean="0"/>
-              <a:t> an open </a:t>
-            </a:r>
-            <a:r>
               <a:rPr lang="fr-FR" sz="2200" dirty="0"/>
-              <a:t>source and </a:t>
+              <a:t> an open source and </a:t>
             </a:r>
             <a:r>
               <a:rPr lang="fr-FR" sz="2200" dirty="0" err="1"/>
@@ -8859,11 +8478,11 @@
               <a:t>Tool</a:t>
             </a:r>
             <a:r>
-              <a:rPr lang="fr-FR" sz="2200" dirty="0" smtClean="0"/>
+              <a:rPr lang="fr-FR" sz="2200" dirty="0"/>
               <a:t>.</a:t>
             </a:r>
             <a:r>
-              <a:rPr lang="en-US" sz="2200" dirty="0" smtClean="0"/>
+              <a:rPr lang="en-US" sz="2200" dirty="0"/>
               <a:t> </a:t>
             </a:r>
             <a:endParaRPr lang="fr-FR" sz="2200" dirty="0"/>
@@ -8904,13 +8523,6 @@
   <p:clrMapOvr>
     <a:masterClrMapping/>
   </p:clrMapOvr>
-  <p:timing>
-    <p:tnLst>
-      <p:par>
-        <p:cTn id="1" dur="indefinite" restart="never" nodeType="tmRoot"/>
-      </p:par>
-    </p:tnLst>
-  </p:timing>
 </p:sld>
 </file>
 
@@ -9009,13 +8621,6 @@
   <p:clrMapOvr>
     <a:masterClrMapping/>
   </p:clrMapOvr>
-  <p:timing>
-    <p:tnLst>
-      <p:par>
-        <p:cTn id="1" dur="indefinite" restart="never" nodeType="tmRoot"/>
-      </p:par>
-    </p:tnLst>
-  </p:timing>
 </p:sld>
 </file>
 
@@ -9084,13 +8689,6 @@
   <p:clrMapOvr>
     <a:masterClrMapping/>
   </p:clrMapOvr>
-  <p:timing>
-    <p:tnLst>
-      <p:par>
-        <p:cTn id="1" dur="indefinite" restart="never" nodeType="tmRoot"/>
-      </p:par>
-    </p:tnLst>
-  </p:timing>
 </p:sld>
 </file>
 
@@ -9232,10 +8830,6 @@
           <a:lstStyle/>
           <a:p>
             <a:pPr marL="12700" algn="ctr"/>
-            <a:r>
-              <a:rPr lang="fr-FR" sz="2400" dirty="0"/>
-              <a:t/>
-            </a:r>
             <a:br>
               <a:rPr lang="fr-FR" sz="2400" dirty="0"/>
             </a:br>
@@ -9328,11 +8922,7 @@
             </a:r>
             <a:r>
               <a:rPr lang="fr-FR" sz="2400" dirty="0"/>
-              <a:t> and Alter a </a:t>
-            </a:r>
-            <a:r>
-              <a:rPr lang="fr-FR" sz="2400" dirty="0" smtClean="0"/>
-              <a:t>Table.</a:t>
+              <a:t> and Alter a Table.</a:t>
             </a:r>
             <a:r>
               <a:rPr lang="fr-FR" sz="2400" dirty="0">
@@ -9373,13 +8963,8 @@
             </a:r>
             <a:r>
               <a:rPr lang="fr-FR" sz="2400" dirty="0"/>
-              <a:t> and Alter an </a:t>
-            </a:r>
-            <a:r>
-              <a:rPr lang="fr-FR" sz="2400" dirty="0" smtClean="0"/>
-              <a:t>Index.</a:t>
-            </a:r>
-            <a:endParaRPr lang="fr-FR" sz="2400" dirty="0"/>
+              <a:t> and Alter an Index.</a:t>
+            </a:r>
           </a:p>
           <a:p>
             <a:pPr marL="800100" lvl="1" indent="-342900">
@@ -9411,13 +8996,8 @@
             </a:r>
             <a:r>
               <a:rPr lang="fr-FR" sz="2400" dirty="0"/>
-              <a:t> a </a:t>
-            </a:r>
-            <a:r>
-              <a:rPr lang="fr-FR" sz="2400" dirty="0" smtClean="0"/>
-              <a:t>Vue.</a:t>
-            </a:r>
-            <a:endParaRPr lang="fr-FR" sz="2400" dirty="0"/>
+              <a:t> a Vue.</a:t>
+            </a:r>
           </a:p>
           <a:p>
             <a:pPr marL="800100" lvl="1" indent="-342900">
@@ -9452,18 +9032,13 @@
               <a:t> </a:t>
             </a:r>
             <a:r>
-              <a:rPr lang="fr-FR" sz="2400" dirty="0" smtClean="0">
+              <a:rPr lang="fr-FR" sz="2400" dirty="0">
                 <a:solidFill>
                   <a:prstClr val="black"/>
                 </a:solidFill>
               </a:rPr>
               <a:t>Triggers.</a:t>
             </a:r>
-            <a:endParaRPr lang="fr-FR" sz="2400" dirty="0">
-              <a:solidFill>
-                <a:prstClr val="black"/>
-              </a:solidFill>
-            </a:endParaRPr>
           </a:p>
         </p:txBody>
       </p:sp>
@@ -9629,13 +9204,6 @@
   <p:transition spd="slow">
     <p:push dir="u"/>
   </p:transition>
-  <p:timing>
-    <p:tnLst>
-      <p:par>
-        <p:cTn id="1" dur="indefinite" restart="never" nodeType="tmRoot"/>
-      </p:par>
-    </p:tnLst>
-  </p:timing>
 </p:sld>
 </file>
 
@@ -9874,13 +9442,6 @@
   <p:clrMapOvr>
     <a:masterClrMapping/>
   </p:clrMapOvr>
-  <p:timing>
-    <p:tnLst>
-      <p:par>
-        <p:cTn id="1" dur="indefinite" restart="never" nodeType="tmRoot"/>
-      </p:par>
-    </p:tnLst>
-  </p:timing>
 </p:sld>
 </file>
 
@@ -10126,13 +9687,6 @@
   <p:clrMapOvr>
     <a:masterClrMapping/>
   </p:clrMapOvr>
-  <p:timing>
-    <p:tnLst>
-      <p:par>
-        <p:cTn id="1" dur="indefinite" restart="never" nodeType="tmRoot"/>
-      </p:par>
-    </p:tnLst>
-  </p:timing>
 </p:sld>
 </file>
 
@@ -10306,12 +9860,8 @@
               <a:buAutoNum type="arabicPeriod"/>
             </a:pPr>
             <a:r>
-              <a:rPr lang="en-US" sz="2400" dirty="0" smtClean="0"/>
-              <a:t>Execute </a:t>
-            </a:r>
-            <a:r>
               <a:rPr lang="en-US" sz="2400" dirty="0"/>
-              <a:t>the code </a:t>
+              <a:t>Execute the code </a:t>
             </a:r>
           </a:p>
         </p:txBody>
@@ -10356,13 +9906,6 @@
   <p:clrMapOvr>
     <a:masterClrMapping/>
   </p:clrMapOvr>
-  <p:timing>
-    <p:tnLst>
-      <p:par>
-        <p:cTn id="1" dur="indefinite" restart="never" nodeType="tmRoot"/>
-      </p:par>
-    </p:tnLst>
-  </p:timing>
 </p:sld>
 </file>
 
@@ -10489,10 +10032,6 @@
           <a:lstStyle/>
           <a:p>
             <a:pPr marL="12700" algn="ctr"/>
-            <a:r>
-              <a:rPr lang="fr-FR" sz="2400" dirty="0"/>
-              <a:t/>
-            </a:r>
             <a:br>
               <a:rPr lang="fr-FR" sz="2400" dirty="0"/>
             </a:br>
@@ -10566,13 +10105,8 @@
             </a:pPr>
             <a:r>
               <a:rPr lang="en-US" sz="2400" dirty="0"/>
-              <a:t>Right-click </a:t>
-            </a:r>
-            <a:r>
-              <a:rPr lang="en-US" sz="2400" dirty="0" smtClean="0"/>
-              <a:t>on the table </a:t>
-            </a:r>
-            <a:endParaRPr lang="en-US" sz="2400" dirty="0"/>
+              <a:t>Right-click on the table </a:t>
+            </a:r>
           </a:p>
           <a:p>
             <a:pPr marL="342900" indent="-342900">
@@ -10599,13 +10133,6 @@
   <p:clrMapOvr>
     <a:masterClrMapping/>
   </p:clrMapOvr>
-  <p:timing>
-    <p:tnLst>
-      <p:par>
-        <p:cTn id="1" dur="indefinite" restart="never" nodeType="tmRoot"/>
-      </p:par>
-    </p:tnLst>
-  </p:timing>
 </p:sld>
 </file>
 
@@ -10732,10 +10259,6 @@
           <a:lstStyle/>
           <a:p>
             <a:pPr marL="12700" algn="ctr"/>
-            <a:r>
-              <a:rPr lang="fr-FR" sz="2400" dirty="0"/>
-              <a:t/>
-            </a:r>
             <a:br>
               <a:rPr lang="fr-FR" sz="2400" dirty="0"/>
             </a:br>
@@ -10792,13 +10315,8 @@
             </a:pPr>
             <a:r>
               <a:rPr lang="en-US" sz="2400" dirty="0"/>
-              <a:t>Fill the row </a:t>
-            </a:r>
-            <a:r>
-              <a:rPr lang="en-US" sz="2400" dirty="0" smtClean="0"/>
-              <a:t>with types </a:t>
-            </a:r>
-            <a:endParaRPr lang="en-US" sz="2400" dirty="0"/>
+              <a:t>Fill the row with types </a:t>
+            </a:r>
           </a:p>
           <a:p>
             <a:pPr marL="342900" indent="-342900">
@@ -10855,13 +10373,6 @@
   <p:clrMapOvr>
     <a:masterClrMapping/>
   </p:clrMapOvr>
-  <p:timing>
-    <p:tnLst>
-      <p:par>
-        <p:cTn id="1" dur="indefinite" restart="never" nodeType="tmRoot"/>
-      </p:par>
-    </p:tnLst>
-  </p:timing>
 </p:sld>
 </file>
 
@@ -10988,10 +10499,6 @@
           <a:lstStyle/>
           <a:p>
             <a:pPr marL="12700" algn="ctr"/>
-            <a:r>
-              <a:rPr lang="fr-FR" sz="2400" dirty="0"/>
-              <a:t/>
-            </a:r>
             <a:br>
               <a:rPr lang="fr-FR" sz="2400" dirty="0"/>
             </a:br>
@@ -11035,13 +10542,8 @@
             </a:pPr>
             <a:r>
               <a:rPr lang="en-US" sz="2400" dirty="0"/>
-              <a:t>Write the query </a:t>
-            </a:r>
-            <a:r>
-              <a:rPr lang="en-US" sz="2400" dirty="0" smtClean="0"/>
-              <a:t>“alter table”  </a:t>
-            </a:r>
-            <a:endParaRPr lang="en-US" sz="2400" dirty="0"/>
+              <a:t>Write the query “alter table”  </a:t>
+            </a:r>
           </a:p>
           <a:p>
             <a:pPr marL="342900" indent="-342900">
@@ -11098,13 +10600,6 @@
   <p:clrMapOvr>
     <a:masterClrMapping/>
   </p:clrMapOvr>
-  <p:timing>
-    <p:tnLst>
-      <p:par>
-        <p:cTn id="1" dur="indefinite" restart="never" nodeType="tmRoot"/>
-      </p:par>
-    </p:tnLst>
-  </p:timing>
 </p:sld>
 </file>
 
@@ -11212,13 +10707,6 @@
   <p:clrMapOvr>
     <a:masterClrMapping/>
   </p:clrMapOvr>
-  <p:timing>
-    <p:tnLst>
-      <p:par>
-        <p:cTn id="1" dur="indefinite" restart="never" nodeType="tmRoot"/>
-      </p:par>
-    </p:tnLst>
-  </p:timing>
 </p:sld>
 </file>
 
@@ -11412,13 +10900,8 @@
             </a:pPr>
             <a:r>
               <a:rPr lang="en-US" sz="2400" dirty="0"/>
-              <a:t>Select </a:t>
-            </a:r>
-            <a:r>
-              <a:rPr lang="en-US" sz="2400" dirty="0" smtClean="0"/>
-              <a:t>the table </a:t>
-            </a:r>
-            <a:endParaRPr lang="en-US" sz="2400" dirty="0"/>
+              <a:t>Select the table </a:t>
+            </a:r>
           </a:p>
           <a:p>
             <a:pPr marL="457200" indent="-457200">
@@ -11458,13 +10941,6 @@
   <p:clrMapOvr>
     <a:masterClrMapping/>
   </p:clrMapOvr>
-  <p:timing>
-    <p:tnLst>
-      <p:par>
-        <p:cTn id="1" dur="indefinite" restart="never" nodeType="tmRoot"/>
-      </p:par>
-    </p:tnLst>
-  </p:timing>
 </p:sld>
 </file>
 
@@ -11688,13 +11164,6 @@
   <p:clrMapOvr>
     <a:masterClrMapping/>
   </p:clrMapOvr>
-  <p:timing>
-    <p:tnLst>
-      <p:par>
-        <p:cTn id="1" dur="indefinite" restart="never" nodeType="tmRoot"/>
-      </p:par>
-    </p:tnLst>
-  </p:timing>
 </p:sld>
 </file>
 
@@ -11953,13 +11422,6 @@
   <p:clrMapOvr>
     <a:masterClrMapping/>
   </p:clrMapOvr>
-  <p:timing>
-    <p:tnLst>
-      <p:par>
-        <p:cTn id="1" dur="indefinite" restart="never" nodeType="tmRoot"/>
-      </p:par>
-    </p:tnLst>
-  </p:timing>
 </p:sld>
 </file>
 
@@ -12166,13 +11628,6 @@
   <p:clrMapOvr>
     <a:masterClrMapping/>
   </p:clrMapOvr>
-  <p:timing>
-    <p:tnLst>
-      <p:par>
-        <p:cTn id="1" dur="indefinite" restart="never" nodeType="tmRoot"/>
-      </p:par>
-    </p:tnLst>
-  </p:timing>
 </p:sld>
 </file>
 
@@ -12392,13 +11847,6 @@
   <p:clrMapOvr>
     <a:masterClrMapping/>
   </p:clrMapOvr>
-  <p:timing>
-    <p:tnLst>
-      <p:par>
-        <p:cTn id="1" dur="indefinite" restart="never" nodeType="tmRoot"/>
-      </p:par>
-    </p:tnLst>
-  </p:timing>
 </p:sld>
 </file>
 
@@ -12632,13 +12080,6 @@
   <p:clrMapOvr>
     <a:masterClrMapping/>
   </p:clrMapOvr>
-  <p:timing>
-    <p:tnLst>
-      <p:par>
-        <p:cTn id="1" dur="indefinite" restart="never" nodeType="tmRoot"/>
-      </p:par>
-    </p:tnLst>
-  </p:timing>
 </p:sld>
 </file>
 
@@ -12861,13 +12302,6 @@
   <p:clrMapOvr>
     <a:masterClrMapping/>
   </p:clrMapOvr>
-  <p:timing>
-    <p:tnLst>
-      <p:par>
-        <p:cTn id="1" dur="indefinite" restart="never" nodeType="tmRoot"/>
-      </p:par>
-    </p:tnLst>
-  </p:timing>
 </p:sld>
 </file>
 
@@ -13064,13 +12498,6 @@
   <p:clrMapOvr>
     <a:masterClrMapping/>
   </p:clrMapOvr>
-  <p:timing>
-    <p:tnLst>
-      <p:par>
-        <p:cTn id="1" dur="indefinite" restart="never" nodeType="tmRoot"/>
-      </p:par>
-    </p:tnLst>
-  </p:timing>
 </p:sld>
 </file>
 
@@ -13218,13 +12645,6 @@
   <p:clrMapOvr>
     <a:masterClrMapping/>
   </p:clrMapOvr>
-  <p:timing>
-    <p:tnLst>
-      <p:par>
-        <p:cTn id="1" dur="indefinite" restart="never" nodeType="tmRoot"/>
-      </p:par>
-    </p:tnLst>
-  </p:timing>
 </p:sld>
 </file>
 
@@ -13421,13 +12841,6 @@
   <p:clrMapOvr>
     <a:masterClrMapping/>
   </p:clrMapOvr>
-  <p:timing>
-    <p:tnLst>
-      <p:par>
-        <p:cTn id="1" dur="indefinite" restart="never" nodeType="tmRoot"/>
-      </p:par>
-    </p:tnLst>
-  </p:timing>
 </p:sld>
 </file>
 
@@ -13592,23 +13005,6 @@
               <a:tabLst/>
               <a:defRPr/>
             </a:pPr>
-            <a:r>
-              <a:rPr kumimoji="0" lang="fr-FR" sz="2400" b="0" i="0" u="none" strike="noStrike" kern="1200" cap="none" spc="0" normalizeH="0" baseline="0" noProof="0" dirty="0">
-                <a:ln>
-                  <a:noFill/>
-                </a:ln>
-                <a:solidFill>
-                  <a:prstClr val="black"/>
-                </a:solidFill>
-                <a:effectLst/>
-                <a:uLnTx/>
-                <a:uFillTx/>
-                <a:latin typeface="Calibri" panose="020F0502020204030204"/>
-                <a:ea typeface="+mn-ea"/>
-                <a:cs typeface="+mn-cs"/>
-              </a:rPr>
-              <a:t/>
-            </a:r>
             <a:br>
               <a:rPr kumimoji="0" lang="fr-FR" sz="2400" b="0" i="0" u="none" strike="noStrike" kern="1200" cap="none" spc="0" normalizeH="0" baseline="0" noProof="0" dirty="0">
                 <a:ln>
@@ -13672,15 +13068,7 @@
                   <a:prstClr val="black"/>
                 </a:solidFill>
               </a:rPr>
-              <a:t>A Database Management System (DBMS) is a software package designed to store, retrieve, define, and manage data in a database</a:t>
-            </a:r>
-            <a:r>
-              <a:rPr lang="en-US" sz="2400" dirty="0" smtClean="0">
-                <a:solidFill>
-                  <a:prstClr val="black"/>
-                </a:solidFill>
-              </a:rPr>
-              <a:t>.</a:t>
+              <a:t>A Database Management System (DBMS) is a software package designed to store, retrieve, define, and manage data in a database.</a:t>
             </a:r>
           </a:p>
           <a:p>
@@ -13703,15 +13091,7 @@
                   <a:prstClr val="black"/>
                 </a:solidFill>
               </a:rPr>
-              <a:t>The DBMS manages incoming data, organizes it, and provides ways for the data to be modified or extracted by users or other programs</a:t>
-            </a:r>
-            <a:r>
-              <a:rPr lang="en-US" sz="2400" dirty="0" smtClean="0">
-                <a:solidFill>
-                  <a:prstClr val="black"/>
-                </a:solidFill>
-              </a:rPr>
-              <a:t>. </a:t>
+              <a:t>The DBMS manages incoming data, organizes it, and provides ways for the data to be modified or extracted by users or other programs. </a:t>
             </a:r>
             <a:endParaRPr kumimoji="0" lang="fr-FR" sz="2400" b="0" i="0" u="none" strike="noStrike" kern="1200" cap="none" spc="0" normalizeH="0" baseline="0" noProof="0" dirty="0">
               <a:ln>
@@ -13741,13 +13121,6 @@
   <p:transition spd="med">
     <p:pull/>
   </p:transition>
-  <p:timing>
-    <p:tnLst>
-      <p:par>
-        <p:cTn id="1" dur="indefinite" restart="never" nodeType="tmRoot"/>
-      </p:par>
-    </p:tnLst>
-  </p:timing>
 </p:sld>
 </file>
 
@@ -13931,13 +13304,6 @@
   <p:clrMapOvr>
     <a:masterClrMapping/>
   </p:clrMapOvr>
-  <p:timing>
-    <p:tnLst>
-      <p:par>
-        <p:cTn id="1" dur="indefinite" restart="never" nodeType="tmRoot"/>
-      </p:par>
-    </p:tnLst>
-  </p:timing>
 </p:sld>
 </file>
 
@@ -14145,13 +13511,6 @@
   <p:clrMapOvr>
     <a:masterClrMapping/>
   </p:clrMapOvr>
-  <p:timing>
-    <p:tnLst>
-      <p:par>
-        <p:cTn id="1" dur="indefinite" restart="never" nodeType="tmRoot"/>
-      </p:par>
-    </p:tnLst>
-  </p:timing>
 </p:sld>
 </file>
 
@@ -14358,13 +13717,6 @@
   <p:clrMapOvr>
     <a:masterClrMapping/>
   </p:clrMapOvr>
-  <p:timing>
-    <p:tnLst>
-      <p:par>
-        <p:cTn id="1" dur="indefinite" restart="never" nodeType="tmRoot"/>
-      </p:par>
-    </p:tnLst>
-  </p:timing>
 </p:sld>
 </file>
 
@@ -14558,13 +13910,6 @@
   <p:clrMapOvr>
     <a:masterClrMapping/>
   </p:clrMapOvr>
-  <p:timing>
-    <p:tnLst>
-      <p:par>
-        <p:cTn id="1" dur="indefinite" restart="never" nodeType="tmRoot"/>
-      </p:par>
-    </p:tnLst>
-  </p:timing>
 </p:sld>
 </file>
 
@@ -14656,13 +14001,6 @@
   <p:clrMapOvr>
     <a:masterClrMapping/>
   </p:clrMapOvr>
-  <p:timing>
-    <p:tnLst>
-      <p:par>
-        <p:cTn id="1" dur="indefinite" restart="never" nodeType="tmRoot"/>
-      </p:par>
-    </p:tnLst>
-  </p:timing>
 </p:sld>
 </file>
 
@@ -14817,10 +14155,6 @@
           <a:lstStyle/>
           <a:p>
             <a:pPr marL="12700" algn="ctr"/>
-            <a:r>
-              <a:rPr lang="fr-FR" sz="2400" dirty="0"/>
-              <a:t/>
-            </a:r>
             <a:br>
               <a:rPr lang="fr-FR" sz="2400" dirty="0"/>
             </a:br>
@@ -15025,13 +14359,6 @@
   <p:transition spd="slow">
     <p:cover/>
   </p:transition>
-  <p:timing>
-    <p:tnLst>
-      <p:par>
-        <p:cTn id="1" dur="indefinite" restart="never" nodeType="tmRoot"/>
-      </p:par>
-    </p:tnLst>
-  </p:timing>
 </p:sld>
 </file>
 
@@ -15285,13 +14612,6 @@
   <p:clrMapOvr>
     <a:masterClrMapping/>
   </p:clrMapOvr>
-  <p:timing>
-    <p:tnLst>
-      <p:par>
-        <p:cTn id="1" dur="indefinite" restart="never" nodeType="tmRoot"/>
-      </p:par>
-    </p:tnLst>
-  </p:timing>
 </p:sld>
 </file>
 
@@ -15519,13 +14839,6 @@
   <p:clrMapOvr>
     <a:masterClrMapping/>
   </p:clrMapOvr>
-  <p:timing>
-    <p:tnLst>
-      <p:par>
-        <p:cTn id="1" dur="indefinite" restart="never" nodeType="tmRoot"/>
-      </p:par>
-    </p:tnLst>
-  </p:timing>
 </p:sld>
 </file>
 
@@ -15906,13 +15219,6 @@
   <p:clrMapOvr>
     <a:masterClrMapping/>
   </p:clrMapOvr>
-  <p:timing>
-    <p:tnLst>
-      <p:par>
-        <p:cTn id="1" dur="indefinite" restart="never" nodeType="tmRoot"/>
-      </p:par>
-    </p:tnLst>
-  </p:timing>
 </p:sld>
 </file>
 
@@ -16282,13 +15588,6 @@
   <p:clrMapOvr>
     <a:masterClrMapping/>
   </p:clrMapOvr>
-  <p:timing>
-    <p:tnLst>
-      <p:par>
-        <p:cTn id="1" dur="indefinite" restart="never" nodeType="tmRoot"/>
-      </p:par>
-    </p:tnLst>
-  </p:timing>
 </p:sld>
 </file>
 
@@ -16453,23 +15752,6 @@
               <a:tabLst/>
               <a:defRPr/>
             </a:pPr>
-            <a:r>
-              <a:rPr kumimoji="0" lang="fr-FR" sz="2400" b="0" i="0" u="none" strike="noStrike" kern="1200" cap="none" spc="0" normalizeH="0" baseline="0" noProof="0" dirty="0">
-                <a:ln>
-                  <a:noFill/>
-                </a:ln>
-                <a:solidFill>
-                  <a:prstClr val="black"/>
-                </a:solidFill>
-                <a:effectLst/>
-                <a:uLnTx/>
-                <a:uFillTx/>
-                <a:latin typeface="Calibri" panose="020F0502020204030204"/>
-                <a:ea typeface="+mn-ea"/>
-                <a:cs typeface="+mn-cs"/>
-              </a:rPr>
-              <a:t/>
-            </a:r>
             <a:br>
               <a:rPr kumimoji="0" lang="fr-FR" sz="2400" b="0" i="0" u="none" strike="noStrike" kern="1200" cap="none" spc="0" normalizeH="0" baseline="0" noProof="0" dirty="0">
                 <a:ln>
@@ -16546,13 +15828,6 @@
   <p:transition spd="med">
     <p:pull/>
   </p:transition>
-  <p:timing>
-    <p:tnLst>
-      <p:par>
-        <p:cTn id="1" dur="indefinite" restart="never" nodeType="tmRoot"/>
-      </p:par>
-    </p:tnLst>
-  </p:timing>
 </p:sld>
 </file>
 
@@ -16765,13 +16040,6 @@
   <p:clrMapOvr>
     <a:masterClrMapping/>
   </p:clrMapOvr>
-  <p:timing>
-    <p:tnLst>
-      <p:par>
-        <p:cTn id="1" dur="indefinite" restart="never" nodeType="tmRoot"/>
-      </p:par>
-    </p:tnLst>
-  </p:timing>
 </p:sld>
 </file>
 
@@ -16999,13 +16267,6 @@
   <p:clrMapOvr>
     <a:masterClrMapping/>
   </p:clrMapOvr>
-  <p:timing>
-    <p:tnLst>
-      <p:par>
-        <p:cTn id="1" dur="indefinite" restart="never" nodeType="tmRoot"/>
-      </p:par>
-    </p:tnLst>
-  </p:timing>
 </p:sld>
 </file>
 
@@ -17246,13 +16507,6 @@
   <p:clrMapOvr>
     <a:masterClrMapping/>
   </p:clrMapOvr>
-  <p:timing>
-    <p:tnLst>
-      <p:par>
-        <p:cTn id="1" dur="indefinite" restart="never" nodeType="tmRoot"/>
-      </p:par>
-    </p:tnLst>
-  </p:timing>
 </p:sld>
 </file>
 
@@ -17480,13 +16734,6 @@
   <p:clrMapOvr>
     <a:masterClrMapping/>
   </p:clrMapOvr>
-  <p:timing>
-    <p:tnLst>
-      <p:par>
-        <p:cTn id="1" dur="indefinite" restart="never" nodeType="tmRoot"/>
-      </p:par>
-    </p:tnLst>
-  </p:timing>
 </p:sld>
 </file>
 
@@ -17601,13 +16848,6 @@
   <p:clrMapOvr>
     <a:masterClrMapping/>
   </p:clrMapOvr>
-  <p:timing>
-    <p:tnLst>
-      <p:par>
-        <p:cTn id="1" dur="indefinite" restart="never" nodeType="tmRoot"/>
-      </p:par>
-    </p:tnLst>
-  </p:timing>
 </p:sld>
 </file>
 
@@ -17797,13 +17037,6 @@
   <p:transition spd="slow">
     <p:push dir="u"/>
   </p:transition>
-  <p:timing>
-    <p:tnLst>
-      <p:par>
-        <p:cTn id="1" dur="indefinite" restart="never" nodeType="tmRoot"/>
-      </p:par>
-    </p:tnLst>
-  </p:timing>
 </p:sld>
 </file>
 
@@ -17918,13 +17151,6 @@
   <p:clrMapOvr>
     <a:masterClrMapping/>
   </p:clrMapOvr>
-  <p:timing>
-    <p:tnLst>
-      <p:par>
-        <p:cTn id="1" dur="indefinite" restart="never" nodeType="tmRoot"/>
-      </p:par>
-    </p:tnLst>
-  </p:timing>
 </p:sld>
 </file>
 
@@ -18316,13 +17542,6 @@
   <p:transition spd="slow">
     <p:cover/>
   </p:transition>
-  <p:timing>
-    <p:tnLst>
-      <p:par>
-        <p:cTn id="1" dur="indefinite" restart="never" nodeType="tmRoot"/>
-      </p:par>
-    </p:tnLst>
-  </p:timing>
 </p:sld>
 </file>
 
@@ -18373,10 +17592,6 @@
           <a:lstStyle/>
           <a:p>
             <a:pPr marL="12700" algn="ctr"/>
-            <a:r>
-              <a:rPr lang="fr-FR" sz="2400" dirty="0"/>
-              <a:t/>
-            </a:r>
             <a:br>
               <a:rPr lang="fr-FR" sz="2400" dirty="0"/>
             </a:br>
@@ -18741,7 +17956,7 @@
           </a:lstStyle>
           <a:p>
             <a:r>
-              <a:rPr lang="fr-FR" sz="3800" dirty="0" smtClean="0">
+              <a:rPr lang="fr-FR" sz="3800" dirty="0">
                 <a:solidFill>
                   <a:prstClr val="black">
                     <a:lumMod val="85000"/>
@@ -19019,13 +18234,6 @@
   <p:transition spd="slow">
     <p:push dir="u"/>
   </p:transition>
-  <p:timing>
-    <p:tnLst>
-      <p:par>
-        <p:cTn id="1" dur="indefinite" restart="never" nodeType="tmRoot"/>
-      </p:par>
-    </p:tnLst>
-  </p:timing>
 </p:sld>
 </file>
 
@@ -19076,10 +18284,6 @@
           <a:lstStyle/>
           <a:p>
             <a:pPr marL="12700" algn="ctr"/>
-            <a:r>
-              <a:rPr lang="fr-FR" sz="2400" dirty="0"/>
-              <a:t/>
-            </a:r>
             <a:br>
               <a:rPr lang="fr-FR" sz="2400" dirty="0"/>
             </a:br>
@@ -19408,7 +18612,7 @@
           </a:lstStyle>
           <a:p>
             <a:r>
-              <a:rPr lang="fr-FR" sz="3800" dirty="0" smtClean="0">
+              <a:rPr lang="fr-FR" sz="3800" dirty="0">
                 <a:solidFill>
                   <a:prstClr val="black">
                     <a:lumMod val="85000"/>
@@ -19418,20 +18622,7 @@
                 <a:latin typeface="Segoe UI" panose="020B0502040204020203" pitchFamily="34" charset="0"/>
                 <a:cs typeface="Segoe UI" panose="020B0502040204020203" pitchFamily="34" charset="0"/>
               </a:rPr>
-              <a:t>Transactions </a:t>
-            </a:r>
-            <a:r>
-              <a:rPr lang="fr-FR" sz="3800" dirty="0">
-                <a:solidFill>
-                  <a:prstClr val="black">
-                    <a:lumMod val="85000"/>
-                    <a:lumOff val="15000"/>
-                  </a:prstClr>
-                </a:solidFill>
-                <a:latin typeface="Segoe UI" panose="020B0502040204020203" pitchFamily="34" charset="0"/>
-                <a:cs typeface="Segoe UI" panose="020B0502040204020203" pitchFamily="34" charset="0"/>
-              </a:rPr>
-              <a:t>Types</a:t>
+              <a:t>Transactions Types</a:t>
             </a:r>
             <a:endParaRPr lang="fr-FR" sz="3800" dirty="0">
               <a:solidFill>
@@ -19496,13 +18687,6 @@
   <p:transition spd="slow">
     <p:cover/>
   </p:transition>
-  <p:timing>
-    <p:tnLst>
-      <p:par>
-        <p:cTn id="1" dur="indefinite" restart="never" nodeType="tmRoot"/>
-      </p:par>
-    </p:tnLst>
-  </p:timing>
 </p:sld>
 </file>
 
@@ -19660,7 +18844,7 @@
               <a:defRPr/>
             </a:pPr>
             <a:r>
-              <a:rPr kumimoji="0" lang="en-US" sz="2400" b="1" i="0" u="none" strike="noStrike" kern="1200" cap="none" spc="0" normalizeH="0" baseline="0" noProof="0" dirty="0" smtClean="0">
+              <a:rPr kumimoji="0" lang="en-US" sz="2400" b="1" i="0" u="none" strike="noStrike" kern="1200" cap="none" spc="0" normalizeH="0" baseline="0" noProof="0" dirty="0">
                 <a:ln>
                   <a:noFill/>
                 </a:ln>
@@ -19674,24 +18858,7 @@
                 <a:ea typeface="+mn-ea"/>
                 <a:cs typeface="+mn-cs"/>
               </a:rPr>
-              <a:t> </a:t>
-            </a:r>
-            <a:r>
-              <a:rPr kumimoji="0" lang="en-US" sz="2400" b="1" i="0" u="none" strike="noStrike" kern="1200" cap="none" spc="0" normalizeH="0" baseline="0" noProof="0" dirty="0">
-                <a:ln>
-                  <a:noFill/>
-                </a:ln>
-                <a:solidFill>
-                  <a:prstClr val="black"/>
-                </a:solidFill>
-                <a:effectLst/>
-                <a:uLnTx/>
-                <a:uFillTx/>
-                <a:latin typeface="Calibri" panose="020F0502020204030204"/>
-                <a:ea typeface="+mn-ea"/>
-                <a:cs typeface="+mn-cs"/>
-              </a:rPr>
-              <a:t>Proprietary system</a:t>
+              <a:t> Proprietary system</a:t>
             </a:r>
           </a:p>
           <a:p>
@@ -19704,7 +18871,7 @@
               <a:defRPr/>
             </a:pPr>
             <a:r>
-              <a:rPr kumimoji="0" lang="fr-FR" sz="2400" b="0" i="0" u="none" strike="noStrike" kern="1200" cap="none" spc="0" normalizeH="0" baseline="0" noProof="0" dirty="0" smtClean="0">
+              <a:rPr kumimoji="0" lang="fr-FR" sz="2400" b="0" i="0" u="none" strike="noStrike" kern="1200" cap="none" spc="0" normalizeH="0" baseline="0" noProof="0" dirty="0">
                 <a:ln>
                   <a:noFill/>
                 </a:ln>
@@ -19762,7 +18929,7 @@
               <a:defRPr/>
             </a:pPr>
             <a:r>
-              <a:rPr kumimoji="0" lang="fr-FR" sz="2400" b="0" i="0" u="none" strike="noStrike" kern="1200" cap="none" spc="0" normalizeH="0" baseline="0" noProof="0" dirty="0" smtClean="0">
+              <a:rPr kumimoji="0" lang="fr-FR" sz="2400" b="0" i="0" u="none" strike="noStrike" kern="1200" cap="none" spc="0" normalizeH="0" baseline="0" noProof="0" dirty="0">
                 <a:ln>
                   <a:noFill/>
                 </a:ln>
@@ -19776,24 +18943,7 @@
                 <a:ea typeface="+mn-ea"/>
                 <a:cs typeface="+mn-cs"/>
               </a:rPr>
-              <a:t>Microsoft </a:t>
-            </a:r>
-            <a:r>
-              <a:rPr kumimoji="0" lang="fr-FR" sz="2400" b="0" i="0" u="none" strike="noStrike" kern="1200" cap="none" spc="0" normalizeH="0" baseline="0" noProof="0" dirty="0">
-                <a:ln>
-                  <a:noFill/>
-                </a:ln>
-                <a:solidFill>
-                  <a:prstClr val="black"/>
-                </a:solidFill>
-                <a:effectLst/>
-                <a:uLnTx/>
-                <a:uFillTx/>
-                <a:latin typeface="Calibri" panose="020F0502020204030204"/>
-                <a:ea typeface="+mn-ea"/>
-                <a:cs typeface="+mn-cs"/>
-              </a:rPr>
-              <a:t>SQL Server</a:t>
+              <a:t>Microsoft SQL Server</a:t>
             </a:r>
           </a:p>
           <a:p>
@@ -19806,7 +18956,7 @@
               <a:defRPr/>
             </a:pPr>
             <a:r>
-              <a:rPr kumimoji="0" lang="fr-FR" sz="2400" b="1" i="0" u="none" strike="noStrike" kern="1200" cap="none" spc="0" normalizeH="0" baseline="0" noProof="0" dirty="0" err="1" smtClean="0">
+              <a:rPr kumimoji="0" lang="fr-FR" sz="2400" b="1" i="0" u="none" strike="noStrike" kern="1200" cap="none" spc="0" normalizeH="0" baseline="0" noProof="0" dirty="0" err="1">
                 <a:ln>
                   <a:noFill/>
                 </a:ln>
@@ -19847,7 +18997,7 @@
               <a:defRPr/>
             </a:pPr>
             <a:r>
-              <a:rPr kumimoji="0" lang="fr-FR" sz="2400" b="0" i="0" u="none" strike="noStrike" kern="1200" cap="none" spc="0" normalizeH="0" baseline="0" noProof="0" dirty="0" err="1" smtClean="0">
+              <a:rPr kumimoji="0" lang="fr-FR" sz="2400" b="0" i="0" u="none" strike="noStrike" kern="1200" cap="none" spc="0" normalizeH="0" baseline="0" noProof="0" dirty="0" err="1">
                 <a:ln>
                   <a:noFill/>
                 </a:ln>
@@ -19888,7 +19038,7 @@
               <a:defRPr/>
             </a:pPr>
             <a:r>
-              <a:rPr kumimoji="0" lang="fr-FR" sz="2400" b="0" i="0" u="none" strike="noStrike" kern="1200" cap="none" spc="0" normalizeH="0" baseline="0" noProof="0" dirty="0" smtClean="0">
+              <a:rPr kumimoji="0" lang="fr-FR" sz="2400" b="0" i="0" u="none" strike="noStrike" kern="1200" cap="none" spc="0" normalizeH="0" baseline="0" noProof="0" dirty="0">
                 <a:ln>
                   <a:noFill/>
                 </a:ln>
@@ -19905,7 +19055,7 @@
               <a:t> </a:t>
             </a:r>
             <a:r>
-              <a:rPr kumimoji="0" lang="fr-FR" sz="2400" b="0" i="0" u="none" strike="noStrike" kern="1200" cap="none" spc="0" normalizeH="0" baseline="0" noProof="0" dirty="0" err="1" smtClean="0">
+              <a:rPr kumimoji="0" lang="fr-FR" sz="2400" b="0" i="0" u="none" strike="noStrike" kern="1200" cap="none" spc="0" normalizeH="0" baseline="0" noProof="0" dirty="0" err="1">
                 <a:ln>
                   <a:noFill/>
                 </a:ln>
@@ -20068,7 +19218,7 @@
               <a:t> </a:t>
             </a:r>
             <a:r>
-              <a:rPr lang="fr-FR" sz="2900" dirty="0" err="1" smtClean="0">
+              <a:rPr lang="fr-FR" sz="2900" dirty="0" err="1">
                 <a:solidFill>
                   <a:prstClr val="black">
                     <a:lumMod val="85000"/>
@@ -20081,7 +19231,7 @@
               <a:t>include</a:t>
             </a:r>
             <a:r>
-              <a:rPr lang="fr-FR" sz="2900" dirty="0" smtClean="0">
+              <a:rPr lang="fr-FR" sz="2900" dirty="0">
                 <a:solidFill>
                   <a:prstClr val="black">
                     <a:lumMod val="85000"/>
@@ -20159,12 +19309,48 @@
               <a:defRPr/>
             </a:pPr>
             <a:r>
-              <a:rPr lang="fr-FR" sz="2400" dirty="0" smtClean="0">
+              <a:rPr lang="fr-FR" sz="2400" dirty="0">
                 <a:solidFill>
                   <a:prstClr val="black"/>
                 </a:solidFill>
               </a:rPr>
               <a:t>MySQL </a:t>
+            </a:r>
+          </a:p>
+          <a:p>
+            <a:pPr marL="1714500" lvl="3" indent="-342900">
+              <a:lnSpc>
+                <a:spcPct val="150000"/>
+              </a:lnSpc>
+              <a:buFont typeface="Arial" panose="020B0604020202020204" pitchFamily="34" charset="0"/>
+              <a:buChar char="•"/>
+              <a:defRPr/>
+            </a:pPr>
+            <a:r>
+              <a:rPr lang="fr-FR" sz="2400" dirty="0">
+                <a:solidFill>
+                  <a:prstClr val="black"/>
+                </a:solidFill>
+              </a:rPr>
+              <a:t>PostgreSQL </a:t>
+            </a:r>
+          </a:p>
+          <a:p>
+            <a:pPr marL="1714500" lvl="3" indent="-342900">
+              <a:lnSpc>
+                <a:spcPct val="150000"/>
+              </a:lnSpc>
+              <a:buFont typeface="Arial" panose="020B0604020202020204" pitchFamily="34" charset="0"/>
+              <a:buChar char="•"/>
+              <a:defRPr/>
+            </a:pPr>
+            <a:r>
+              <a:rPr lang="fr-FR" sz="2400" dirty="0" err="1">
+                <a:solidFill>
+                  <a:prstClr val="black"/>
+                </a:solidFill>
+              </a:rPr>
+              <a:t>MariaDB</a:t>
             </a:r>
             <a:endParaRPr lang="fr-FR" sz="2400" dirty="0">
               <a:solidFill>
@@ -20173,6 +19359,24 @@
             </a:endParaRPr>
           </a:p>
           <a:p>
+            <a:pPr marL="800100" lvl="1" indent="-342900">
+              <a:lnSpc>
+                <a:spcPct val="150000"/>
+              </a:lnSpc>
+              <a:buFont typeface="Courier New" panose="02070309020205020404" pitchFamily="49" charset="0"/>
+              <a:buChar char="o"/>
+              <a:defRPr/>
+            </a:pPr>
+            <a:r>
+              <a:rPr lang="fr-FR" sz="2400" b="1" dirty="0">
+                <a:solidFill>
+                  <a:prstClr val="black"/>
+                </a:solidFill>
+              </a:rPr>
+              <a:t> Embedded</a:t>
+            </a:r>
+          </a:p>
+          <a:p>
             <a:pPr marL="1714500" lvl="3" indent="-342900">
               <a:lnSpc>
                 <a:spcPct val="150000"/>
@@ -20182,71 +19386,7 @@
               <a:defRPr/>
             </a:pPr>
             <a:r>
-              <a:rPr lang="fr-FR" sz="2400" dirty="0" smtClean="0">
-                <a:solidFill>
-                  <a:prstClr val="black"/>
-                </a:solidFill>
-              </a:rPr>
-              <a:t>PostgreSQL </a:t>
-            </a:r>
-            <a:endParaRPr lang="fr-FR" sz="2400" dirty="0">
-              <a:solidFill>
-                <a:prstClr val="black"/>
-              </a:solidFill>
-            </a:endParaRPr>
-          </a:p>
-          <a:p>
-            <a:pPr marL="1714500" lvl="3" indent="-342900">
-              <a:lnSpc>
-                <a:spcPct val="150000"/>
-              </a:lnSpc>
-              <a:buFont typeface="Arial" panose="020B0604020202020204" pitchFamily="34" charset="0"/>
-              <a:buChar char="•"/>
-              <a:defRPr/>
-            </a:pPr>
-            <a:r>
-              <a:rPr lang="fr-FR" sz="2400" dirty="0" err="1" smtClean="0">
-                <a:solidFill>
-                  <a:prstClr val="black"/>
-                </a:solidFill>
-              </a:rPr>
-              <a:t>MariaDB</a:t>
-            </a:r>
-            <a:endParaRPr lang="fr-FR" sz="2400" dirty="0">
-              <a:solidFill>
-                <a:prstClr val="black"/>
-              </a:solidFill>
-            </a:endParaRPr>
-          </a:p>
-          <a:p>
-            <a:pPr marL="800100" lvl="1" indent="-342900">
-              <a:lnSpc>
-                <a:spcPct val="150000"/>
-              </a:lnSpc>
-              <a:buFont typeface="Courier New" panose="02070309020205020404" pitchFamily="49" charset="0"/>
-              <a:buChar char="o"/>
-              <a:defRPr/>
-            </a:pPr>
-            <a:r>
-              <a:rPr lang="fr-FR" sz="2400" b="1" dirty="0">
-                <a:solidFill>
-                  <a:prstClr val="black"/>
-                </a:solidFill>
-              </a:rPr>
-              <a:t> Embedded</a:t>
-            </a:r>
-          </a:p>
-          <a:p>
-            <a:pPr marL="1714500" lvl="3" indent="-342900">
-              <a:lnSpc>
-                <a:spcPct val="150000"/>
-              </a:lnSpc>
-              <a:buFont typeface="Arial" panose="020B0604020202020204" pitchFamily="34" charset="0"/>
-              <a:buChar char="•"/>
-              <a:defRPr/>
-            </a:pPr>
-            <a:r>
-              <a:rPr lang="fr-FR" sz="2400" dirty="0" err="1" smtClean="0">
+              <a:rPr lang="fr-FR" sz="2400" dirty="0" err="1">
                 <a:solidFill>
                   <a:prstClr val="black"/>
                 </a:solidFill>
@@ -20274,13 +19414,6 @@
   <p:transition spd="med">
     <p:pull/>
   </p:transition>
-  <p:timing>
-    <p:tnLst>
-      <p:par>
-        <p:cTn id="1" dur="indefinite" restart="never" nodeType="tmRoot"/>
-      </p:par>
-    </p:tnLst>
-  </p:timing>
 </p:sld>
 </file>
 
@@ -20331,10 +19464,6 @@
           <a:lstStyle/>
           <a:p>
             <a:pPr marL="12700" algn="ctr"/>
-            <a:r>
-              <a:rPr lang="fr-FR" sz="2400" dirty="0"/>
-              <a:t/>
-            </a:r>
             <a:br>
               <a:rPr lang="fr-FR" sz="2400" dirty="0"/>
             </a:br>
@@ -20552,35 +19681,21 @@
                 <a:latin typeface="Lao UI" panose="020B0502040204020203" pitchFamily="34" charset="0"/>
                 <a:cs typeface="Lao UI" panose="020B0502040204020203" pitchFamily="34" charset="0"/>
               </a:rPr>
-              <a:t> </a:t>
-            </a:r>
-            <a:r>
-              <a:rPr lang="fr-FR" sz="2400" b="1" dirty="0" smtClean="0">
+              <a:t> : </a:t>
+            </a:r>
+            <a:r>
+              <a:rPr lang="fr-FR" sz="2400" dirty="0" err="1">
                 <a:latin typeface="Lao UI" panose="020B0502040204020203" pitchFamily="34" charset="0"/>
                 <a:cs typeface="Lao UI" panose="020B0502040204020203" pitchFamily="34" charset="0"/>
               </a:rPr>
-              <a:t>: </a:t>
-            </a:r>
-            <a:r>
-              <a:rPr lang="fr-FR" sz="2400" dirty="0" err="1" smtClean="0">
-                <a:latin typeface="Lao UI" panose="020B0502040204020203" pitchFamily="34" charset="0"/>
-                <a:cs typeface="Lao UI" panose="020B0502040204020203" pitchFamily="34" charset="0"/>
-              </a:rPr>
               <a:t>Two</a:t>
-            </a:r>
-            <a:r>
-              <a:rPr lang="fr-FR" sz="2400" dirty="0" smtClean="0">
-                <a:latin typeface="Lao UI" panose="020B0502040204020203" pitchFamily="34" charset="0"/>
-                <a:cs typeface="Lao UI" panose="020B0502040204020203" pitchFamily="34" charset="0"/>
-              </a:rPr>
-              <a:t> </a:t>
             </a:r>
             <a:r>
               <a:rPr lang="fr-FR" sz="2400" dirty="0">
                 <a:latin typeface="Lao UI" panose="020B0502040204020203" pitchFamily="34" charset="0"/>
                 <a:cs typeface="Lao UI" panose="020B0502040204020203" pitchFamily="34" charset="0"/>
               </a:rPr>
-              <a:t>sessions </a:t>
+              <a:t> sessions </a:t>
             </a:r>
             <a:r>
               <a:rPr lang="fr-FR" sz="2400" dirty="0" err="1">
@@ -20702,7 +19817,7 @@
           </a:lstStyle>
           <a:p>
             <a:r>
-              <a:rPr lang="fr-FR" sz="3800" dirty="0" smtClean="0">
+              <a:rPr lang="fr-FR" sz="3800" dirty="0">
                 <a:solidFill>
                   <a:prstClr val="black">
                     <a:lumMod val="85000"/>
@@ -20712,20 +19827,7 @@
                 <a:latin typeface="Segoe UI" panose="020B0502040204020203" pitchFamily="34" charset="0"/>
                 <a:cs typeface="Segoe UI" panose="020B0502040204020203" pitchFamily="34" charset="0"/>
               </a:rPr>
-              <a:t>BEGIN </a:t>
-            </a:r>
-            <a:r>
-              <a:rPr lang="fr-FR" sz="3800" dirty="0">
-                <a:solidFill>
-                  <a:prstClr val="black">
-                    <a:lumMod val="85000"/>
-                    <a:lumOff val="15000"/>
-                  </a:prstClr>
-                </a:solidFill>
-                <a:latin typeface="Segoe UI" panose="020B0502040204020203" pitchFamily="34" charset="0"/>
-                <a:cs typeface="Segoe UI" panose="020B0502040204020203" pitchFamily="34" charset="0"/>
-              </a:rPr>
-              <a:t>IMMEDIATE</a:t>
+              <a:t>BEGIN IMMEDIATE</a:t>
             </a:r>
             <a:endParaRPr lang="fr-FR" sz="3800" dirty="0">
               <a:solidFill>
@@ -20859,13 +19961,6 @@
       </p:transition>
     </mc:Fallback>
   </mc:AlternateContent>
-  <p:timing>
-    <p:tnLst>
-      <p:par>
-        <p:cTn id="1" dur="indefinite" restart="never" nodeType="tmRoot"/>
-      </p:par>
-    </p:tnLst>
-  </p:timing>
 </p:sld>
 </file>
 
@@ -20972,10 +20067,6 @@
           <a:lstStyle/>
           <a:p>
             <a:pPr marL="12700" algn="ctr"/>
-            <a:r>
-              <a:rPr lang="fr-FR" sz="2400" dirty="0"/>
-              <a:t/>
-            </a:r>
             <a:br>
               <a:rPr lang="fr-FR" sz="2400" dirty="0"/>
             </a:br>
@@ -21193,28 +20284,14 @@
                 <a:latin typeface="Lao UI" panose="020B0502040204020203" pitchFamily="34" charset="0"/>
                 <a:cs typeface="Lao UI" panose="020B0502040204020203" pitchFamily="34" charset="0"/>
               </a:rPr>
-              <a:t> </a:t>
-            </a:r>
-            <a:r>
-              <a:rPr lang="fr-FR" sz="2400" b="1" dirty="0" smtClean="0">
-                <a:latin typeface="Lao UI" panose="020B0502040204020203" pitchFamily="34" charset="0"/>
-                <a:cs typeface="Lao UI" panose="020B0502040204020203" pitchFamily="34" charset="0"/>
-              </a:rPr>
-              <a:t>: </a:t>
-            </a:r>
-            <a:r>
-              <a:rPr lang="en-US" sz="2400" dirty="0" smtClean="0">
-                <a:latin typeface="Lao UI" panose="020B0502040204020203" pitchFamily="34" charset="0"/>
-                <a:cs typeface="Lao UI" panose="020B0502040204020203" pitchFamily="34" charset="0"/>
-              </a:rPr>
-              <a:t>Two </a:t>
+              <a:t> : </a:t>
             </a:r>
             <a:r>
               <a:rPr lang="en-US" sz="2400" dirty="0">
                 <a:latin typeface="Lao UI" panose="020B0502040204020203" pitchFamily="34" charset="0"/>
                 <a:cs typeface="Lao UI" panose="020B0502040204020203" pitchFamily="34" charset="0"/>
               </a:rPr>
-              <a:t>sessions </a:t>
+              <a:t>Two sessions </a:t>
             </a:r>
             <a:r>
               <a:rPr lang="fr-FR" sz="2400" dirty="0" err="1">
@@ -21357,13 +20434,6 @@
   <p:clrMapOvr>
     <a:masterClrMapping/>
   </p:clrMapOvr>
-  <p:timing>
-    <p:tnLst>
-      <p:par>
-        <p:cTn id="1" dur="indefinite" restart="never" nodeType="tmRoot"/>
-      </p:par>
-    </p:tnLst>
-  </p:timing>
 </p:sld>
 </file>
 
@@ -21414,10 +20484,6 @@
           <a:lstStyle/>
           <a:p>
             <a:pPr marL="12700" algn="ctr"/>
-            <a:r>
-              <a:rPr lang="fr-FR" sz="2400" dirty="0"/>
-              <a:t/>
-            </a:r>
             <a:br>
               <a:rPr lang="fr-FR" sz="2400" dirty="0"/>
             </a:br>
@@ -21870,7 +20936,7 @@
           </a:lstStyle>
           <a:p>
             <a:r>
-              <a:rPr lang="fr-FR" sz="3800" dirty="0" smtClean="0">
+              <a:rPr lang="fr-FR" sz="3800" dirty="0">
                 <a:solidFill>
                   <a:prstClr val="black">
                     <a:lumMod val="85000"/>
@@ -21880,20 +20946,7 @@
                 <a:latin typeface="Segoe UI" panose="020B0502040204020203" pitchFamily="34" charset="0"/>
                 <a:cs typeface="Segoe UI" panose="020B0502040204020203" pitchFamily="34" charset="0"/>
               </a:rPr>
-              <a:t>BEGIN and  </a:t>
-            </a:r>
-            <a:r>
-              <a:rPr lang="fr-FR" sz="3800" dirty="0">
-                <a:solidFill>
-                  <a:prstClr val="black">
-                    <a:lumMod val="85000"/>
-                    <a:lumOff val="15000"/>
-                  </a:prstClr>
-                </a:solidFill>
-                <a:latin typeface="Segoe UI" panose="020B0502040204020203" pitchFamily="34" charset="0"/>
-                <a:cs typeface="Segoe UI" panose="020B0502040204020203" pitchFamily="34" charset="0"/>
-              </a:rPr>
-              <a:t>ROLLBACK</a:t>
+              <a:t>BEGIN and  ROLLBACK</a:t>
             </a:r>
             <a:endParaRPr lang="fr-FR" sz="3800" dirty="0">
               <a:solidFill>
@@ -21968,13 +21021,6 @@
       </p:transition>
     </mc:Fallback>
   </mc:AlternateContent>
-  <p:timing>
-    <p:tnLst>
-      <p:par>
-        <p:cTn id="1" dur="indefinite" restart="never" nodeType="tmRoot"/>
-      </p:par>
-    </p:tnLst>
-  </p:timing>
 </p:sld>
 </file>
 
@@ -22045,7 +21091,7 @@
           </a:lstStyle>
           <a:p>
             <a:r>
-              <a:rPr lang="fr-FR" sz="3800" b="1" dirty="0" smtClean="0">
+              <a:rPr lang="fr-FR" sz="3800" b="1" dirty="0">
                 <a:solidFill>
                   <a:prstClr val="black">
                     <a:lumMod val="85000"/>
@@ -22053,18 +21099,7 @@
                   </a:prstClr>
                 </a:solidFill>
               </a:rPr>
-              <a:t>SAVEPOINT </a:t>
-            </a:r>
-            <a:r>
-              <a:rPr lang="fr-FR" sz="3800" b="1" dirty="0">
-                <a:solidFill>
-                  <a:prstClr val="black">
-                    <a:lumMod val="85000"/>
-                    <a:lumOff val="15000"/>
-                  </a:prstClr>
-                </a:solidFill>
-              </a:rPr>
-              <a:t>et ROLLBACK TO</a:t>
+              <a:t>SAVEPOINT et ROLLBACK TO</a:t>
             </a:r>
           </a:p>
         </p:txBody>
@@ -22091,10 +21126,6 @@
           <a:lstStyle/>
           <a:p>
             <a:pPr marL="12700" algn="ctr"/>
-            <a:r>
-              <a:rPr lang="fr-FR" sz="2400" dirty="0"/>
-              <a:t/>
-            </a:r>
             <a:br>
               <a:rPr lang="fr-FR" sz="2400" dirty="0"/>
             </a:br>
@@ -22483,13 +21514,6 @@
       </p:transition>
     </mc:Fallback>
   </mc:AlternateContent>
-  <p:timing>
-    <p:tnLst>
-      <p:par>
-        <p:cTn id="1" dur="indefinite" restart="never" nodeType="tmRoot"/>
-      </p:par>
-    </p:tnLst>
-  </p:timing>
 </p:sld>
 </file>
 
@@ -22540,10 +21564,6 @@
           <a:lstStyle/>
           <a:p>
             <a:pPr marL="12700" algn="ctr"/>
-            <a:r>
-              <a:rPr lang="fr-FR" sz="2400" dirty="0"/>
-              <a:t/>
-            </a:r>
             <a:br>
               <a:rPr lang="fr-FR" sz="2400" dirty="0"/>
             </a:br>
@@ -22917,18 +21937,11 @@
               </a:spcBef>
             </a:pPr>
             <a:r>
-              <a:rPr lang="en-US" sz="3700" dirty="0" smtClean="0">
-                <a:latin typeface="Segoe UI" panose="020B0502040204020203" pitchFamily="34" charset="0"/>
-                <a:cs typeface="Segoe UI" panose="020B0502040204020203" pitchFamily="34" charset="0"/>
-              </a:rPr>
-              <a:t>REPLACE</a:t>
-            </a:r>
-            <a:r>
               <a:rPr lang="en-US" sz="3700" dirty="0">
                 <a:latin typeface="Segoe UI" panose="020B0502040204020203" pitchFamily="34" charset="0"/>
                 <a:cs typeface="Segoe UI" panose="020B0502040204020203" pitchFamily="34" charset="0"/>
               </a:rPr>
-              <a:t>, IGNORE, FAIL, ABORT</a:t>
+              <a:t>REPLACE, IGNORE, FAIL, ABORT</a:t>
             </a:r>
             <a:endParaRPr lang="fr-FR" sz="3700" dirty="0">
               <a:solidFill>
@@ -23004,13 +22017,6 @@
       </p:transition>
     </mc:Fallback>
   </mc:AlternateContent>
-  <p:timing>
-    <p:tnLst>
-      <p:par>
-        <p:cTn id="1" dur="indefinite" restart="never" nodeType="tmRoot"/>
-      </p:par>
-    </p:tnLst>
-  </p:timing>
 </p:sld>
 </file>
 
@@ -23061,10 +22067,6 @@
           <a:lstStyle/>
           <a:p>
             <a:pPr marL="12700" algn="ctr"/>
-            <a:r>
-              <a:rPr lang="fr-FR" sz="2400" dirty="0"/>
-              <a:t/>
-            </a:r>
             <a:br>
               <a:rPr lang="fr-FR" sz="2400" dirty="0"/>
             </a:br>
@@ -23439,7 +22441,7 @@
               </a:spcBef>
             </a:pPr>
             <a:r>
-              <a:rPr lang="fr-FR" sz="3700" dirty="0" smtClean="0">
+              <a:rPr lang="fr-FR" sz="3700" dirty="0">
                 <a:solidFill>
                   <a:prstClr val="black">
                     <a:lumMod val="85000"/>
@@ -23532,13 +22534,6 @@
       </p:transition>
     </mc:Fallback>
   </mc:AlternateContent>
-  <p:timing>
-    <p:tnLst>
-      <p:par>
-        <p:cTn id="1" dur="indefinite" restart="never" nodeType="tmRoot"/>
-      </p:par>
-    </p:tnLst>
-  </p:timing>
 </p:sld>
 </file>
 
@@ -23655,10 +22650,6 @@
           <a:lstStyle/>
           <a:p>
             <a:pPr marL="12700" algn="ctr"/>
-            <a:r>
-              <a:rPr lang="fr-FR" sz="2400" dirty="0"/>
-              <a:t/>
-            </a:r>
             <a:br>
               <a:rPr lang="fr-FR" sz="2400" dirty="0"/>
             </a:br>
@@ -23771,13 +22762,6 @@
   <p:clrMapOvr>
     <a:masterClrMapping/>
   </p:clrMapOvr>
-  <p:timing>
-    <p:tnLst>
-      <p:par>
-        <p:cTn id="1" dur="indefinite" restart="never" nodeType="tmRoot"/>
-      </p:par>
-    </p:tnLst>
-  </p:timing>
 </p:sld>
 </file>
 
@@ -24252,13 +23236,6 @@
       </p:transition>
     </mc:Fallback>
   </mc:AlternateContent>
-  <p:timing>
-    <p:tnLst>
-      <p:par>
-        <p:cTn id="1" dur="indefinite" restart="never" nodeType="tmRoot"/>
-      </p:par>
-    </p:tnLst>
-  </p:timing>
 </p:sld>
 </file>
 
@@ -24374,10 +23351,6 @@
           <a:lstStyle/>
           <a:p>
             <a:pPr marL="12700" algn="ctr"/>
-            <a:r>
-              <a:rPr lang="fr-FR" sz="2400" dirty="0"/>
-              <a:t/>
-            </a:r>
             <a:br>
               <a:rPr lang="fr-FR" sz="2400" dirty="0"/>
             </a:br>
@@ -24915,13 +23888,6 @@
       </p:transition>
     </mc:Fallback>
   </mc:AlternateContent>
-  <p:timing>
-    <p:tnLst>
-      <p:par>
-        <p:cTn id="1" dur="indefinite" restart="never" nodeType="tmRoot"/>
-      </p:par>
-    </p:tnLst>
-  </p:timing>
 </p:sld>
 </file>
 
@@ -25007,13 +23973,6 @@
   <p:clrMapOvr>
     <a:masterClrMapping/>
   </p:clrMapOvr>
-  <p:timing>
-    <p:tnLst>
-      <p:par>
-        <p:cTn id="1" dur="indefinite" restart="never" nodeType="tmRoot"/>
-      </p:par>
-    </p:tnLst>
-  </p:timing>
 </p:sld>
 </file>
 
@@ -25068,7 +24027,7 @@
               <a:defRPr/>
             </a:pPr>
             <a:r>
-              <a:rPr lang="fr-FR" sz="6000" b="1" dirty="0" err="1" smtClean="0">
+              <a:rPr lang="fr-FR" sz="6000" b="1" dirty="0" err="1">
                 <a:solidFill>
                   <a:prstClr val="white"/>
                 </a:solidFill>
@@ -25079,7 +24038,7 @@
               <a:t>SQLite</a:t>
             </a:r>
             <a:r>
-              <a:rPr lang="fr-FR" sz="6000" b="1" dirty="0" smtClean="0">
+              <a:rPr lang="fr-FR" sz="6000" b="1" dirty="0">
                 <a:solidFill>
                   <a:prstClr val="white"/>
                 </a:solidFill>
@@ -25116,13 +24075,6 @@
   <p:clrMapOvr>
     <a:masterClrMapping/>
   </p:clrMapOvr>
-  <p:timing>
-    <p:tnLst>
-      <p:par>
-        <p:cTn id="1" dur="indefinite" restart="never" nodeType="tmRoot"/>
-      </p:par>
-    </p:tnLst>
-  </p:timing>
 </p:sld>
 </file>
 
@@ -25193,7 +24145,7 @@
           </a:lstStyle>
           <a:p>
             <a:r>
-              <a:rPr lang="fr-FR" sz="3800" dirty="0" err="1" smtClean="0">
+              <a:rPr lang="fr-FR" sz="3800" dirty="0" err="1">
                 <a:solidFill>
                   <a:prstClr val="black">
                     <a:lumMod val="85000"/>
@@ -25287,23 +24239,15 @@
             </a:pPr>
             <a:r>
               <a:rPr lang="en-US" sz="2400" dirty="0"/>
-              <a:t>Write the query </a:t>
-            </a:r>
-            <a:r>
-              <a:rPr lang="en-US" sz="2400" dirty="0" smtClean="0"/>
-              <a:t>“pragma </a:t>
-            </a:r>
-            <a:r>
-              <a:rPr lang="en-US" sz="2400" dirty="0" err="1" smtClean="0"/>
+              <a:t>Write the query “pragma </a:t>
+            </a:r>
+            <a:r>
+              <a:rPr lang="en-US" sz="2400" dirty="0" err="1"/>
               <a:t>table_info</a:t>
             </a:r>
             <a:r>
-              <a:rPr lang="en-US" sz="2400" dirty="0" smtClean="0"/>
-              <a:t>() </a:t>
-            </a:r>
-            <a:r>
               <a:rPr lang="en-US" sz="2400" dirty="0"/>
-              <a:t>”</a:t>
+              <a:t>() ”</a:t>
             </a:r>
           </a:p>
           <a:p>
@@ -25316,11 +24260,7 @@
             </a:pPr>
             <a:r>
               <a:rPr lang="en-US" sz="2400" dirty="0"/>
-              <a:t>Execute the </a:t>
-            </a:r>
-            <a:r>
-              <a:rPr lang="en-US" sz="2400" dirty="0" smtClean="0"/>
-              <a:t>code</a:t>
+              <a:t>Execute the code</a:t>
             </a:r>
           </a:p>
           <a:p>
@@ -25332,10 +24272,9 @@
               <a:buAutoNum type="arabicPeriod"/>
             </a:pPr>
             <a:r>
-              <a:rPr lang="en-US" sz="2400" dirty="0" smtClean="0"/>
+              <a:rPr lang="en-US" sz="2400" dirty="0"/>
               <a:t>The result about the table “master”</a:t>
             </a:r>
-            <a:endParaRPr lang="en-US" sz="2400" dirty="0"/>
           </a:p>
         </p:txBody>
       </p:sp>
@@ -25352,13 +24291,6 @@
   <p:transition spd="med">
     <p:pull/>
   </p:transition>
-  <p:timing>
-    <p:tnLst>
-      <p:par>
-        <p:cTn id="1" dur="indefinite" restart="never" nodeType="tmRoot"/>
-      </p:par>
-    </p:tnLst>
-  </p:timing>
 </p:sld>
 </file>
 
@@ -25429,7 +24361,7 @@
           </a:lstStyle>
           <a:p>
             <a:r>
-              <a:rPr lang="fr-FR" sz="3800" dirty="0" err="1" smtClean="0">
+              <a:rPr lang="fr-FR" sz="3800" dirty="0" err="1">
                 <a:solidFill>
                   <a:prstClr val="black">
                     <a:lumMod val="85000"/>
@@ -25523,13 +24455,8 @@
             </a:pPr>
             <a:r>
               <a:rPr lang="en-US" sz="2400" dirty="0"/>
-              <a:t>Write the query “select  * </a:t>
-            </a:r>
-            <a:r>
-              <a:rPr lang="en-US" sz="2400" dirty="0" smtClean="0"/>
-              <a:t>” types that like table  </a:t>
-            </a:r>
-            <a:endParaRPr lang="en-US" sz="2400" dirty="0"/>
+              <a:t>Write the query “select  * ” types that like table  </a:t>
+            </a:r>
           </a:p>
           <a:p>
             <a:pPr marL="342900" indent="-342900">
@@ -25541,11 +24468,7 @@
             </a:pPr>
             <a:r>
               <a:rPr lang="en-US" sz="2400" dirty="0"/>
-              <a:t>Execute the </a:t>
-            </a:r>
-            <a:r>
-              <a:rPr lang="en-US" sz="2400" dirty="0" smtClean="0"/>
-              <a:t>code</a:t>
+              <a:t>Execute the code</a:t>
             </a:r>
           </a:p>
           <a:p>
@@ -25557,10 +24480,9 @@
               <a:buAutoNum type="arabicPeriod"/>
             </a:pPr>
             <a:r>
-              <a:rPr lang="en-US" sz="2400" dirty="0" smtClean="0"/>
+              <a:rPr lang="en-US" sz="2400" dirty="0"/>
               <a:t>The result is all the table in the database </a:t>
             </a:r>
-            <a:endParaRPr lang="en-US" sz="2400" dirty="0"/>
           </a:p>
         </p:txBody>
       </p:sp>
@@ -25577,13 +24499,6 @@
   <p:transition spd="med">
     <p:pull/>
   </p:transition>
-  <p:timing>
-    <p:tnLst>
-      <p:par>
-        <p:cTn id="1" dur="indefinite" restart="never" nodeType="tmRoot"/>
-      </p:par>
-    </p:tnLst>
-  </p:timing>
 </p:sld>
 </file>
 
@@ -25654,7 +24569,7 @@
           </a:lstStyle>
           <a:p>
             <a:r>
-              <a:rPr lang="fr-FR" sz="3800" dirty="0" err="1" smtClean="0">
+              <a:rPr lang="fr-FR" sz="3800" dirty="0" err="1">
                 <a:solidFill>
                   <a:prstClr val="black">
                     <a:lumMod val="85000"/>
@@ -25718,13 +24633,8 @@
             </a:pPr>
             <a:r>
               <a:rPr lang="en-US" sz="2400" dirty="0"/>
-              <a:t>Write the query “select  </a:t>
-            </a:r>
-            <a:r>
-              <a:rPr lang="en-US" sz="2400" dirty="0" smtClean="0"/>
-              <a:t>*” and specify the table </a:t>
-            </a:r>
-            <a:endParaRPr lang="en-US" sz="2400" dirty="0"/>
+              <a:t>Write the query “select  *” and specify the table </a:t>
+            </a:r>
           </a:p>
           <a:p>
             <a:pPr marL="342900" indent="-342900">
@@ -25736,11 +24646,7 @@
             </a:pPr>
             <a:r>
               <a:rPr lang="en-US" sz="2400" dirty="0"/>
-              <a:t>Execute the </a:t>
-            </a:r>
-            <a:r>
-              <a:rPr lang="en-US" sz="2400" dirty="0" smtClean="0"/>
-              <a:t>code</a:t>
+              <a:t>Execute the code</a:t>
             </a:r>
           </a:p>
           <a:p>
@@ -25752,10 +24658,9 @@
               <a:buAutoNum type="arabicPeriod"/>
             </a:pPr>
             <a:r>
-              <a:rPr lang="en-US" sz="2400" dirty="0" smtClean="0"/>
+              <a:rPr lang="en-US" sz="2400" dirty="0"/>
               <a:t>The result is all tables “master” in the database </a:t>
             </a:r>
-            <a:endParaRPr lang="en-US" sz="2400" dirty="0"/>
           </a:p>
         </p:txBody>
       </p:sp>
@@ -25802,13 +24707,6 @@
   <p:transition spd="med">
     <p:pull/>
   </p:transition>
-  <p:timing>
-    <p:tnLst>
-      <p:par>
-        <p:cTn id="1" dur="indefinite" restart="never" nodeType="tmRoot"/>
-      </p:par>
-    </p:tnLst>
-  </p:timing>
 </p:sld>
 </file>
 
@@ -25879,7 +24777,7 @@
           </a:lstStyle>
           <a:p>
             <a:r>
-              <a:rPr lang="fr-FR" sz="3800" dirty="0" err="1" smtClean="0">
+              <a:rPr lang="fr-FR" sz="3800" dirty="0" err="1">
                 <a:solidFill>
                   <a:prstClr val="black">
                     <a:lumMod val="85000"/>
@@ -26032,10 +24930,9 @@
               </a:lnSpc>
             </a:pPr>
             <a:r>
-              <a:rPr lang="en-US" sz="2400" dirty="0" smtClean="0"/>
+              <a:rPr lang="en-US" sz="2400" dirty="0"/>
               <a:t>The same as the last slide </a:t>
             </a:r>
-            <a:endParaRPr lang="en-US" sz="2400" dirty="0"/>
           </a:p>
         </p:txBody>
       </p:sp>
@@ -26052,13 +24949,6 @@
   <p:transition spd="med">
     <p:pull/>
   </p:transition>
-  <p:timing>
-    <p:tnLst>
-      <p:par>
-        <p:cTn id="1" dur="indefinite" restart="never" nodeType="tmRoot"/>
-      </p:par>
-    </p:tnLst>
-  </p:timing>
 </p:sld>
 </file>
 
@@ -26129,7 +25019,7 @@
           </a:lstStyle>
           <a:p>
             <a:r>
-              <a:rPr lang="fr-FR" sz="3800" dirty="0" err="1" smtClean="0">
+              <a:rPr lang="fr-FR" sz="3800" dirty="0" err="1">
                 <a:solidFill>
                   <a:prstClr val="black">
                     <a:lumMod val="85000"/>
@@ -26223,13 +25113,8 @@
             </a:pPr>
             <a:r>
               <a:rPr lang="en-US" sz="2400" dirty="0"/>
-              <a:t>Write the query “select </a:t>
-            </a:r>
-            <a:r>
-              <a:rPr lang="en-US" sz="2400" dirty="0" smtClean="0"/>
-              <a:t>*” types index </a:t>
-            </a:r>
-            <a:endParaRPr lang="en-US" sz="2400" dirty="0"/>
+              <a:t>Write the query “select *” types index </a:t>
+            </a:r>
           </a:p>
           <a:p>
             <a:pPr marL="342900" indent="-342900">
@@ -26241,11 +25126,7 @@
             </a:pPr>
             <a:r>
               <a:rPr lang="en-US" sz="2400" dirty="0"/>
-              <a:t>Execute the </a:t>
-            </a:r>
-            <a:r>
-              <a:rPr lang="en-US" sz="2400" dirty="0" smtClean="0"/>
-              <a:t>code</a:t>
+              <a:t>Execute the code</a:t>
             </a:r>
           </a:p>
           <a:p>
@@ -26257,10 +25138,9 @@
               <a:buAutoNum type="arabicPeriod"/>
             </a:pPr>
             <a:r>
-              <a:rPr lang="en-US" sz="2400" dirty="0" smtClean="0"/>
+              <a:rPr lang="en-US" sz="2400" dirty="0"/>
               <a:t>The result is all the indexes in the database </a:t>
             </a:r>
-            <a:endParaRPr lang="en-US" sz="2400" dirty="0"/>
           </a:p>
         </p:txBody>
       </p:sp>
@@ -26277,13 +25157,6 @@
   <p:transition spd="med">
     <p:pull/>
   </p:transition>
-  <p:timing>
-    <p:tnLst>
-      <p:par>
-        <p:cTn id="1" dur="indefinite" restart="never" nodeType="tmRoot"/>
-      </p:par>
-    </p:tnLst>
-  </p:timing>
 </p:sld>
 </file>
 
@@ -26391,13 +25264,6 @@
   <p:clrMapOvr>
     <a:masterClrMapping/>
   </p:clrMapOvr>
-  <p:timing>
-    <p:tnLst>
-      <p:par>
-        <p:cTn id="1" dur="indefinite" restart="never" nodeType="tmRoot"/>
-      </p:par>
-    </p:tnLst>
-  </p:timing>
 </p:sld>
 </file>
 
@@ -26513,10 +25379,6 @@
           <a:lstStyle/>
           <a:p>
             <a:pPr marL="12700" algn="ctr"/>
-            <a:r>
-              <a:rPr lang="fr-FR" sz="2400" dirty="0"/>
-              <a:t/>
-            </a:r>
             <a:br>
               <a:rPr lang="fr-FR" sz="2400" dirty="0"/>
             </a:br>
@@ -26672,13 +25534,6 @@
   <p:transition spd="med">
     <p:pull/>
   </p:transition>
-  <p:timing>
-    <p:tnLst>
-      <p:par>
-        <p:cTn id="1" dur="indefinite" restart="never" nodeType="tmRoot"/>
-      </p:par>
-    </p:tnLst>
-  </p:timing>
 </p:sld>
 </file>
 
@@ -26737,13 +25592,8 @@
             </a:pPr>
             <a:r>
               <a:rPr lang="en-US" sz="2400" dirty="0"/>
-              <a:t>SQLite has no way to defend open the database file and overwrite </a:t>
-            </a:r>
-            <a:r>
-              <a:rPr lang="en-US" sz="2400" dirty="0" smtClean="0"/>
-              <a:t>it</a:t>
-            </a:r>
-            <a:endParaRPr lang="en-US" sz="2400" dirty="0"/>
+              <a:t>SQLite has no way to defend open the database file and overwrite it</a:t>
+            </a:r>
           </a:p>
           <a:p>
             <a:pPr marL="342900" indent="-342900">
@@ -26754,16 +25604,8 @@
               <a:buChar char="•"/>
             </a:pPr>
             <a:r>
-              <a:rPr lang="en-US" sz="2400" dirty="0" smtClean="0"/>
-              <a:t>the </a:t>
-            </a:r>
-            <a:r>
               <a:rPr lang="en-US" sz="2400" dirty="0"/>
-              <a:t>best solution for storing sensitive data in SQLite is to encrypt it before storage</a:t>
-            </a:r>
-            <a:r>
-              <a:rPr lang="en-US" sz="2400" dirty="0" smtClean="0"/>
-              <a:t>.</a:t>
+              <a:t>the best solution for storing sensitive data in SQLite is to encrypt it before storage.</a:t>
             </a:r>
           </a:p>
           <a:p>
@@ -26775,12 +25617,8 @@
               <a:buChar char="•"/>
             </a:pPr>
             <a:r>
-              <a:rPr lang="en-US" sz="2400" dirty="0" smtClean="0"/>
-              <a:t>If </a:t>
-            </a:r>
-            <a:r>
               <a:rPr lang="en-US" sz="2400" dirty="0"/>
-              <a:t>you prefer not to encrypt the data yourself, SQLite has an extension called </a:t>
+              <a:t>If you prefer not to encrypt the data yourself, SQLite has an extension called </a:t>
             </a:r>
             <a:r>
               <a:rPr lang="en-US" sz="2400" dirty="0" err="1"/>
@@ -26837,7 +25675,7 @@
           <a:p>
             <a:pPr algn="ctr"/>
             <a:r>
-              <a:rPr lang="en-US" sz="3800" dirty="0" smtClean="0">
+              <a:rPr lang="en-US" sz="3800" dirty="0">
                 <a:solidFill>
                   <a:prstClr val="black">
                     <a:lumMod val="85000"/>
@@ -26882,13 +25720,6 @@
       </p:transition>
     </mc:Fallback>
   </mc:AlternateContent>
-  <p:timing>
-    <p:tnLst>
-      <p:par>
-        <p:cTn id="1" dur="indefinite" restart="never" nodeType="tmRoot"/>
-      </p:par>
-    </p:tnLst>
-  </p:timing>
 </p:sld>
 </file>
 
@@ -27161,13 +25992,6 @@
       </p:transition>
     </mc:Fallback>
   </mc:AlternateContent>
-  <p:timing>
-    <p:tnLst>
-      <p:par>
-        <p:cTn id="1" dur="indefinite" restart="never" nodeType="tmRoot"/>
-      </p:par>
-    </p:tnLst>
-  </p:timing>
 </p:sld>
 </file>
 
@@ -27438,13 +26262,6 @@
       </p:transition>
     </mc:Fallback>
   </mc:AlternateContent>
-  <p:timing>
-    <p:tnLst>
-      <p:par>
-        <p:cTn id="1" dur="indefinite" restart="never" nodeType="tmRoot"/>
-      </p:par>
-    </p:tnLst>
-  </p:timing>
 </p:sld>
 </file>
 
@@ -27579,8 +26396,8 @@
         </p:nvSpPr>
         <p:spPr>
           <a:xfrm>
-            <a:off x="1093265" y="1410355"/>
-            <a:ext cx="10882835" cy="4708981"/>
+            <a:off x="861485" y="1049861"/>
+            <a:ext cx="10882835" cy="5892382"/>
           </a:xfrm>
           <a:prstGeom prst="rect">
             <a:avLst/>
@@ -27592,6 +26409,38 @@
           </a:bodyPr>
           <a:lstStyle/>
           <a:p>
+            <a:pPr lvl="0">
+              <a:lnSpc>
+                <a:spcPct val="200000"/>
+              </a:lnSpc>
+              <a:defRPr/>
+            </a:pPr>
+            <a:r>
+              <a:rPr lang="en-US" sz="2000" dirty="0">
+                <a:latin typeface="Calibri" panose="020F0502020204030204" pitchFamily="34" charset="0"/>
+                <a:ea typeface="Calibri" panose="020F0502020204030204" pitchFamily="34" charset="0"/>
+                <a:cs typeface="Arial" panose="020B0604020202020204" pitchFamily="34" charset="0"/>
+              </a:rPr>
+              <a:t>SQLite is a software library that provides relational database management system, the lite in SQLite means that it is lightweight when setting it up, administrating it and its required </a:t>
+            </a:r>
+            <a:r>
+              <a:rPr lang="en-US" sz="2000" dirty="0" err="1">
+                <a:latin typeface="Calibri" panose="020F0502020204030204" pitchFamily="34" charset="0"/>
+                <a:ea typeface="Calibri" panose="020F0502020204030204" pitchFamily="34" charset="0"/>
+                <a:cs typeface="Arial" panose="020B0604020202020204" pitchFamily="34" charset="0"/>
+              </a:rPr>
+              <a:t>ressources</a:t>
+            </a:r>
+            <a:r>
+              <a:rPr lang="en-US" sz="2000" dirty="0">
+                <a:latin typeface="Calibri" panose="020F0502020204030204" pitchFamily="34" charset="0"/>
+                <a:ea typeface="Calibri" panose="020F0502020204030204" pitchFamily="34" charset="0"/>
+                <a:cs typeface="Arial" panose="020B0604020202020204" pitchFamily="34" charset="0"/>
+              </a:rPr>
+              <a:t>.</a:t>
+            </a:r>
+          </a:p>
+          <a:p>
             <a:pPr marL="342900" lvl="0" indent="-342900">
               <a:lnSpc>
                 <a:spcPct val="200000"/>
@@ -27606,7 +26455,7 @@
                 <a:ea typeface="Calibri" panose="020F0502020204030204" pitchFamily="34" charset="0"/>
                 <a:cs typeface="Arial" panose="020B0604020202020204" pitchFamily="34" charset="0"/>
               </a:rPr>
-              <a:t>Created by </a:t>
+              <a:t>Created by Dr Richard </a:t>
             </a:r>
             <a:r>
               <a:rPr lang="en-US" sz="2400" dirty="0" err="1">
@@ -27614,7 +26463,7 @@
                 <a:ea typeface="Calibri" panose="020F0502020204030204" pitchFamily="34" charset="0"/>
                 <a:cs typeface="Arial" panose="020B0604020202020204" pitchFamily="34" charset="0"/>
               </a:rPr>
-              <a:t>Dr</a:t>
+              <a:t>Hipp</a:t>
             </a:r>
             <a:r>
               <a:rPr lang="en-US" sz="2400" dirty="0">
@@ -27622,29 +26471,8 @@
                 <a:ea typeface="Calibri" panose="020F0502020204030204" pitchFamily="34" charset="0"/>
                 <a:cs typeface="Arial" panose="020B0604020202020204" pitchFamily="34" charset="0"/>
               </a:rPr>
-              <a:t> Richard </a:t>
-            </a:r>
-            <a:r>
-              <a:rPr lang="en-US" sz="2400" dirty="0" err="1">
-                <a:latin typeface="Calibri" panose="020F0502020204030204" pitchFamily="34" charset="0"/>
-                <a:ea typeface="Calibri" panose="020F0502020204030204" pitchFamily="34" charset="0"/>
-                <a:cs typeface="Arial" panose="020B0604020202020204" pitchFamily="34" charset="0"/>
-              </a:rPr>
-              <a:t>Hipp</a:t>
-            </a:r>
-            <a:r>
-              <a:rPr lang="en-US" sz="2400" dirty="0">
-                <a:latin typeface="Calibri" panose="020F0502020204030204" pitchFamily="34" charset="0"/>
-                <a:ea typeface="Calibri" panose="020F0502020204030204" pitchFamily="34" charset="0"/>
-                <a:cs typeface="Arial" panose="020B0604020202020204" pitchFamily="34" charset="0"/>
-              </a:rPr>
               <a:t> </a:t>
             </a:r>
-            <a:endParaRPr lang="en-US" sz="2400" dirty="0" smtClean="0">
-              <a:latin typeface="Calibri" panose="020F0502020204030204" pitchFamily="34" charset="0"/>
-              <a:ea typeface="Calibri" panose="020F0502020204030204" pitchFamily="34" charset="0"/>
-              <a:cs typeface="Arial" panose="020B0604020202020204" pitchFamily="34" charset="0"/>
-            </a:endParaRPr>
           </a:p>
           <a:p>
             <a:pPr marL="342900" lvl="0" indent="-342900">
@@ -27656,18 +26484,11 @@
               <a:defRPr/>
             </a:pPr>
             <a:r>
-              <a:rPr lang="en-US" sz="2400" dirty="0" smtClean="0">
-                <a:latin typeface="Calibri" panose="020F0502020204030204" pitchFamily="34" charset="0"/>
-                <a:cs typeface="Arial" panose="020B0604020202020204" pitchFamily="34" charset="0"/>
-              </a:rPr>
-              <a:t>Written </a:t>
-            </a:r>
-            <a:r>
               <a:rPr lang="en-US" sz="2400" dirty="0">
                 <a:latin typeface="Calibri" panose="020F0502020204030204" pitchFamily="34" charset="0"/>
                 <a:cs typeface="Arial" panose="020B0604020202020204" pitchFamily="34" charset="0"/>
               </a:rPr>
-              <a:t>in C and </a:t>
+              <a:t>Written in C and </a:t>
             </a:r>
             <a:r>
               <a:rPr lang="en-US" sz="2400" dirty="0" err="1">
@@ -27681,14 +26502,7 @@
                 <a:latin typeface="Calibri" panose="020F0502020204030204" pitchFamily="34" charset="0"/>
                 <a:cs typeface="Arial" panose="020B0604020202020204" pitchFamily="34" charset="0"/>
               </a:rPr>
-              <a:t> with conventional SQL</a:t>
-            </a:r>
-            <a:r>
-              <a:rPr lang="en-US" sz="2400" dirty="0" smtClean="0">
-                <a:latin typeface="Calibri" panose="020F0502020204030204" pitchFamily="34" charset="0"/>
-                <a:cs typeface="Arial" panose="020B0604020202020204" pitchFamily="34" charset="0"/>
-              </a:rPr>
-              <a:t>,</a:t>
+              <a:t> with conventional SQL,</a:t>
             </a:r>
           </a:p>
           <a:p>
@@ -27701,16 +26515,8 @@
               <a:defRPr/>
             </a:pPr>
             <a:r>
-              <a:rPr lang="en-US" sz="2400" dirty="0" smtClean="0"/>
-              <a:t>Is </a:t>
-            </a:r>
-            <a:r>
               <a:rPr lang="en-US" sz="2400" dirty="0"/>
-              <a:t>an embeddable open source </a:t>
-            </a:r>
-            <a:r>
-              <a:rPr lang="en-US" sz="2400" dirty="0" smtClean="0"/>
-              <a:t>database</a:t>
+              <a:t>Is an embeddable open source database</a:t>
             </a:r>
           </a:p>
           <a:p>
@@ -27731,18 +26537,6 @@
               <a:defRPr/>
             </a:pPr>
             <a:r>
-              <a:rPr kumimoji="0" lang="en-US" sz="2400" b="0" i="0" u="none" strike="noStrike" kern="1200" cap="none" spc="0" normalizeH="0" baseline="0" noProof="0" dirty="0" smtClean="0">
-                <a:ln>
-                  <a:noFill/>
-                </a:ln>
-                <a:effectLst/>
-                <a:uLnTx/>
-                <a:uFillTx/>
-                <a:latin typeface="Calibri" panose="020F0502020204030204"/>
-              </a:rPr>
-              <a:t>Does </a:t>
-            </a:r>
-            <a:r>
               <a:rPr kumimoji="0" lang="en-US" sz="2400" b="0" i="0" u="none" strike="noStrike" kern="1200" cap="none" spc="0" normalizeH="0" baseline="0" noProof="0" dirty="0">
                 <a:ln>
                   <a:noFill/>
@@ -27752,7 +26546,7 @@
                 <a:uFillTx/>
                 <a:latin typeface="Calibri" panose="020F0502020204030204"/>
               </a:rPr>
-              <a:t>not reproduce the usual client-server scheme but is directly integrated into programs</a:t>
+              <a:t>Does not reproduce the usual client-server scheme but is directly integrated into programs</a:t>
             </a:r>
             <a:r>
               <a:rPr kumimoji="0" lang="en-US" sz="2400" b="0" i="0" u="none" strike="noStrike" kern="1200" cap="none" spc="0" normalizeH="0" baseline="0" noProof="0" dirty="0">
@@ -27864,13 +26658,6 @@
   <p:clrMapOvr>
     <a:masterClrMapping/>
   </p:clrMapOvr>
-  <p:timing>
-    <p:tnLst>
-      <p:par>
-        <p:cTn id="1" dur="indefinite" restart="never" nodeType="tmRoot"/>
-      </p:par>
-    </p:tnLst>
-  </p:timing>
 </p:sld>
 </file>
 
@@ -27958,7 +26745,7 @@
               <a:defRPr/>
             </a:pPr>
             <a:r>
-              <a:rPr lang="fr-FR" sz="3800" dirty="0" smtClean="0">
+              <a:rPr lang="fr-FR" sz="3800" dirty="0">
                 <a:solidFill>
                   <a:prstClr val="black">
                     <a:lumMod val="85000"/>
@@ -27971,7 +26758,7 @@
               <a:t>U</a:t>
             </a:r>
             <a:r>
-              <a:rPr kumimoji="0" lang="fr-FR" sz="3800" b="0" i="0" u="none" strike="noStrike" kern="1200" cap="none" spc="0" normalizeH="0" baseline="0" noProof="0" dirty="0" smtClean="0">
+              <a:rPr kumimoji="0" lang="fr-FR" sz="3800" b="0" i="0" u="none" strike="noStrike" kern="1200" cap="none" spc="0" normalizeH="0" baseline="0" noProof="0" dirty="0">
                 <a:ln>
                   <a:noFill/>
                 </a:ln>
@@ -28048,23 +26835,6 @@
               <a:tabLst/>
               <a:defRPr/>
             </a:pPr>
-            <a:r>
-              <a:rPr kumimoji="0" lang="fr-FR" sz="2400" b="0" i="0" u="none" strike="noStrike" kern="1200" cap="none" spc="0" normalizeH="0" baseline="0" noProof="0" dirty="0">
-                <a:ln>
-                  <a:noFill/>
-                </a:ln>
-                <a:solidFill>
-                  <a:prstClr val="black"/>
-                </a:solidFill>
-                <a:effectLst/>
-                <a:uLnTx/>
-                <a:uFillTx/>
-                <a:latin typeface="Calibri" panose="020F0502020204030204"/>
-                <a:ea typeface="+mn-ea"/>
-                <a:cs typeface="+mn-cs"/>
-              </a:rPr>
-              <a:t/>
-            </a:r>
             <a:br>
               <a:rPr kumimoji="0" lang="fr-FR" sz="2400" b="0" i="0" u="none" strike="noStrike" kern="1200" cap="none" spc="0" normalizeH="0" baseline="0" noProof="0" dirty="0">
                 <a:ln>
@@ -28272,13 +27042,6 @@
   <p:clrMapOvr>
     <a:masterClrMapping/>
   </p:clrMapOvr>
-  <p:timing>
-    <p:tnLst>
-      <p:par>
-        <p:cTn id="1" dur="indefinite" restart="never" nodeType="tmRoot"/>
-      </p:par>
-    </p:tnLst>
-  </p:timing>
 </p:sld>
 </file>
 

--- a/Presentation-projet-SQLite [Autosaved].pptx
+++ b/Presentation-projet-SQLite [Autosaved].pptx
@@ -4470,7 +4470,7 @@
         </p:nvSpPr>
         <p:spPr>
           <a:xfrm>
-            <a:off x="-17712" y="250307"/>
+            <a:off x="-17713" y="1002030"/>
             <a:ext cx="12192000" cy="810950"/>
           </a:xfrm>
           <a:prstGeom prst="rect">
@@ -4721,8 +4721,8 @@
         </p:nvSpPr>
         <p:spPr>
           <a:xfrm>
-            <a:off x="1016725" y="1802886"/>
-            <a:ext cx="10123125" cy="3046988"/>
+            <a:off x="1016725" y="2247502"/>
+            <a:ext cx="10123125" cy="2204899"/>
           </a:xfrm>
           <a:prstGeom prst="rect">
             <a:avLst/>
@@ -4755,33 +4755,10 @@
             </a:r>
           </a:p>
           <a:p>
-            <a:pPr marL="800100" lvl="1" indent="-342900">
+            <a:pPr lvl="1">
               <a:lnSpc>
                 <a:spcPct val="200000"/>
               </a:lnSpc>
-              <a:buFont typeface="Arial" panose="020B0604020202020204" pitchFamily="34" charset="0"/>
-              <a:buChar char="•"/>
-              <a:defRPr/>
-            </a:pPr>
-            <a:r>
-              <a:rPr lang="en-US" sz="2400" dirty="0">
-                <a:solidFill>
-                  <a:prstClr val="black"/>
-                </a:solidFill>
-                <a:latin typeface="Calibri" panose="020F0502020204030204" pitchFamily="34" charset="0"/>
-                <a:ea typeface="Calibri" panose="020F0502020204030204" pitchFamily="34" charset="0"/>
-                <a:cs typeface="Arial" panose="020B0604020202020204" pitchFamily="34" charset="0"/>
-              </a:rPr>
-              <a:t>For the offline use (no-server) . </a:t>
-            </a:r>
-          </a:p>
-          <a:p>
-            <a:pPr marL="800100" lvl="1" indent="-342900">
-              <a:lnSpc>
-                <a:spcPct val="200000"/>
-              </a:lnSpc>
-              <a:buFont typeface="Arial" panose="020B0604020202020204" pitchFamily="34" charset="0"/>
-              <a:buChar char="•"/>
               <a:defRPr/>
             </a:pPr>
             <a:endParaRPr lang="en-US" sz="2400" dirty="0">
@@ -6303,7 +6280,7 @@
             </a:pPr>
             <a:r>
               <a:rPr lang="en-US" sz="2400" dirty="0"/>
-              <a:t>there is much to set these two databases apart, and there are reasons to favor one over the other, depending on the use case :</a:t>
+              <a:t>There is so much to say about these databases apart, and there are reasons to favor one over another, depending on the use case :</a:t>
             </a:r>
           </a:p>
           <a:p>
@@ -7093,7 +7070,7 @@
         <p:spPr>
           <a:xfrm>
             <a:off x="441363" y="3507622"/>
-            <a:ext cx="2253776" cy="369332"/>
+            <a:ext cx="2253776" cy="646331"/>
           </a:xfrm>
           <a:prstGeom prst="rect">
             <a:avLst/>
@@ -7109,13 +7086,8 @@
             <a:pPr algn="ctr"/>
             <a:r>
               <a:rPr lang="fr-FR" b="1" dirty="0"/>
-              <a:t>DB Browser for </a:t>
-            </a:r>
-            <a:r>
-              <a:rPr lang="fr-FR" b="1" dirty="0" err="1"/>
-              <a:t>sqlite</a:t>
-            </a:r>
-            <a:endParaRPr lang="fr-FR" b="1" dirty="0"/>
+              <a:t>DB Browser for SQLite</a:t>
+            </a:r>
           </a:p>
         </p:txBody>
       </p:sp>
@@ -7275,6 +7247,14 @@
 <file path=ppt/slides/slide2.xml><?xml version="1.0" encoding="utf-8"?>
 <p:sld xmlns:a="http://schemas.openxmlformats.org/drawingml/2006/main" xmlns:r="http://schemas.openxmlformats.org/officeDocument/2006/relationships" xmlns:p="http://schemas.openxmlformats.org/presentationml/2006/main">
   <p:cSld>
+    <p:bg>
+      <p:bgPr>
+        <a:solidFill>
+          <a:schemeClr val="bg2"/>
+        </a:solidFill>
+        <a:effectLst/>
+      </p:bgPr>
+    </p:bg>
     <p:spTree>
       <p:nvGrpSpPr>
         <p:cNvPr id="1" name=""/>
@@ -7783,7 +7763,7 @@
         </p:nvSpPr>
         <p:spPr>
           <a:xfrm>
-            <a:off x="0" y="38398"/>
+            <a:off x="0" y="201688"/>
             <a:ext cx="12192000" cy="810950"/>
           </a:xfrm>
           <a:prstGeom prst="rect">
@@ -7854,153 +7834,6 @@
           </a:p>
         </p:txBody>
       </p:sp>
-      <p:grpSp>
-        <p:nvGrpSpPr>
-          <p:cNvPr id="28" name="Groupe 47"/>
-          <p:cNvGrpSpPr/>
-          <p:nvPr/>
-        </p:nvGrpSpPr>
-        <p:grpSpPr>
-          <a:xfrm>
-            <a:off x="6353249" y="3205202"/>
-            <a:ext cx="7473219" cy="458632"/>
-            <a:chOff x="1349390" y="5936478"/>
-            <a:chExt cx="6002463" cy="471522"/>
-          </a:xfrm>
-          <a:solidFill>
-            <a:srgbClr val="727272"/>
-          </a:solidFill>
-        </p:grpSpPr>
-        <p:sp>
-          <p:nvSpPr>
-            <p:cNvPr id="29" name="Rectangle 28"/>
-            <p:cNvSpPr/>
-            <p:nvPr/>
-          </p:nvSpPr>
-          <p:spPr>
-            <a:xfrm>
-              <a:off x="1349390" y="5936478"/>
-              <a:ext cx="6002463" cy="471522"/>
-            </a:xfrm>
-            <a:prstGeom prst="rect">
-              <a:avLst/>
-            </a:prstGeom>
-            <a:grpFill/>
-            <a:ln>
-              <a:solidFill>
-                <a:srgbClr val="727272"/>
-              </a:solidFill>
-            </a:ln>
-          </p:spPr>
-          <p:style>
-            <a:lnRef idx="2">
-              <a:schemeClr val="lt1">
-                <a:hueOff val="0"/>
-                <a:satOff val="0"/>
-                <a:lumOff val="0"/>
-                <a:alphaOff val="0"/>
-              </a:schemeClr>
-            </a:lnRef>
-            <a:fillRef idx="1">
-              <a:schemeClr val="accent2">
-                <a:hueOff val="0"/>
-                <a:satOff val="0"/>
-                <a:lumOff val="0"/>
-                <a:alphaOff val="0"/>
-              </a:schemeClr>
-            </a:fillRef>
-            <a:effectRef idx="0">
-              <a:schemeClr val="accent2">
-                <a:hueOff val="0"/>
-                <a:satOff val="0"/>
-                <a:lumOff val="0"/>
-                <a:alphaOff val="0"/>
-              </a:schemeClr>
-            </a:effectRef>
-            <a:fontRef idx="minor">
-              <a:schemeClr val="lt1"/>
-            </a:fontRef>
-          </p:style>
-        </p:sp>
-        <p:sp>
-          <p:nvSpPr>
-            <p:cNvPr id="30" name="Rectangle 29"/>
-            <p:cNvSpPr/>
-            <p:nvPr/>
-          </p:nvSpPr>
-          <p:spPr>
-            <a:xfrm>
-              <a:off x="1349390" y="5936478"/>
-              <a:ext cx="6002463" cy="471522"/>
-            </a:xfrm>
-            <a:prstGeom prst="rect">
-              <a:avLst/>
-            </a:prstGeom>
-            <a:grpFill/>
-            <a:ln>
-              <a:solidFill>
-                <a:srgbClr val="727272"/>
-              </a:solidFill>
-            </a:ln>
-          </p:spPr>
-          <p:style>
-            <a:lnRef idx="0">
-              <a:scrgbClr r="0" g="0" b="0"/>
-            </a:lnRef>
-            <a:fillRef idx="0">
-              <a:scrgbClr r="0" g="0" b="0"/>
-            </a:fillRef>
-            <a:effectRef idx="0">
-              <a:scrgbClr r="0" g="0" b="0"/>
-            </a:effectRef>
-            <a:fontRef idx="minor">
-              <a:schemeClr val="lt1"/>
-            </a:fontRef>
-          </p:style>
-          <p:txBody>
-            <a:bodyPr spcFirstLastPara="0" vert="horz" wrap="square" lIns="374271" tIns="58420" rIns="58420" bIns="58420" numCol="1" spcCol="1270" anchor="ctr" anchorCtr="0">
-              <a:noAutofit/>
-            </a:bodyPr>
-            <a:lstStyle/>
-            <a:p>
-              <a:pPr marL="0" marR="0" lvl="0" indent="0" algn="l" defTabSz="1022350" rtl="0" eaLnBrk="1" fontAlgn="auto" latinLnBrk="0" hangingPunct="1">
-                <a:lnSpc>
-                  <a:spcPct val="90000"/>
-                </a:lnSpc>
-                <a:spcBef>
-                  <a:spcPct val="0"/>
-                </a:spcBef>
-                <a:spcAft>
-                  <a:spcPct val="35000"/>
-                </a:spcAft>
-                <a:buClrTx/>
-                <a:buSzTx/>
-                <a:buFontTx/>
-                <a:buNone/>
-                <a:tabLst/>
-                <a:defRPr/>
-              </a:pPr>
-              <a:r>
-                <a:rPr kumimoji="0" lang="fr-FR" sz="2200" b="0" i="0" u="none" strike="noStrike" kern="1200" cap="none" spc="0" normalizeH="0" baseline="0" noProof="0" dirty="0">
-                  <a:ln>
-                    <a:noFill/>
-                  </a:ln>
-                  <a:solidFill>
-                    <a:prstClr val="white"/>
-                  </a:solidFill>
-                  <a:effectLst/>
-                  <a:uLnTx/>
-                  <a:uFillTx/>
-                  <a:latin typeface="Arial" panose="020B0604020202020204" pitchFamily="34" charset="0"/>
-                  <a:ea typeface="+mn-ea"/>
-                  <a:cs typeface="Arial" panose="020B0604020202020204" pitchFamily="34" charset="0"/>
-                </a:rPr>
-                <a:t>Difficultés rencontrés durant le travail</a:t>
-              </a:r>
-            </a:p>
-          </p:txBody>
-        </p:sp>
-      </p:grpSp>
       <p:sp>
         <p:nvSpPr>
           <p:cNvPr id="11" name="TextBox 10"/>
@@ -8009,8 +7842,8 @@
         </p:nvSpPr>
         <p:spPr>
           <a:xfrm>
-            <a:off x="1168816" y="1280422"/>
-            <a:ext cx="5184433" cy="5909310"/>
+            <a:off x="1541595" y="1360977"/>
+            <a:ext cx="7362918" cy="6878806"/>
           </a:xfrm>
           <a:prstGeom prst="rect">
             <a:avLst/>
@@ -8018,10 +7851,285 @@
           <a:noFill/>
         </p:spPr>
         <p:txBody>
-          <a:bodyPr wrap="none" rtlCol="0">
+          <a:bodyPr wrap="square" rtlCol="0">
             <a:spAutoFit/>
           </a:bodyPr>
           <a:lstStyle/>
+          <a:p>
+            <a:pPr marL="342900" lvl="0" indent="-342900" defTabSz="1022350">
+              <a:lnSpc>
+                <a:spcPct val="90000"/>
+              </a:lnSpc>
+              <a:spcBef>
+                <a:spcPct val="0"/>
+              </a:spcBef>
+              <a:spcAft>
+                <a:spcPct val="35000"/>
+              </a:spcAft>
+              <a:buFont typeface="Arial" panose="020B0604020202020204" pitchFamily="34" charset="0"/>
+              <a:buChar char="•"/>
+              <a:defRPr/>
+            </a:pPr>
+            <a:r>
+              <a:rPr lang="fr-FR" sz="2800" dirty="0">
+                <a:latin typeface="Arial" panose="020B0604020202020204" pitchFamily="34" charset="0"/>
+                <a:cs typeface="Arial" panose="020B0604020202020204" pitchFamily="34" charset="0"/>
+              </a:rPr>
+              <a:t>Introduction &amp; </a:t>
+            </a:r>
+            <a:r>
+              <a:rPr lang="fr-FR" sz="2800" dirty="0" err="1">
+                <a:latin typeface="Arial" panose="020B0604020202020204" pitchFamily="34" charset="0"/>
+                <a:cs typeface="Arial" panose="020B0604020202020204" pitchFamily="34" charset="0"/>
+              </a:rPr>
+              <a:t>Presentation</a:t>
+            </a:r>
+            <a:endParaRPr lang="fr-FR" sz="2800" dirty="0">
+              <a:latin typeface="Arial" panose="020B0604020202020204" pitchFamily="34" charset="0"/>
+              <a:cs typeface="Arial" panose="020B0604020202020204" pitchFamily="34" charset="0"/>
+            </a:endParaRPr>
+          </a:p>
+          <a:p>
+            <a:pPr marL="342900" lvl="0" indent="-342900" defTabSz="1022350">
+              <a:lnSpc>
+                <a:spcPct val="90000"/>
+              </a:lnSpc>
+              <a:spcBef>
+                <a:spcPct val="0"/>
+              </a:spcBef>
+              <a:spcAft>
+                <a:spcPct val="35000"/>
+              </a:spcAft>
+              <a:buFont typeface="Arial" panose="020B0604020202020204" pitchFamily="34" charset="0"/>
+              <a:buChar char="•"/>
+              <a:defRPr/>
+            </a:pPr>
+            <a:r>
+              <a:rPr lang="fr-FR" sz="2800" dirty="0" err="1">
+                <a:latin typeface="Arial" panose="020B0604020202020204" pitchFamily="34" charset="0"/>
+                <a:cs typeface="Arial" panose="020B0604020202020204" pitchFamily="34" charset="0"/>
+              </a:rPr>
+              <a:t>SQLite</a:t>
+            </a:r>
+            <a:r>
+              <a:rPr lang="fr-FR" sz="2800" dirty="0">
+                <a:latin typeface="Arial" panose="020B0604020202020204" pitchFamily="34" charset="0"/>
+                <a:cs typeface="Arial" panose="020B0604020202020204" pitchFamily="34" charset="0"/>
+              </a:rPr>
+              <a:t> introduction</a:t>
+            </a:r>
+          </a:p>
+          <a:p>
+            <a:pPr marL="342900" indent="-342900">
+              <a:buFont typeface="Arial" panose="020B0604020202020204" pitchFamily="34" charset="0"/>
+              <a:buChar char="•"/>
+            </a:pPr>
+            <a:r>
+              <a:rPr lang="fr-FR" sz="2800" dirty="0" err="1">
+                <a:latin typeface="Arial" panose="020B0604020202020204" pitchFamily="34" charset="0"/>
+                <a:ea typeface="Segoe UI" pitchFamily="34" charset="0"/>
+                <a:cs typeface="Arial" panose="020B0604020202020204" pitchFamily="34" charset="0"/>
+              </a:rPr>
+              <a:t>Advantages</a:t>
+            </a:r>
+            <a:r>
+              <a:rPr lang="fr-FR" sz="2800" dirty="0">
+                <a:latin typeface="Arial" panose="020B0604020202020204" pitchFamily="34" charset="0"/>
+                <a:ea typeface="Segoe UI" pitchFamily="34" charset="0"/>
+                <a:cs typeface="Arial" panose="020B0604020202020204" pitchFamily="34" charset="0"/>
+              </a:rPr>
+              <a:t> and </a:t>
+            </a:r>
+            <a:r>
+              <a:rPr lang="fr-FR" sz="2800" dirty="0" err="1">
+                <a:latin typeface="Arial" panose="020B0604020202020204" pitchFamily="34" charset="0"/>
+                <a:ea typeface="Segoe UI" pitchFamily="34" charset="0"/>
+                <a:cs typeface="Arial" panose="020B0604020202020204" pitchFamily="34" charset="0"/>
+              </a:rPr>
+              <a:t>disadvantages</a:t>
+            </a:r>
+            <a:endParaRPr lang="fr-FR" sz="2800" dirty="0">
+              <a:latin typeface="Arial" panose="020B0604020202020204" pitchFamily="34" charset="0"/>
+              <a:ea typeface="Segoe UI" pitchFamily="34" charset="0"/>
+              <a:cs typeface="Arial" panose="020B0604020202020204" pitchFamily="34" charset="0"/>
+            </a:endParaRPr>
+          </a:p>
+          <a:p>
+            <a:pPr marL="342900" indent="-342900">
+              <a:buFont typeface="Arial" panose="020B0604020202020204" pitchFamily="34" charset="0"/>
+              <a:buChar char="•"/>
+            </a:pPr>
+            <a:r>
+              <a:rPr lang="fr-FR" sz="2800" dirty="0" err="1">
+                <a:latin typeface="Arial" panose="020B0604020202020204" pitchFamily="34" charset="0"/>
+                <a:ea typeface="Segoe UI" pitchFamily="34" charset="0"/>
+                <a:cs typeface="Arial" panose="020B0604020202020204" pitchFamily="34" charset="0"/>
+              </a:rPr>
+              <a:t>Chosen</a:t>
+            </a:r>
+            <a:r>
+              <a:rPr lang="fr-FR" sz="2800" dirty="0">
+                <a:latin typeface="Arial" panose="020B0604020202020204" pitchFamily="34" charset="0"/>
+                <a:ea typeface="Segoe UI" pitchFamily="34" charset="0"/>
+                <a:cs typeface="Arial" panose="020B0604020202020204" pitchFamily="34" charset="0"/>
+              </a:rPr>
+              <a:t> </a:t>
+            </a:r>
+            <a:r>
+              <a:rPr lang="fr-FR" sz="2800" dirty="0" err="1">
+                <a:latin typeface="Arial" panose="020B0604020202020204" pitchFamily="34" charset="0"/>
+                <a:ea typeface="Segoe UI" pitchFamily="34" charset="0"/>
+                <a:cs typeface="Arial" panose="020B0604020202020204" pitchFamily="34" charset="0"/>
+              </a:rPr>
+              <a:t>tools</a:t>
+            </a:r>
+            <a:endParaRPr lang="fr-FR" sz="2800" dirty="0">
+              <a:latin typeface="Arial" panose="020B0604020202020204" pitchFamily="34" charset="0"/>
+              <a:ea typeface="Segoe UI" pitchFamily="34" charset="0"/>
+              <a:cs typeface="Arial" panose="020B0604020202020204" pitchFamily="34" charset="0"/>
+            </a:endParaRPr>
+          </a:p>
+          <a:p>
+            <a:pPr marL="342900" indent="-342900">
+              <a:buFont typeface="Arial" panose="020B0604020202020204" pitchFamily="34" charset="0"/>
+              <a:buChar char="•"/>
+            </a:pPr>
+            <a:r>
+              <a:rPr lang="fr-FR" sz="2800" dirty="0" err="1">
+                <a:latin typeface="Arial" panose="020B0604020202020204" pitchFamily="34" charset="0"/>
+                <a:ea typeface="Segoe UI" pitchFamily="34" charset="0"/>
+                <a:cs typeface="Arial" panose="020B0604020202020204" pitchFamily="34" charset="0"/>
+              </a:rPr>
+              <a:t>Languages</a:t>
+            </a:r>
+            <a:r>
+              <a:rPr lang="fr-FR" sz="2800" dirty="0">
+                <a:latin typeface="Arial" panose="020B0604020202020204" pitchFamily="34" charset="0"/>
+                <a:ea typeface="Segoe UI" pitchFamily="34" charset="0"/>
+                <a:cs typeface="Arial" panose="020B0604020202020204" pitchFamily="34" charset="0"/>
+              </a:rPr>
+              <a:t> &amp; Interfaces</a:t>
+            </a:r>
+          </a:p>
+          <a:p>
+            <a:pPr marL="914400" lvl="1" indent="-457200">
+              <a:buFont typeface="+mj-lt"/>
+              <a:buAutoNum type="alphaLcParenR"/>
+            </a:pPr>
+            <a:r>
+              <a:rPr lang="fr-FR" sz="2800" dirty="0">
+                <a:latin typeface="Arial" panose="020B0604020202020204" pitchFamily="34" charset="0"/>
+                <a:ea typeface="Segoe UI" pitchFamily="34" charset="0"/>
+                <a:cs typeface="Arial" panose="020B0604020202020204" pitchFamily="34" charset="0"/>
+              </a:rPr>
+              <a:t>DDL </a:t>
+            </a:r>
+          </a:p>
+          <a:p>
+            <a:pPr marL="914400" lvl="1" indent="-457200">
+              <a:buFont typeface="+mj-lt"/>
+              <a:buAutoNum type="alphaLcParenR"/>
+            </a:pPr>
+            <a:r>
+              <a:rPr lang="fr-FR" sz="2800" dirty="0">
+                <a:latin typeface="Arial" panose="020B0604020202020204" pitchFamily="34" charset="0"/>
+                <a:ea typeface="Segoe UI" pitchFamily="34" charset="0"/>
+                <a:cs typeface="Arial" panose="020B0604020202020204" pitchFamily="34" charset="0"/>
+              </a:rPr>
+              <a:t>DML</a:t>
+            </a:r>
+          </a:p>
+          <a:p>
+            <a:pPr marL="914400" lvl="1" indent="-457200">
+              <a:buFont typeface="+mj-lt"/>
+              <a:buAutoNum type="alphaLcParenR"/>
+            </a:pPr>
+            <a:r>
+              <a:rPr lang="fr-FR" sz="2800" dirty="0">
+                <a:latin typeface="Arial" panose="020B0604020202020204" pitchFamily="34" charset="0"/>
+                <a:ea typeface="Segoe UI" pitchFamily="34" charset="0"/>
+                <a:cs typeface="Arial" panose="020B0604020202020204" pitchFamily="34" charset="0"/>
+              </a:rPr>
+              <a:t>DCL</a:t>
+            </a:r>
+          </a:p>
+          <a:p>
+            <a:pPr marL="914400" lvl="1" indent="-457200">
+              <a:buFont typeface="+mj-lt"/>
+              <a:buAutoNum type="alphaLcParenR"/>
+            </a:pPr>
+            <a:r>
+              <a:rPr lang="fr-FR" sz="2800" dirty="0">
+                <a:latin typeface="Arial" panose="020B0604020202020204" pitchFamily="34" charset="0"/>
+                <a:ea typeface="Segoe UI" pitchFamily="34" charset="0"/>
+                <a:cs typeface="Arial" panose="020B0604020202020204" pitchFamily="34" charset="0"/>
+              </a:rPr>
+              <a:t>TCL </a:t>
+            </a:r>
+          </a:p>
+          <a:p>
+            <a:pPr marL="342900" indent="-342900">
+              <a:buFont typeface="Arial" panose="020B0604020202020204" pitchFamily="34" charset="0"/>
+              <a:buChar char="•"/>
+            </a:pPr>
+            <a:r>
+              <a:rPr lang="fr-FR" sz="2800" dirty="0" err="1">
+                <a:latin typeface="Arial" panose="020B0604020202020204" pitchFamily="34" charset="0"/>
+                <a:ea typeface="Segoe UI" pitchFamily="34" charset="0"/>
+                <a:cs typeface="Arial" panose="020B0604020202020204" pitchFamily="34" charset="0"/>
+              </a:rPr>
+              <a:t>Metadata</a:t>
+            </a:r>
+            <a:r>
+              <a:rPr lang="fr-FR" sz="2800" dirty="0">
+                <a:latin typeface="Arial" panose="020B0604020202020204" pitchFamily="34" charset="0"/>
+                <a:ea typeface="Segoe UI" pitchFamily="34" charset="0"/>
+                <a:cs typeface="Arial" panose="020B0604020202020204" pitchFamily="34" charset="0"/>
+              </a:rPr>
+              <a:t> </a:t>
+            </a:r>
+          </a:p>
+          <a:p>
+            <a:pPr marL="342900" indent="-342900">
+              <a:buFont typeface="Arial" panose="020B0604020202020204" pitchFamily="34" charset="0"/>
+              <a:buChar char="•"/>
+            </a:pPr>
+            <a:r>
+              <a:rPr lang="fr-FR" sz="2800" dirty="0">
+                <a:latin typeface="Arial" panose="020B0604020202020204" pitchFamily="34" charset="0"/>
+                <a:ea typeface="Segoe UI" pitchFamily="34" charset="0"/>
+                <a:cs typeface="Arial" panose="020B0604020202020204" pitchFamily="34" charset="0"/>
+              </a:rPr>
+              <a:t>Security and Access </a:t>
+            </a:r>
+            <a:r>
+              <a:rPr lang="fr-FR" sz="2800" dirty="0" err="1">
+                <a:latin typeface="Arial" panose="020B0604020202020204" pitchFamily="34" charset="0"/>
+                <a:ea typeface="Segoe UI" pitchFamily="34" charset="0"/>
+                <a:cs typeface="Arial" panose="020B0604020202020204" pitchFamily="34" charset="0"/>
+              </a:rPr>
+              <a:t>Permisions</a:t>
+            </a:r>
+            <a:endParaRPr lang="fr-FR" sz="2800" dirty="0">
+              <a:latin typeface="Arial" panose="020B0604020202020204" pitchFamily="34" charset="0"/>
+              <a:ea typeface="Segoe UI" pitchFamily="34" charset="0"/>
+              <a:cs typeface="Arial" panose="020B0604020202020204" pitchFamily="34" charset="0"/>
+            </a:endParaRPr>
+          </a:p>
+          <a:p>
+            <a:endParaRPr lang="fr-FR" sz="2800" dirty="0">
+              <a:latin typeface="Arial" panose="020B0604020202020204" pitchFamily="34" charset="0"/>
+              <a:ea typeface="Segoe UI" pitchFamily="34" charset="0"/>
+              <a:cs typeface="Arial" panose="020B0604020202020204" pitchFamily="34" charset="0"/>
+            </a:endParaRPr>
+          </a:p>
+          <a:p>
+            <a:endParaRPr lang="fr-FR" sz="2800" dirty="0">
+              <a:latin typeface="Arial" panose="020B0604020202020204" pitchFamily="34" charset="0"/>
+              <a:ea typeface="Segoe UI" pitchFamily="34" charset="0"/>
+              <a:cs typeface="Arial" panose="020B0604020202020204" pitchFamily="34" charset="0"/>
+            </a:endParaRPr>
+          </a:p>
           <a:p>
             <a:pPr lvl="0" defTabSz="1022350">
               <a:lnSpc>
@@ -8035,237 +8143,13 @@
               </a:spcAft>
               <a:defRPr/>
             </a:pPr>
-            <a:r>
-              <a:rPr lang="fr-FR" sz="2400" dirty="0">
-                <a:latin typeface="Arial" panose="020B0604020202020204" pitchFamily="34" charset="0"/>
-                <a:cs typeface="Arial" panose="020B0604020202020204" pitchFamily="34" charset="0"/>
-              </a:rPr>
-              <a:t>Introduction &amp; Présentation générale</a:t>
-            </a:r>
-          </a:p>
-          <a:p>
-            <a:pPr lvl="0" defTabSz="1022350">
-              <a:lnSpc>
-                <a:spcPct val="90000"/>
-              </a:lnSpc>
-              <a:spcBef>
-                <a:spcPct val="0"/>
-              </a:spcBef>
-              <a:spcAft>
-                <a:spcPct val="35000"/>
-              </a:spcAft>
-              <a:defRPr/>
-            </a:pPr>
-            <a:r>
-              <a:rPr lang="fr-FR" sz="2400" dirty="0" err="1">
-                <a:latin typeface="Arial" panose="020B0604020202020204" pitchFamily="34" charset="0"/>
-                <a:cs typeface="Arial" panose="020B0604020202020204" pitchFamily="34" charset="0"/>
-              </a:rPr>
-              <a:t>SQLite</a:t>
-            </a:r>
-            <a:r>
-              <a:rPr lang="fr-FR" sz="2400" dirty="0">
-                <a:latin typeface="Arial" panose="020B0604020202020204" pitchFamily="34" charset="0"/>
-                <a:cs typeface="Arial" panose="020B0604020202020204" pitchFamily="34" charset="0"/>
-              </a:rPr>
-              <a:t> introduction</a:t>
-            </a:r>
-          </a:p>
-          <a:p>
-            <a:r>
-              <a:rPr lang="fr-FR" sz="2400" dirty="0" err="1">
-                <a:latin typeface="Arial" panose="020B0604020202020204" pitchFamily="34" charset="0"/>
-                <a:ea typeface="Segoe UI" pitchFamily="34" charset="0"/>
-                <a:cs typeface="Arial" panose="020B0604020202020204" pitchFamily="34" charset="0"/>
-              </a:rPr>
-              <a:t>Advantages</a:t>
-            </a:r>
-            <a:r>
-              <a:rPr lang="fr-FR" sz="2400" dirty="0">
-                <a:latin typeface="Arial" panose="020B0604020202020204" pitchFamily="34" charset="0"/>
-                <a:ea typeface="Segoe UI" pitchFamily="34" charset="0"/>
-                <a:cs typeface="Arial" panose="020B0604020202020204" pitchFamily="34" charset="0"/>
-              </a:rPr>
-              <a:t> and </a:t>
-            </a:r>
-            <a:r>
-              <a:rPr lang="fr-FR" sz="2400" dirty="0" err="1">
-                <a:latin typeface="Arial" panose="020B0604020202020204" pitchFamily="34" charset="0"/>
-                <a:ea typeface="Segoe UI" pitchFamily="34" charset="0"/>
-                <a:cs typeface="Arial" panose="020B0604020202020204" pitchFamily="34" charset="0"/>
-              </a:rPr>
-              <a:t>disadvantages</a:t>
-            </a:r>
-            <a:endParaRPr lang="fr-FR" sz="2400" dirty="0">
-              <a:latin typeface="Arial" panose="020B0604020202020204" pitchFamily="34" charset="0"/>
-              <a:ea typeface="Segoe UI" pitchFamily="34" charset="0"/>
-              <a:cs typeface="Arial" panose="020B0604020202020204" pitchFamily="34" charset="0"/>
-            </a:endParaRPr>
-          </a:p>
-          <a:p>
-            <a:r>
-              <a:rPr lang="fr-FR" sz="2400" dirty="0" err="1">
-                <a:latin typeface="Arial" panose="020B0604020202020204" pitchFamily="34" charset="0"/>
-                <a:ea typeface="Segoe UI" pitchFamily="34" charset="0"/>
-                <a:cs typeface="Arial" panose="020B0604020202020204" pitchFamily="34" charset="0"/>
-              </a:rPr>
-              <a:t>Chosen</a:t>
-            </a:r>
-            <a:r>
-              <a:rPr lang="fr-FR" sz="2400" dirty="0">
-                <a:latin typeface="Arial" panose="020B0604020202020204" pitchFamily="34" charset="0"/>
-                <a:ea typeface="Segoe UI" pitchFamily="34" charset="0"/>
-                <a:cs typeface="Arial" panose="020B0604020202020204" pitchFamily="34" charset="0"/>
-              </a:rPr>
-              <a:t> </a:t>
-            </a:r>
-            <a:r>
-              <a:rPr lang="fr-FR" sz="2400" dirty="0" err="1">
-                <a:latin typeface="Arial" panose="020B0604020202020204" pitchFamily="34" charset="0"/>
-                <a:ea typeface="Segoe UI" pitchFamily="34" charset="0"/>
-                <a:cs typeface="Arial" panose="020B0604020202020204" pitchFamily="34" charset="0"/>
-              </a:rPr>
-              <a:t>tools</a:t>
-            </a:r>
-            <a:endParaRPr lang="fr-FR" sz="2400" dirty="0">
-              <a:latin typeface="Arial" panose="020B0604020202020204" pitchFamily="34" charset="0"/>
-              <a:ea typeface="Segoe UI" pitchFamily="34" charset="0"/>
-              <a:cs typeface="Arial" panose="020B0604020202020204" pitchFamily="34" charset="0"/>
-            </a:endParaRPr>
-          </a:p>
-          <a:p>
-            <a:r>
-              <a:rPr lang="fr-FR" sz="2400" dirty="0" err="1">
-                <a:latin typeface="Arial" panose="020B0604020202020204" pitchFamily="34" charset="0"/>
-                <a:ea typeface="Segoe UI" pitchFamily="34" charset="0"/>
-                <a:cs typeface="Arial" panose="020B0604020202020204" pitchFamily="34" charset="0"/>
-              </a:rPr>
-              <a:t>Languages</a:t>
-            </a:r>
-            <a:r>
-              <a:rPr lang="fr-FR" sz="2400" dirty="0">
-                <a:latin typeface="Arial" panose="020B0604020202020204" pitchFamily="34" charset="0"/>
-                <a:ea typeface="Segoe UI" pitchFamily="34" charset="0"/>
-                <a:cs typeface="Arial" panose="020B0604020202020204" pitchFamily="34" charset="0"/>
-              </a:rPr>
-              <a:t> &amp; Interfaces</a:t>
-            </a:r>
-          </a:p>
-          <a:p>
-            <a:r>
-              <a:rPr lang="fr-FR" sz="2400" dirty="0">
-                <a:latin typeface="Arial" panose="020B0604020202020204" pitchFamily="34" charset="0"/>
-                <a:ea typeface="Segoe UI" pitchFamily="34" charset="0"/>
-                <a:cs typeface="Arial" panose="020B0604020202020204" pitchFamily="34" charset="0"/>
-              </a:rPr>
-              <a:t>	DDL </a:t>
-            </a:r>
-          </a:p>
-          <a:p>
-            <a:r>
-              <a:rPr lang="fr-FR" sz="2400" dirty="0">
-                <a:latin typeface="Arial" panose="020B0604020202020204" pitchFamily="34" charset="0"/>
-                <a:ea typeface="Segoe UI" pitchFamily="34" charset="0"/>
-                <a:cs typeface="Arial" panose="020B0604020202020204" pitchFamily="34" charset="0"/>
-              </a:rPr>
-              <a:t>	DML</a:t>
-            </a:r>
-          </a:p>
-          <a:p>
-            <a:r>
-              <a:rPr lang="fr-FR" sz="2400" dirty="0">
-                <a:latin typeface="Arial" panose="020B0604020202020204" pitchFamily="34" charset="0"/>
-                <a:ea typeface="Segoe UI" pitchFamily="34" charset="0"/>
-                <a:cs typeface="Arial" panose="020B0604020202020204" pitchFamily="34" charset="0"/>
-              </a:rPr>
-              <a:t>	DCL</a:t>
-            </a:r>
-          </a:p>
-          <a:p>
-            <a:r>
-              <a:rPr lang="fr-FR" sz="2400" dirty="0">
-                <a:latin typeface="Arial" panose="020B0604020202020204" pitchFamily="34" charset="0"/>
-                <a:ea typeface="Segoe UI" pitchFamily="34" charset="0"/>
-                <a:cs typeface="Arial" panose="020B0604020202020204" pitchFamily="34" charset="0"/>
-              </a:rPr>
-              <a:t>	TCL </a:t>
-            </a:r>
-          </a:p>
-          <a:p>
-            <a:r>
-              <a:rPr lang="fr-FR" sz="2400" dirty="0" err="1">
-                <a:latin typeface="Arial" panose="020B0604020202020204" pitchFamily="34" charset="0"/>
-                <a:ea typeface="Segoe UI" pitchFamily="34" charset="0"/>
-                <a:cs typeface="Arial" panose="020B0604020202020204" pitchFamily="34" charset="0"/>
-              </a:rPr>
-              <a:t>Metadata</a:t>
-            </a:r>
-            <a:r>
-              <a:rPr lang="fr-FR" sz="2400" dirty="0">
-                <a:latin typeface="Arial" panose="020B0604020202020204" pitchFamily="34" charset="0"/>
-                <a:ea typeface="Segoe UI" pitchFamily="34" charset="0"/>
-                <a:cs typeface="Arial" panose="020B0604020202020204" pitchFamily="34" charset="0"/>
-              </a:rPr>
-              <a:t> </a:t>
-            </a:r>
-          </a:p>
-          <a:p>
-            <a:r>
-              <a:rPr lang="fr-FR" sz="2400" dirty="0">
-                <a:latin typeface="Arial" panose="020B0604020202020204" pitchFamily="34" charset="0"/>
-                <a:ea typeface="Segoe UI" pitchFamily="34" charset="0"/>
-                <a:cs typeface="Arial" panose="020B0604020202020204" pitchFamily="34" charset="0"/>
-              </a:rPr>
-              <a:t>Security and Access </a:t>
-            </a:r>
-            <a:r>
-              <a:rPr lang="fr-FR" sz="2400" dirty="0" err="1">
-                <a:latin typeface="Arial" panose="020B0604020202020204" pitchFamily="34" charset="0"/>
-                <a:ea typeface="Segoe UI" pitchFamily="34" charset="0"/>
-                <a:cs typeface="Arial" panose="020B0604020202020204" pitchFamily="34" charset="0"/>
-              </a:rPr>
-              <a:t>Permisions</a:t>
-            </a:r>
-            <a:endParaRPr lang="fr-FR" sz="2400" dirty="0">
-              <a:latin typeface="Arial" panose="020B0604020202020204" pitchFamily="34" charset="0"/>
-              <a:ea typeface="Segoe UI" pitchFamily="34" charset="0"/>
-              <a:cs typeface="Arial" panose="020B0604020202020204" pitchFamily="34" charset="0"/>
-            </a:endParaRPr>
-          </a:p>
-          <a:p>
-            <a:endParaRPr lang="fr-FR" sz="2400" dirty="0">
-              <a:latin typeface="Arial" panose="020B0604020202020204" pitchFamily="34" charset="0"/>
-              <a:ea typeface="Segoe UI" pitchFamily="34" charset="0"/>
-              <a:cs typeface="Arial" panose="020B0604020202020204" pitchFamily="34" charset="0"/>
-            </a:endParaRPr>
-          </a:p>
-          <a:p>
-            <a:endParaRPr lang="fr-FR" sz="2400" dirty="0">
-              <a:latin typeface="Arial" panose="020B0604020202020204" pitchFamily="34" charset="0"/>
-              <a:ea typeface="Segoe UI" pitchFamily="34" charset="0"/>
-              <a:cs typeface="Arial" panose="020B0604020202020204" pitchFamily="34" charset="0"/>
-            </a:endParaRPr>
-          </a:p>
-          <a:p>
-            <a:pPr lvl="0" defTabSz="1022350">
-              <a:lnSpc>
-                <a:spcPct val="90000"/>
-              </a:lnSpc>
-              <a:spcBef>
-                <a:spcPct val="0"/>
-              </a:spcBef>
-              <a:spcAft>
-                <a:spcPct val="35000"/>
-              </a:spcAft>
-              <a:defRPr/>
-            </a:pPr>
-            <a:endParaRPr lang="fr-FR" sz="2400" dirty="0">
+            <a:endParaRPr lang="fr-FR" sz="2800" dirty="0">
               <a:latin typeface="Arial" panose="020B0604020202020204" pitchFamily="34" charset="0"/>
               <a:cs typeface="Arial" panose="020B0604020202020204" pitchFamily="34" charset="0"/>
             </a:endParaRPr>
           </a:p>
           <a:p>
-            <a:endParaRPr lang="en-US" sz="2400" dirty="0"/>
+            <a:endParaRPr lang="en-US" sz="2800" dirty="0"/>
           </a:p>
         </p:txBody>
       </p:sp>

--- a/Presentation-projet-SQLite [Autosaved].pptx
+++ b/Presentation-projet-SQLite [Autosaved].pptx
@@ -356,7 +356,7 @@
           <a:p>
             <a:fld id="{4BBBBF6B-ACDD-4A14-800E-2B828951F2E5}" type="slidenum">
               <a:rPr lang="fr-FR" smtClean="0"/>
-              <a:t>‹N°›</a:t>
+              <a:t>‹#›</a:t>
             </a:fld>
             <a:endParaRPr lang="fr-FR"/>
           </a:p>
@@ -615,7 +615,7 @@
           <a:p>
             <a:fld id="{F4625AEE-926E-49DB-B657-4E194F63E769}" type="slidenum">
               <a:rPr lang="fr-FR" smtClean="0"/>
-              <a:t>‹N°›</a:t>
+              <a:t>‹#›</a:t>
             </a:fld>
             <a:endParaRPr lang="fr-FR"/>
           </a:p>
@@ -897,7 +897,7 @@
             <a:fld id="{2376E620-B82E-4BB3-B55A-C1C511C62C08}" type="slidenum">
               <a:rPr lang="fr-FR" smtClean="0"/>
               <a:pPr/>
-              <a:t>‹N°›</a:t>
+              <a:t>‹#›</a:t>
             </a:fld>
             <a:endParaRPr lang="fr-FR" dirty="0"/>
           </a:p>
@@ -1066,7 +1066,7 @@
             <a:fld id="{2376E620-B82E-4BB3-B55A-C1C511C62C08}" type="slidenum">
               <a:rPr lang="fr-FR" smtClean="0"/>
               <a:pPr/>
-              <a:t>‹N°›</a:t>
+              <a:t>‹#›</a:t>
             </a:fld>
             <a:endParaRPr lang="fr-FR" dirty="0"/>
           </a:p>
@@ -1246,7 +1246,7 @@
             <a:fld id="{2376E620-B82E-4BB3-B55A-C1C511C62C08}" type="slidenum">
               <a:rPr lang="fr-FR" smtClean="0"/>
               <a:pPr/>
-              <a:t>‹N°›</a:t>
+              <a:t>‹#›</a:t>
             </a:fld>
             <a:endParaRPr lang="fr-FR" dirty="0"/>
           </a:p>
@@ -1416,7 +1416,7 @@
             <a:fld id="{2376E620-B82E-4BB3-B55A-C1C511C62C08}" type="slidenum">
               <a:rPr lang="fr-FR" smtClean="0"/>
               <a:pPr/>
-              <a:t>‹N°›</a:t>
+              <a:t>‹#›</a:t>
             </a:fld>
             <a:endParaRPr lang="fr-FR" dirty="0"/>
           </a:p>
@@ -1662,7 +1662,7 @@
           <a:p>
             <a:fld id="{2376E620-B82E-4BB3-B55A-C1C511C62C08}" type="slidenum">
               <a:rPr lang="fr-FR" smtClean="0"/>
-              <a:t>‹N°›</a:t>
+              <a:t>‹#›</a:t>
             </a:fld>
             <a:endParaRPr lang="fr-FR" dirty="0"/>
           </a:p>
@@ -1892,7 +1892,7 @@
             <a:fld id="{2376E620-B82E-4BB3-B55A-C1C511C62C08}" type="slidenum">
               <a:rPr lang="fr-FR" smtClean="0"/>
               <a:pPr/>
-              <a:t>‹N°›</a:t>
+              <a:t>‹#›</a:t>
             </a:fld>
             <a:endParaRPr lang="fr-FR" dirty="0"/>
           </a:p>
@@ -2258,7 +2258,7 @@
             <a:fld id="{2376E620-B82E-4BB3-B55A-C1C511C62C08}" type="slidenum">
               <a:rPr lang="fr-FR" smtClean="0"/>
               <a:pPr/>
-              <a:t>‹N°›</a:t>
+              <a:t>‹#›</a:t>
             </a:fld>
             <a:endParaRPr lang="fr-FR" dirty="0"/>
           </a:p>
@@ -2376,7 +2376,7 @@
           <a:p>
             <a:fld id="{2376E620-B82E-4BB3-B55A-C1C511C62C08}" type="slidenum">
               <a:rPr lang="fr-FR" smtClean="0"/>
-              <a:t>‹N°›</a:t>
+              <a:t>‹#›</a:t>
             </a:fld>
             <a:endParaRPr lang="fr-FR" dirty="0"/>
           </a:p>
@@ -2471,7 +2471,7 @@
           <a:p>
             <a:fld id="{2376E620-B82E-4BB3-B55A-C1C511C62C08}" type="slidenum">
               <a:rPr lang="fr-FR" smtClean="0"/>
-              <a:t>‹N°›</a:t>
+              <a:t>‹#›</a:t>
             </a:fld>
             <a:endParaRPr lang="fr-FR" dirty="0"/>
           </a:p>
@@ -2747,7 +2747,7 @@
             <a:fld id="{2376E620-B82E-4BB3-B55A-C1C511C62C08}" type="slidenum">
               <a:rPr lang="fr-FR" smtClean="0"/>
               <a:pPr/>
-              <a:t>‹N°›</a:t>
+              <a:t>‹#›</a:t>
             </a:fld>
             <a:endParaRPr lang="fr-FR" dirty="0"/>
           </a:p>
@@ -3000,7 +3000,7 @@
           <a:p>
             <a:fld id="{2376E620-B82E-4BB3-B55A-C1C511C62C08}" type="slidenum">
               <a:rPr lang="fr-FR" smtClean="0"/>
-              <a:t>‹N°›</a:t>
+              <a:t>‹#›</a:t>
             </a:fld>
             <a:endParaRPr lang="fr-FR"/>
           </a:p>
@@ -3248,7 +3248,7 @@
             <a:fld id="{2376E620-B82E-4BB3-B55A-C1C511C62C08}" type="slidenum">
               <a:rPr lang="fr-FR" smtClean="0"/>
               <a:pPr/>
-              <a:t>‹N°›</a:t>
+              <a:t>‹#›</a:t>
             </a:fld>
             <a:endParaRPr lang="fr-FR" dirty="0"/>
           </a:p>
@@ -3707,7 +3707,7 @@
               </a:rPr>
               <a:t>People's Democratic Republic of Algeria</a:t>
             </a:r>
-            <a:br>
+            <a:r>
               <a:rPr kumimoji="0" lang="fr-FR" sz="2000" b="0" i="0" u="none" strike="noStrike" kern="1200" cap="none" spc="0" normalizeH="0" baseline="0" noProof="0" dirty="0">
                 <a:ln>
                   <a:noFill/>
@@ -3722,6 +3722,23 @@
                 <a:ea typeface="Times New Roman"/>
                 <a:cs typeface="+mj-cs"/>
               </a:rPr>
+              <a:t/>
+            </a:r>
+            <a:br>
+              <a:rPr kumimoji="0" lang="fr-FR" sz="2000" b="0" i="0" u="none" strike="noStrike" kern="1200" cap="none" spc="0" normalizeH="0" baseline="0" noProof="0" dirty="0">
+                <a:ln>
+                  <a:noFill/>
+                </a:ln>
+                <a:solidFill>
+                  <a:prstClr val="black"/>
+                </a:solidFill>
+                <a:effectLst/>
+                <a:uLnTx/>
+                <a:uFillTx/>
+                <a:latin typeface="Times New Roman"/>
+                <a:ea typeface="Times New Roman"/>
+                <a:cs typeface="+mj-cs"/>
+              </a:rPr>
             </a:br>
             <a:r>
               <a:rPr kumimoji="0" lang="en-US" sz="2000" b="0" i="0" u="none" strike="noStrike" kern="1200" cap="none" spc="0" normalizeH="0" baseline="0" noProof="0" dirty="0">
@@ -3740,7 +3757,7 @@
               </a:rPr>
               <a:t>Ministry of Higher Education and Scientific Research</a:t>
             </a:r>
-            <a:br>
+            <a:r>
               <a:rPr kumimoji="0" lang="fr-FR" sz="2000" b="0" i="0" u="none" strike="noStrike" kern="1200" cap="none" spc="0" normalizeH="0" baseline="0" noProof="0" dirty="0">
                 <a:ln>
                   <a:noFill/>
@@ -3755,8 +3772,9 @@
                 <a:ea typeface="Calibri"/>
                 <a:cs typeface="Times New Roman"/>
               </a:rPr>
-            </a:br>
-            <a:r>
+              <a:t/>
+            </a:r>
+            <a:br>
               <a:rPr kumimoji="0" lang="fr-FR" sz="2000" b="0" i="0" u="none" strike="noStrike" kern="1200" cap="none" spc="0" normalizeH="0" baseline="0" noProof="0" dirty="0">
                 <a:ln>
                   <a:noFill/>
@@ -3771,10 +3789,9 @@
                 <a:ea typeface="Calibri"/>
                 <a:cs typeface="Times New Roman"/>
               </a:rPr>
-              <a:t>Ibn </a:t>
-            </a:r>
-            <a:r>
-              <a:rPr kumimoji="0" lang="fr-FR" sz="2000" b="0" i="0" u="none" strike="noStrike" kern="1200" cap="none" spc="0" normalizeH="0" baseline="0" noProof="0" dirty="0" err="1">
+            </a:br>
+            <a:r>
+              <a:rPr kumimoji="0" lang="fr-FR" sz="2000" b="0" i="0" u="none" strike="noStrike" kern="1200" cap="none" spc="0" normalizeH="0" baseline="0" noProof="0" dirty="0">
                 <a:ln>
                   <a:noFill/>
                 </a:ln>
@@ -3788,10 +3805,10 @@
                 <a:ea typeface="Calibri"/>
                 <a:cs typeface="Times New Roman"/>
               </a:rPr>
-              <a:t>Khaldoun</a:t>
-            </a:r>
-            <a:r>
-              <a:rPr kumimoji="0" lang="fr-FR" sz="2000" b="0" i="0" u="none" strike="noStrike" kern="1200" cap="none" spc="0" normalizeH="0" baseline="0" noProof="0" dirty="0">
+              <a:t>Ibn </a:t>
+            </a:r>
+            <a:r>
+              <a:rPr kumimoji="0" lang="fr-FR" sz="2000" b="0" i="0" u="none" strike="noStrike" kern="1200" cap="none" spc="0" normalizeH="0" baseline="0" noProof="0" dirty="0" err="1">
                 <a:ln>
                   <a:noFill/>
                 </a:ln>
@@ -3805,10 +3822,10 @@
                 <a:ea typeface="Calibri"/>
                 <a:cs typeface="Times New Roman"/>
               </a:rPr>
-              <a:t> </a:t>
-            </a:r>
-            <a:r>
-              <a:rPr kumimoji="0" lang="fr-FR" sz="2000" b="0" i="0" u="none" strike="noStrike" kern="1200" cap="none" spc="0" normalizeH="0" baseline="0" noProof="0" dirty="0" err="1">
+              <a:t>Khaldoun</a:t>
+            </a:r>
+            <a:r>
+              <a:rPr kumimoji="0" lang="fr-FR" sz="2000" b="0" i="0" u="none" strike="noStrike" kern="1200" cap="none" spc="0" normalizeH="0" baseline="0" noProof="0" dirty="0">
                 <a:ln>
                   <a:noFill/>
                 </a:ln>
@@ -3822,10 +3839,10 @@
                 <a:ea typeface="Calibri"/>
                 <a:cs typeface="Times New Roman"/>
               </a:rPr>
-              <a:t>University</a:t>
-            </a:r>
-            <a:r>
-              <a:rPr kumimoji="0" lang="fr-FR" sz="2000" b="0" i="0" u="none" strike="noStrike" kern="1200" cap="none" spc="0" normalizeH="0" baseline="0" noProof="0" dirty="0">
+              <a:t> </a:t>
+            </a:r>
+            <a:r>
+              <a:rPr kumimoji="0" lang="fr-FR" sz="2000" b="0" i="0" u="none" strike="noStrike" kern="1200" cap="none" spc="0" normalizeH="0" baseline="0" noProof="0" dirty="0" err="1">
                 <a:ln>
                   <a:noFill/>
                 </a:ln>
@@ -3839,9 +3856,9 @@
                 <a:ea typeface="Calibri"/>
                 <a:cs typeface="Times New Roman"/>
               </a:rPr>
-              <a:t> of Tiaret</a:t>
-            </a:r>
-            <a:br>
+              <a:t>University</a:t>
+            </a:r>
+            <a:r>
               <a:rPr kumimoji="0" lang="fr-FR" sz="2000" b="0" i="0" u="none" strike="noStrike" kern="1200" cap="none" spc="0" normalizeH="0" baseline="0" noProof="0" dirty="0">
                 <a:ln>
                   <a:noFill/>
@@ -3856,8 +3873,9 @@
                 <a:ea typeface="Calibri"/>
                 <a:cs typeface="Times New Roman"/>
               </a:rPr>
-            </a:br>
-            <a:r>
+              <a:t> of Tiaret</a:t>
+            </a:r>
+            <a:br>
               <a:rPr kumimoji="0" lang="fr-FR" sz="2000" b="0" i="0" u="none" strike="noStrike" kern="1200" cap="none" spc="0" normalizeH="0" baseline="0" noProof="0" dirty="0">
                 <a:ln>
                   <a:noFill/>
@@ -3872,10 +3890,9 @@
                 <a:ea typeface="Calibri"/>
                 <a:cs typeface="Times New Roman"/>
               </a:rPr>
-              <a:t>computer science </a:t>
-            </a:r>
-            <a:r>
-              <a:rPr kumimoji="0" lang="fr-FR" sz="2000" b="0" i="0" u="none" strike="noStrike" kern="1200" cap="none" spc="0" normalizeH="0" baseline="0" noProof="0" dirty="0" err="1">
+            </a:br>
+            <a:r>
+              <a:rPr kumimoji="0" lang="fr-FR" sz="2000" b="0" i="0" u="none" strike="noStrike" kern="1200" cap="none" spc="0" normalizeH="0" baseline="0" noProof="0" dirty="0">
                 <a:ln>
                   <a:noFill/>
                 </a:ln>
@@ -3889,10 +3906,10 @@
                 <a:ea typeface="Calibri"/>
                 <a:cs typeface="Times New Roman"/>
               </a:rPr>
-              <a:t>faculty</a:t>
-            </a:r>
-            <a:r>
-              <a:rPr kumimoji="0" lang="fr-FR" sz="2000" b="0" i="0" u="none" strike="noStrike" kern="1200" cap="none" spc="0" normalizeH="0" baseline="0" noProof="0" dirty="0">
+              <a:t>computer science </a:t>
+            </a:r>
+            <a:r>
+              <a:rPr kumimoji="0" lang="fr-FR" sz="2000" b="0" i="0" u="none" strike="noStrike" kern="1200" cap="none" spc="0" normalizeH="0" baseline="0" noProof="0" dirty="0" err="1">
                 <a:ln>
                   <a:noFill/>
                 </a:ln>
@@ -3906,10 +3923,10 @@
                 <a:ea typeface="Calibri"/>
                 <a:cs typeface="Times New Roman"/>
               </a:rPr>
-              <a:t> </a:t>
-            </a:r>
-            <a:r>
-              <a:rPr kumimoji="0" lang="fr-FR" sz="100" b="0" i="0" u="none" strike="noStrike" kern="1200" cap="none" spc="0" normalizeH="0" noProof="0" dirty="0">
+              <a:t>faculty</a:t>
+            </a:r>
+            <a:r>
+              <a:rPr kumimoji="0" lang="fr-FR" sz="2000" b="0" i="0" u="none" strike="noStrike" kern="1200" cap="none" spc="0" normalizeH="0" baseline="0" noProof="0" dirty="0">
                 <a:ln>
                   <a:noFill/>
                 </a:ln>
@@ -3926,17 +3943,34 @@
               <a:t> </a:t>
             </a:r>
             <a:r>
-              <a:rPr lang="ja-JP" altLang="en-US" sz="100" dirty="0">
+              <a:rPr kumimoji="0" lang="fr-FR" sz="100" b="0" i="0" u="none" strike="noStrike" kern="1200" cap="none" spc="0" normalizeH="0" noProof="0" dirty="0">
+                <a:ln>
+                  <a:noFill/>
+                </a:ln>
                 <a:solidFill>
                   <a:prstClr val="black"/>
                 </a:solidFill>
+                <a:effectLst/>
+                <a:uLnTx/>
+                <a:uFillTx/>
                 <a:latin typeface="Times New Roman"/>
                 <a:ea typeface="Calibri"/>
                 <a:cs typeface="Times New Roman"/>
               </a:rPr>
+              <a:t> </a:t>
+            </a:r>
+            <a:r>
+              <a:rPr lang="ja-JP" altLang="en-US" sz="100" dirty="0">
+                <a:solidFill>
+                  <a:prstClr val="black"/>
+                </a:solidFill>
+                <a:latin typeface="Times New Roman"/>
+                <a:ea typeface="Calibri"/>
+                <a:cs typeface="Times New Roman"/>
+              </a:rPr>
               <a:t>私たちはアルジェリア人です</a:t>
             </a:r>
-            <a:br>
+            <a:r>
               <a:rPr kumimoji="0" lang="fr-FR" sz="2000" b="1" i="0" u="none" strike="noStrike" kern="1200" cap="none" spc="0" normalizeH="0" baseline="0" noProof="0" dirty="0">
                 <a:ln>
                   <a:noFill/>
@@ -3951,7 +3985,41 @@
                 <a:ea typeface="+mj-ea"/>
                 <a:cs typeface="+mj-cs"/>
               </a:rPr>
+              <a:t/>
+            </a:r>
+            <a:br>
+              <a:rPr kumimoji="0" lang="fr-FR" sz="2000" b="1" i="0" u="none" strike="noStrike" kern="1200" cap="none" spc="0" normalizeH="0" baseline="0" noProof="0" dirty="0">
+                <a:ln>
+                  <a:noFill/>
+                </a:ln>
+                <a:solidFill>
+                  <a:srgbClr val="000000"/>
+                </a:solidFill>
+                <a:effectLst/>
+                <a:uLnTx/>
+                <a:uFillTx/>
+                <a:latin typeface="Constantia" pitchFamily="18" charset="0"/>
+                <a:ea typeface="+mj-ea"/>
+                <a:cs typeface="+mj-cs"/>
+              </a:rPr>
             </a:br>
+            <a:r>
+              <a:rPr kumimoji="0" lang="fr-FR" sz="2000" b="0" i="0" u="none" strike="noStrike" kern="1200" cap="none" spc="0" normalizeH="0" baseline="0" noProof="0" dirty="0">
+                <a:ln>
+                  <a:noFill/>
+                </a:ln>
+                <a:solidFill>
+                  <a:prstClr val="black"/>
+                </a:solidFill>
+                <a:effectLst/>
+                <a:uLnTx/>
+                <a:uFillTx/>
+                <a:latin typeface="Times New Roman"/>
+                <a:ea typeface="Times New Roman"/>
+                <a:cs typeface="+mj-cs"/>
+              </a:rPr>
+              <a:t/>
+            </a:r>
             <a:br>
               <a:rPr kumimoji="0" lang="fr-FR" sz="2000" b="0" i="0" u="none" strike="noStrike" kern="1200" cap="none" spc="0" normalizeH="0" baseline="0" noProof="0" dirty="0">
                 <a:ln>
@@ -4432,6 +4500,13 @@
   <p:clrMapOvr>
     <a:masterClrMapping/>
   </p:clrMapOvr>
+  <p:timing>
+    <p:tnLst>
+      <p:par>
+        <p:cTn id="1" dur="indefinite" restart="never" nodeType="tmRoot"/>
+      </p:par>
+    </p:tnLst>
+  </p:timing>
 </p:sld>
 </file>
 
@@ -4680,6 +4755,23 @@
               <a:tabLst/>
               <a:defRPr/>
             </a:pPr>
+            <a:r>
+              <a:rPr kumimoji="0" lang="fr-FR" sz="2400" b="0" i="0" u="none" strike="noStrike" kern="1200" cap="none" spc="0" normalizeH="0" baseline="0" noProof="0" dirty="0">
+                <a:ln>
+                  <a:noFill/>
+                </a:ln>
+                <a:solidFill>
+                  <a:prstClr val="black"/>
+                </a:solidFill>
+                <a:effectLst/>
+                <a:uLnTx/>
+                <a:uFillTx/>
+                <a:latin typeface="Calibri" panose="020F0502020204030204"/>
+                <a:ea typeface="+mn-ea"/>
+                <a:cs typeface="+mn-cs"/>
+              </a:rPr>
+              <a:t/>
+            </a:r>
             <a:br>
               <a:rPr kumimoji="0" lang="fr-FR" sz="2400" b="0" i="0" u="none" strike="noStrike" kern="1200" cap="none" spc="0" normalizeH="0" baseline="0" noProof="0" dirty="0">
                 <a:ln>
@@ -4782,6 +4874,13 @@
   <p:clrMapOvr>
     <a:masterClrMapping/>
   </p:clrMapOvr>
+  <p:timing>
+    <p:tnLst>
+      <p:par>
+        <p:cTn id="1" dur="indefinite" restart="never" nodeType="tmRoot"/>
+      </p:par>
+    </p:tnLst>
+  </p:timing>
 </p:sld>
 </file>
 
@@ -4889,6 +4988,13 @@
   <p:clrMapOvr>
     <a:masterClrMapping/>
   </p:clrMapOvr>
+  <p:timing>
+    <p:tnLst>
+      <p:par>
+        <p:cTn id="1" dur="indefinite" restart="never" nodeType="tmRoot"/>
+      </p:par>
+    </p:tnLst>
+  </p:timing>
 </p:sld>
 </file>
 
@@ -5006,6 +5112,10 @@
           <a:lstStyle/>
           <a:p>
             <a:pPr marL="12700" algn="ctr"/>
+            <a:r>
+              <a:rPr lang="fr-FR" sz="2400" dirty="0"/>
+              <a:t/>
+            </a:r>
             <a:br>
               <a:rPr lang="fr-FR" sz="2400" dirty="0"/>
             </a:br>
@@ -5187,6 +5297,13 @@
   <p:transition spd="med">
     <p:pull/>
   </p:transition>
+  <p:timing>
+    <p:tnLst>
+      <p:par>
+        <p:cTn id="1" dur="indefinite" restart="never" nodeType="tmRoot"/>
+      </p:par>
+    </p:tnLst>
+  </p:timing>
 </p:sld>
 </file>
 
@@ -5304,6 +5421,10 @@
           <a:lstStyle/>
           <a:p>
             <a:pPr marL="12700" algn="ctr"/>
+            <a:r>
+              <a:rPr lang="fr-FR" sz="2400" dirty="0"/>
+              <a:t/>
+            </a:r>
             <a:br>
               <a:rPr lang="fr-FR" sz="2400" dirty="0"/>
             </a:br>
@@ -5509,6 +5630,13 @@
   <p:transition spd="med">
     <p:pull/>
   </p:transition>
+  <p:timing>
+    <p:tnLst>
+      <p:par>
+        <p:cTn id="1" dur="indefinite" restart="never" nodeType="tmRoot"/>
+      </p:par>
+    </p:tnLst>
+  </p:timing>
 </p:sld>
 </file>
 
@@ -5644,6 +5772,10 @@
           <a:lstStyle/>
           <a:p>
             <a:pPr marL="12700" algn="ctr"/>
+            <a:r>
+              <a:rPr lang="fr-FR" sz="2400" dirty="0"/>
+              <a:t/>
+            </a:r>
             <a:br>
               <a:rPr lang="fr-FR" sz="2400" dirty="0"/>
             </a:br>
@@ -6101,6 +6233,13 @@
   <p:transition spd="slow">
     <p:push dir="u"/>
   </p:transition>
+  <p:timing>
+    <p:tnLst>
+      <p:par>
+        <p:cTn id="1" dur="indefinite" restart="never" nodeType="tmRoot"/>
+      </p:par>
+    </p:tnLst>
+  </p:timing>
 </p:sld>
 </file>
 
@@ -6298,6 +6437,13 @@
   <p:clrMapOvr>
     <a:masterClrMapping/>
   </p:clrMapOvr>
+  <p:timing>
+    <p:tnLst>
+      <p:par>
+        <p:cTn id="1" dur="indefinite" restart="never" nodeType="tmRoot"/>
+      </p:par>
+    </p:tnLst>
+  </p:timing>
 </p:sld>
 </file>
 
@@ -6452,6 +6598,13 @@
   <p:clrMapOvr>
     <a:masterClrMapping/>
   </p:clrMapOvr>
+  <p:timing>
+    <p:tnLst>
+      <p:par>
+        <p:cTn id="1" dur="indefinite" restart="never" nodeType="tmRoot"/>
+      </p:par>
+    </p:tnLst>
+  </p:timing>
 </p:sld>
 </file>
 
@@ -6647,6 +6800,13 @@
   <p:clrMapOvr>
     <a:masterClrMapping/>
   </p:clrMapOvr>
+  <p:timing>
+    <p:tnLst>
+      <p:par>
+        <p:cTn id="1" dur="indefinite" restart="never" nodeType="tmRoot"/>
+      </p:par>
+    </p:tnLst>
+  </p:timing>
 </p:sld>
 </file>
 
@@ -6744,6 +6904,13 @@
       </p:transition>
     </mc:Fallback>
   </mc:AlternateContent>
+  <p:timing>
+    <p:tnLst>
+      <p:par>
+        <p:cTn id="1" dur="indefinite" restart="never" nodeType="tmRoot"/>
+      </p:par>
+    </p:tnLst>
+  </p:timing>
 </p:sld>
 </file>
 
@@ -6859,6 +7026,10 @@
           <a:lstStyle/>
           <a:p>
             <a:pPr marL="12700" algn="ctr"/>
+            <a:r>
+              <a:rPr lang="fr-FR" sz="2400" dirty="0"/>
+              <a:t/>
+            </a:r>
             <a:br>
               <a:rPr lang="fr-FR" sz="2400" dirty="0"/>
             </a:br>
@@ -7241,6 +7412,13 @@
   <p:transition spd="med">
     <p:pull/>
   </p:transition>
+  <p:timing>
+    <p:tnLst>
+      <p:par>
+        <p:cTn id="1" dur="indefinite" restart="never" nodeType="tmRoot"/>
+      </p:par>
+    </p:tnLst>
+  </p:timing>
 </p:sld>
 </file>
 
@@ -8171,6 +8349,13 @@
       <p:transition/>
     </mc:Fallback>
   </mc:AlternateContent>
+  <p:timing>
+    <p:tnLst>
+      <p:par>
+        <p:cTn id="1" dur="indefinite" restart="never" nodeType="tmRoot"/>
+      </p:par>
+    </p:tnLst>
+  </p:timing>
 </p:sld>
 </file>
 
@@ -8285,6 +8470,10 @@
           <a:lstStyle/>
           <a:p>
             <a:pPr marL="12700" algn="ctr"/>
+            <a:r>
+              <a:rPr lang="fr-FR" sz="2400" dirty="0"/>
+              <a:t/>
+            </a:r>
             <a:br>
               <a:rPr lang="fr-FR" sz="2400" dirty="0"/>
             </a:br>
@@ -8407,6 +8596,13 @@
   <p:clrMapOvr>
     <a:masterClrMapping/>
   </p:clrMapOvr>
+  <p:timing>
+    <p:tnLst>
+      <p:par>
+        <p:cTn id="1" dur="indefinite" restart="never" nodeType="tmRoot"/>
+      </p:par>
+    </p:tnLst>
+  </p:timing>
 </p:sld>
 </file>
 
@@ -8505,6 +8701,13 @@
   <p:clrMapOvr>
     <a:masterClrMapping/>
   </p:clrMapOvr>
+  <p:timing>
+    <p:tnLst>
+      <p:par>
+        <p:cTn id="1" dur="indefinite" restart="never" nodeType="tmRoot"/>
+      </p:par>
+    </p:tnLst>
+  </p:timing>
 </p:sld>
 </file>
 
@@ -8573,6 +8776,13 @@
   <p:clrMapOvr>
     <a:masterClrMapping/>
   </p:clrMapOvr>
+  <p:timing>
+    <p:tnLst>
+      <p:par>
+        <p:cTn id="1" dur="indefinite" restart="never" nodeType="tmRoot"/>
+      </p:par>
+    </p:tnLst>
+  </p:timing>
 </p:sld>
 </file>
 
@@ -8714,6 +8924,10 @@
           <a:lstStyle/>
           <a:p>
             <a:pPr marL="12700" algn="ctr"/>
+            <a:r>
+              <a:rPr lang="fr-FR" sz="2400" dirty="0"/>
+              <a:t/>
+            </a:r>
             <a:br>
               <a:rPr lang="fr-FR" sz="2400" dirty="0"/>
             </a:br>
@@ -9088,6 +9302,13 @@
   <p:transition spd="slow">
     <p:push dir="u"/>
   </p:transition>
+  <p:timing>
+    <p:tnLst>
+      <p:par>
+        <p:cTn id="1" dur="indefinite" restart="never" nodeType="tmRoot"/>
+      </p:par>
+    </p:tnLst>
+  </p:timing>
 </p:sld>
 </file>
 
@@ -9326,6 +9547,13 @@
   <p:clrMapOvr>
     <a:masterClrMapping/>
   </p:clrMapOvr>
+  <p:timing>
+    <p:tnLst>
+      <p:par>
+        <p:cTn id="1" dur="indefinite" restart="never" nodeType="tmRoot"/>
+      </p:par>
+    </p:tnLst>
+  </p:timing>
 </p:sld>
 </file>
 
@@ -9571,6 +9799,13 @@
   <p:clrMapOvr>
     <a:masterClrMapping/>
   </p:clrMapOvr>
+  <p:timing>
+    <p:tnLst>
+      <p:par>
+        <p:cTn id="1" dur="indefinite" restart="never" nodeType="tmRoot"/>
+      </p:par>
+    </p:tnLst>
+  </p:timing>
 </p:sld>
 </file>
 
@@ -9790,6 +10025,13 @@
   <p:clrMapOvr>
     <a:masterClrMapping/>
   </p:clrMapOvr>
+  <p:timing>
+    <p:tnLst>
+      <p:par>
+        <p:cTn id="1" dur="indefinite" restart="never" nodeType="tmRoot"/>
+      </p:par>
+    </p:tnLst>
+  </p:timing>
 </p:sld>
 </file>
 
@@ -9916,6 +10158,10 @@
           <a:lstStyle/>
           <a:p>
             <a:pPr marL="12700" algn="ctr"/>
+            <a:r>
+              <a:rPr lang="fr-FR" sz="2400" dirty="0"/>
+              <a:t/>
+            </a:r>
             <a:br>
               <a:rPr lang="fr-FR" sz="2400" dirty="0"/>
             </a:br>
@@ -10017,6 +10263,13 @@
   <p:clrMapOvr>
     <a:masterClrMapping/>
   </p:clrMapOvr>
+  <p:timing>
+    <p:tnLst>
+      <p:par>
+        <p:cTn id="1" dur="indefinite" restart="never" nodeType="tmRoot"/>
+      </p:par>
+    </p:tnLst>
+  </p:timing>
 </p:sld>
 </file>
 
@@ -10143,6 +10396,10 @@
           <a:lstStyle/>
           <a:p>
             <a:pPr marL="12700" algn="ctr"/>
+            <a:r>
+              <a:rPr lang="fr-FR" sz="2400" dirty="0"/>
+              <a:t/>
+            </a:r>
             <a:br>
               <a:rPr lang="fr-FR" sz="2400" dirty="0"/>
             </a:br>
@@ -10257,6 +10514,13 @@
   <p:clrMapOvr>
     <a:masterClrMapping/>
   </p:clrMapOvr>
+  <p:timing>
+    <p:tnLst>
+      <p:par>
+        <p:cTn id="1" dur="indefinite" restart="never" nodeType="tmRoot"/>
+      </p:par>
+    </p:tnLst>
+  </p:timing>
 </p:sld>
 </file>
 
@@ -10383,6 +10647,10 @@
           <a:lstStyle/>
           <a:p>
             <a:pPr marL="12700" algn="ctr"/>
+            <a:r>
+              <a:rPr lang="fr-FR" sz="2400" dirty="0"/>
+              <a:t/>
+            </a:r>
             <a:br>
               <a:rPr lang="fr-FR" sz="2400" dirty="0"/>
             </a:br>
@@ -10484,6 +10752,13 @@
   <p:clrMapOvr>
     <a:masterClrMapping/>
   </p:clrMapOvr>
+  <p:timing>
+    <p:tnLst>
+      <p:par>
+        <p:cTn id="1" dur="indefinite" restart="never" nodeType="tmRoot"/>
+      </p:par>
+    </p:tnLst>
+  </p:timing>
 </p:sld>
 </file>
 
@@ -10591,6 +10866,13 @@
   <p:clrMapOvr>
     <a:masterClrMapping/>
   </p:clrMapOvr>
+  <p:timing>
+    <p:tnLst>
+      <p:par>
+        <p:cTn id="1" dur="indefinite" restart="never" nodeType="tmRoot"/>
+      </p:par>
+    </p:tnLst>
+  </p:timing>
 </p:sld>
 </file>
 
@@ -10825,6 +11107,13 @@
   <p:clrMapOvr>
     <a:masterClrMapping/>
   </p:clrMapOvr>
+  <p:timing>
+    <p:tnLst>
+      <p:par>
+        <p:cTn id="1" dur="indefinite" restart="never" nodeType="tmRoot"/>
+      </p:par>
+    </p:tnLst>
+  </p:timing>
 </p:sld>
 </file>
 
@@ -11048,6 +11337,13 @@
   <p:clrMapOvr>
     <a:masterClrMapping/>
   </p:clrMapOvr>
+  <p:timing>
+    <p:tnLst>
+      <p:par>
+        <p:cTn id="1" dur="indefinite" restart="never" nodeType="tmRoot"/>
+      </p:par>
+    </p:tnLst>
+  </p:timing>
 </p:sld>
 </file>
 
@@ -11306,6 +11602,13 @@
   <p:clrMapOvr>
     <a:masterClrMapping/>
   </p:clrMapOvr>
+  <p:timing>
+    <p:tnLst>
+      <p:par>
+        <p:cTn id="1" dur="indefinite" restart="never" nodeType="tmRoot"/>
+      </p:par>
+    </p:tnLst>
+  </p:timing>
 </p:sld>
 </file>
 
@@ -11512,6 +11815,13 @@
   <p:clrMapOvr>
     <a:masterClrMapping/>
   </p:clrMapOvr>
+  <p:timing>
+    <p:tnLst>
+      <p:par>
+        <p:cTn id="1" dur="indefinite" restart="never" nodeType="tmRoot"/>
+      </p:par>
+    </p:tnLst>
+  </p:timing>
 </p:sld>
 </file>
 
@@ -11731,6 +12041,13 @@
   <p:clrMapOvr>
     <a:masterClrMapping/>
   </p:clrMapOvr>
+  <p:timing>
+    <p:tnLst>
+      <p:par>
+        <p:cTn id="1" dur="indefinite" restart="never" nodeType="tmRoot"/>
+      </p:par>
+    </p:tnLst>
+  </p:timing>
 </p:sld>
 </file>
 
@@ -11964,6 +12281,13 @@
   <p:clrMapOvr>
     <a:masterClrMapping/>
   </p:clrMapOvr>
+  <p:timing>
+    <p:tnLst>
+      <p:par>
+        <p:cTn id="1" dur="indefinite" restart="never" nodeType="tmRoot"/>
+      </p:par>
+    </p:tnLst>
+  </p:timing>
 </p:sld>
 </file>
 
@@ -12186,6 +12510,13 @@
   <p:clrMapOvr>
     <a:masterClrMapping/>
   </p:clrMapOvr>
+  <p:timing>
+    <p:tnLst>
+      <p:par>
+        <p:cTn id="1" dur="indefinite" restart="never" nodeType="tmRoot"/>
+      </p:par>
+    </p:tnLst>
+  </p:timing>
 </p:sld>
 </file>
 
@@ -12382,6 +12713,13 @@
   <p:clrMapOvr>
     <a:masterClrMapping/>
   </p:clrMapOvr>
+  <p:timing>
+    <p:tnLst>
+      <p:par>
+        <p:cTn id="1" dur="indefinite" restart="never" nodeType="tmRoot"/>
+      </p:par>
+    </p:tnLst>
+  </p:timing>
 </p:sld>
 </file>
 
@@ -12529,6 +12867,13 @@
   <p:clrMapOvr>
     <a:masterClrMapping/>
   </p:clrMapOvr>
+  <p:timing>
+    <p:tnLst>
+      <p:par>
+        <p:cTn id="1" dur="indefinite" restart="never" nodeType="tmRoot"/>
+      </p:par>
+    </p:tnLst>
+  </p:timing>
 </p:sld>
 </file>
 
@@ -12725,6 +13070,13 @@
   <p:clrMapOvr>
     <a:masterClrMapping/>
   </p:clrMapOvr>
+  <p:timing>
+    <p:tnLst>
+      <p:par>
+        <p:cTn id="1" dur="indefinite" restart="never" nodeType="tmRoot"/>
+      </p:par>
+    </p:tnLst>
+  </p:timing>
 </p:sld>
 </file>
 
@@ -12889,6 +13241,23 @@
               <a:tabLst/>
               <a:defRPr/>
             </a:pPr>
+            <a:r>
+              <a:rPr kumimoji="0" lang="fr-FR" sz="2400" b="0" i="0" u="none" strike="noStrike" kern="1200" cap="none" spc="0" normalizeH="0" baseline="0" noProof="0" dirty="0">
+                <a:ln>
+                  <a:noFill/>
+                </a:ln>
+                <a:solidFill>
+                  <a:prstClr val="black"/>
+                </a:solidFill>
+                <a:effectLst/>
+                <a:uLnTx/>
+                <a:uFillTx/>
+                <a:latin typeface="Calibri" panose="020F0502020204030204"/>
+                <a:ea typeface="+mn-ea"/>
+                <a:cs typeface="+mn-cs"/>
+              </a:rPr>
+              <a:t/>
+            </a:r>
             <a:br>
               <a:rPr kumimoji="0" lang="fr-FR" sz="2400" b="0" i="0" u="none" strike="noStrike" kern="1200" cap="none" spc="0" normalizeH="0" baseline="0" noProof="0" dirty="0">
                 <a:ln>
@@ -13005,6 +13374,13 @@
   <p:transition spd="med">
     <p:pull/>
   </p:transition>
+  <p:timing>
+    <p:tnLst>
+      <p:par>
+        <p:cTn id="1" dur="indefinite" restart="never" nodeType="tmRoot"/>
+      </p:par>
+    </p:tnLst>
+  </p:timing>
 </p:sld>
 </file>
 
@@ -13188,6 +13564,13 @@
   <p:clrMapOvr>
     <a:masterClrMapping/>
   </p:clrMapOvr>
+  <p:timing>
+    <p:tnLst>
+      <p:par>
+        <p:cTn id="1" dur="indefinite" restart="never" nodeType="tmRoot"/>
+      </p:par>
+    </p:tnLst>
+  </p:timing>
 </p:sld>
 </file>
 
@@ -13395,6 +13778,13 @@
   <p:clrMapOvr>
     <a:masterClrMapping/>
   </p:clrMapOvr>
+  <p:timing>
+    <p:tnLst>
+      <p:par>
+        <p:cTn id="1" dur="indefinite" restart="never" nodeType="tmRoot"/>
+      </p:par>
+    </p:tnLst>
+  </p:timing>
 </p:sld>
 </file>
 
@@ -13601,6 +13991,13 @@
   <p:clrMapOvr>
     <a:masterClrMapping/>
   </p:clrMapOvr>
+  <p:timing>
+    <p:tnLst>
+      <p:par>
+        <p:cTn id="1" dur="indefinite" restart="never" nodeType="tmRoot"/>
+      </p:par>
+    </p:tnLst>
+  </p:timing>
 </p:sld>
 </file>
 
@@ -13794,6 +14191,13 @@
   <p:clrMapOvr>
     <a:masterClrMapping/>
   </p:clrMapOvr>
+  <p:timing>
+    <p:tnLst>
+      <p:par>
+        <p:cTn id="1" dur="indefinite" restart="never" nodeType="tmRoot"/>
+      </p:par>
+    </p:tnLst>
+  </p:timing>
 </p:sld>
 </file>
 
@@ -13885,6 +14289,13 @@
   <p:clrMapOvr>
     <a:masterClrMapping/>
   </p:clrMapOvr>
+  <p:timing>
+    <p:tnLst>
+      <p:par>
+        <p:cTn id="1" dur="indefinite" restart="never" nodeType="tmRoot"/>
+      </p:par>
+    </p:tnLst>
+  </p:timing>
 </p:sld>
 </file>
 
@@ -14039,6 +14450,10 @@
           <a:lstStyle/>
           <a:p>
             <a:pPr marL="12700" algn="ctr"/>
+            <a:r>
+              <a:rPr lang="fr-FR" sz="2400" dirty="0"/>
+              <a:t/>
+            </a:r>
             <a:br>
               <a:rPr lang="fr-FR" sz="2400" dirty="0"/>
             </a:br>
@@ -14086,8 +14501,12 @@
               <a:buChar char="•"/>
             </a:pPr>
             <a:r>
+              <a:rPr lang="it-IT" sz="2400" dirty="0" smtClean="0"/>
+              <a:t>Data </a:t>
+            </a:r>
+            <a:r>
               <a:rPr lang="it-IT" sz="2400" dirty="0"/>
-              <a:t>Data selection</a:t>
+              <a:t>insertion</a:t>
             </a:r>
           </a:p>
           <a:p>
@@ -14099,8 +14518,12 @@
               <a:buChar char="•"/>
             </a:pPr>
             <a:r>
+              <a:rPr lang="it-IT" sz="2400" dirty="0" smtClean="0"/>
+              <a:t>Data </a:t>
+            </a:r>
+            <a:r>
               <a:rPr lang="it-IT" sz="2400" dirty="0"/>
-              <a:t>Data insertion</a:t>
+              <a:t>selection</a:t>
             </a:r>
           </a:p>
           <a:p>
@@ -14112,8 +14535,12 @@
               <a:buChar char="•"/>
             </a:pPr>
             <a:r>
+              <a:rPr lang="it-IT" sz="2400" smtClean="0"/>
+              <a:t>Data </a:t>
+            </a:r>
+            <a:r>
               <a:rPr lang="it-IT" sz="2400" dirty="0"/>
-              <a:t>Data modification</a:t>
+              <a:t>modification</a:t>
             </a:r>
           </a:p>
           <a:p>
@@ -14243,6 +14670,13 @@
   <p:transition spd="slow">
     <p:cover/>
   </p:transition>
+  <p:timing>
+    <p:tnLst>
+      <p:par>
+        <p:cTn id="1" dur="indefinite" restart="never" nodeType="tmRoot"/>
+      </p:par>
+    </p:tnLst>
+  </p:timing>
 </p:sld>
 </file>
 
@@ -14496,6 +14930,13 @@
   <p:clrMapOvr>
     <a:masterClrMapping/>
   </p:clrMapOvr>
+  <p:timing>
+    <p:tnLst>
+      <p:par>
+        <p:cTn id="1" dur="indefinite" restart="never" nodeType="tmRoot"/>
+      </p:par>
+    </p:tnLst>
+  </p:timing>
 </p:sld>
 </file>
 
@@ -14723,6 +15164,13 @@
   <p:clrMapOvr>
     <a:masterClrMapping/>
   </p:clrMapOvr>
+  <p:timing>
+    <p:tnLst>
+      <p:par>
+        <p:cTn id="1" dur="indefinite" restart="never" nodeType="tmRoot"/>
+      </p:par>
+    </p:tnLst>
+  </p:timing>
 </p:sld>
 </file>
 
@@ -15103,6 +15551,13 @@
   <p:clrMapOvr>
     <a:masterClrMapping/>
   </p:clrMapOvr>
+  <p:timing>
+    <p:tnLst>
+      <p:par>
+        <p:cTn id="1" dur="indefinite" restart="never" nodeType="tmRoot"/>
+      </p:par>
+    </p:tnLst>
+  </p:timing>
 </p:sld>
 </file>
 
@@ -15472,6 +15927,13 @@
   <p:clrMapOvr>
     <a:masterClrMapping/>
   </p:clrMapOvr>
+  <p:timing>
+    <p:tnLst>
+      <p:par>
+        <p:cTn id="1" dur="indefinite" restart="never" nodeType="tmRoot"/>
+      </p:par>
+    </p:tnLst>
+  </p:timing>
 </p:sld>
 </file>
 
@@ -15636,6 +16098,23 @@
               <a:tabLst/>
               <a:defRPr/>
             </a:pPr>
+            <a:r>
+              <a:rPr kumimoji="0" lang="fr-FR" sz="2400" b="0" i="0" u="none" strike="noStrike" kern="1200" cap="none" spc="0" normalizeH="0" baseline="0" noProof="0" dirty="0">
+                <a:ln>
+                  <a:noFill/>
+                </a:ln>
+                <a:solidFill>
+                  <a:prstClr val="black"/>
+                </a:solidFill>
+                <a:effectLst/>
+                <a:uLnTx/>
+                <a:uFillTx/>
+                <a:latin typeface="Calibri" panose="020F0502020204030204"/>
+                <a:ea typeface="+mn-ea"/>
+                <a:cs typeface="+mn-cs"/>
+              </a:rPr>
+              <a:t/>
+            </a:r>
             <a:br>
               <a:rPr kumimoji="0" lang="fr-FR" sz="2400" b="0" i="0" u="none" strike="noStrike" kern="1200" cap="none" spc="0" normalizeH="0" baseline="0" noProof="0" dirty="0">
                 <a:ln>
@@ -15712,6 +16191,13 @@
   <p:transition spd="med">
     <p:pull/>
   </p:transition>
+  <p:timing>
+    <p:tnLst>
+      <p:par>
+        <p:cTn id="1" dur="indefinite" restart="never" nodeType="tmRoot"/>
+      </p:par>
+    </p:tnLst>
+  </p:timing>
 </p:sld>
 </file>
 
@@ -15924,6 +16410,13 @@
   <p:clrMapOvr>
     <a:masterClrMapping/>
   </p:clrMapOvr>
+  <p:timing>
+    <p:tnLst>
+      <p:par>
+        <p:cTn id="1" dur="indefinite" restart="never" nodeType="tmRoot"/>
+      </p:par>
+    </p:tnLst>
+  </p:timing>
 </p:sld>
 </file>
 
@@ -16151,6 +16644,13 @@
   <p:clrMapOvr>
     <a:masterClrMapping/>
   </p:clrMapOvr>
+  <p:timing>
+    <p:tnLst>
+      <p:par>
+        <p:cTn id="1" dur="indefinite" restart="never" nodeType="tmRoot"/>
+      </p:par>
+    </p:tnLst>
+  </p:timing>
 </p:sld>
 </file>
 
@@ -16391,6 +16891,13 @@
   <p:clrMapOvr>
     <a:masterClrMapping/>
   </p:clrMapOvr>
+  <p:timing>
+    <p:tnLst>
+      <p:par>
+        <p:cTn id="1" dur="indefinite" restart="never" nodeType="tmRoot"/>
+      </p:par>
+    </p:tnLst>
+  </p:timing>
 </p:sld>
 </file>
 
@@ -17476,6 +17983,10 @@
           <a:lstStyle/>
           <a:p>
             <a:pPr marL="12700" algn="ctr"/>
+            <a:r>
+              <a:rPr lang="fr-FR" sz="2400" dirty="0"/>
+              <a:t/>
+            </a:r>
             <a:br>
               <a:rPr lang="fr-FR" sz="2400" dirty="0"/>
             </a:br>
@@ -18168,6 +18679,10 @@
           <a:lstStyle/>
           <a:p>
             <a:pPr marL="12700" algn="ctr"/>
+            <a:r>
+              <a:rPr lang="fr-FR" sz="2400" dirty="0"/>
+              <a:t/>
+            </a:r>
             <a:br>
               <a:rPr lang="fr-FR" sz="2400" dirty="0"/>
             </a:br>
@@ -19298,6 +19813,13 @@
   <p:transition spd="med">
     <p:pull/>
   </p:transition>
+  <p:timing>
+    <p:tnLst>
+      <p:par>
+        <p:cTn id="1" dur="indefinite" restart="never" nodeType="tmRoot"/>
+      </p:par>
+    </p:tnLst>
+  </p:timing>
 </p:sld>
 </file>
 
@@ -19348,6 +19870,10 @@
           <a:lstStyle/>
           <a:p>
             <a:pPr marL="12700" algn="ctr"/>
+            <a:r>
+              <a:rPr lang="fr-FR" sz="2400" dirty="0"/>
+              <a:t/>
+            </a:r>
             <a:br>
               <a:rPr lang="fr-FR" sz="2400" dirty="0"/>
             </a:br>
@@ -19951,6 +20477,10 @@
           <a:lstStyle/>
           <a:p>
             <a:pPr marL="12700" algn="ctr"/>
+            <a:r>
+              <a:rPr lang="fr-FR" sz="2400" dirty="0"/>
+              <a:t/>
+            </a:r>
             <a:br>
               <a:rPr lang="fr-FR" sz="2400" dirty="0"/>
             </a:br>
@@ -20368,6 +20898,10 @@
           <a:lstStyle/>
           <a:p>
             <a:pPr marL="12700" algn="ctr"/>
+            <a:r>
+              <a:rPr lang="fr-FR" sz="2400" dirty="0"/>
+              <a:t/>
+            </a:r>
             <a:br>
               <a:rPr lang="fr-FR" sz="2400" dirty="0"/>
             </a:br>
@@ -21010,6 +21544,10 @@
           <a:lstStyle/>
           <a:p>
             <a:pPr marL="12700" algn="ctr"/>
+            <a:r>
+              <a:rPr lang="fr-FR" sz="2400" dirty="0"/>
+              <a:t/>
+            </a:r>
             <a:br>
               <a:rPr lang="fr-FR" sz="2400" dirty="0"/>
             </a:br>
@@ -21448,6 +21986,10 @@
           <a:lstStyle/>
           <a:p>
             <a:pPr marL="12700" algn="ctr"/>
+            <a:r>
+              <a:rPr lang="fr-FR" sz="2400" dirty="0"/>
+              <a:t/>
+            </a:r>
             <a:br>
               <a:rPr lang="fr-FR" sz="2400" dirty="0"/>
             </a:br>
@@ -21951,6 +22493,10 @@
           <a:lstStyle/>
           <a:p>
             <a:pPr marL="12700" algn="ctr"/>
+            <a:r>
+              <a:rPr lang="fr-FR" sz="2400" dirty="0"/>
+              <a:t/>
+            </a:r>
             <a:br>
               <a:rPr lang="fr-FR" sz="2400" dirty="0"/>
             </a:br>
@@ -22534,6 +23080,10 @@
           <a:lstStyle/>
           <a:p>
             <a:pPr marL="12700" algn="ctr"/>
+            <a:r>
+              <a:rPr lang="fr-FR" sz="2400" dirty="0"/>
+              <a:t/>
+            </a:r>
             <a:br>
               <a:rPr lang="fr-FR" sz="2400" dirty="0"/>
             </a:br>
@@ -23235,6 +23785,10 @@
           <a:lstStyle/>
           <a:p>
             <a:pPr marL="12700" algn="ctr"/>
+            <a:r>
+              <a:rPr lang="fr-FR" sz="2400" dirty="0"/>
+              <a:t/>
+            </a:r>
             <a:br>
               <a:rPr lang="fr-FR" sz="2400" dirty="0"/>
             </a:br>
@@ -23959,6 +24513,13 @@
   <p:clrMapOvr>
     <a:masterClrMapping/>
   </p:clrMapOvr>
+  <p:timing>
+    <p:tnLst>
+      <p:par>
+        <p:cTn id="1" dur="indefinite" restart="never" nodeType="tmRoot"/>
+      </p:par>
+    </p:tnLst>
+  </p:timing>
 </p:sld>
 </file>
 
@@ -25263,6 +25824,10 @@
           <a:lstStyle/>
           <a:p>
             <a:pPr marL="12700" algn="ctr"/>
+            <a:r>
+              <a:rPr lang="fr-FR" sz="2400" dirty="0"/>
+              <a:t/>
+            </a:r>
             <a:br>
               <a:rPr lang="fr-FR" sz="2400" dirty="0"/>
             </a:br>
@@ -26542,6 +27107,13 @@
   <p:clrMapOvr>
     <a:masterClrMapping/>
   </p:clrMapOvr>
+  <p:timing>
+    <p:tnLst>
+      <p:par>
+        <p:cTn id="1" dur="indefinite" restart="never" nodeType="tmRoot"/>
+      </p:par>
+    </p:tnLst>
+  </p:timing>
 </p:sld>
 </file>
 
@@ -26719,6 +27291,23 @@
               <a:tabLst/>
               <a:defRPr/>
             </a:pPr>
+            <a:r>
+              <a:rPr kumimoji="0" lang="fr-FR" sz="2400" b="0" i="0" u="none" strike="noStrike" kern="1200" cap="none" spc="0" normalizeH="0" baseline="0" noProof="0" dirty="0">
+                <a:ln>
+                  <a:noFill/>
+                </a:ln>
+                <a:solidFill>
+                  <a:prstClr val="black"/>
+                </a:solidFill>
+                <a:effectLst/>
+                <a:uLnTx/>
+                <a:uFillTx/>
+                <a:latin typeface="Calibri" panose="020F0502020204030204"/>
+                <a:ea typeface="+mn-ea"/>
+                <a:cs typeface="+mn-cs"/>
+              </a:rPr>
+              <a:t/>
+            </a:r>
             <a:br>
               <a:rPr kumimoji="0" lang="fr-FR" sz="2400" b="0" i="0" u="none" strike="noStrike" kern="1200" cap="none" spc="0" normalizeH="0" baseline="0" noProof="0" dirty="0">
                 <a:ln>
@@ -26926,6 +27515,13 @@
   <p:clrMapOvr>
     <a:masterClrMapping/>
   </p:clrMapOvr>
+  <p:timing>
+    <p:tnLst>
+      <p:par>
+        <p:cTn id="1" dur="indefinite" restart="never" nodeType="tmRoot"/>
+      </p:par>
+    </p:tnLst>
+  </p:timing>
 </p:sld>
 </file>
 

--- a/Presentation-projet-SQLite [Autosaved].pptx
+++ b/Presentation-projet-SQLite [Autosaved].pptx
@@ -356,7 +356,7 @@
           <a:p>
             <a:fld id="{4BBBBF6B-ACDD-4A14-800E-2B828951F2E5}" type="slidenum">
               <a:rPr lang="fr-FR" smtClean="0"/>
-              <a:t>‹#›</a:t>
+              <a:t>‹N°›</a:t>
             </a:fld>
             <a:endParaRPr lang="fr-FR"/>
           </a:p>
@@ -615,7 +615,7 @@
           <a:p>
             <a:fld id="{F4625AEE-926E-49DB-B657-4E194F63E769}" type="slidenum">
               <a:rPr lang="fr-FR" smtClean="0"/>
-              <a:t>‹#›</a:t>
+              <a:t>‹N°›</a:t>
             </a:fld>
             <a:endParaRPr lang="fr-FR"/>
           </a:p>
@@ -897,7 +897,7 @@
             <a:fld id="{2376E620-B82E-4BB3-B55A-C1C511C62C08}" type="slidenum">
               <a:rPr lang="fr-FR" smtClean="0"/>
               <a:pPr/>
-              <a:t>‹#›</a:t>
+              <a:t>‹N°›</a:t>
             </a:fld>
             <a:endParaRPr lang="fr-FR" dirty="0"/>
           </a:p>
@@ -1066,7 +1066,7 @@
             <a:fld id="{2376E620-B82E-4BB3-B55A-C1C511C62C08}" type="slidenum">
               <a:rPr lang="fr-FR" smtClean="0"/>
               <a:pPr/>
-              <a:t>‹#›</a:t>
+              <a:t>‹N°›</a:t>
             </a:fld>
             <a:endParaRPr lang="fr-FR" dirty="0"/>
           </a:p>
@@ -1246,7 +1246,7 @@
             <a:fld id="{2376E620-B82E-4BB3-B55A-C1C511C62C08}" type="slidenum">
               <a:rPr lang="fr-FR" smtClean="0"/>
               <a:pPr/>
-              <a:t>‹#›</a:t>
+              <a:t>‹N°›</a:t>
             </a:fld>
             <a:endParaRPr lang="fr-FR" dirty="0"/>
           </a:p>
@@ -1416,7 +1416,7 @@
             <a:fld id="{2376E620-B82E-4BB3-B55A-C1C511C62C08}" type="slidenum">
               <a:rPr lang="fr-FR" smtClean="0"/>
               <a:pPr/>
-              <a:t>‹#›</a:t>
+              <a:t>‹N°›</a:t>
             </a:fld>
             <a:endParaRPr lang="fr-FR" dirty="0"/>
           </a:p>
@@ -1662,7 +1662,7 @@
           <a:p>
             <a:fld id="{2376E620-B82E-4BB3-B55A-C1C511C62C08}" type="slidenum">
               <a:rPr lang="fr-FR" smtClean="0"/>
-              <a:t>‹#›</a:t>
+              <a:t>‹N°›</a:t>
             </a:fld>
             <a:endParaRPr lang="fr-FR" dirty="0"/>
           </a:p>
@@ -1892,7 +1892,7 @@
             <a:fld id="{2376E620-B82E-4BB3-B55A-C1C511C62C08}" type="slidenum">
               <a:rPr lang="fr-FR" smtClean="0"/>
               <a:pPr/>
-              <a:t>‹#›</a:t>
+              <a:t>‹N°›</a:t>
             </a:fld>
             <a:endParaRPr lang="fr-FR" dirty="0"/>
           </a:p>
@@ -2258,7 +2258,7 @@
             <a:fld id="{2376E620-B82E-4BB3-B55A-C1C511C62C08}" type="slidenum">
               <a:rPr lang="fr-FR" smtClean="0"/>
               <a:pPr/>
-              <a:t>‹#›</a:t>
+              <a:t>‹N°›</a:t>
             </a:fld>
             <a:endParaRPr lang="fr-FR" dirty="0"/>
           </a:p>
@@ -2376,7 +2376,7 @@
           <a:p>
             <a:fld id="{2376E620-B82E-4BB3-B55A-C1C511C62C08}" type="slidenum">
               <a:rPr lang="fr-FR" smtClean="0"/>
-              <a:t>‹#›</a:t>
+              <a:t>‹N°›</a:t>
             </a:fld>
             <a:endParaRPr lang="fr-FR" dirty="0"/>
           </a:p>
@@ -2471,7 +2471,7 @@
           <a:p>
             <a:fld id="{2376E620-B82E-4BB3-B55A-C1C511C62C08}" type="slidenum">
               <a:rPr lang="fr-FR" smtClean="0"/>
-              <a:t>‹#›</a:t>
+              <a:t>‹N°›</a:t>
             </a:fld>
             <a:endParaRPr lang="fr-FR" dirty="0"/>
           </a:p>
@@ -2747,7 +2747,7 @@
             <a:fld id="{2376E620-B82E-4BB3-B55A-C1C511C62C08}" type="slidenum">
               <a:rPr lang="fr-FR" smtClean="0"/>
               <a:pPr/>
-              <a:t>‹#›</a:t>
+              <a:t>‹N°›</a:t>
             </a:fld>
             <a:endParaRPr lang="fr-FR" dirty="0"/>
           </a:p>
@@ -3000,7 +3000,7 @@
           <a:p>
             <a:fld id="{2376E620-B82E-4BB3-B55A-C1C511C62C08}" type="slidenum">
               <a:rPr lang="fr-FR" smtClean="0"/>
-              <a:t>‹#›</a:t>
+              <a:t>‹N°›</a:t>
             </a:fld>
             <a:endParaRPr lang="fr-FR"/>
           </a:p>
@@ -3248,7 +3248,7 @@
             <a:fld id="{2376E620-B82E-4BB3-B55A-C1C511C62C08}" type="slidenum">
               <a:rPr lang="fr-FR" smtClean="0"/>
               <a:pPr/>
-              <a:t>‹#›</a:t>
+              <a:t>‹N°›</a:t>
             </a:fld>
             <a:endParaRPr lang="fr-FR" dirty="0"/>
           </a:p>
@@ -3707,7 +3707,7 @@
               </a:rPr>
               <a:t>People's Democratic Republic of Algeria</a:t>
             </a:r>
-            <a:r>
+            <a:br>
               <a:rPr kumimoji="0" lang="fr-FR" sz="2000" b="0" i="0" u="none" strike="noStrike" kern="1200" cap="none" spc="0" normalizeH="0" baseline="0" noProof="0" dirty="0">
                 <a:ln>
                   <a:noFill/>
@@ -3722,23 +3722,6 @@
                 <a:ea typeface="Times New Roman"/>
                 <a:cs typeface="+mj-cs"/>
               </a:rPr>
-              <a:t/>
-            </a:r>
-            <a:br>
-              <a:rPr kumimoji="0" lang="fr-FR" sz="2000" b="0" i="0" u="none" strike="noStrike" kern="1200" cap="none" spc="0" normalizeH="0" baseline="0" noProof="0" dirty="0">
-                <a:ln>
-                  <a:noFill/>
-                </a:ln>
-                <a:solidFill>
-                  <a:prstClr val="black"/>
-                </a:solidFill>
-                <a:effectLst/>
-                <a:uLnTx/>
-                <a:uFillTx/>
-                <a:latin typeface="Times New Roman"/>
-                <a:ea typeface="Times New Roman"/>
-                <a:cs typeface="+mj-cs"/>
-              </a:rPr>
             </a:br>
             <a:r>
               <a:rPr kumimoji="0" lang="en-US" sz="2000" b="0" i="0" u="none" strike="noStrike" kern="1200" cap="none" spc="0" normalizeH="0" baseline="0" noProof="0" dirty="0">
@@ -3757,7 +3740,7 @@
               </a:rPr>
               <a:t>Ministry of Higher Education and Scientific Research</a:t>
             </a:r>
-            <a:r>
+            <a:br>
               <a:rPr kumimoji="0" lang="fr-FR" sz="2000" b="0" i="0" u="none" strike="noStrike" kern="1200" cap="none" spc="0" normalizeH="0" baseline="0" noProof="0" dirty="0">
                 <a:ln>
                   <a:noFill/>
@@ -3772,9 +3755,8 @@
                 <a:ea typeface="Calibri"/>
                 <a:cs typeface="Times New Roman"/>
               </a:rPr>
-              <a:t/>
-            </a:r>
-            <a:br>
+            </a:br>
+            <a:r>
               <a:rPr kumimoji="0" lang="fr-FR" sz="2000" b="0" i="0" u="none" strike="noStrike" kern="1200" cap="none" spc="0" normalizeH="0" baseline="0" noProof="0" dirty="0">
                 <a:ln>
                   <a:noFill/>
@@ -3789,9 +3771,10 @@
                 <a:ea typeface="Calibri"/>
                 <a:cs typeface="Times New Roman"/>
               </a:rPr>
-            </a:br>
-            <a:r>
-              <a:rPr kumimoji="0" lang="fr-FR" sz="2000" b="0" i="0" u="none" strike="noStrike" kern="1200" cap="none" spc="0" normalizeH="0" baseline="0" noProof="0" dirty="0">
+              <a:t>Ibn </a:t>
+            </a:r>
+            <a:r>
+              <a:rPr kumimoji="0" lang="fr-FR" sz="2000" b="0" i="0" u="none" strike="noStrike" kern="1200" cap="none" spc="0" normalizeH="0" baseline="0" noProof="0" dirty="0" err="1">
                 <a:ln>
                   <a:noFill/>
                 </a:ln>
@@ -3805,10 +3788,10 @@
                 <a:ea typeface="Calibri"/>
                 <a:cs typeface="Times New Roman"/>
               </a:rPr>
-              <a:t>Ibn </a:t>
-            </a:r>
-            <a:r>
-              <a:rPr kumimoji="0" lang="fr-FR" sz="2000" b="0" i="0" u="none" strike="noStrike" kern="1200" cap="none" spc="0" normalizeH="0" baseline="0" noProof="0" dirty="0" err="1">
+              <a:t>Khaldoun</a:t>
+            </a:r>
+            <a:r>
+              <a:rPr kumimoji="0" lang="fr-FR" sz="2000" b="0" i="0" u="none" strike="noStrike" kern="1200" cap="none" spc="0" normalizeH="0" baseline="0" noProof="0" dirty="0">
                 <a:ln>
                   <a:noFill/>
                 </a:ln>
@@ -3822,10 +3805,10 @@
                 <a:ea typeface="Calibri"/>
                 <a:cs typeface="Times New Roman"/>
               </a:rPr>
-              <a:t>Khaldoun</a:t>
-            </a:r>
-            <a:r>
-              <a:rPr kumimoji="0" lang="fr-FR" sz="2000" b="0" i="0" u="none" strike="noStrike" kern="1200" cap="none" spc="0" normalizeH="0" baseline="0" noProof="0" dirty="0">
+              <a:t> </a:t>
+            </a:r>
+            <a:r>
+              <a:rPr kumimoji="0" lang="fr-FR" sz="2000" b="0" i="0" u="none" strike="noStrike" kern="1200" cap="none" spc="0" normalizeH="0" baseline="0" noProof="0" dirty="0" err="1">
                 <a:ln>
                   <a:noFill/>
                 </a:ln>
@@ -3839,10 +3822,10 @@
                 <a:ea typeface="Calibri"/>
                 <a:cs typeface="Times New Roman"/>
               </a:rPr>
-              <a:t> </a:t>
-            </a:r>
-            <a:r>
-              <a:rPr kumimoji="0" lang="fr-FR" sz="2000" b="0" i="0" u="none" strike="noStrike" kern="1200" cap="none" spc="0" normalizeH="0" baseline="0" noProof="0" dirty="0" err="1">
+              <a:t>University</a:t>
+            </a:r>
+            <a:r>
+              <a:rPr kumimoji="0" lang="fr-FR" sz="2000" b="0" i="0" u="none" strike="noStrike" kern="1200" cap="none" spc="0" normalizeH="0" baseline="0" noProof="0" dirty="0">
                 <a:ln>
                   <a:noFill/>
                 </a:ln>
@@ -3856,9 +3839,9 @@
                 <a:ea typeface="Calibri"/>
                 <a:cs typeface="Times New Roman"/>
               </a:rPr>
-              <a:t>University</a:t>
-            </a:r>
-            <a:r>
+              <a:t> of Tiaret</a:t>
+            </a:r>
+            <a:br>
               <a:rPr kumimoji="0" lang="fr-FR" sz="2000" b="0" i="0" u="none" strike="noStrike" kern="1200" cap="none" spc="0" normalizeH="0" baseline="0" noProof="0" dirty="0">
                 <a:ln>
                   <a:noFill/>
@@ -3873,9 +3856,8 @@
                 <a:ea typeface="Calibri"/>
                 <a:cs typeface="Times New Roman"/>
               </a:rPr>
-              <a:t> of Tiaret</a:t>
-            </a:r>
-            <a:br>
+            </a:br>
+            <a:r>
               <a:rPr kumimoji="0" lang="fr-FR" sz="2000" b="0" i="0" u="none" strike="noStrike" kern="1200" cap="none" spc="0" normalizeH="0" baseline="0" noProof="0" dirty="0">
                 <a:ln>
                   <a:noFill/>
@@ -3890,9 +3872,10 @@
                 <a:ea typeface="Calibri"/>
                 <a:cs typeface="Times New Roman"/>
               </a:rPr>
-            </a:br>
-            <a:r>
-              <a:rPr kumimoji="0" lang="fr-FR" sz="2000" b="0" i="0" u="none" strike="noStrike" kern="1200" cap="none" spc="0" normalizeH="0" baseline="0" noProof="0" dirty="0">
+              <a:t>computer science </a:t>
+            </a:r>
+            <a:r>
+              <a:rPr kumimoji="0" lang="fr-FR" sz="2000" b="0" i="0" u="none" strike="noStrike" kern="1200" cap="none" spc="0" normalizeH="0" baseline="0" noProof="0" dirty="0" err="1">
                 <a:ln>
                   <a:noFill/>
                 </a:ln>
@@ -3906,10 +3889,10 @@
                 <a:ea typeface="Calibri"/>
                 <a:cs typeface="Times New Roman"/>
               </a:rPr>
-              <a:t>computer science </a:t>
-            </a:r>
-            <a:r>
-              <a:rPr kumimoji="0" lang="fr-FR" sz="2000" b="0" i="0" u="none" strike="noStrike" kern="1200" cap="none" spc="0" normalizeH="0" baseline="0" noProof="0" dirty="0" err="1">
+              <a:t>faculty</a:t>
+            </a:r>
+            <a:r>
+              <a:rPr kumimoji="0" lang="fr-FR" sz="2000" b="0" i="0" u="none" strike="noStrike" kern="1200" cap="none" spc="0" normalizeH="0" baseline="0" noProof="0" dirty="0">
                 <a:ln>
                   <a:noFill/>
                 </a:ln>
@@ -3923,10 +3906,10 @@
                 <a:ea typeface="Calibri"/>
                 <a:cs typeface="Times New Roman"/>
               </a:rPr>
-              <a:t>faculty</a:t>
-            </a:r>
-            <a:r>
-              <a:rPr kumimoji="0" lang="fr-FR" sz="2000" b="0" i="0" u="none" strike="noStrike" kern="1200" cap="none" spc="0" normalizeH="0" baseline="0" noProof="0" dirty="0">
+              <a:t> </a:t>
+            </a:r>
+            <a:r>
+              <a:rPr kumimoji="0" lang="fr-FR" sz="100" b="0" i="0" u="none" strike="noStrike" kern="1200" cap="none" spc="0" normalizeH="0" noProof="0" dirty="0">
                 <a:ln>
                   <a:noFill/>
                 </a:ln>
@@ -3943,34 +3926,17 @@
               <a:t> </a:t>
             </a:r>
             <a:r>
-              <a:rPr kumimoji="0" lang="fr-FR" sz="100" b="0" i="0" u="none" strike="noStrike" kern="1200" cap="none" spc="0" normalizeH="0" noProof="0" dirty="0">
-                <a:ln>
-                  <a:noFill/>
-                </a:ln>
+              <a:rPr lang="ja-JP" altLang="en-US" sz="100" dirty="0">
                 <a:solidFill>
                   <a:prstClr val="black"/>
                 </a:solidFill>
-                <a:effectLst/>
-                <a:uLnTx/>
-                <a:uFillTx/>
                 <a:latin typeface="Times New Roman"/>
                 <a:ea typeface="Calibri"/>
                 <a:cs typeface="Times New Roman"/>
               </a:rPr>
-              <a:t> </a:t>
-            </a:r>
-            <a:r>
-              <a:rPr lang="ja-JP" altLang="en-US" sz="100" dirty="0">
-                <a:solidFill>
-                  <a:prstClr val="black"/>
-                </a:solidFill>
-                <a:latin typeface="Times New Roman"/>
-                <a:ea typeface="Calibri"/>
-                <a:cs typeface="Times New Roman"/>
-              </a:rPr>
               <a:t>私たちはアルジェリア人です</a:t>
             </a:r>
-            <a:r>
+            <a:br>
               <a:rPr kumimoji="0" lang="fr-FR" sz="2000" b="1" i="0" u="none" strike="noStrike" kern="1200" cap="none" spc="0" normalizeH="0" baseline="0" noProof="0" dirty="0">
                 <a:ln>
                   <a:noFill/>
@@ -3985,41 +3951,7 @@
                 <a:ea typeface="+mj-ea"/>
                 <a:cs typeface="+mj-cs"/>
               </a:rPr>
-              <a:t/>
-            </a:r>
-            <a:br>
-              <a:rPr kumimoji="0" lang="fr-FR" sz="2000" b="1" i="0" u="none" strike="noStrike" kern="1200" cap="none" spc="0" normalizeH="0" baseline="0" noProof="0" dirty="0">
-                <a:ln>
-                  <a:noFill/>
-                </a:ln>
-                <a:solidFill>
-                  <a:srgbClr val="000000"/>
-                </a:solidFill>
-                <a:effectLst/>
-                <a:uLnTx/>
-                <a:uFillTx/>
-                <a:latin typeface="Constantia" pitchFamily="18" charset="0"/>
-                <a:ea typeface="+mj-ea"/>
-                <a:cs typeface="+mj-cs"/>
-              </a:rPr>
             </a:br>
-            <a:r>
-              <a:rPr kumimoji="0" lang="fr-FR" sz="2000" b="0" i="0" u="none" strike="noStrike" kern="1200" cap="none" spc="0" normalizeH="0" baseline="0" noProof="0" dirty="0">
-                <a:ln>
-                  <a:noFill/>
-                </a:ln>
-                <a:solidFill>
-                  <a:prstClr val="black"/>
-                </a:solidFill>
-                <a:effectLst/>
-                <a:uLnTx/>
-                <a:uFillTx/>
-                <a:latin typeface="Times New Roman"/>
-                <a:ea typeface="Times New Roman"/>
-                <a:cs typeface="+mj-cs"/>
-              </a:rPr>
-              <a:t/>
-            </a:r>
             <a:br>
               <a:rPr kumimoji="0" lang="fr-FR" sz="2000" b="0" i="0" u="none" strike="noStrike" kern="1200" cap="none" spc="0" normalizeH="0" baseline="0" noProof="0" dirty="0">
                 <a:ln>
@@ -4500,13 +4432,6 @@
   <p:clrMapOvr>
     <a:masterClrMapping/>
   </p:clrMapOvr>
-  <p:timing>
-    <p:tnLst>
-      <p:par>
-        <p:cTn id="1" dur="indefinite" restart="never" nodeType="tmRoot"/>
-      </p:par>
-    </p:tnLst>
-  </p:timing>
 </p:sld>
 </file>
 
@@ -4755,23 +4680,6 @@
               <a:tabLst/>
               <a:defRPr/>
             </a:pPr>
-            <a:r>
-              <a:rPr kumimoji="0" lang="fr-FR" sz="2400" b="0" i="0" u="none" strike="noStrike" kern="1200" cap="none" spc="0" normalizeH="0" baseline="0" noProof="0" dirty="0">
-                <a:ln>
-                  <a:noFill/>
-                </a:ln>
-                <a:solidFill>
-                  <a:prstClr val="black"/>
-                </a:solidFill>
-                <a:effectLst/>
-                <a:uLnTx/>
-                <a:uFillTx/>
-                <a:latin typeface="Calibri" panose="020F0502020204030204"/>
-                <a:ea typeface="+mn-ea"/>
-                <a:cs typeface="+mn-cs"/>
-              </a:rPr>
-              <a:t/>
-            </a:r>
             <a:br>
               <a:rPr kumimoji="0" lang="fr-FR" sz="2400" b="0" i="0" u="none" strike="noStrike" kern="1200" cap="none" spc="0" normalizeH="0" baseline="0" noProof="0" dirty="0">
                 <a:ln>
@@ -4874,13 +4782,6 @@
   <p:clrMapOvr>
     <a:masterClrMapping/>
   </p:clrMapOvr>
-  <p:timing>
-    <p:tnLst>
-      <p:par>
-        <p:cTn id="1" dur="indefinite" restart="never" nodeType="tmRoot"/>
-      </p:par>
-    </p:tnLst>
-  </p:timing>
 </p:sld>
 </file>
 
@@ -4988,13 +4889,6 @@
   <p:clrMapOvr>
     <a:masterClrMapping/>
   </p:clrMapOvr>
-  <p:timing>
-    <p:tnLst>
-      <p:par>
-        <p:cTn id="1" dur="indefinite" restart="never" nodeType="tmRoot"/>
-      </p:par>
-    </p:tnLst>
-  </p:timing>
 </p:sld>
 </file>
 
@@ -5112,10 +5006,6 @@
           <a:lstStyle/>
           <a:p>
             <a:pPr marL="12700" algn="ctr"/>
-            <a:r>
-              <a:rPr lang="fr-FR" sz="2400" dirty="0"/>
-              <a:t/>
-            </a:r>
             <a:br>
               <a:rPr lang="fr-FR" sz="2400" dirty="0"/>
             </a:br>
@@ -5297,13 +5187,6 @@
   <p:transition spd="med">
     <p:pull/>
   </p:transition>
-  <p:timing>
-    <p:tnLst>
-      <p:par>
-        <p:cTn id="1" dur="indefinite" restart="never" nodeType="tmRoot"/>
-      </p:par>
-    </p:tnLst>
-  </p:timing>
 </p:sld>
 </file>
 
@@ -5421,10 +5304,6 @@
           <a:lstStyle/>
           <a:p>
             <a:pPr marL="12700" algn="ctr"/>
-            <a:r>
-              <a:rPr lang="fr-FR" sz="2400" dirty="0"/>
-              <a:t/>
-            </a:r>
             <a:br>
               <a:rPr lang="fr-FR" sz="2400" dirty="0"/>
             </a:br>
@@ -5630,13 +5509,6 @@
   <p:transition spd="med">
     <p:pull/>
   </p:transition>
-  <p:timing>
-    <p:tnLst>
-      <p:par>
-        <p:cTn id="1" dur="indefinite" restart="never" nodeType="tmRoot"/>
-      </p:par>
-    </p:tnLst>
-  </p:timing>
 </p:sld>
 </file>
 
@@ -5772,10 +5644,6 @@
           <a:lstStyle/>
           <a:p>
             <a:pPr marL="12700" algn="ctr"/>
-            <a:r>
-              <a:rPr lang="fr-FR" sz="2400" dirty="0"/>
-              <a:t/>
-            </a:r>
             <a:br>
               <a:rPr lang="fr-FR" sz="2400" dirty="0"/>
             </a:br>
@@ -6233,13 +6101,6 @@
   <p:transition spd="slow">
     <p:push dir="u"/>
   </p:transition>
-  <p:timing>
-    <p:tnLst>
-      <p:par>
-        <p:cTn id="1" dur="indefinite" restart="never" nodeType="tmRoot"/>
-      </p:par>
-    </p:tnLst>
-  </p:timing>
 </p:sld>
 </file>
 
@@ -6437,13 +6298,6 @@
   <p:clrMapOvr>
     <a:masterClrMapping/>
   </p:clrMapOvr>
-  <p:timing>
-    <p:tnLst>
-      <p:par>
-        <p:cTn id="1" dur="indefinite" restart="never" nodeType="tmRoot"/>
-      </p:par>
-    </p:tnLst>
-  </p:timing>
 </p:sld>
 </file>
 
@@ -6598,13 +6452,6 @@
   <p:clrMapOvr>
     <a:masterClrMapping/>
   </p:clrMapOvr>
-  <p:timing>
-    <p:tnLst>
-      <p:par>
-        <p:cTn id="1" dur="indefinite" restart="never" nodeType="tmRoot"/>
-      </p:par>
-    </p:tnLst>
-  </p:timing>
 </p:sld>
 </file>
 
@@ -6800,13 +6647,6 @@
   <p:clrMapOvr>
     <a:masterClrMapping/>
   </p:clrMapOvr>
-  <p:timing>
-    <p:tnLst>
-      <p:par>
-        <p:cTn id="1" dur="indefinite" restart="never" nodeType="tmRoot"/>
-      </p:par>
-    </p:tnLst>
-  </p:timing>
 </p:sld>
 </file>
 
@@ -6904,13 +6744,6 @@
       </p:transition>
     </mc:Fallback>
   </mc:AlternateContent>
-  <p:timing>
-    <p:tnLst>
-      <p:par>
-        <p:cTn id="1" dur="indefinite" restart="never" nodeType="tmRoot"/>
-      </p:par>
-    </p:tnLst>
-  </p:timing>
 </p:sld>
 </file>
 
@@ -7026,10 +6859,6 @@
           <a:lstStyle/>
           <a:p>
             <a:pPr marL="12700" algn="ctr"/>
-            <a:r>
-              <a:rPr lang="fr-FR" sz="2400" dirty="0"/>
-              <a:t/>
-            </a:r>
             <a:br>
               <a:rPr lang="fr-FR" sz="2400" dirty="0"/>
             </a:br>
@@ -7412,13 +7241,6 @@
   <p:transition spd="med">
     <p:pull/>
   </p:transition>
-  <p:timing>
-    <p:tnLst>
-      <p:par>
-        <p:cTn id="1" dur="indefinite" restart="never" nodeType="tmRoot"/>
-      </p:par>
-    </p:tnLst>
-  </p:timing>
 </p:sld>
 </file>
 
@@ -8349,13 +8171,6 @@
       <p:transition/>
     </mc:Fallback>
   </mc:AlternateContent>
-  <p:timing>
-    <p:tnLst>
-      <p:par>
-        <p:cTn id="1" dur="indefinite" restart="never" nodeType="tmRoot"/>
-      </p:par>
-    </p:tnLst>
-  </p:timing>
 </p:sld>
 </file>
 
@@ -8470,10 +8285,6 @@
           <a:lstStyle/>
           <a:p>
             <a:pPr marL="12700" algn="ctr"/>
-            <a:r>
-              <a:rPr lang="fr-FR" sz="2400" dirty="0"/>
-              <a:t/>
-            </a:r>
             <a:br>
               <a:rPr lang="fr-FR" sz="2400" dirty="0"/>
             </a:br>
@@ -8596,13 +8407,6 @@
   <p:clrMapOvr>
     <a:masterClrMapping/>
   </p:clrMapOvr>
-  <p:timing>
-    <p:tnLst>
-      <p:par>
-        <p:cTn id="1" dur="indefinite" restart="never" nodeType="tmRoot"/>
-      </p:par>
-    </p:tnLst>
-  </p:timing>
 </p:sld>
 </file>
 
@@ -8701,13 +8505,6 @@
   <p:clrMapOvr>
     <a:masterClrMapping/>
   </p:clrMapOvr>
-  <p:timing>
-    <p:tnLst>
-      <p:par>
-        <p:cTn id="1" dur="indefinite" restart="never" nodeType="tmRoot"/>
-      </p:par>
-    </p:tnLst>
-  </p:timing>
 </p:sld>
 </file>
 
@@ -8776,13 +8573,6 @@
   <p:clrMapOvr>
     <a:masterClrMapping/>
   </p:clrMapOvr>
-  <p:timing>
-    <p:tnLst>
-      <p:par>
-        <p:cTn id="1" dur="indefinite" restart="never" nodeType="tmRoot"/>
-      </p:par>
-    </p:tnLst>
-  </p:timing>
 </p:sld>
 </file>
 
@@ -8924,10 +8714,6 @@
           <a:lstStyle/>
           <a:p>
             <a:pPr marL="12700" algn="ctr"/>
-            <a:r>
-              <a:rPr lang="fr-FR" sz="2400" dirty="0"/>
-              <a:t/>
-            </a:r>
             <a:br>
               <a:rPr lang="fr-FR" sz="2400" dirty="0"/>
             </a:br>
@@ -9302,13 +9088,6 @@
   <p:transition spd="slow">
     <p:push dir="u"/>
   </p:transition>
-  <p:timing>
-    <p:tnLst>
-      <p:par>
-        <p:cTn id="1" dur="indefinite" restart="never" nodeType="tmRoot"/>
-      </p:par>
-    </p:tnLst>
-  </p:timing>
 </p:sld>
 </file>
 
@@ -9547,13 +9326,6 @@
   <p:clrMapOvr>
     <a:masterClrMapping/>
   </p:clrMapOvr>
-  <p:timing>
-    <p:tnLst>
-      <p:par>
-        <p:cTn id="1" dur="indefinite" restart="never" nodeType="tmRoot"/>
-      </p:par>
-    </p:tnLst>
-  </p:timing>
 </p:sld>
 </file>
 
@@ -9799,13 +9571,6 @@
   <p:clrMapOvr>
     <a:masterClrMapping/>
   </p:clrMapOvr>
-  <p:timing>
-    <p:tnLst>
-      <p:par>
-        <p:cTn id="1" dur="indefinite" restart="never" nodeType="tmRoot"/>
-      </p:par>
-    </p:tnLst>
-  </p:timing>
 </p:sld>
 </file>
 
@@ -10025,13 +9790,6 @@
   <p:clrMapOvr>
     <a:masterClrMapping/>
   </p:clrMapOvr>
-  <p:timing>
-    <p:tnLst>
-      <p:par>
-        <p:cTn id="1" dur="indefinite" restart="never" nodeType="tmRoot"/>
-      </p:par>
-    </p:tnLst>
-  </p:timing>
 </p:sld>
 </file>
 
@@ -10158,10 +9916,6 @@
           <a:lstStyle/>
           <a:p>
             <a:pPr marL="12700" algn="ctr"/>
-            <a:r>
-              <a:rPr lang="fr-FR" sz="2400" dirty="0"/>
-              <a:t/>
-            </a:r>
             <a:br>
               <a:rPr lang="fr-FR" sz="2400" dirty="0"/>
             </a:br>
@@ -10263,13 +10017,6 @@
   <p:clrMapOvr>
     <a:masterClrMapping/>
   </p:clrMapOvr>
-  <p:timing>
-    <p:tnLst>
-      <p:par>
-        <p:cTn id="1" dur="indefinite" restart="never" nodeType="tmRoot"/>
-      </p:par>
-    </p:tnLst>
-  </p:timing>
 </p:sld>
 </file>
 
@@ -10396,10 +10143,6 @@
           <a:lstStyle/>
           <a:p>
             <a:pPr marL="12700" algn="ctr"/>
-            <a:r>
-              <a:rPr lang="fr-FR" sz="2400" dirty="0"/>
-              <a:t/>
-            </a:r>
             <a:br>
               <a:rPr lang="fr-FR" sz="2400" dirty="0"/>
             </a:br>
@@ -10514,13 +10257,6 @@
   <p:clrMapOvr>
     <a:masterClrMapping/>
   </p:clrMapOvr>
-  <p:timing>
-    <p:tnLst>
-      <p:par>
-        <p:cTn id="1" dur="indefinite" restart="never" nodeType="tmRoot"/>
-      </p:par>
-    </p:tnLst>
-  </p:timing>
 </p:sld>
 </file>
 
@@ -10647,10 +10383,6 @@
           <a:lstStyle/>
           <a:p>
             <a:pPr marL="12700" algn="ctr"/>
-            <a:r>
-              <a:rPr lang="fr-FR" sz="2400" dirty="0"/>
-              <a:t/>
-            </a:r>
             <a:br>
               <a:rPr lang="fr-FR" sz="2400" dirty="0"/>
             </a:br>
@@ -10752,13 +10484,6 @@
   <p:clrMapOvr>
     <a:masterClrMapping/>
   </p:clrMapOvr>
-  <p:timing>
-    <p:tnLst>
-      <p:par>
-        <p:cTn id="1" dur="indefinite" restart="never" nodeType="tmRoot"/>
-      </p:par>
-    </p:tnLst>
-  </p:timing>
 </p:sld>
 </file>
 
@@ -10866,13 +10591,6 @@
   <p:clrMapOvr>
     <a:masterClrMapping/>
   </p:clrMapOvr>
-  <p:timing>
-    <p:tnLst>
-      <p:par>
-        <p:cTn id="1" dur="indefinite" restart="never" nodeType="tmRoot"/>
-      </p:par>
-    </p:tnLst>
-  </p:timing>
 </p:sld>
 </file>
 
@@ -11107,13 +10825,6 @@
   <p:clrMapOvr>
     <a:masterClrMapping/>
   </p:clrMapOvr>
-  <p:timing>
-    <p:tnLst>
-      <p:par>
-        <p:cTn id="1" dur="indefinite" restart="never" nodeType="tmRoot"/>
-      </p:par>
-    </p:tnLst>
-  </p:timing>
 </p:sld>
 </file>
 
@@ -11337,13 +11048,6 @@
   <p:clrMapOvr>
     <a:masterClrMapping/>
   </p:clrMapOvr>
-  <p:timing>
-    <p:tnLst>
-      <p:par>
-        <p:cTn id="1" dur="indefinite" restart="never" nodeType="tmRoot"/>
-      </p:par>
-    </p:tnLst>
-  </p:timing>
 </p:sld>
 </file>
 
@@ -11602,13 +11306,6 @@
   <p:clrMapOvr>
     <a:masterClrMapping/>
   </p:clrMapOvr>
-  <p:timing>
-    <p:tnLst>
-      <p:par>
-        <p:cTn id="1" dur="indefinite" restart="never" nodeType="tmRoot"/>
-      </p:par>
-    </p:tnLst>
-  </p:timing>
 </p:sld>
 </file>
 
@@ -11815,13 +11512,6 @@
   <p:clrMapOvr>
     <a:masterClrMapping/>
   </p:clrMapOvr>
-  <p:timing>
-    <p:tnLst>
-      <p:par>
-        <p:cTn id="1" dur="indefinite" restart="never" nodeType="tmRoot"/>
-      </p:par>
-    </p:tnLst>
-  </p:timing>
 </p:sld>
 </file>
 
@@ -12041,13 +11731,6 @@
   <p:clrMapOvr>
     <a:masterClrMapping/>
   </p:clrMapOvr>
-  <p:timing>
-    <p:tnLst>
-      <p:par>
-        <p:cTn id="1" dur="indefinite" restart="never" nodeType="tmRoot"/>
-      </p:par>
-    </p:tnLst>
-  </p:timing>
 </p:sld>
 </file>
 
@@ -12281,13 +11964,6 @@
   <p:clrMapOvr>
     <a:masterClrMapping/>
   </p:clrMapOvr>
-  <p:timing>
-    <p:tnLst>
-      <p:par>
-        <p:cTn id="1" dur="indefinite" restart="never" nodeType="tmRoot"/>
-      </p:par>
-    </p:tnLst>
-  </p:timing>
 </p:sld>
 </file>
 
@@ -12510,13 +12186,6 @@
   <p:clrMapOvr>
     <a:masterClrMapping/>
   </p:clrMapOvr>
-  <p:timing>
-    <p:tnLst>
-      <p:par>
-        <p:cTn id="1" dur="indefinite" restart="never" nodeType="tmRoot"/>
-      </p:par>
-    </p:tnLst>
-  </p:timing>
 </p:sld>
 </file>
 
@@ -12713,13 +12382,6 @@
   <p:clrMapOvr>
     <a:masterClrMapping/>
   </p:clrMapOvr>
-  <p:timing>
-    <p:tnLst>
-      <p:par>
-        <p:cTn id="1" dur="indefinite" restart="never" nodeType="tmRoot"/>
-      </p:par>
-    </p:tnLst>
-  </p:timing>
 </p:sld>
 </file>
 
@@ -12867,13 +12529,6 @@
   <p:clrMapOvr>
     <a:masterClrMapping/>
   </p:clrMapOvr>
-  <p:timing>
-    <p:tnLst>
-      <p:par>
-        <p:cTn id="1" dur="indefinite" restart="never" nodeType="tmRoot"/>
-      </p:par>
-    </p:tnLst>
-  </p:timing>
 </p:sld>
 </file>
 
@@ -13070,13 +12725,6 @@
   <p:clrMapOvr>
     <a:masterClrMapping/>
   </p:clrMapOvr>
-  <p:timing>
-    <p:tnLst>
-      <p:par>
-        <p:cTn id="1" dur="indefinite" restart="never" nodeType="tmRoot"/>
-      </p:par>
-    </p:tnLst>
-  </p:timing>
 </p:sld>
 </file>
 
@@ -13241,23 +12889,6 @@
               <a:tabLst/>
               <a:defRPr/>
             </a:pPr>
-            <a:r>
-              <a:rPr kumimoji="0" lang="fr-FR" sz="2400" b="0" i="0" u="none" strike="noStrike" kern="1200" cap="none" spc="0" normalizeH="0" baseline="0" noProof="0" dirty="0">
-                <a:ln>
-                  <a:noFill/>
-                </a:ln>
-                <a:solidFill>
-                  <a:prstClr val="black"/>
-                </a:solidFill>
-                <a:effectLst/>
-                <a:uLnTx/>
-                <a:uFillTx/>
-                <a:latin typeface="Calibri" panose="020F0502020204030204"/>
-                <a:ea typeface="+mn-ea"/>
-                <a:cs typeface="+mn-cs"/>
-              </a:rPr>
-              <a:t/>
-            </a:r>
             <a:br>
               <a:rPr kumimoji="0" lang="fr-FR" sz="2400" b="0" i="0" u="none" strike="noStrike" kern="1200" cap="none" spc="0" normalizeH="0" baseline="0" noProof="0" dirty="0">
                 <a:ln>
@@ -13374,13 +13005,6 @@
   <p:transition spd="med">
     <p:pull/>
   </p:transition>
-  <p:timing>
-    <p:tnLst>
-      <p:par>
-        <p:cTn id="1" dur="indefinite" restart="never" nodeType="tmRoot"/>
-      </p:par>
-    </p:tnLst>
-  </p:timing>
 </p:sld>
 </file>
 
@@ -13564,13 +13188,6 @@
   <p:clrMapOvr>
     <a:masterClrMapping/>
   </p:clrMapOvr>
-  <p:timing>
-    <p:tnLst>
-      <p:par>
-        <p:cTn id="1" dur="indefinite" restart="never" nodeType="tmRoot"/>
-      </p:par>
-    </p:tnLst>
-  </p:timing>
 </p:sld>
 </file>
 
@@ -13778,13 +13395,6 @@
   <p:clrMapOvr>
     <a:masterClrMapping/>
   </p:clrMapOvr>
-  <p:timing>
-    <p:tnLst>
-      <p:par>
-        <p:cTn id="1" dur="indefinite" restart="never" nodeType="tmRoot"/>
-      </p:par>
-    </p:tnLst>
-  </p:timing>
 </p:sld>
 </file>
 
@@ -13991,13 +13601,6 @@
   <p:clrMapOvr>
     <a:masterClrMapping/>
   </p:clrMapOvr>
-  <p:timing>
-    <p:tnLst>
-      <p:par>
-        <p:cTn id="1" dur="indefinite" restart="never" nodeType="tmRoot"/>
-      </p:par>
-    </p:tnLst>
-  </p:timing>
 </p:sld>
 </file>
 
@@ -14191,13 +13794,6 @@
   <p:clrMapOvr>
     <a:masterClrMapping/>
   </p:clrMapOvr>
-  <p:timing>
-    <p:tnLst>
-      <p:par>
-        <p:cTn id="1" dur="indefinite" restart="never" nodeType="tmRoot"/>
-      </p:par>
-    </p:tnLst>
-  </p:timing>
 </p:sld>
 </file>
 
@@ -14289,13 +13885,6 @@
   <p:clrMapOvr>
     <a:masterClrMapping/>
   </p:clrMapOvr>
-  <p:timing>
-    <p:tnLst>
-      <p:par>
-        <p:cTn id="1" dur="indefinite" restart="never" nodeType="tmRoot"/>
-      </p:par>
-    </p:tnLst>
-  </p:timing>
 </p:sld>
 </file>
 
@@ -14450,10 +14039,6 @@
           <a:lstStyle/>
           <a:p>
             <a:pPr marL="12700" algn="ctr"/>
-            <a:r>
-              <a:rPr lang="fr-FR" sz="2400" dirty="0"/>
-              <a:t/>
-            </a:r>
             <a:br>
               <a:rPr lang="fr-FR" sz="2400" dirty="0"/>
             </a:br>
@@ -14501,12 +14086,8 @@
               <a:buChar char="•"/>
             </a:pPr>
             <a:r>
-              <a:rPr lang="it-IT" sz="2400" dirty="0" smtClean="0"/>
-              <a:t>Data </a:t>
-            </a:r>
-            <a:r>
               <a:rPr lang="it-IT" sz="2400" dirty="0"/>
-              <a:t>insertion</a:t>
+              <a:t>Data insertion</a:t>
             </a:r>
           </a:p>
           <a:p>
@@ -14518,12 +14099,8 @@
               <a:buChar char="•"/>
             </a:pPr>
             <a:r>
-              <a:rPr lang="it-IT" sz="2400" dirty="0" smtClean="0"/>
-              <a:t>Data </a:t>
-            </a:r>
-            <a:r>
               <a:rPr lang="it-IT" sz="2400" dirty="0"/>
-              <a:t>selection</a:t>
+              <a:t>Data selection</a:t>
             </a:r>
           </a:p>
           <a:p>
@@ -14535,7 +14112,7 @@
               <a:buChar char="•"/>
             </a:pPr>
             <a:r>
-              <a:rPr lang="it-IT" sz="2400" smtClean="0"/>
+              <a:rPr lang="it-IT" sz="2400"/>
               <a:t>Data </a:t>
             </a:r>
             <a:r>
@@ -14670,13 +14247,6 @@
   <p:transition spd="slow">
     <p:cover/>
   </p:transition>
-  <p:timing>
-    <p:tnLst>
-      <p:par>
-        <p:cTn id="1" dur="indefinite" restart="never" nodeType="tmRoot"/>
-      </p:par>
-    </p:tnLst>
-  </p:timing>
 </p:sld>
 </file>
 
@@ -14930,13 +14500,6 @@
   <p:clrMapOvr>
     <a:masterClrMapping/>
   </p:clrMapOvr>
-  <p:timing>
-    <p:tnLst>
-      <p:par>
-        <p:cTn id="1" dur="indefinite" restart="never" nodeType="tmRoot"/>
-      </p:par>
-    </p:tnLst>
-  </p:timing>
 </p:sld>
 </file>
 
@@ -15164,13 +14727,6 @@
   <p:clrMapOvr>
     <a:masterClrMapping/>
   </p:clrMapOvr>
-  <p:timing>
-    <p:tnLst>
-      <p:par>
-        <p:cTn id="1" dur="indefinite" restart="never" nodeType="tmRoot"/>
-      </p:par>
-    </p:tnLst>
-  </p:timing>
 </p:sld>
 </file>
 
@@ -15551,13 +15107,6 @@
   <p:clrMapOvr>
     <a:masterClrMapping/>
   </p:clrMapOvr>
-  <p:timing>
-    <p:tnLst>
-      <p:par>
-        <p:cTn id="1" dur="indefinite" restart="never" nodeType="tmRoot"/>
-      </p:par>
-    </p:tnLst>
-  </p:timing>
 </p:sld>
 </file>
 
@@ -15927,13 +15476,6 @@
   <p:clrMapOvr>
     <a:masterClrMapping/>
   </p:clrMapOvr>
-  <p:timing>
-    <p:tnLst>
-      <p:par>
-        <p:cTn id="1" dur="indefinite" restart="never" nodeType="tmRoot"/>
-      </p:par>
-    </p:tnLst>
-  </p:timing>
 </p:sld>
 </file>
 
@@ -16098,23 +15640,6 @@
               <a:tabLst/>
               <a:defRPr/>
             </a:pPr>
-            <a:r>
-              <a:rPr kumimoji="0" lang="fr-FR" sz="2400" b="0" i="0" u="none" strike="noStrike" kern="1200" cap="none" spc="0" normalizeH="0" baseline="0" noProof="0" dirty="0">
-                <a:ln>
-                  <a:noFill/>
-                </a:ln>
-                <a:solidFill>
-                  <a:prstClr val="black"/>
-                </a:solidFill>
-                <a:effectLst/>
-                <a:uLnTx/>
-                <a:uFillTx/>
-                <a:latin typeface="Calibri" panose="020F0502020204030204"/>
-                <a:ea typeface="+mn-ea"/>
-                <a:cs typeface="+mn-cs"/>
-              </a:rPr>
-              <a:t/>
-            </a:r>
             <a:br>
               <a:rPr kumimoji="0" lang="fr-FR" sz="2400" b="0" i="0" u="none" strike="noStrike" kern="1200" cap="none" spc="0" normalizeH="0" baseline="0" noProof="0" dirty="0">
                 <a:ln>
@@ -16191,13 +15716,6 @@
   <p:transition spd="med">
     <p:pull/>
   </p:transition>
-  <p:timing>
-    <p:tnLst>
-      <p:par>
-        <p:cTn id="1" dur="indefinite" restart="never" nodeType="tmRoot"/>
-      </p:par>
-    </p:tnLst>
-  </p:timing>
 </p:sld>
 </file>
 
@@ -16410,13 +15928,6 @@
   <p:clrMapOvr>
     <a:masterClrMapping/>
   </p:clrMapOvr>
-  <p:timing>
-    <p:tnLst>
-      <p:par>
-        <p:cTn id="1" dur="indefinite" restart="never" nodeType="tmRoot"/>
-      </p:par>
-    </p:tnLst>
-  </p:timing>
 </p:sld>
 </file>
 
@@ -16644,13 +16155,6 @@
   <p:clrMapOvr>
     <a:masterClrMapping/>
   </p:clrMapOvr>
-  <p:timing>
-    <p:tnLst>
-      <p:par>
-        <p:cTn id="1" dur="indefinite" restart="never" nodeType="tmRoot"/>
-      </p:par>
-    </p:tnLst>
-  </p:timing>
 </p:sld>
 </file>
 
@@ -16891,13 +16395,6 @@
   <p:clrMapOvr>
     <a:masterClrMapping/>
   </p:clrMapOvr>
-  <p:timing>
-    <p:tnLst>
-      <p:par>
-        <p:cTn id="1" dur="indefinite" restart="never" nodeType="tmRoot"/>
-      </p:par>
-    </p:tnLst>
-  </p:timing>
 </p:sld>
 </file>
 
@@ -17983,10 +17480,6 @@
           <a:lstStyle/>
           <a:p>
             <a:pPr marL="12700" algn="ctr"/>
-            <a:r>
-              <a:rPr lang="fr-FR" sz="2400" dirty="0"/>
-              <a:t/>
-            </a:r>
             <a:br>
               <a:rPr lang="fr-FR" sz="2400" dirty="0"/>
             </a:br>
@@ -18026,7 +17519,23 @@
             </a:pPr>
             <a:r>
               <a:rPr lang="fr-FR" sz="2200" dirty="0"/>
-              <a:t>UNLOCKED : No session can do </a:t>
+              <a:t>UNLOCKED : No session </a:t>
+            </a:r>
+            <a:r>
+              <a:rPr lang="fr-FR" sz="2200" dirty="0" err="1"/>
+              <a:t>is</a:t>
+            </a:r>
+            <a:r>
+              <a:rPr lang="fr-FR" sz="2200" dirty="0"/>
+              <a:t> </a:t>
+            </a:r>
+            <a:r>
+              <a:rPr lang="fr-FR" sz="2200" dirty="0" err="1"/>
+              <a:t>doing</a:t>
+            </a:r>
+            <a:r>
+              <a:rPr lang="fr-FR" sz="2200" dirty="0"/>
+              <a:t> </a:t>
             </a:r>
             <a:r>
               <a:rPr lang="fr-FR" sz="2200" dirty="0" err="1"/>
@@ -18679,10 +18188,6 @@
           <a:lstStyle/>
           <a:p>
             <a:pPr marL="12700" algn="ctr"/>
-            <a:r>
-              <a:rPr lang="fr-FR" sz="2400" dirty="0"/>
-              <a:t/>
-            </a:r>
             <a:br>
               <a:rPr lang="fr-FR" sz="2400" dirty="0"/>
             </a:br>
@@ -19813,13 +19318,6 @@
   <p:transition spd="med">
     <p:pull/>
   </p:transition>
-  <p:timing>
-    <p:tnLst>
-      <p:par>
-        <p:cTn id="1" dur="indefinite" restart="never" nodeType="tmRoot"/>
-      </p:par>
-    </p:tnLst>
-  </p:timing>
 </p:sld>
 </file>
 
@@ -19870,10 +19368,6 @@
           <a:lstStyle/>
           <a:p>
             <a:pPr marL="12700" algn="ctr"/>
-            <a:r>
-              <a:rPr lang="fr-FR" sz="2400" dirty="0"/>
-              <a:t/>
-            </a:r>
             <a:br>
               <a:rPr lang="fr-FR" sz="2400" dirty="0"/>
             </a:br>
@@ -20477,10 +19971,6 @@
           <a:lstStyle/>
           <a:p>
             <a:pPr marL="12700" algn="ctr"/>
-            <a:r>
-              <a:rPr lang="fr-FR" sz="2400" dirty="0"/>
-              <a:t/>
-            </a:r>
             <a:br>
               <a:rPr lang="fr-FR" sz="2400" dirty="0"/>
             </a:br>
@@ -20898,10 +20388,6 @@
           <a:lstStyle/>
           <a:p>
             <a:pPr marL="12700" algn="ctr"/>
-            <a:r>
-              <a:rPr lang="fr-FR" sz="2400" dirty="0"/>
-              <a:t/>
-            </a:r>
             <a:br>
               <a:rPr lang="fr-FR" sz="2400" dirty="0"/>
             </a:br>
@@ -21544,10 +21030,6 @@
           <a:lstStyle/>
           <a:p>
             <a:pPr marL="12700" algn="ctr"/>
-            <a:r>
-              <a:rPr lang="fr-FR" sz="2400" dirty="0"/>
-              <a:t/>
-            </a:r>
             <a:br>
               <a:rPr lang="fr-FR" sz="2400" dirty="0"/>
             </a:br>
@@ -21986,10 +21468,6 @@
           <a:lstStyle/>
           <a:p>
             <a:pPr marL="12700" algn="ctr"/>
-            <a:r>
-              <a:rPr lang="fr-FR" sz="2400" dirty="0"/>
-              <a:t/>
-            </a:r>
             <a:br>
               <a:rPr lang="fr-FR" sz="2400" dirty="0"/>
             </a:br>
@@ -22493,10 +21971,6 @@
           <a:lstStyle/>
           <a:p>
             <a:pPr marL="12700" algn="ctr"/>
-            <a:r>
-              <a:rPr lang="fr-FR" sz="2400" dirty="0"/>
-              <a:t/>
-            </a:r>
             <a:br>
               <a:rPr lang="fr-FR" sz="2400" dirty="0"/>
             </a:br>
@@ -23080,10 +22554,6 @@
           <a:lstStyle/>
           <a:p>
             <a:pPr marL="12700" algn="ctr"/>
-            <a:r>
-              <a:rPr lang="fr-FR" sz="2400" dirty="0"/>
-              <a:t/>
-            </a:r>
             <a:br>
               <a:rPr lang="fr-FR" sz="2400" dirty="0"/>
             </a:br>
@@ -23739,8 +23209,9 @@
             </a:lvl1pPr>
           </a:lstStyle>
           <a:p>
-            <a:r>
-              <a:rPr lang="fr-FR" sz="3800" dirty="0">
+            <a:pPr algn="ctr"/>
+            <a:r>
+              <a:rPr lang="fr-FR" sz="3800" dirty="0" err="1">
                 <a:solidFill>
                   <a:prstClr val="black">
                     <a:lumMod val="85000"/>
@@ -23750,7 +23221,20 @@
                 <a:latin typeface="Segoe UI" panose="020B0502040204020203" pitchFamily="34" charset="0"/>
                 <a:cs typeface="Segoe UI" panose="020B0502040204020203" pitchFamily="34" charset="0"/>
               </a:rPr>
-              <a:t>                    L’utilisation d’interface programmée</a:t>
+              <a:t>Utilization</a:t>
+            </a:r>
+            <a:r>
+              <a:rPr lang="fr-FR" sz="3800" dirty="0">
+                <a:solidFill>
+                  <a:prstClr val="black">
+                    <a:lumMod val="85000"/>
+                    <a:lumOff val="15000"/>
+                  </a:prstClr>
+                </a:solidFill>
+                <a:latin typeface="Segoe UI" panose="020B0502040204020203" pitchFamily="34" charset="0"/>
+                <a:cs typeface="Segoe UI" panose="020B0502040204020203" pitchFamily="34" charset="0"/>
+              </a:rPr>
+              <a:t> of a Programmable interface</a:t>
             </a:r>
             <a:endParaRPr lang="fr-FR" sz="3800" dirty="0">
               <a:solidFill>
@@ -23785,10 +23269,6 @@
           <a:lstStyle/>
           <a:p>
             <a:pPr marL="12700" algn="ctr"/>
-            <a:r>
-              <a:rPr lang="fr-FR" sz="2400" dirty="0"/>
-              <a:t/>
-            </a:r>
             <a:br>
               <a:rPr lang="fr-FR" sz="2400" dirty="0"/>
             </a:br>
@@ -24013,14 +23493,144 @@
               <a:buNone/>
             </a:pPr>
             <a:r>
-              <a:rPr lang="fr-FR" sz="2000" b="1" dirty="0">
+              <a:rPr lang="fr-FR" sz="2000" b="1" dirty="0" err="1">
                 <a:solidFill>
                   <a:srgbClr val="0087AF"/>
                 </a:solidFill>
                 <a:latin typeface="Lao UI" panose="020B0502040204020203" pitchFamily="34" charset="0"/>
                 <a:cs typeface="Lao UI" panose="020B0502040204020203" pitchFamily="34" charset="0"/>
               </a:rPr>
-              <a:t>C’est l’interrogation du SGBD SQLite Via Un langage de programmation en utilisant SQL</a:t>
+              <a:t>Which</a:t>
+            </a:r>
+            <a:r>
+              <a:rPr lang="fr-FR" sz="2000" b="1" dirty="0">
+                <a:solidFill>
+                  <a:srgbClr val="0087AF"/>
+                </a:solidFill>
+                <a:latin typeface="Lao UI" panose="020B0502040204020203" pitchFamily="34" charset="0"/>
+                <a:cs typeface="Lao UI" panose="020B0502040204020203" pitchFamily="34" charset="0"/>
+              </a:rPr>
+              <a:t> </a:t>
+            </a:r>
+            <a:r>
+              <a:rPr lang="fr-FR" sz="2000" b="1" dirty="0" err="1">
+                <a:solidFill>
+                  <a:srgbClr val="0087AF"/>
+                </a:solidFill>
+                <a:latin typeface="Lao UI" panose="020B0502040204020203" pitchFamily="34" charset="0"/>
+                <a:cs typeface="Lao UI" panose="020B0502040204020203" pitchFamily="34" charset="0"/>
+              </a:rPr>
+              <a:t>is</a:t>
+            </a:r>
+            <a:r>
+              <a:rPr lang="fr-FR" sz="2000" b="1" dirty="0">
+                <a:solidFill>
+                  <a:srgbClr val="0087AF"/>
+                </a:solidFill>
+                <a:latin typeface="Lao UI" panose="020B0502040204020203" pitchFamily="34" charset="0"/>
+                <a:cs typeface="Lao UI" panose="020B0502040204020203" pitchFamily="34" charset="0"/>
+              </a:rPr>
+              <a:t> </a:t>
+            </a:r>
+            <a:r>
+              <a:rPr lang="fr-FR" sz="2000" b="1" dirty="0" err="1">
+                <a:solidFill>
+                  <a:srgbClr val="0087AF"/>
+                </a:solidFill>
+                <a:latin typeface="Lao UI" panose="020B0502040204020203" pitchFamily="34" charset="0"/>
+                <a:cs typeface="Lao UI" panose="020B0502040204020203" pitchFamily="34" charset="0"/>
+              </a:rPr>
+              <a:t>Using</a:t>
+            </a:r>
+            <a:r>
+              <a:rPr lang="fr-FR" sz="2000" b="1" dirty="0">
+                <a:solidFill>
+                  <a:srgbClr val="0087AF"/>
+                </a:solidFill>
+                <a:latin typeface="Lao UI" panose="020B0502040204020203" pitchFamily="34" charset="0"/>
+                <a:cs typeface="Lao UI" panose="020B0502040204020203" pitchFamily="34" charset="0"/>
+              </a:rPr>
+              <a:t> SQLite DBMS </a:t>
+            </a:r>
+            <a:r>
+              <a:rPr lang="fr-FR" sz="2000" b="1" dirty="0" err="1">
+                <a:solidFill>
+                  <a:srgbClr val="0087AF"/>
+                </a:solidFill>
+                <a:latin typeface="Lao UI" panose="020B0502040204020203" pitchFamily="34" charset="0"/>
+                <a:cs typeface="Lao UI" panose="020B0502040204020203" pitchFamily="34" charset="0"/>
+              </a:rPr>
+              <a:t>through</a:t>
+            </a:r>
+            <a:r>
+              <a:rPr lang="fr-FR" sz="2000" b="1" dirty="0">
+                <a:solidFill>
+                  <a:srgbClr val="0087AF"/>
+                </a:solidFill>
+                <a:latin typeface="Lao UI" panose="020B0502040204020203" pitchFamily="34" charset="0"/>
+                <a:cs typeface="Lao UI" panose="020B0502040204020203" pitchFamily="34" charset="0"/>
+              </a:rPr>
+              <a:t> a </a:t>
+            </a:r>
+            <a:r>
+              <a:rPr lang="fr-FR" sz="2000" b="1" dirty="0" err="1">
+                <a:solidFill>
+                  <a:srgbClr val="0087AF"/>
+                </a:solidFill>
+                <a:latin typeface="Lao UI" panose="020B0502040204020203" pitchFamily="34" charset="0"/>
+                <a:cs typeface="Lao UI" panose="020B0502040204020203" pitchFamily="34" charset="0"/>
+              </a:rPr>
+              <a:t>programming</a:t>
+            </a:r>
+            <a:r>
+              <a:rPr lang="fr-FR" sz="2000" b="1" dirty="0">
+                <a:solidFill>
+                  <a:srgbClr val="0087AF"/>
+                </a:solidFill>
+                <a:latin typeface="Lao UI" panose="020B0502040204020203" pitchFamily="34" charset="0"/>
+                <a:cs typeface="Lao UI" panose="020B0502040204020203" pitchFamily="34" charset="0"/>
+              </a:rPr>
+              <a:t> </a:t>
+            </a:r>
+            <a:r>
+              <a:rPr lang="fr-FR" sz="2000" b="1" dirty="0" err="1">
+                <a:solidFill>
+                  <a:srgbClr val="0087AF"/>
+                </a:solidFill>
+                <a:latin typeface="Lao UI" panose="020B0502040204020203" pitchFamily="34" charset="0"/>
+                <a:cs typeface="Lao UI" panose="020B0502040204020203" pitchFamily="34" charset="0"/>
+              </a:rPr>
+              <a:t>language</a:t>
+            </a:r>
+            <a:r>
+              <a:rPr lang="fr-FR" sz="2000" b="1" dirty="0">
+                <a:solidFill>
+                  <a:srgbClr val="0087AF"/>
+                </a:solidFill>
+                <a:latin typeface="Lao UI" panose="020B0502040204020203" pitchFamily="34" charset="0"/>
+                <a:cs typeface="Lao UI" panose="020B0502040204020203" pitchFamily="34" charset="0"/>
+              </a:rPr>
+              <a:t> </a:t>
+            </a:r>
+            <a:r>
+              <a:rPr lang="fr-FR" sz="2000" b="1" dirty="0" err="1">
+                <a:solidFill>
+                  <a:srgbClr val="0087AF"/>
+                </a:solidFill>
+                <a:latin typeface="Lao UI" panose="020B0502040204020203" pitchFamily="34" charset="0"/>
+                <a:cs typeface="Lao UI" panose="020B0502040204020203" pitchFamily="34" charset="0"/>
+              </a:rPr>
+              <a:t>with</a:t>
+            </a:r>
+            <a:r>
+              <a:rPr lang="fr-FR" sz="2000" b="1" dirty="0">
+                <a:solidFill>
+                  <a:srgbClr val="0087AF"/>
+                </a:solidFill>
+                <a:latin typeface="Lao UI" panose="020B0502040204020203" pitchFamily="34" charset="0"/>
+                <a:cs typeface="Lao UI" panose="020B0502040204020203" pitchFamily="34" charset="0"/>
+              </a:rPr>
+              <a:t> SQL</a:t>
             </a:r>
           </a:p>
         </p:txBody>
@@ -24513,13 +24123,6 @@
   <p:clrMapOvr>
     <a:masterClrMapping/>
   </p:clrMapOvr>
-  <p:timing>
-    <p:tnLst>
-      <p:par>
-        <p:cTn id="1" dur="indefinite" restart="never" nodeType="tmRoot"/>
-      </p:par>
-    </p:tnLst>
-  </p:timing>
 </p:sld>
 </file>
 
@@ -25824,10 +25427,6 @@
           <a:lstStyle/>
           <a:p>
             <a:pPr marL="12700" algn="ctr"/>
-            <a:r>
-              <a:rPr lang="fr-FR" sz="2400" dirty="0"/>
-              <a:t/>
-            </a:r>
             <a:br>
               <a:rPr lang="fr-FR" sz="2400" dirty="0"/>
             </a:br>
@@ -27107,13 +26706,6 @@
   <p:clrMapOvr>
     <a:masterClrMapping/>
   </p:clrMapOvr>
-  <p:timing>
-    <p:tnLst>
-      <p:par>
-        <p:cTn id="1" dur="indefinite" restart="never" nodeType="tmRoot"/>
-      </p:par>
-    </p:tnLst>
-  </p:timing>
 </p:sld>
 </file>
 
@@ -27291,23 +26883,6 @@
               <a:tabLst/>
               <a:defRPr/>
             </a:pPr>
-            <a:r>
-              <a:rPr kumimoji="0" lang="fr-FR" sz="2400" b="0" i="0" u="none" strike="noStrike" kern="1200" cap="none" spc="0" normalizeH="0" baseline="0" noProof="0" dirty="0">
-                <a:ln>
-                  <a:noFill/>
-                </a:ln>
-                <a:solidFill>
-                  <a:prstClr val="black"/>
-                </a:solidFill>
-                <a:effectLst/>
-                <a:uLnTx/>
-                <a:uFillTx/>
-                <a:latin typeface="Calibri" panose="020F0502020204030204"/>
-                <a:ea typeface="+mn-ea"/>
-                <a:cs typeface="+mn-cs"/>
-              </a:rPr>
-              <a:t/>
-            </a:r>
             <a:br>
               <a:rPr kumimoji="0" lang="fr-FR" sz="2400" b="0" i="0" u="none" strike="noStrike" kern="1200" cap="none" spc="0" normalizeH="0" baseline="0" noProof="0" dirty="0">
                 <a:ln>
@@ -27515,13 +27090,6 @@
   <p:clrMapOvr>
     <a:masterClrMapping/>
   </p:clrMapOvr>
-  <p:timing>
-    <p:tnLst>
-      <p:par>
-        <p:cTn id="1" dur="indefinite" restart="never" nodeType="tmRoot"/>
-      </p:par>
-    </p:tnLst>
-  </p:timing>
 </p:sld>
 </file>
 

--- a/Presentation-projet-SQLite [Autosaved].pptx
+++ b/Presentation-projet-SQLite [Autosaved].pptx
@@ -356,7 +356,7 @@
           <a:p>
             <a:fld id="{4BBBBF6B-ACDD-4A14-800E-2B828951F2E5}" type="slidenum">
               <a:rPr lang="fr-FR" smtClean="0"/>
-              <a:t>‹N°›</a:t>
+              <a:t>‹#›</a:t>
             </a:fld>
             <a:endParaRPr lang="fr-FR"/>
           </a:p>
@@ -615,7 +615,7 @@
           <a:p>
             <a:fld id="{F4625AEE-926E-49DB-B657-4E194F63E769}" type="slidenum">
               <a:rPr lang="fr-FR" smtClean="0"/>
-              <a:t>‹N°›</a:t>
+              <a:t>‹#›</a:t>
             </a:fld>
             <a:endParaRPr lang="fr-FR"/>
           </a:p>
@@ -897,7 +897,7 @@
             <a:fld id="{2376E620-B82E-4BB3-B55A-C1C511C62C08}" type="slidenum">
               <a:rPr lang="fr-FR" smtClean="0"/>
               <a:pPr/>
-              <a:t>‹N°›</a:t>
+              <a:t>‹#›</a:t>
             </a:fld>
             <a:endParaRPr lang="fr-FR" dirty="0"/>
           </a:p>
@@ -1066,7 +1066,7 @@
             <a:fld id="{2376E620-B82E-4BB3-B55A-C1C511C62C08}" type="slidenum">
               <a:rPr lang="fr-FR" smtClean="0"/>
               <a:pPr/>
-              <a:t>‹N°›</a:t>
+              <a:t>‹#›</a:t>
             </a:fld>
             <a:endParaRPr lang="fr-FR" dirty="0"/>
           </a:p>
@@ -1246,7 +1246,7 @@
             <a:fld id="{2376E620-B82E-4BB3-B55A-C1C511C62C08}" type="slidenum">
               <a:rPr lang="fr-FR" smtClean="0"/>
               <a:pPr/>
-              <a:t>‹N°›</a:t>
+              <a:t>‹#›</a:t>
             </a:fld>
             <a:endParaRPr lang="fr-FR" dirty="0"/>
           </a:p>
@@ -1416,7 +1416,7 @@
             <a:fld id="{2376E620-B82E-4BB3-B55A-C1C511C62C08}" type="slidenum">
               <a:rPr lang="fr-FR" smtClean="0"/>
               <a:pPr/>
-              <a:t>‹N°›</a:t>
+              <a:t>‹#›</a:t>
             </a:fld>
             <a:endParaRPr lang="fr-FR" dirty="0"/>
           </a:p>
@@ -1662,7 +1662,7 @@
           <a:p>
             <a:fld id="{2376E620-B82E-4BB3-B55A-C1C511C62C08}" type="slidenum">
               <a:rPr lang="fr-FR" smtClean="0"/>
-              <a:t>‹N°›</a:t>
+              <a:t>‹#›</a:t>
             </a:fld>
             <a:endParaRPr lang="fr-FR" dirty="0"/>
           </a:p>
@@ -1892,7 +1892,7 @@
             <a:fld id="{2376E620-B82E-4BB3-B55A-C1C511C62C08}" type="slidenum">
               <a:rPr lang="fr-FR" smtClean="0"/>
               <a:pPr/>
-              <a:t>‹N°›</a:t>
+              <a:t>‹#›</a:t>
             </a:fld>
             <a:endParaRPr lang="fr-FR" dirty="0"/>
           </a:p>
@@ -2258,7 +2258,7 @@
             <a:fld id="{2376E620-B82E-4BB3-B55A-C1C511C62C08}" type="slidenum">
               <a:rPr lang="fr-FR" smtClean="0"/>
               <a:pPr/>
-              <a:t>‹N°›</a:t>
+              <a:t>‹#›</a:t>
             </a:fld>
             <a:endParaRPr lang="fr-FR" dirty="0"/>
           </a:p>
@@ -2376,7 +2376,7 @@
           <a:p>
             <a:fld id="{2376E620-B82E-4BB3-B55A-C1C511C62C08}" type="slidenum">
               <a:rPr lang="fr-FR" smtClean="0"/>
-              <a:t>‹N°›</a:t>
+              <a:t>‹#›</a:t>
             </a:fld>
             <a:endParaRPr lang="fr-FR" dirty="0"/>
           </a:p>
@@ -2471,7 +2471,7 @@
           <a:p>
             <a:fld id="{2376E620-B82E-4BB3-B55A-C1C511C62C08}" type="slidenum">
               <a:rPr lang="fr-FR" smtClean="0"/>
-              <a:t>‹N°›</a:t>
+              <a:t>‹#›</a:t>
             </a:fld>
             <a:endParaRPr lang="fr-FR" dirty="0"/>
           </a:p>
@@ -2747,7 +2747,7 @@
             <a:fld id="{2376E620-B82E-4BB3-B55A-C1C511C62C08}" type="slidenum">
               <a:rPr lang="fr-FR" smtClean="0"/>
               <a:pPr/>
-              <a:t>‹N°›</a:t>
+              <a:t>‹#›</a:t>
             </a:fld>
             <a:endParaRPr lang="fr-FR" dirty="0"/>
           </a:p>
@@ -3000,7 +3000,7 @@
           <a:p>
             <a:fld id="{2376E620-B82E-4BB3-B55A-C1C511C62C08}" type="slidenum">
               <a:rPr lang="fr-FR" smtClean="0"/>
-              <a:t>‹N°›</a:t>
+              <a:t>‹#›</a:t>
             </a:fld>
             <a:endParaRPr lang="fr-FR"/>
           </a:p>
@@ -3248,7 +3248,7 @@
             <a:fld id="{2376E620-B82E-4BB3-B55A-C1C511C62C08}" type="slidenum">
               <a:rPr lang="fr-FR" smtClean="0"/>
               <a:pPr/>
-              <a:t>‹N°›</a:t>
+              <a:t>‹#›</a:t>
             </a:fld>
             <a:endParaRPr lang="fr-FR" dirty="0"/>
           </a:p>
@@ -3707,7 +3707,7 @@
               </a:rPr>
               <a:t>People's Democratic Republic of Algeria</a:t>
             </a:r>
-            <a:br>
+            <a:r>
               <a:rPr kumimoji="0" lang="fr-FR" sz="2000" b="0" i="0" u="none" strike="noStrike" kern="1200" cap="none" spc="0" normalizeH="0" baseline="0" noProof="0" dirty="0">
                 <a:ln>
                   <a:noFill/>
@@ -3722,6 +3722,23 @@
                 <a:ea typeface="Times New Roman"/>
                 <a:cs typeface="+mj-cs"/>
               </a:rPr>
+              <a:t/>
+            </a:r>
+            <a:br>
+              <a:rPr kumimoji="0" lang="fr-FR" sz="2000" b="0" i="0" u="none" strike="noStrike" kern="1200" cap="none" spc="0" normalizeH="0" baseline="0" noProof="0" dirty="0">
+                <a:ln>
+                  <a:noFill/>
+                </a:ln>
+                <a:solidFill>
+                  <a:prstClr val="black"/>
+                </a:solidFill>
+                <a:effectLst/>
+                <a:uLnTx/>
+                <a:uFillTx/>
+                <a:latin typeface="Times New Roman"/>
+                <a:ea typeface="Times New Roman"/>
+                <a:cs typeface="+mj-cs"/>
+              </a:rPr>
             </a:br>
             <a:r>
               <a:rPr kumimoji="0" lang="en-US" sz="2000" b="0" i="0" u="none" strike="noStrike" kern="1200" cap="none" spc="0" normalizeH="0" baseline="0" noProof="0" dirty="0">
@@ -3740,7 +3757,7 @@
               </a:rPr>
               <a:t>Ministry of Higher Education and Scientific Research</a:t>
             </a:r>
-            <a:br>
+            <a:r>
               <a:rPr kumimoji="0" lang="fr-FR" sz="2000" b="0" i="0" u="none" strike="noStrike" kern="1200" cap="none" spc="0" normalizeH="0" baseline="0" noProof="0" dirty="0">
                 <a:ln>
                   <a:noFill/>
@@ -3755,8 +3772,9 @@
                 <a:ea typeface="Calibri"/>
                 <a:cs typeface="Times New Roman"/>
               </a:rPr>
-            </a:br>
-            <a:r>
+              <a:t/>
+            </a:r>
+            <a:br>
               <a:rPr kumimoji="0" lang="fr-FR" sz="2000" b="0" i="0" u="none" strike="noStrike" kern="1200" cap="none" spc="0" normalizeH="0" baseline="0" noProof="0" dirty="0">
                 <a:ln>
                   <a:noFill/>
@@ -3771,10 +3789,9 @@
                 <a:ea typeface="Calibri"/>
                 <a:cs typeface="Times New Roman"/>
               </a:rPr>
-              <a:t>Ibn </a:t>
-            </a:r>
-            <a:r>
-              <a:rPr kumimoji="0" lang="fr-FR" sz="2000" b="0" i="0" u="none" strike="noStrike" kern="1200" cap="none" spc="0" normalizeH="0" baseline="0" noProof="0" dirty="0" err="1">
+            </a:br>
+            <a:r>
+              <a:rPr kumimoji="0" lang="fr-FR" sz="2000" b="0" i="0" u="none" strike="noStrike" kern="1200" cap="none" spc="0" normalizeH="0" baseline="0" noProof="0" dirty="0">
                 <a:ln>
                   <a:noFill/>
                 </a:ln>
@@ -3788,10 +3805,10 @@
                 <a:ea typeface="Calibri"/>
                 <a:cs typeface="Times New Roman"/>
               </a:rPr>
-              <a:t>Khaldoun</a:t>
-            </a:r>
-            <a:r>
-              <a:rPr kumimoji="0" lang="fr-FR" sz="2000" b="0" i="0" u="none" strike="noStrike" kern="1200" cap="none" spc="0" normalizeH="0" baseline="0" noProof="0" dirty="0">
+              <a:t>Ibn </a:t>
+            </a:r>
+            <a:r>
+              <a:rPr kumimoji="0" lang="fr-FR" sz="2000" b="0" i="0" u="none" strike="noStrike" kern="1200" cap="none" spc="0" normalizeH="0" baseline="0" noProof="0" dirty="0" err="1">
                 <a:ln>
                   <a:noFill/>
                 </a:ln>
@@ -3805,10 +3822,10 @@
                 <a:ea typeface="Calibri"/>
                 <a:cs typeface="Times New Roman"/>
               </a:rPr>
-              <a:t> </a:t>
-            </a:r>
-            <a:r>
-              <a:rPr kumimoji="0" lang="fr-FR" sz="2000" b="0" i="0" u="none" strike="noStrike" kern="1200" cap="none" spc="0" normalizeH="0" baseline="0" noProof="0" dirty="0" err="1">
+              <a:t>Khaldoun</a:t>
+            </a:r>
+            <a:r>
+              <a:rPr kumimoji="0" lang="fr-FR" sz="2000" b="0" i="0" u="none" strike="noStrike" kern="1200" cap="none" spc="0" normalizeH="0" baseline="0" noProof="0" dirty="0">
                 <a:ln>
                   <a:noFill/>
                 </a:ln>
@@ -3822,10 +3839,10 @@
                 <a:ea typeface="Calibri"/>
                 <a:cs typeface="Times New Roman"/>
               </a:rPr>
-              <a:t>University</a:t>
-            </a:r>
-            <a:r>
-              <a:rPr kumimoji="0" lang="fr-FR" sz="2000" b="0" i="0" u="none" strike="noStrike" kern="1200" cap="none" spc="0" normalizeH="0" baseline="0" noProof="0" dirty="0">
+              <a:t> </a:t>
+            </a:r>
+            <a:r>
+              <a:rPr kumimoji="0" lang="fr-FR" sz="2000" b="0" i="0" u="none" strike="noStrike" kern="1200" cap="none" spc="0" normalizeH="0" baseline="0" noProof="0" dirty="0" err="1">
                 <a:ln>
                   <a:noFill/>
                 </a:ln>
@@ -3839,9 +3856,9 @@
                 <a:ea typeface="Calibri"/>
                 <a:cs typeface="Times New Roman"/>
               </a:rPr>
-              <a:t> of Tiaret</a:t>
-            </a:r>
-            <a:br>
+              <a:t>University</a:t>
+            </a:r>
+            <a:r>
               <a:rPr kumimoji="0" lang="fr-FR" sz="2000" b="0" i="0" u="none" strike="noStrike" kern="1200" cap="none" spc="0" normalizeH="0" baseline="0" noProof="0" dirty="0">
                 <a:ln>
                   <a:noFill/>
@@ -3856,8 +3873,9 @@
                 <a:ea typeface="Calibri"/>
                 <a:cs typeface="Times New Roman"/>
               </a:rPr>
-            </a:br>
-            <a:r>
+              <a:t> of Tiaret</a:t>
+            </a:r>
+            <a:br>
               <a:rPr kumimoji="0" lang="fr-FR" sz="2000" b="0" i="0" u="none" strike="noStrike" kern="1200" cap="none" spc="0" normalizeH="0" baseline="0" noProof="0" dirty="0">
                 <a:ln>
                   <a:noFill/>
@@ -3872,10 +3890,9 @@
                 <a:ea typeface="Calibri"/>
                 <a:cs typeface="Times New Roman"/>
               </a:rPr>
-              <a:t>computer science </a:t>
-            </a:r>
-            <a:r>
-              <a:rPr kumimoji="0" lang="fr-FR" sz="2000" b="0" i="0" u="none" strike="noStrike" kern="1200" cap="none" spc="0" normalizeH="0" baseline="0" noProof="0" dirty="0" err="1">
+            </a:br>
+            <a:r>
+              <a:rPr kumimoji="0" lang="fr-FR" sz="2000" b="0" i="0" u="none" strike="noStrike" kern="1200" cap="none" spc="0" normalizeH="0" baseline="0" noProof="0" dirty="0">
                 <a:ln>
                   <a:noFill/>
                 </a:ln>
@@ -3889,10 +3906,10 @@
                 <a:ea typeface="Calibri"/>
                 <a:cs typeface="Times New Roman"/>
               </a:rPr>
-              <a:t>faculty</a:t>
-            </a:r>
-            <a:r>
-              <a:rPr kumimoji="0" lang="fr-FR" sz="2000" b="0" i="0" u="none" strike="noStrike" kern="1200" cap="none" spc="0" normalizeH="0" baseline="0" noProof="0" dirty="0">
+              <a:t>computer science </a:t>
+            </a:r>
+            <a:r>
+              <a:rPr kumimoji="0" lang="fr-FR" sz="2000" b="0" i="0" u="none" strike="noStrike" kern="1200" cap="none" spc="0" normalizeH="0" baseline="0" noProof="0" dirty="0" err="1">
                 <a:ln>
                   <a:noFill/>
                 </a:ln>
@@ -3906,10 +3923,10 @@
                 <a:ea typeface="Calibri"/>
                 <a:cs typeface="Times New Roman"/>
               </a:rPr>
-              <a:t> </a:t>
-            </a:r>
-            <a:r>
-              <a:rPr kumimoji="0" lang="fr-FR" sz="100" b="0" i="0" u="none" strike="noStrike" kern="1200" cap="none" spc="0" normalizeH="0" noProof="0" dirty="0">
+              <a:t>faculty</a:t>
+            </a:r>
+            <a:r>
+              <a:rPr kumimoji="0" lang="fr-FR" sz="2000" b="0" i="0" u="none" strike="noStrike" kern="1200" cap="none" spc="0" normalizeH="0" baseline="0" noProof="0" dirty="0">
                 <a:ln>
                   <a:noFill/>
                 </a:ln>
@@ -3926,17 +3943,34 @@
               <a:t> </a:t>
             </a:r>
             <a:r>
-              <a:rPr lang="ja-JP" altLang="en-US" sz="100" dirty="0">
+              <a:rPr kumimoji="0" lang="fr-FR" sz="100" b="0" i="0" u="none" strike="noStrike" kern="1200" cap="none" spc="0" normalizeH="0" noProof="0" dirty="0">
+                <a:ln>
+                  <a:noFill/>
+                </a:ln>
                 <a:solidFill>
                   <a:prstClr val="black"/>
                 </a:solidFill>
+                <a:effectLst/>
+                <a:uLnTx/>
+                <a:uFillTx/>
                 <a:latin typeface="Times New Roman"/>
                 <a:ea typeface="Calibri"/>
                 <a:cs typeface="Times New Roman"/>
               </a:rPr>
+              <a:t> </a:t>
+            </a:r>
+            <a:r>
+              <a:rPr lang="ja-JP" altLang="en-US" sz="100" dirty="0">
+                <a:solidFill>
+                  <a:prstClr val="black"/>
+                </a:solidFill>
+                <a:latin typeface="Times New Roman"/>
+                <a:ea typeface="Calibri"/>
+                <a:cs typeface="Times New Roman"/>
+              </a:rPr>
               <a:t>私たちはアルジェリア人です</a:t>
             </a:r>
-            <a:br>
+            <a:r>
               <a:rPr kumimoji="0" lang="fr-FR" sz="2000" b="1" i="0" u="none" strike="noStrike" kern="1200" cap="none" spc="0" normalizeH="0" baseline="0" noProof="0" dirty="0">
                 <a:ln>
                   <a:noFill/>
@@ -3951,7 +3985,41 @@
                 <a:ea typeface="+mj-ea"/>
                 <a:cs typeface="+mj-cs"/>
               </a:rPr>
+              <a:t/>
+            </a:r>
+            <a:br>
+              <a:rPr kumimoji="0" lang="fr-FR" sz="2000" b="1" i="0" u="none" strike="noStrike" kern="1200" cap="none" spc="0" normalizeH="0" baseline="0" noProof="0" dirty="0">
+                <a:ln>
+                  <a:noFill/>
+                </a:ln>
+                <a:solidFill>
+                  <a:srgbClr val="000000"/>
+                </a:solidFill>
+                <a:effectLst/>
+                <a:uLnTx/>
+                <a:uFillTx/>
+                <a:latin typeface="Constantia" pitchFamily="18" charset="0"/>
+                <a:ea typeface="+mj-ea"/>
+                <a:cs typeface="+mj-cs"/>
+              </a:rPr>
             </a:br>
+            <a:r>
+              <a:rPr kumimoji="0" lang="fr-FR" sz="2000" b="0" i="0" u="none" strike="noStrike" kern="1200" cap="none" spc="0" normalizeH="0" baseline="0" noProof="0" dirty="0">
+                <a:ln>
+                  <a:noFill/>
+                </a:ln>
+                <a:solidFill>
+                  <a:prstClr val="black"/>
+                </a:solidFill>
+                <a:effectLst/>
+                <a:uLnTx/>
+                <a:uFillTx/>
+                <a:latin typeface="Times New Roman"/>
+                <a:ea typeface="Times New Roman"/>
+                <a:cs typeface="+mj-cs"/>
+              </a:rPr>
+              <a:t/>
+            </a:r>
             <a:br>
               <a:rPr kumimoji="0" lang="fr-FR" sz="2000" b="0" i="0" u="none" strike="noStrike" kern="1200" cap="none" spc="0" normalizeH="0" baseline="0" noProof="0" dirty="0">
                 <a:ln>
@@ -4680,6 +4748,23 @@
               <a:tabLst/>
               <a:defRPr/>
             </a:pPr>
+            <a:r>
+              <a:rPr kumimoji="0" lang="fr-FR" sz="2400" b="0" i="0" u="none" strike="noStrike" kern="1200" cap="none" spc="0" normalizeH="0" baseline="0" noProof="0" dirty="0">
+                <a:ln>
+                  <a:noFill/>
+                </a:ln>
+                <a:solidFill>
+                  <a:prstClr val="black"/>
+                </a:solidFill>
+                <a:effectLst/>
+                <a:uLnTx/>
+                <a:uFillTx/>
+                <a:latin typeface="Calibri" panose="020F0502020204030204"/>
+                <a:ea typeface="+mn-ea"/>
+                <a:cs typeface="+mn-cs"/>
+              </a:rPr>
+              <a:t/>
+            </a:r>
             <a:br>
               <a:rPr kumimoji="0" lang="fr-FR" sz="2400" b="0" i="0" u="none" strike="noStrike" kern="1200" cap="none" spc="0" normalizeH="0" baseline="0" noProof="0" dirty="0">
                 <a:ln>
@@ -5006,6 +5091,10 @@
           <a:lstStyle/>
           <a:p>
             <a:pPr marL="12700" algn="ctr"/>
+            <a:r>
+              <a:rPr lang="fr-FR" sz="2400" dirty="0"/>
+              <a:t/>
+            </a:r>
             <a:br>
               <a:rPr lang="fr-FR" sz="2400" dirty="0"/>
             </a:br>
@@ -5304,6 +5393,10 @@
           <a:lstStyle/>
           <a:p>
             <a:pPr marL="12700" algn="ctr"/>
+            <a:r>
+              <a:rPr lang="fr-FR" sz="2400" dirty="0"/>
+              <a:t/>
+            </a:r>
             <a:br>
               <a:rPr lang="fr-FR" sz="2400" dirty="0"/>
             </a:br>
@@ -5644,6 +5737,10 @@
           <a:lstStyle/>
           <a:p>
             <a:pPr marL="12700" algn="ctr"/>
+            <a:r>
+              <a:rPr lang="fr-FR" sz="2400" dirty="0"/>
+              <a:t/>
+            </a:r>
             <a:br>
               <a:rPr lang="fr-FR" sz="2400" dirty="0"/>
             </a:br>
@@ -6859,6 +6956,10 @@
           <a:lstStyle/>
           <a:p>
             <a:pPr marL="12700" algn="ctr"/>
+            <a:r>
+              <a:rPr lang="fr-FR" sz="2400" dirty="0"/>
+              <a:t/>
+            </a:r>
             <a:br>
               <a:rPr lang="fr-FR" sz="2400" dirty="0"/>
             </a:br>
@@ -8285,6 +8386,10 @@
           <a:lstStyle/>
           <a:p>
             <a:pPr marL="12700" algn="ctr"/>
+            <a:r>
+              <a:rPr lang="fr-FR" sz="2400" dirty="0"/>
+              <a:t/>
+            </a:r>
             <a:br>
               <a:rPr lang="fr-FR" sz="2400" dirty="0"/>
             </a:br>
@@ -8714,6 +8819,10 @@
           <a:lstStyle/>
           <a:p>
             <a:pPr marL="12700" algn="ctr"/>
+            <a:r>
+              <a:rPr lang="fr-FR" sz="2400" dirty="0"/>
+              <a:t/>
+            </a:r>
             <a:br>
               <a:rPr lang="fr-FR" sz="2400" dirty="0"/>
             </a:br>
@@ -9916,6 +10025,10 @@
           <a:lstStyle/>
           <a:p>
             <a:pPr marL="12700" algn="ctr"/>
+            <a:r>
+              <a:rPr lang="fr-FR" sz="2400" dirty="0"/>
+              <a:t/>
+            </a:r>
             <a:br>
               <a:rPr lang="fr-FR" sz="2400" dirty="0"/>
             </a:br>
@@ -10143,6 +10256,10 @@
           <a:lstStyle/>
           <a:p>
             <a:pPr marL="12700" algn="ctr"/>
+            <a:r>
+              <a:rPr lang="fr-FR" sz="2400" dirty="0"/>
+              <a:t/>
+            </a:r>
             <a:br>
               <a:rPr lang="fr-FR" sz="2400" dirty="0"/>
             </a:br>
@@ -10383,6 +10500,10 @@
           <a:lstStyle/>
           <a:p>
             <a:pPr marL="12700" algn="ctr"/>
+            <a:r>
+              <a:rPr lang="fr-FR" sz="2400" dirty="0"/>
+              <a:t/>
+            </a:r>
             <a:br>
               <a:rPr lang="fr-FR" sz="2400" dirty="0"/>
             </a:br>
@@ -12889,6 +13010,23 @@
               <a:tabLst/>
               <a:defRPr/>
             </a:pPr>
+            <a:r>
+              <a:rPr kumimoji="0" lang="fr-FR" sz="2400" b="0" i="0" u="none" strike="noStrike" kern="1200" cap="none" spc="0" normalizeH="0" baseline="0" noProof="0" dirty="0">
+                <a:ln>
+                  <a:noFill/>
+                </a:ln>
+                <a:solidFill>
+                  <a:prstClr val="black"/>
+                </a:solidFill>
+                <a:effectLst/>
+                <a:uLnTx/>
+                <a:uFillTx/>
+                <a:latin typeface="Calibri" panose="020F0502020204030204"/>
+                <a:ea typeface="+mn-ea"/>
+                <a:cs typeface="+mn-cs"/>
+              </a:rPr>
+              <a:t/>
+            </a:r>
             <a:br>
               <a:rPr kumimoji="0" lang="fr-FR" sz="2400" b="0" i="0" u="none" strike="noStrike" kern="1200" cap="none" spc="0" normalizeH="0" baseline="0" noProof="0" dirty="0">
                 <a:ln>
@@ -14039,6 +14177,10 @@
           <a:lstStyle/>
           <a:p>
             <a:pPr marL="12700" algn="ctr"/>
+            <a:r>
+              <a:rPr lang="fr-FR" sz="2400" dirty="0"/>
+              <a:t/>
+            </a:r>
             <a:br>
               <a:rPr lang="fr-FR" sz="2400" dirty="0"/>
             </a:br>
@@ -15640,6 +15782,23 @@
               <a:tabLst/>
               <a:defRPr/>
             </a:pPr>
+            <a:r>
+              <a:rPr kumimoji="0" lang="fr-FR" sz="2400" b="0" i="0" u="none" strike="noStrike" kern="1200" cap="none" spc="0" normalizeH="0" baseline="0" noProof="0" dirty="0">
+                <a:ln>
+                  <a:noFill/>
+                </a:ln>
+                <a:solidFill>
+                  <a:prstClr val="black"/>
+                </a:solidFill>
+                <a:effectLst/>
+                <a:uLnTx/>
+                <a:uFillTx/>
+                <a:latin typeface="Calibri" panose="020F0502020204030204"/>
+                <a:ea typeface="+mn-ea"/>
+                <a:cs typeface="+mn-cs"/>
+              </a:rPr>
+              <a:t/>
+            </a:r>
             <a:br>
               <a:rPr kumimoji="0" lang="fr-FR" sz="2400" b="0" i="0" u="none" strike="noStrike" kern="1200" cap="none" spc="0" normalizeH="0" baseline="0" noProof="0" dirty="0">
                 <a:ln>
@@ -17480,6 +17639,10 @@
           <a:lstStyle/>
           <a:p>
             <a:pPr marL="12700" algn="ctr"/>
+            <a:r>
+              <a:rPr lang="fr-FR" sz="2400" dirty="0"/>
+              <a:t/>
+            </a:r>
             <a:br>
               <a:rPr lang="fr-FR" sz="2400" dirty="0"/>
             </a:br>
@@ -18188,6 +18351,10 @@
           <a:lstStyle/>
           <a:p>
             <a:pPr marL="12700" algn="ctr"/>
+            <a:r>
+              <a:rPr lang="fr-FR" sz="2400" dirty="0"/>
+              <a:t/>
+            </a:r>
             <a:br>
               <a:rPr lang="fr-FR" sz="2400" dirty="0"/>
             </a:br>
@@ -19368,6 +19535,10 @@
           <a:lstStyle/>
           <a:p>
             <a:pPr marL="12700" algn="ctr"/>
+            <a:r>
+              <a:rPr lang="fr-FR" sz="2400" dirty="0"/>
+              <a:t/>
+            </a:r>
             <a:br>
               <a:rPr lang="fr-FR" sz="2400" dirty="0"/>
             </a:br>
@@ -19971,6 +20142,10 @@
           <a:lstStyle/>
           <a:p>
             <a:pPr marL="12700" algn="ctr"/>
+            <a:r>
+              <a:rPr lang="fr-FR" sz="2400" dirty="0"/>
+              <a:t/>
+            </a:r>
             <a:br>
               <a:rPr lang="fr-FR" sz="2400" dirty="0"/>
             </a:br>
@@ -20388,6 +20563,10 @@
           <a:lstStyle/>
           <a:p>
             <a:pPr marL="12700" algn="ctr"/>
+            <a:r>
+              <a:rPr lang="fr-FR" sz="2400" dirty="0"/>
+              <a:t/>
+            </a:r>
             <a:br>
               <a:rPr lang="fr-FR" sz="2400" dirty="0"/>
             </a:br>
@@ -21030,6 +21209,10 @@
           <a:lstStyle/>
           <a:p>
             <a:pPr marL="12700" algn="ctr"/>
+            <a:r>
+              <a:rPr lang="fr-FR" sz="2400" dirty="0"/>
+              <a:t/>
+            </a:r>
             <a:br>
               <a:rPr lang="fr-FR" sz="2400" dirty="0"/>
             </a:br>
@@ -21418,6 +21601,13 @@
       </p:transition>
     </mc:Fallback>
   </mc:AlternateContent>
+  <p:timing>
+    <p:tnLst>
+      <p:par>
+        <p:cTn id="1" dur="indefinite" restart="never" nodeType="tmRoot"/>
+      </p:par>
+    </p:tnLst>
+  </p:timing>
 </p:sld>
 </file>
 
@@ -21468,6 +21658,10 @@
           <a:lstStyle/>
           <a:p>
             <a:pPr marL="12700" algn="ctr"/>
+            <a:r>
+              <a:rPr lang="fr-FR" sz="2400" dirty="0"/>
+              <a:t/>
+            </a:r>
             <a:br>
               <a:rPr lang="fr-FR" sz="2400" dirty="0"/>
             </a:br>
@@ -21871,28 +22065,27 @@
       </p:sp>
       <p:pic>
         <p:nvPicPr>
-          <p:cNvPr id="3" name="Image 2">
-            <a:extLst>
-              <a:ext uri="{FF2B5EF4-FFF2-40B4-BE49-F238E27FC236}">
-                <a16:creationId xmlns:a16="http://schemas.microsoft.com/office/drawing/2014/main" id="{D4F7C833-EF4E-4A24-BC43-A6A9F4F35313}"/>
-              </a:ext>
-            </a:extLst>
-          </p:cNvPr>
+          <p:cNvPr id="2" name="Picture 1"/>
           <p:cNvPicPr>
             <a:picLocks noChangeAspect="1"/>
           </p:cNvPicPr>
           <p:nvPr/>
         </p:nvPicPr>
-        <p:blipFill>
-          <a:blip r:embed="rId2"/>
-          <a:stretch>
-            <a:fillRect/>
-          </a:stretch>
+        <p:blipFill rotWithShape="1">
+          <a:blip r:embed="rId2">
+            <a:extLst>
+              <a:ext uri="{28A0092B-C50C-407E-A947-70E740481C1C}">
+                <a14:useLocalDpi xmlns:a14="http://schemas.microsoft.com/office/drawing/2010/main" val="0"/>
+              </a:ext>
+            </a:extLst>
+          </a:blip>
+          <a:srcRect l="-108" t="-876" r="42357" b="876"/>
+          <a:stretch/>
         </p:blipFill>
         <p:spPr>
           <a:xfrm>
-            <a:off x="3160908" y="1227909"/>
-            <a:ext cx="9031092" cy="5630091"/>
+            <a:off x="3142898" y="1012444"/>
+            <a:ext cx="9049102" cy="5845556"/>
           </a:xfrm>
           <a:prstGeom prst="rect">
             <a:avLst/>
@@ -21921,6 +22114,13 @@
       </p:transition>
     </mc:Fallback>
   </mc:AlternateContent>
+  <p:timing>
+    <p:tnLst>
+      <p:par>
+        <p:cTn id="1" dur="indefinite" restart="never" nodeType="tmRoot"/>
+      </p:par>
+    </p:tnLst>
+  </p:timing>
 </p:sld>
 </file>
 
@@ -21971,6 +22171,10 @@
           <a:lstStyle/>
           <a:p>
             <a:pPr marL="12700" algn="ctr"/>
+            <a:r>
+              <a:rPr lang="fr-FR" sz="2400" dirty="0"/>
+              <a:t/>
+            </a:r>
             <a:br>
               <a:rPr lang="fr-FR" sz="2400" dirty="0"/>
             </a:br>
@@ -22438,6 +22642,13 @@
       </p:transition>
     </mc:Fallback>
   </mc:AlternateContent>
+  <p:timing>
+    <p:tnLst>
+      <p:par>
+        <p:cTn id="1" dur="indefinite" restart="never" nodeType="tmRoot"/>
+      </p:par>
+    </p:tnLst>
+  </p:timing>
 </p:sld>
 </file>
 
@@ -22554,6 +22765,10 @@
           <a:lstStyle/>
           <a:p>
             <a:pPr marL="12700" algn="ctr"/>
+            <a:r>
+              <a:rPr lang="fr-FR" sz="2400" dirty="0"/>
+              <a:t/>
+            </a:r>
             <a:br>
               <a:rPr lang="fr-FR" sz="2400" dirty="0"/>
             </a:br>
@@ -23269,6 +23484,10 @@
           <a:lstStyle/>
           <a:p>
             <a:pPr marL="12700" algn="ctr"/>
+            <a:r>
+              <a:rPr lang="fr-FR" sz="2400" dirty="0"/>
+              <a:t/>
+            </a:r>
             <a:br>
               <a:rPr lang="fr-FR" sz="2400" dirty="0"/>
             </a:br>
@@ -25427,6 +25646,10 @@
           <a:lstStyle/>
           <a:p>
             <a:pPr marL="12700" algn="ctr"/>
+            <a:r>
+              <a:rPr lang="fr-FR" sz="2400" dirty="0"/>
+              <a:t/>
+            </a:r>
             <a:br>
               <a:rPr lang="fr-FR" sz="2400" dirty="0"/>
             </a:br>
@@ -26883,6 +27106,23 @@
               <a:tabLst/>
               <a:defRPr/>
             </a:pPr>
+            <a:r>
+              <a:rPr kumimoji="0" lang="fr-FR" sz="2400" b="0" i="0" u="none" strike="noStrike" kern="1200" cap="none" spc="0" normalizeH="0" baseline="0" noProof="0" dirty="0">
+                <a:ln>
+                  <a:noFill/>
+                </a:ln>
+                <a:solidFill>
+                  <a:prstClr val="black"/>
+                </a:solidFill>
+                <a:effectLst/>
+                <a:uLnTx/>
+                <a:uFillTx/>
+                <a:latin typeface="Calibri" panose="020F0502020204030204"/>
+                <a:ea typeface="+mn-ea"/>
+                <a:cs typeface="+mn-cs"/>
+              </a:rPr>
+              <a:t/>
+            </a:r>
             <a:br>
               <a:rPr kumimoji="0" lang="fr-FR" sz="2400" b="0" i="0" u="none" strike="noStrike" kern="1200" cap="none" spc="0" normalizeH="0" baseline="0" noProof="0" dirty="0">
                 <a:ln>

--- a/Presentation-projet-SQLite [Autosaved].pptx
+++ b/Presentation-projet-SQLite [Autosaved].pptx
@@ -356,7 +356,7 @@
           <a:p>
             <a:fld id="{4BBBBF6B-ACDD-4A14-800E-2B828951F2E5}" type="slidenum">
               <a:rPr lang="fr-FR" smtClean="0"/>
-              <a:t>‹#›</a:t>
+              <a:t>‹N°›</a:t>
             </a:fld>
             <a:endParaRPr lang="fr-FR"/>
           </a:p>
@@ -615,7 +615,7 @@
           <a:p>
             <a:fld id="{F4625AEE-926E-49DB-B657-4E194F63E769}" type="slidenum">
               <a:rPr lang="fr-FR" smtClean="0"/>
-              <a:t>‹#›</a:t>
+              <a:t>‹N°›</a:t>
             </a:fld>
             <a:endParaRPr lang="fr-FR"/>
           </a:p>
@@ -897,7 +897,7 @@
             <a:fld id="{2376E620-B82E-4BB3-B55A-C1C511C62C08}" type="slidenum">
               <a:rPr lang="fr-FR" smtClean="0"/>
               <a:pPr/>
-              <a:t>‹#›</a:t>
+              <a:t>‹N°›</a:t>
             </a:fld>
             <a:endParaRPr lang="fr-FR" dirty="0"/>
           </a:p>
@@ -1066,7 +1066,7 @@
             <a:fld id="{2376E620-B82E-4BB3-B55A-C1C511C62C08}" type="slidenum">
               <a:rPr lang="fr-FR" smtClean="0"/>
               <a:pPr/>
-              <a:t>‹#›</a:t>
+              <a:t>‹N°›</a:t>
             </a:fld>
             <a:endParaRPr lang="fr-FR" dirty="0"/>
           </a:p>
@@ -1246,7 +1246,7 @@
             <a:fld id="{2376E620-B82E-4BB3-B55A-C1C511C62C08}" type="slidenum">
               <a:rPr lang="fr-FR" smtClean="0"/>
               <a:pPr/>
-              <a:t>‹#›</a:t>
+              <a:t>‹N°›</a:t>
             </a:fld>
             <a:endParaRPr lang="fr-FR" dirty="0"/>
           </a:p>
@@ -1416,7 +1416,7 @@
             <a:fld id="{2376E620-B82E-4BB3-B55A-C1C511C62C08}" type="slidenum">
               <a:rPr lang="fr-FR" smtClean="0"/>
               <a:pPr/>
-              <a:t>‹#›</a:t>
+              <a:t>‹N°›</a:t>
             </a:fld>
             <a:endParaRPr lang="fr-FR" dirty="0"/>
           </a:p>
@@ -1662,7 +1662,7 @@
           <a:p>
             <a:fld id="{2376E620-B82E-4BB3-B55A-C1C511C62C08}" type="slidenum">
               <a:rPr lang="fr-FR" smtClean="0"/>
-              <a:t>‹#›</a:t>
+              <a:t>‹N°›</a:t>
             </a:fld>
             <a:endParaRPr lang="fr-FR" dirty="0"/>
           </a:p>
@@ -1892,7 +1892,7 @@
             <a:fld id="{2376E620-B82E-4BB3-B55A-C1C511C62C08}" type="slidenum">
               <a:rPr lang="fr-FR" smtClean="0"/>
               <a:pPr/>
-              <a:t>‹#›</a:t>
+              <a:t>‹N°›</a:t>
             </a:fld>
             <a:endParaRPr lang="fr-FR" dirty="0"/>
           </a:p>
@@ -2258,7 +2258,7 @@
             <a:fld id="{2376E620-B82E-4BB3-B55A-C1C511C62C08}" type="slidenum">
               <a:rPr lang="fr-FR" smtClean="0"/>
               <a:pPr/>
-              <a:t>‹#›</a:t>
+              <a:t>‹N°›</a:t>
             </a:fld>
             <a:endParaRPr lang="fr-FR" dirty="0"/>
           </a:p>
@@ -2376,7 +2376,7 @@
           <a:p>
             <a:fld id="{2376E620-B82E-4BB3-B55A-C1C511C62C08}" type="slidenum">
               <a:rPr lang="fr-FR" smtClean="0"/>
-              <a:t>‹#›</a:t>
+              <a:t>‹N°›</a:t>
             </a:fld>
             <a:endParaRPr lang="fr-FR" dirty="0"/>
           </a:p>
@@ -2471,7 +2471,7 @@
           <a:p>
             <a:fld id="{2376E620-B82E-4BB3-B55A-C1C511C62C08}" type="slidenum">
               <a:rPr lang="fr-FR" smtClean="0"/>
-              <a:t>‹#›</a:t>
+              <a:t>‹N°›</a:t>
             </a:fld>
             <a:endParaRPr lang="fr-FR" dirty="0"/>
           </a:p>
@@ -2747,7 +2747,7 @@
             <a:fld id="{2376E620-B82E-4BB3-B55A-C1C511C62C08}" type="slidenum">
               <a:rPr lang="fr-FR" smtClean="0"/>
               <a:pPr/>
-              <a:t>‹#›</a:t>
+              <a:t>‹N°›</a:t>
             </a:fld>
             <a:endParaRPr lang="fr-FR" dirty="0"/>
           </a:p>
@@ -3000,7 +3000,7 @@
           <a:p>
             <a:fld id="{2376E620-B82E-4BB3-B55A-C1C511C62C08}" type="slidenum">
               <a:rPr lang="fr-FR" smtClean="0"/>
-              <a:t>‹#›</a:t>
+              <a:t>‹N°›</a:t>
             </a:fld>
             <a:endParaRPr lang="fr-FR"/>
           </a:p>
@@ -3248,7 +3248,7 @@
             <a:fld id="{2376E620-B82E-4BB3-B55A-C1C511C62C08}" type="slidenum">
               <a:rPr lang="fr-FR" smtClean="0"/>
               <a:pPr/>
-              <a:t>‹#›</a:t>
+              <a:t>‹N°›</a:t>
             </a:fld>
             <a:endParaRPr lang="fr-FR" dirty="0"/>
           </a:p>
@@ -3707,7 +3707,7 @@
               </a:rPr>
               <a:t>People's Democratic Republic of Algeria</a:t>
             </a:r>
-            <a:r>
+            <a:br>
               <a:rPr kumimoji="0" lang="fr-FR" sz="2000" b="0" i="0" u="none" strike="noStrike" kern="1200" cap="none" spc="0" normalizeH="0" baseline="0" noProof="0" dirty="0">
                 <a:ln>
                   <a:noFill/>
@@ -3722,23 +3722,6 @@
                 <a:ea typeface="Times New Roman"/>
                 <a:cs typeface="+mj-cs"/>
               </a:rPr>
-              <a:t/>
-            </a:r>
-            <a:br>
-              <a:rPr kumimoji="0" lang="fr-FR" sz="2000" b="0" i="0" u="none" strike="noStrike" kern="1200" cap="none" spc="0" normalizeH="0" baseline="0" noProof="0" dirty="0">
-                <a:ln>
-                  <a:noFill/>
-                </a:ln>
-                <a:solidFill>
-                  <a:prstClr val="black"/>
-                </a:solidFill>
-                <a:effectLst/>
-                <a:uLnTx/>
-                <a:uFillTx/>
-                <a:latin typeface="Times New Roman"/>
-                <a:ea typeface="Times New Roman"/>
-                <a:cs typeface="+mj-cs"/>
-              </a:rPr>
             </a:br>
             <a:r>
               <a:rPr kumimoji="0" lang="en-US" sz="2000" b="0" i="0" u="none" strike="noStrike" kern="1200" cap="none" spc="0" normalizeH="0" baseline="0" noProof="0" dirty="0">
@@ -3757,7 +3740,7 @@
               </a:rPr>
               <a:t>Ministry of Higher Education and Scientific Research</a:t>
             </a:r>
-            <a:r>
+            <a:br>
               <a:rPr kumimoji="0" lang="fr-FR" sz="2000" b="0" i="0" u="none" strike="noStrike" kern="1200" cap="none" spc="0" normalizeH="0" baseline="0" noProof="0" dirty="0">
                 <a:ln>
                   <a:noFill/>
@@ -3772,9 +3755,8 @@
                 <a:ea typeface="Calibri"/>
                 <a:cs typeface="Times New Roman"/>
               </a:rPr>
-              <a:t/>
-            </a:r>
-            <a:br>
+            </a:br>
+            <a:r>
               <a:rPr kumimoji="0" lang="fr-FR" sz="2000" b="0" i="0" u="none" strike="noStrike" kern="1200" cap="none" spc="0" normalizeH="0" baseline="0" noProof="0" dirty="0">
                 <a:ln>
                   <a:noFill/>
@@ -3789,9 +3771,10 @@
                 <a:ea typeface="Calibri"/>
                 <a:cs typeface="Times New Roman"/>
               </a:rPr>
-            </a:br>
-            <a:r>
-              <a:rPr kumimoji="0" lang="fr-FR" sz="2000" b="0" i="0" u="none" strike="noStrike" kern="1200" cap="none" spc="0" normalizeH="0" baseline="0" noProof="0" dirty="0">
+              <a:t>Ibn </a:t>
+            </a:r>
+            <a:r>
+              <a:rPr kumimoji="0" lang="fr-FR" sz="2000" b="0" i="0" u="none" strike="noStrike" kern="1200" cap="none" spc="0" normalizeH="0" baseline="0" noProof="0" dirty="0" err="1">
                 <a:ln>
                   <a:noFill/>
                 </a:ln>
@@ -3805,10 +3788,10 @@
                 <a:ea typeface="Calibri"/>
                 <a:cs typeface="Times New Roman"/>
               </a:rPr>
-              <a:t>Ibn </a:t>
-            </a:r>
-            <a:r>
-              <a:rPr kumimoji="0" lang="fr-FR" sz="2000" b="0" i="0" u="none" strike="noStrike" kern="1200" cap="none" spc="0" normalizeH="0" baseline="0" noProof="0" dirty="0" err="1">
+              <a:t>Khaldoun</a:t>
+            </a:r>
+            <a:r>
+              <a:rPr kumimoji="0" lang="fr-FR" sz="2000" b="0" i="0" u="none" strike="noStrike" kern="1200" cap="none" spc="0" normalizeH="0" baseline="0" noProof="0" dirty="0">
                 <a:ln>
                   <a:noFill/>
                 </a:ln>
@@ -3822,10 +3805,10 @@
                 <a:ea typeface="Calibri"/>
                 <a:cs typeface="Times New Roman"/>
               </a:rPr>
-              <a:t>Khaldoun</a:t>
-            </a:r>
-            <a:r>
-              <a:rPr kumimoji="0" lang="fr-FR" sz="2000" b="0" i="0" u="none" strike="noStrike" kern="1200" cap="none" spc="0" normalizeH="0" baseline="0" noProof="0" dirty="0">
+              <a:t> </a:t>
+            </a:r>
+            <a:r>
+              <a:rPr kumimoji="0" lang="fr-FR" sz="2000" b="0" i="0" u="none" strike="noStrike" kern="1200" cap="none" spc="0" normalizeH="0" baseline="0" noProof="0" dirty="0" err="1">
                 <a:ln>
                   <a:noFill/>
                 </a:ln>
@@ -3839,10 +3822,10 @@
                 <a:ea typeface="Calibri"/>
                 <a:cs typeface="Times New Roman"/>
               </a:rPr>
-              <a:t> </a:t>
-            </a:r>
-            <a:r>
-              <a:rPr kumimoji="0" lang="fr-FR" sz="2000" b="0" i="0" u="none" strike="noStrike" kern="1200" cap="none" spc="0" normalizeH="0" baseline="0" noProof="0" dirty="0" err="1">
+              <a:t>University</a:t>
+            </a:r>
+            <a:r>
+              <a:rPr kumimoji="0" lang="fr-FR" sz="2000" b="0" i="0" u="none" strike="noStrike" kern="1200" cap="none" spc="0" normalizeH="0" baseline="0" noProof="0" dirty="0">
                 <a:ln>
                   <a:noFill/>
                 </a:ln>
@@ -3856,9 +3839,9 @@
                 <a:ea typeface="Calibri"/>
                 <a:cs typeface="Times New Roman"/>
               </a:rPr>
-              <a:t>University</a:t>
-            </a:r>
-            <a:r>
+              <a:t> of Tiaret</a:t>
+            </a:r>
+            <a:br>
               <a:rPr kumimoji="0" lang="fr-FR" sz="2000" b="0" i="0" u="none" strike="noStrike" kern="1200" cap="none" spc="0" normalizeH="0" baseline="0" noProof="0" dirty="0">
                 <a:ln>
                   <a:noFill/>
@@ -3873,9 +3856,8 @@
                 <a:ea typeface="Calibri"/>
                 <a:cs typeface="Times New Roman"/>
               </a:rPr>
-              <a:t> of Tiaret</a:t>
-            </a:r>
-            <a:br>
+            </a:br>
+            <a:r>
               <a:rPr kumimoji="0" lang="fr-FR" sz="2000" b="0" i="0" u="none" strike="noStrike" kern="1200" cap="none" spc="0" normalizeH="0" baseline="0" noProof="0" dirty="0">
                 <a:ln>
                   <a:noFill/>
@@ -3890,9 +3872,10 @@
                 <a:ea typeface="Calibri"/>
                 <a:cs typeface="Times New Roman"/>
               </a:rPr>
-            </a:br>
-            <a:r>
-              <a:rPr kumimoji="0" lang="fr-FR" sz="2000" b="0" i="0" u="none" strike="noStrike" kern="1200" cap="none" spc="0" normalizeH="0" baseline="0" noProof="0" dirty="0">
+              <a:t>computer science </a:t>
+            </a:r>
+            <a:r>
+              <a:rPr kumimoji="0" lang="fr-FR" sz="2000" b="0" i="0" u="none" strike="noStrike" kern="1200" cap="none" spc="0" normalizeH="0" baseline="0" noProof="0" dirty="0" err="1">
                 <a:ln>
                   <a:noFill/>
                 </a:ln>
@@ -3906,10 +3889,10 @@
                 <a:ea typeface="Calibri"/>
                 <a:cs typeface="Times New Roman"/>
               </a:rPr>
-              <a:t>computer science </a:t>
-            </a:r>
-            <a:r>
-              <a:rPr kumimoji="0" lang="fr-FR" sz="2000" b="0" i="0" u="none" strike="noStrike" kern="1200" cap="none" spc="0" normalizeH="0" baseline="0" noProof="0" dirty="0" err="1">
+              <a:t>faculty</a:t>
+            </a:r>
+            <a:r>
+              <a:rPr kumimoji="0" lang="fr-FR" sz="2000" b="0" i="0" u="none" strike="noStrike" kern="1200" cap="none" spc="0" normalizeH="0" baseline="0" noProof="0" dirty="0">
                 <a:ln>
                   <a:noFill/>
                 </a:ln>
@@ -3923,10 +3906,10 @@
                 <a:ea typeface="Calibri"/>
                 <a:cs typeface="Times New Roman"/>
               </a:rPr>
-              <a:t>faculty</a:t>
-            </a:r>
-            <a:r>
-              <a:rPr kumimoji="0" lang="fr-FR" sz="2000" b="0" i="0" u="none" strike="noStrike" kern="1200" cap="none" spc="0" normalizeH="0" baseline="0" noProof="0" dirty="0">
+              <a:t> </a:t>
+            </a:r>
+            <a:r>
+              <a:rPr kumimoji="0" lang="fr-FR" sz="100" b="0" i="0" u="none" strike="noStrike" kern="1200" cap="none" spc="0" normalizeH="0" noProof="0" dirty="0">
                 <a:ln>
                   <a:noFill/>
                 </a:ln>
@@ -3943,34 +3926,17 @@
               <a:t> </a:t>
             </a:r>
             <a:r>
-              <a:rPr kumimoji="0" lang="fr-FR" sz="100" b="0" i="0" u="none" strike="noStrike" kern="1200" cap="none" spc="0" normalizeH="0" noProof="0" dirty="0">
-                <a:ln>
-                  <a:noFill/>
-                </a:ln>
+              <a:rPr lang="ja-JP" altLang="en-US" sz="100" dirty="0">
                 <a:solidFill>
                   <a:prstClr val="black"/>
                 </a:solidFill>
-                <a:effectLst/>
-                <a:uLnTx/>
-                <a:uFillTx/>
                 <a:latin typeface="Times New Roman"/>
                 <a:ea typeface="Calibri"/>
                 <a:cs typeface="Times New Roman"/>
               </a:rPr>
-              <a:t> </a:t>
-            </a:r>
-            <a:r>
-              <a:rPr lang="ja-JP" altLang="en-US" sz="100" dirty="0">
-                <a:solidFill>
-                  <a:prstClr val="black"/>
-                </a:solidFill>
-                <a:latin typeface="Times New Roman"/>
-                <a:ea typeface="Calibri"/>
-                <a:cs typeface="Times New Roman"/>
-              </a:rPr>
               <a:t>私たちはアルジェリア人です</a:t>
             </a:r>
-            <a:r>
+            <a:br>
               <a:rPr kumimoji="0" lang="fr-FR" sz="2000" b="1" i="0" u="none" strike="noStrike" kern="1200" cap="none" spc="0" normalizeH="0" baseline="0" noProof="0" dirty="0">
                 <a:ln>
                   <a:noFill/>
@@ -3985,41 +3951,7 @@
                 <a:ea typeface="+mj-ea"/>
                 <a:cs typeface="+mj-cs"/>
               </a:rPr>
-              <a:t/>
-            </a:r>
-            <a:br>
-              <a:rPr kumimoji="0" lang="fr-FR" sz="2000" b="1" i="0" u="none" strike="noStrike" kern="1200" cap="none" spc="0" normalizeH="0" baseline="0" noProof="0" dirty="0">
-                <a:ln>
-                  <a:noFill/>
-                </a:ln>
-                <a:solidFill>
-                  <a:srgbClr val="000000"/>
-                </a:solidFill>
-                <a:effectLst/>
-                <a:uLnTx/>
-                <a:uFillTx/>
-                <a:latin typeface="Constantia" pitchFamily="18" charset="0"/>
-                <a:ea typeface="+mj-ea"/>
-                <a:cs typeface="+mj-cs"/>
-              </a:rPr>
             </a:br>
-            <a:r>
-              <a:rPr kumimoji="0" lang="fr-FR" sz="2000" b="0" i="0" u="none" strike="noStrike" kern="1200" cap="none" spc="0" normalizeH="0" baseline="0" noProof="0" dirty="0">
-                <a:ln>
-                  <a:noFill/>
-                </a:ln>
-                <a:solidFill>
-                  <a:prstClr val="black"/>
-                </a:solidFill>
-                <a:effectLst/>
-                <a:uLnTx/>
-                <a:uFillTx/>
-                <a:latin typeface="Times New Roman"/>
-                <a:ea typeface="Times New Roman"/>
-                <a:cs typeface="+mj-cs"/>
-              </a:rPr>
-              <a:t/>
-            </a:r>
             <a:br>
               <a:rPr kumimoji="0" lang="fr-FR" sz="2000" b="0" i="0" u="none" strike="noStrike" kern="1200" cap="none" spc="0" normalizeH="0" baseline="0" noProof="0" dirty="0">
                 <a:ln>
@@ -4748,23 +4680,6 @@
               <a:tabLst/>
               <a:defRPr/>
             </a:pPr>
-            <a:r>
-              <a:rPr kumimoji="0" lang="fr-FR" sz="2400" b="0" i="0" u="none" strike="noStrike" kern="1200" cap="none" spc="0" normalizeH="0" baseline="0" noProof="0" dirty="0">
-                <a:ln>
-                  <a:noFill/>
-                </a:ln>
-                <a:solidFill>
-                  <a:prstClr val="black"/>
-                </a:solidFill>
-                <a:effectLst/>
-                <a:uLnTx/>
-                <a:uFillTx/>
-                <a:latin typeface="Calibri" panose="020F0502020204030204"/>
-                <a:ea typeface="+mn-ea"/>
-                <a:cs typeface="+mn-cs"/>
-              </a:rPr>
-              <a:t/>
-            </a:r>
             <a:br>
               <a:rPr kumimoji="0" lang="fr-FR" sz="2400" b="0" i="0" u="none" strike="noStrike" kern="1200" cap="none" spc="0" normalizeH="0" baseline="0" noProof="0" dirty="0">
                 <a:ln>
@@ -5091,10 +5006,6 @@
           <a:lstStyle/>
           <a:p>
             <a:pPr marL="12700" algn="ctr"/>
-            <a:r>
-              <a:rPr lang="fr-FR" sz="2400" dirty="0"/>
-              <a:t/>
-            </a:r>
             <a:br>
               <a:rPr lang="fr-FR" sz="2400" dirty="0"/>
             </a:br>
@@ -5393,10 +5304,6 @@
           <a:lstStyle/>
           <a:p>
             <a:pPr marL="12700" algn="ctr"/>
-            <a:r>
-              <a:rPr lang="fr-FR" sz="2400" dirty="0"/>
-              <a:t/>
-            </a:r>
             <a:br>
               <a:rPr lang="fr-FR" sz="2400" dirty="0"/>
             </a:br>
@@ -5737,10 +5644,6 @@
           <a:lstStyle/>
           <a:p>
             <a:pPr marL="12700" algn="ctr"/>
-            <a:r>
-              <a:rPr lang="fr-FR" sz="2400" dirty="0"/>
-              <a:t/>
-            </a:r>
             <a:br>
               <a:rPr lang="fr-FR" sz="2400" dirty="0"/>
             </a:br>
@@ -6956,10 +6859,6 @@
           <a:lstStyle/>
           <a:p>
             <a:pPr marL="12700" algn="ctr"/>
-            <a:r>
-              <a:rPr lang="fr-FR" sz="2400" dirty="0"/>
-              <a:t/>
-            </a:r>
             <a:br>
               <a:rPr lang="fr-FR" sz="2400" dirty="0"/>
             </a:br>
@@ -8386,10 +8285,6 @@
           <a:lstStyle/>
           <a:p>
             <a:pPr marL="12700" algn="ctr"/>
-            <a:r>
-              <a:rPr lang="fr-FR" sz="2400" dirty="0"/>
-              <a:t/>
-            </a:r>
             <a:br>
               <a:rPr lang="fr-FR" sz="2400" dirty="0"/>
             </a:br>
@@ -8819,10 +8714,6 @@
           <a:lstStyle/>
           <a:p>
             <a:pPr marL="12700" algn="ctr"/>
-            <a:r>
-              <a:rPr lang="fr-FR" sz="2400" dirty="0"/>
-              <a:t/>
-            </a:r>
             <a:br>
               <a:rPr lang="fr-FR" sz="2400" dirty="0"/>
             </a:br>
@@ -10025,10 +9916,6 @@
           <a:lstStyle/>
           <a:p>
             <a:pPr marL="12700" algn="ctr"/>
-            <a:r>
-              <a:rPr lang="fr-FR" sz="2400" dirty="0"/>
-              <a:t/>
-            </a:r>
             <a:br>
               <a:rPr lang="fr-FR" sz="2400" dirty="0"/>
             </a:br>
@@ -10256,10 +10143,6 @@
           <a:lstStyle/>
           <a:p>
             <a:pPr marL="12700" algn="ctr"/>
-            <a:r>
-              <a:rPr lang="fr-FR" sz="2400" dirty="0"/>
-              <a:t/>
-            </a:r>
             <a:br>
               <a:rPr lang="fr-FR" sz="2400" dirty="0"/>
             </a:br>
@@ -10500,10 +10383,6 @@
           <a:lstStyle/>
           <a:p>
             <a:pPr marL="12700" algn="ctr"/>
-            <a:r>
-              <a:rPr lang="fr-FR" sz="2400" dirty="0"/>
-              <a:t/>
-            </a:r>
             <a:br>
               <a:rPr lang="fr-FR" sz="2400" dirty="0"/>
             </a:br>
@@ -13010,23 +12889,6 @@
               <a:tabLst/>
               <a:defRPr/>
             </a:pPr>
-            <a:r>
-              <a:rPr kumimoji="0" lang="fr-FR" sz="2400" b="0" i="0" u="none" strike="noStrike" kern="1200" cap="none" spc="0" normalizeH="0" baseline="0" noProof="0" dirty="0">
-                <a:ln>
-                  <a:noFill/>
-                </a:ln>
-                <a:solidFill>
-                  <a:prstClr val="black"/>
-                </a:solidFill>
-                <a:effectLst/>
-                <a:uLnTx/>
-                <a:uFillTx/>
-                <a:latin typeface="Calibri" panose="020F0502020204030204"/>
-                <a:ea typeface="+mn-ea"/>
-                <a:cs typeface="+mn-cs"/>
-              </a:rPr>
-              <a:t/>
-            </a:r>
             <a:br>
               <a:rPr kumimoji="0" lang="fr-FR" sz="2400" b="0" i="0" u="none" strike="noStrike" kern="1200" cap="none" spc="0" normalizeH="0" baseline="0" noProof="0" dirty="0">
                 <a:ln>
@@ -14177,10 +14039,6 @@
           <a:lstStyle/>
           <a:p>
             <a:pPr marL="12700" algn="ctr"/>
-            <a:r>
-              <a:rPr lang="fr-FR" sz="2400" dirty="0"/>
-              <a:t/>
-            </a:r>
             <a:br>
               <a:rPr lang="fr-FR" sz="2400" dirty="0"/>
             </a:br>
@@ -15782,23 +15640,6 @@
               <a:tabLst/>
               <a:defRPr/>
             </a:pPr>
-            <a:r>
-              <a:rPr kumimoji="0" lang="fr-FR" sz="2400" b="0" i="0" u="none" strike="noStrike" kern="1200" cap="none" spc="0" normalizeH="0" baseline="0" noProof="0" dirty="0">
-                <a:ln>
-                  <a:noFill/>
-                </a:ln>
-                <a:solidFill>
-                  <a:prstClr val="black"/>
-                </a:solidFill>
-                <a:effectLst/>
-                <a:uLnTx/>
-                <a:uFillTx/>
-                <a:latin typeface="Calibri" panose="020F0502020204030204"/>
-                <a:ea typeface="+mn-ea"/>
-                <a:cs typeface="+mn-cs"/>
-              </a:rPr>
-              <a:t/>
-            </a:r>
             <a:br>
               <a:rPr kumimoji="0" lang="fr-FR" sz="2400" b="0" i="0" u="none" strike="noStrike" kern="1200" cap="none" spc="0" normalizeH="0" baseline="0" noProof="0" dirty="0">
                 <a:ln>
@@ -17639,10 +17480,6 @@
           <a:lstStyle/>
           <a:p>
             <a:pPr marL="12700" algn="ctr"/>
-            <a:r>
-              <a:rPr lang="fr-FR" sz="2400" dirty="0"/>
-              <a:t/>
-            </a:r>
             <a:br>
               <a:rPr lang="fr-FR" sz="2400" dirty="0"/>
             </a:br>
@@ -18351,10 +18188,6 @@
           <a:lstStyle/>
           <a:p>
             <a:pPr marL="12700" algn="ctr"/>
-            <a:r>
-              <a:rPr lang="fr-FR" sz="2400" dirty="0"/>
-              <a:t/>
-            </a:r>
             <a:br>
               <a:rPr lang="fr-FR" sz="2400" dirty="0"/>
             </a:br>
@@ -19535,10 +19368,6 @@
           <a:lstStyle/>
           <a:p>
             <a:pPr marL="12700" algn="ctr"/>
-            <a:r>
-              <a:rPr lang="fr-FR" sz="2400" dirty="0"/>
-              <a:t/>
-            </a:r>
             <a:br>
               <a:rPr lang="fr-FR" sz="2400" dirty="0"/>
             </a:br>
@@ -20142,10 +19971,6 @@
           <a:lstStyle/>
           <a:p>
             <a:pPr marL="12700" algn="ctr"/>
-            <a:r>
-              <a:rPr lang="fr-FR" sz="2400" dirty="0"/>
-              <a:t/>
-            </a:r>
             <a:br>
               <a:rPr lang="fr-FR" sz="2400" dirty="0"/>
             </a:br>
@@ -20563,10 +20388,6 @@
           <a:lstStyle/>
           <a:p>
             <a:pPr marL="12700" algn="ctr"/>
-            <a:r>
-              <a:rPr lang="fr-FR" sz="2400" dirty="0"/>
-              <a:t/>
-            </a:r>
             <a:br>
               <a:rPr lang="fr-FR" sz="2400" dirty="0"/>
             </a:br>
@@ -21209,10 +21030,6 @@
           <a:lstStyle/>
           <a:p>
             <a:pPr marL="12700" algn="ctr"/>
-            <a:r>
-              <a:rPr lang="fr-FR" sz="2400" dirty="0"/>
-              <a:t/>
-            </a:r>
             <a:br>
               <a:rPr lang="fr-FR" sz="2400" dirty="0"/>
             </a:br>
@@ -21601,13 +21418,6 @@
       </p:transition>
     </mc:Fallback>
   </mc:AlternateContent>
-  <p:timing>
-    <p:tnLst>
-      <p:par>
-        <p:cTn id="1" dur="indefinite" restart="never" nodeType="tmRoot"/>
-      </p:par>
-    </p:tnLst>
-  </p:timing>
 </p:sld>
 </file>
 
@@ -21658,10 +21468,6 @@
           <a:lstStyle/>
           <a:p>
             <a:pPr marL="12700" algn="ctr"/>
-            <a:r>
-              <a:rPr lang="fr-FR" sz="2400" dirty="0"/>
-              <a:t/>
-            </a:r>
             <a:br>
               <a:rPr lang="fr-FR" sz="2400" dirty="0"/>
             </a:br>
@@ -22114,13 +21920,6 @@
       </p:transition>
     </mc:Fallback>
   </mc:AlternateContent>
-  <p:timing>
-    <p:tnLst>
-      <p:par>
-        <p:cTn id="1" dur="indefinite" restart="never" nodeType="tmRoot"/>
-      </p:par>
-    </p:tnLst>
-  </p:timing>
 </p:sld>
 </file>
 
@@ -22171,10 +21970,6 @@
           <a:lstStyle/>
           <a:p>
             <a:pPr marL="12700" algn="ctr"/>
-            <a:r>
-              <a:rPr lang="fr-FR" sz="2400" dirty="0"/>
-              <a:t/>
-            </a:r>
             <a:br>
               <a:rPr lang="fr-FR" sz="2400" dirty="0"/>
             </a:br>
@@ -22642,13 +22437,6 @@
       </p:transition>
     </mc:Fallback>
   </mc:AlternateContent>
-  <p:timing>
-    <p:tnLst>
-      <p:par>
-        <p:cTn id="1" dur="indefinite" restart="never" nodeType="tmRoot"/>
-      </p:par>
-    </p:tnLst>
-  </p:timing>
 </p:sld>
 </file>
 
@@ -22765,10 +22553,6 @@
           <a:lstStyle/>
           <a:p>
             <a:pPr marL="12700" algn="ctr"/>
-            <a:r>
-              <a:rPr lang="fr-FR" sz="2400" dirty="0"/>
-              <a:t/>
-            </a:r>
             <a:br>
               <a:rPr lang="fr-FR" sz="2400" dirty="0"/>
             </a:br>
@@ -23484,10 +23268,6 @@
           <a:lstStyle/>
           <a:p>
             <a:pPr marL="12700" algn="ctr"/>
-            <a:r>
-              <a:rPr lang="fr-FR" sz="2400" dirty="0"/>
-              <a:t/>
-            </a:r>
             <a:br>
               <a:rPr lang="fr-FR" sz="2400" dirty="0"/>
             </a:br>
@@ -25646,10 +25426,6 @@
           <a:lstStyle/>
           <a:p>
             <a:pPr marL="12700" algn="ctr"/>
-            <a:r>
-              <a:rPr lang="fr-FR" sz="2400" dirty="0"/>
-              <a:t/>
-            </a:r>
             <a:br>
               <a:rPr lang="fr-FR" sz="2400" dirty="0"/>
             </a:br>
@@ -25863,7 +25639,15 @@
             </a:pPr>
             <a:r>
               <a:rPr lang="en-US" sz="2400" dirty="0"/>
-              <a:t>SQLite has no way to defend open the database file and overwrite it</a:t>
+              <a:t>SQLite has no way </a:t>
+            </a:r>
+            <a:r>
+              <a:rPr lang="en-US" sz="2400"/>
+              <a:t>to defend the database file </a:t>
+            </a:r>
+            <a:r>
+              <a:rPr lang="en-US" sz="2400" dirty="0"/>
+              <a:t>and overwrite it</a:t>
             </a:r>
           </a:p>
           <a:p>
@@ -27106,23 +26890,6 @@
               <a:tabLst/>
               <a:defRPr/>
             </a:pPr>
-            <a:r>
-              <a:rPr kumimoji="0" lang="fr-FR" sz="2400" b="0" i="0" u="none" strike="noStrike" kern="1200" cap="none" spc="0" normalizeH="0" baseline="0" noProof="0" dirty="0">
-                <a:ln>
-                  <a:noFill/>
-                </a:ln>
-                <a:solidFill>
-                  <a:prstClr val="black"/>
-                </a:solidFill>
-                <a:effectLst/>
-                <a:uLnTx/>
-                <a:uFillTx/>
-                <a:latin typeface="Calibri" panose="020F0502020204030204"/>
-                <a:ea typeface="+mn-ea"/>
-                <a:cs typeface="+mn-cs"/>
-              </a:rPr>
-              <a:t/>
-            </a:r>
             <a:br>
               <a:rPr kumimoji="0" lang="fr-FR" sz="2400" b="0" i="0" u="none" strike="noStrike" kern="1200" cap="none" spc="0" normalizeH="0" baseline="0" noProof="0" dirty="0">
                 <a:ln>

--- a/Presentation-projet-SQLite [Autosaved].pptx
+++ b/Presentation-projet-SQLite [Autosaved].pptx
@@ -16847,8 +16847,8 @@
         </p:nvSpPr>
         <p:spPr>
           <a:xfrm>
-            <a:off x="2356828" y="2368622"/>
-            <a:ext cx="7531242" cy="1754326"/>
+            <a:off x="822121" y="1341322"/>
+            <a:ext cx="9106612" cy="954107"/>
           </a:xfrm>
           <a:prstGeom prst="rect">
             <a:avLst/>
@@ -16860,26 +16860,10 @@
           </a:bodyPr>
           <a:lstStyle/>
           <a:p>
-            <a:pPr algn="ctr"/>
-            <a:r>
-              <a:rPr lang="en-US" sz="3600" dirty="0"/>
-              <a:t>Access privileges Management doesn’t </a:t>
-            </a:r>
-          </a:p>
-          <a:p>
-            <a:pPr algn="ctr"/>
-            <a:r>
-              <a:rPr lang="en-US" sz="3600" dirty="0"/>
-              <a:t>exist in SQLite we will explore this point </a:t>
-            </a:r>
-          </a:p>
-          <a:p>
-            <a:pPr algn="ctr"/>
-            <a:r>
-              <a:rPr lang="en-US" sz="3600" dirty="0"/>
-              <a:t>further below.</a:t>
-            </a:r>
-            <a:endParaRPr lang="fr-FR" sz="3600" dirty="0"/>
+            <a:r>
+              <a:rPr lang="en-US" sz="2800" dirty="0"/>
+              <a:t>Access privileges Management doesn’t exist in SQLite and here is why:</a:t>
+            </a:r>
           </a:p>
         </p:txBody>
       </p:sp>
@@ -16909,6 +16893,139 @@
               <a:t>55</a:t>
             </a:fld>
             <a:endParaRPr lang="fr-FR"/>
+          </a:p>
+        </p:txBody>
+      </p:sp>
+      <p:sp>
+        <p:nvSpPr>
+          <p:cNvPr id="5" name="Rectangle 4">
+            <a:extLst>
+              <a:ext uri="{FF2B5EF4-FFF2-40B4-BE49-F238E27FC236}">
+                <a16:creationId xmlns:a16="http://schemas.microsoft.com/office/drawing/2014/main" id="{D8BDE7CA-B5F7-4462-81C9-0C5982890881}"/>
+              </a:ext>
+            </a:extLst>
+          </p:cNvPr>
+          <p:cNvSpPr/>
+          <p:nvPr/>
+        </p:nvSpPr>
+        <p:spPr>
+          <a:xfrm>
+            <a:off x="494950" y="2556174"/>
+            <a:ext cx="10629732" cy="3539430"/>
+          </a:xfrm>
+          <a:prstGeom prst="rect">
+            <a:avLst/>
+          </a:prstGeom>
+        </p:spPr>
+        <p:txBody>
+          <a:bodyPr wrap="square">
+            <a:spAutoFit/>
+          </a:bodyPr>
+          <a:lstStyle/>
+          <a:p>
+            <a:pPr marL="342900" indent="-342900" algn="l">
+              <a:buFont typeface="Arial" panose="020B0604020202020204" pitchFamily="34" charset="0"/>
+              <a:buChar char="•"/>
+            </a:pPr>
+            <a:r>
+              <a:rPr lang="en-US" sz="2400" b="0" i="0" dirty="0">
+                <a:effectLst/>
+                <a:latin typeface="Avenir"/>
+              </a:rPr>
+              <a:t>It’s not available because </a:t>
+            </a:r>
+            <a:r>
+              <a:rPr lang="en-US" sz="2400" b="1" i="0" dirty="0">
+                <a:effectLst/>
+                <a:latin typeface="Avenir"/>
+              </a:rPr>
+              <a:t>it’s not possible, </a:t>
+            </a:r>
+            <a:r>
+              <a:rPr lang="en-US" sz="2400" b="0" i="0" dirty="0">
+                <a:effectLst/>
+                <a:latin typeface="Avenir"/>
+              </a:rPr>
+              <a:t>The reason is that an SQLite database is self-contained in a single file, This is due to the SQLite architecture, Anything with access to SQLite file can access anything inside the database, There is no way to give permissions </a:t>
+            </a:r>
+            <a:r>
+              <a:rPr lang="en-US" sz="2400" b="1" i="0" dirty="0">
+                <a:effectLst/>
+                <a:latin typeface="Avenir"/>
+              </a:rPr>
+              <a:t>at the database level</a:t>
+            </a:r>
+            <a:r>
+              <a:rPr lang="en-US" sz="2400" b="0" i="0" dirty="0">
+                <a:effectLst/>
+                <a:latin typeface="Avenir"/>
+              </a:rPr>
+              <a:t>.</a:t>
+            </a:r>
+          </a:p>
+          <a:p>
+            <a:pPr marL="342900" indent="-342900" algn="l">
+              <a:buFont typeface="Arial" panose="020B0604020202020204" pitchFamily="34" charset="0"/>
+              <a:buChar char="•"/>
+            </a:pPr>
+            <a:r>
+              <a:rPr lang="en-US" sz="2400" b="0" i="0" dirty="0">
+                <a:effectLst/>
+                <a:latin typeface="Avenir"/>
+              </a:rPr>
+              <a:t>If your application needs to implement user permissions, you can do so at an application level, for example in your API server, but it’s up to you.</a:t>
+            </a:r>
+          </a:p>
+          <a:p>
+            <a:pPr marL="342900" indent="-342900" algn="l">
+              <a:buFont typeface="Arial" panose="020B0604020202020204" pitchFamily="34" charset="0"/>
+              <a:buChar char="•"/>
+            </a:pPr>
+            <a:r>
+              <a:rPr lang="en-US" sz="2400" b="0" i="0" dirty="0">
+                <a:effectLst/>
+                <a:latin typeface="Avenir"/>
+              </a:rPr>
+              <a:t>If your app must need user permissions, you could also reconsider your DBMS choice and prefer PostgreSQL of MySQL/MariaDB instead.</a:t>
+            </a:r>
+          </a:p>
+          <a:p>
+            <a:endParaRPr lang="en-US" sz="3200" dirty="0"/>
+          </a:p>
+        </p:txBody>
+      </p:sp>
+      <p:sp>
+        <p:nvSpPr>
+          <p:cNvPr id="7" name="Rectangle 6">
+            <a:extLst>
+              <a:ext uri="{FF2B5EF4-FFF2-40B4-BE49-F238E27FC236}">
+                <a16:creationId xmlns:a16="http://schemas.microsoft.com/office/drawing/2014/main" id="{A87043E9-2670-4846-BBB3-1972651ADB14}"/>
+              </a:ext>
+            </a:extLst>
+          </p:cNvPr>
+          <p:cNvSpPr/>
+          <p:nvPr/>
+        </p:nvSpPr>
+        <p:spPr>
+          <a:xfrm>
+            <a:off x="1810261" y="182691"/>
+            <a:ext cx="7531242" cy="769441"/>
+          </a:xfrm>
+          <a:prstGeom prst="rect">
+            <a:avLst/>
+          </a:prstGeom>
+        </p:spPr>
+        <p:txBody>
+          <a:bodyPr wrap="square">
+            <a:spAutoFit/>
+          </a:bodyPr>
+          <a:lstStyle/>
+          <a:p>
+            <a:pPr algn="ctr"/>
+            <a:r>
+              <a:rPr lang="en-US" sz="4400" dirty="0"/>
+              <a:t>Access privileges</a:t>
+            </a:r>
           </a:p>
         </p:txBody>
       </p:sp>

--- a/Presentation-projet-SQLite [Autosaved].pptx
+++ b/Presentation-projet-SQLite [Autosaved].pptx
@@ -356,7 +356,7 @@
           <a:p>
             <a:fld id="{4BBBBF6B-ACDD-4A14-800E-2B828951F2E5}" type="slidenum">
               <a:rPr lang="fr-FR" smtClean="0"/>
-              <a:t>‹N°›</a:t>
+              <a:t>‹#›</a:t>
             </a:fld>
             <a:endParaRPr lang="fr-FR"/>
           </a:p>
@@ -615,7 +615,7 @@
           <a:p>
             <a:fld id="{F4625AEE-926E-49DB-B657-4E194F63E769}" type="slidenum">
               <a:rPr lang="fr-FR" smtClean="0"/>
-              <a:t>‹N°›</a:t>
+              <a:t>‹#›</a:t>
             </a:fld>
             <a:endParaRPr lang="fr-FR"/>
           </a:p>
@@ -897,7 +897,7 @@
             <a:fld id="{2376E620-B82E-4BB3-B55A-C1C511C62C08}" type="slidenum">
               <a:rPr lang="fr-FR" smtClean="0"/>
               <a:pPr/>
-              <a:t>‹N°›</a:t>
+              <a:t>‹#›</a:t>
             </a:fld>
             <a:endParaRPr lang="fr-FR" dirty="0"/>
           </a:p>
@@ -1066,7 +1066,7 @@
             <a:fld id="{2376E620-B82E-4BB3-B55A-C1C511C62C08}" type="slidenum">
               <a:rPr lang="fr-FR" smtClean="0"/>
               <a:pPr/>
-              <a:t>‹N°›</a:t>
+              <a:t>‹#›</a:t>
             </a:fld>
             <a:endParaRPr lang="fr-FR" dirty="0"/>
           </a:p>
@@ -1246,7 +1246,7 @@
             <a:fld id="{2376E620-B82E-4BB3-B55A-C1C511C62C08}" type="slidenum">
               <a:rPr lang="fr-FR" smtClean="0"/>
               <a:pPr/>
-              <a:t>‹N°›</a:t>
+              <a:t>‹#›</a:t>
             </a:fld>
             <a:endParaRPr lang="fr-FR" dirty="0"/>
           </a:p>
@@ -1416,7 +1416,7 @@
             <a:fld id="{2376E620-B82E-4BB3-B55A-C1C511C62C08}" type="slidenum">
               <a:rPr lang="fr-FR" smtClean="0"/>
               <a:pPr/>
-              <a:t>‹N°›</a:t>
+              <a:t>‹#›</a:t>
             </a:fld>
             <a:endParaRPr lang="fr-FR" dirty="0"/>
           </a:p>
@@ -1662,7 +1662,7 @@
           <a:p>
             <a:fld id="{2376E620-B82E-4BB3-B55A-C1C511C62C08}" type="slidenum">
               <a:rPr lang="fr-FR" smtClean="0"/>
-              <a:t>‹N°›</a:t>
+              <a:t>‹#›</a:t>
             </a:fld>
             <a:endParaRPr lang="fr-FR" dirty="0"/>
           </a:p>
@@ -1892,7 +1892,7 @@
             <a:fld id="{2376E620-B82E-4BB3-B55A-C1C511C62C08}" type="slidenum">
               <a:rPr lang="fr-FR" smtClean="0"/>
               <a:pPr/>
-              <a:t>‹N°›</a:t>
+              <a:t>‹#›</a:t>
             </a:fld>
             <a:endParaRPr lang="fr-FR" dirty="0"/>
           </a:p>
@@ -2258,7 +2258,7 @@
             <a:fld id="{2376E620-B82E-4BB3-B55A-C1C511C62C08}" type="slidenum">
               <a:rPr lang="fr-FR" smtClean="0"/>
               <a:pPr/>
-              <a:t>‹N°›</a:t>
+              <a:t>‹#›</a:t>
             </a:fld>
             <a:endParaRPr lang="fr-FR" dirty="0"/>
           </a:p>
@@ -2376,7 +2376,7 @@
           <a:p>
             <a:fld id="{2376E620-B82E-4BB3-B55A-C1C511C62C08}" type="slidenum">
               <a:rPr lang="fr-FR" smtClean="0"/>
-              <a:t>‹N°›</a:t>
+              <a:t>‹#›</a:t>
             </a:fld>
             <a:endParaRPr lang="fr-FR" dirty="0"/>
           </a:p>
@@ -2471,7 +2471,7 @@
           <a:p>
             <a:fld id="{2376E620-B82E-4BB3-B55A-C1C511C62C08}" type="slidenum">
               <a:rPr lang="fr-FR" smtClean="0"/>
-              <a:t>‹N°›</a:t>
+              <a:t>‹#›</a:t>
             </a:fld>
             <a:endParaRPr lang="fr-FR" dirty="0"/>
           </a:p>
@@ -2747,7 +2747,7 @@
             <a:fld id="{2376E620-B82E-4BB3-B55A-C1C511C62C08}" type="slidenum">
               <a:rPr lang="fr-FR" smtClean="0"/>
               <a:pPr/>
-              <a:t>‹N°›</a:t>
+              <a:t>‹#›</a:t>
             </a:fld>
             <a:endParaRPr lang="fr-FR" dirty="0"/>
           </a:p>
@@ -3000,7 +3000,7 @@
           <a:p>
             <a:fld id="{2376E620-B82E-4BB3-B55A-C1C511C62C08}" type="slidenum">
               <a:rPr lang="fr-FR" smtClean="0"/>
-              <a:t>‹N°›</a:t>
+              <a:t>‹#›</a:t>
             </a:fld>
             <a:endParaRPr lang="fr-FR"/>
           </a:p>
@@ -3248,7 +3248,7 @@
             <a:fld id="{2376E620-B82E-4BB3-B55A-C1C511C62C08}" type="slidenum">
               <a:rPr lang="fr-FR" smtClean="0"/>
               <a:pPr/>
-              <a:t>‹N°›</a:t>
+              <a:t>‹#›</a:t>
             </a:fld>
             <a:endParaRPr lang="fr-FR" dirty="0"/>
           </a:p>
@@ -3707,7 +3707,7 @@
               </a:rPr>
               <a:t>People's Democratic Republic of Algeria</a:t>
             </a:r>
-            <a:br>
+            <a:r>
               <a:rPr kumimoji="0" lang="fr-FR" sz="2000" b="0" i="0" u="none" strike="noStrike" kern="1200" cap="none" spc="0" normalizeH="0" baseline="0" noProof="0" dirty="0">
                 <a:ln>
                   <a:noFill/>
@@ -3722,6 +3722,23 @@
                 <a:ea typeface="Times New Roman"/>
                 <a:cs typeface="+mj-cs"/>
               </a:rPr>
+              <a:t/>
+            </a:r>
+            <a:br>
+              <a:rPr kumimoji="0" lang="fr-FR" sz="2000" b="0" i="0" u="none" strike="noStrike" kern="1200" cap="none" spc="0" normalizeH="0" baseline="0" noProof="0" dirty="0">
+                <a:ln>
+                  <a:noFill/>
+                </a:ln>
+                <a:solidFill>
+                  <a:prstClr val="black"/>
+                </a:solidFill>
+                <a:effectLst/>
+                <a:uLnTx/>
+                <a:uFillTx/>
+                <a:latin typeface="Times New Roman"/>
+                <a:ea typeface="Times New Roman"/>
+                <a:cs typeface="+mj-cs"/>
+              </a:rPr>
             </a:br>
             <a:r>
               <a:rPr kumimoji="0" lang="en-US" sz="2000" b="0" i="0" u="none" strike="noStrike" kern="1200" cap="none" spc="0" normalizeH="0" baseline="0" noProof="0" dirty="0">
@@ -3740,7 +3757,7 @@
               </a:rPr>
               <a:t>Ministry of Higher Education and Scientific Research</a:t>
             </a:r>
-            <a:br>
+            <a:r>
               <a:rPr kumimoji="0" lang="fr-FR" sz="2000" b="0" i="0" u="none" strike="noStrike" kern="1200" cap="none" spc="0" normalizeH="0" baseline="0" noProof="0" dirty="0">
                 <a:ln>
                   <a:noFill/>
@@ -3755,8 +3772,9 @@
                 <a:ea typeface="Calibri"/>
                 <a:cs typeface="Times New Roman"/>
               </a:rPr>
-            </a:br>
-            <a:r>
+              <a:t/>
+            </a:r>
+            <a:br>
               <a:rPr kumimoji="0" lang="fr-FR" sz="2000" b="0" i="0" u="none" strike="noStrike" kern="1200" cap="none" spc="0" normalizeH="0" baseline="0" noProof="0" dirty="0">
                 <a:ln>
                   <a:noFill/>
@@ -3771,10 +3789,9 @@
                 <a:ea typeface="Calibri"/>
                 <a:cs typeface="Times New Roman"/>
               </a:rPr>
-              <a:t>Ibn </a:t>
-            </a:r>
-            <a:r>
-              <a:rPr kumimoji="0" lang="fr-FR" sz="2000" b="0" i="0" u="none" strike="noStrike" kern="1200" cap="none" spc="0" normalizeH="0" baseline="0" noProof="0" dirty="0" err="1">
+            </a:br>
+            <a:r>
+              <a:rPr kumimoji="0" lang="fr-FR" sz="2000" b="0" i="0" u="none" strike="noStrike" kern="1200" cap="none" spc="0" normalizeH="0" baseline="0" noProof="0" dirty="0">
                 <a:ln>
                   <a:noFill/>
                 </a:ln>
@@ -3788,10 +3805,10 @@
                 <a:ea typeface="Calibri"/>
                 <a:cs typeface="Times New Roman"/>
               </a:rPr>
-              <a:t>Khaldoun</a:t>
-            </a:r>
-            <a:r>
-              <a:rPr kumimoji="0" lang="fr-FR" sz="2000" b="0" i="0" u="none" strike="noStrike" kern="1200" cap="none" spc="0" normalizeH="0" baseline="0" noProof="0" dirty="0">
+              <a:t>Ibn </a:t>
+            </a:r>
+            <a:r>
+              <a:rPr kumimoji="0" lang="fr-FR" sz="2000" b="0" i="0" u="none" strike="noStrike" kern="1200" cap="none" spc="0" normalizeH="0" baseline="0" noProof="0" dirty="0" err="1">
                 <a:ln>
                   <a:noFill/>
                 </a:ln>
@@ -3805,10 +3822,10 @@
                 <a:ea typeface="Calibri"/>
                 <a:cs typeface="Times New Roman"/>
               </a:rPr>
-              <a:t> </a:t>
-            </a:r>
-            <a:r>
-              <a:rPr kumimoji="0" lang="fr-FR" sz="2000" b="0" i="0" u="none" strike="noStrike" kern="1200" cap="none" spc="0" normalizeH="0" baseline="0" noProof="0" dirty="0" err="1">
+              <a:t>Khaldoun</a:t>
+            </a:r>
+            <a:r>
+              <a:rPr kumimoji="0" lang="fr-FR" sz="2000" b="0" i="0" u="none" strike="noStrike" kern="1200" cap="none" spc="0" normalizeH="0" baseline="0" noProof="0" dirty="0">
                 <a:ln>
                   <a:noFill/>
                 </a:ln>
@@ -3822,10 +3839,10 @@
                 <a:ea typeface="Calibri"/>
                 <a:cs typeface="Times New Roman"/>
               </a:rPr>
-              <a:t>University</a:t>
-            </a:r>
-            <a:r>
-              <a:rPr kumimoji="0" lang="fr-FR" sz="2000" b="0" i="0" u="none" strike="noStrike" kern="1200" cap="none" spc="0" normalizeH="0" baseline="0" noProof="0" dirty="0">
+              <a:t> </a:t>
+            </a:r>
+            <a:r>
+              <a:rPr kumimoji="0" lang="fr-FR" sz="2000" b="0" i="0" u="none" strike="noStrike" kern="1200" cap="none" spc="0" normalizeH="0" baseline="0" noProof="0" dirty="0" err="1">
                 <a:ln>
                   <a:noFill/>
                 </a:ln>
@@ -3839,9 +3856,9 @@
                 <a:ea typeface="Calibri"/>
                 <a:cs typeface="Times New Roman"/>
               </a:rPr>
-              <a:t> of Tiaret</a:t>
-            </a:r>
-            <a:br>
+              <a:t>University</a:t>
+            </a:r>
+            <a:r>
               <a:rPr kumimoji="0" lang="fr-FR" sz="2000" b="0" i="0" u="none" strike="noStrike" kern="1200" cap="none" spc="0" normalizeH="0" baseline="0" noProof="0" dirty="0">
                 <a:ln>
                   <a:noFill/>
@@ -3856,8 +3873,9 @@
                 <a:ea typeface="Calibri"/>
                 <a:cs typeface="Times New Roman"/>
               </a:rPr>
-            </a:br>
-            <a:r>
+              <a:t> of Tiaret</a:t>
+            </a:r>
+            <a:br>
               <a:rPr kumimoji="0" lang="fr-FR" sz="2000" b="0" i="0" u="none" strike="noStrike" kern="1200" cap="none" spc="0" normalizeH="0" baseline="0" noProof="0" dirty="0">
                 <a:ln>
                   <a:noFill/>
@@ -3872,10 +3890,9 @@
                 <a:ea typeface="Calibri"/>
                 <a:cs typeface="Times New Roman"/>
               </a:rPr>
-              <a:t>computer science </a:t>
-            </a:r>
-            <a:r>
-              <a:rPr kumimoji="0" lang="fr-FR" sz="2000" b="0" i="0" u="none" strike="noStrike" kern="1200" cap="none" spc="0" normalizeH="0" baseline="0" noProof="0" dirty="0" err="1">
+            </a:br>
+            <a:r>
+              <a:rPr kumimoji="0" lang="fr-FR" sz="2000" b="0" i="0" u="none" strike="noStrike" kern="1200" cap="none" spc="0" normalizeH="0" baseline="0" noProof="0" dirty="0">
                 <a:ln>
                   <a:noFill/>
                 </a:ln>
@@ -3889,10 +3906,10 @@
                 <a:ea typeface="Calibri"/>
                 <a:cs typeface="Times New Roman"/>
               </a:rPr>
-              <a:t>faculty</a:t>
-            </a:r>
-            <a:r>
-              <a:rPr kumimoji="0" lang="fr-FR" sz="2000" b="0" i="0" u="none" strike="noStrike" kern="1200" cap="none" spc="0" normalizeH="0" baseline="0" noProof="0" dirty="0">
+              <a:t>computer science </a:t>
+            </a:r>
+            <a:r>
+              <a:rPr kumimoji="0" lang="fr-FR" sz="2000" b="0" i="0" u="none" strike="noStrike" kern="1200" cap="none" spc="0" normalizeH="0" baseline="0" noProof="0" dirty="0" err="1">
                 <a:ln>
                   <a:noFill/>
                 </a:ln>
@@ -3906,10 +3923,10 @@
                 <a:ea typeface="Calibri"/>
                 <a:cs typeface="Times New Roman"/>
               </a:rPr>
-              <a:t> </a:t>
-            </a:r>
-            <a:r>
-              <a:rPr kumimoji="0" lang="fr-FR" sz="100" b="0" i="0" u="none" strike="noStrike" kern="1200" cap="none" spc="0" normalizeH="0" noProof="0" dirty="0">
+              <a:t>faculty</a:t>
+            </a:r>
+            <a:r>
+              <a:rPr kumimoji="0" lang="fr-FR" sz="2000" b="0" i="0" u="none" strike="noStrike" kern="1200" cap="none" spc="0" normalizeH="0" baseline="0" noProof="0" dirty="0">
                 <a:ln>
                   <a:noFill/>
                 </a:ln>
@@ -3926,17 +3943,34 @@
               <a:t> </a:t>
             </a:r>
             <a:r>
-              <a:rPr lang="ja-JP" altLang="en-US" sz="100" dirty="0">
+              <a:rPr kumimoji="0" lang="fr-FR" sz="100" b="0" i="0" u="none" strike="noStrike" kern="1200" cap="none" spc="0" normalizeH="0" noProof="0" dirty="0">
+                <a:ln>
+                  <a:noFill/>
+                </a:ln>
                 <a:solidFill>
                   <a:prstClr val="black"/>
                 </a:solidFill>
+                <a:effectLst/>
+                <a:uLnTx/>
+                <a:uFillTx/>
                 <a:latin typeface="Times New Roman"/>
                 <a:ea typeface="Calibri"/>
                 <a:cs typeface="Times New Roman"/>
               </a:rPr>
+              <a:t> </a:t>
+            </a:r>
+            <a:r>
+              <a:rPr lang="ja-JP" altLang="en-US" sz="100" dirty="0">
+                <a:solidFill>
+                  <a:prstClr val="black"/>
+                </a:solidFill>
+                <a:latin typeface="Times New Roman"/>
+                <a:ea typeface="Calibri"/>
+                <a:cs typeface="Times New Roman"/>
+              </a:rPr>
               <a:t>私たちはアルジェリア人です</a:t>
             </a:r>
-            <a:br>
+            <a:r>
               <a:rPr kumimoji="0" lang="fr-FR" sz="2000" b="1" i="0" u="none" strike="noStrike" kern="1200" cap="none" spc="0" normalizeH="0" baseline="0" noProof="0" dirty="0">
                 <a:ln>
                   <a:noFill/>
@@ -3951,7 +3985,41 @@
                 <a:ea typeface="+mj-ea"/>
                 <a:cs typeface="+mj-cs"/>
               </a:rPr>
+              <a:t/>
+            </a:r>
+            <a:br>
+              <a:rPr kumimoji="0" lang="fr-FR" sz="2000" b="1" i="0" u="none" strike="noStrike" kern="1200" cap="none" spc="0" normalizeH="0" baseline="0" noProof="0" dirty="0">
+                <a:ln>
+                  <a:noFill/>
+                </a:ln>
+                <a:solidFill>
+                  <a:srgbClr val="000000"/>
+                </a:solidFill>
+                <a:effectLst/>
+                <a:uLnTx/>
+                <a:uFillTx/>
+                <a:latin typeface="Constantia" pitchFamily="18" charset="0"/>
+                <a:ea typeface="+mj-ea"/>
+                <a:cs typeface="+mj-cs"/>
+              </a:rPr>
             </a:br>
+            <a:r>
+              <a:rPr kumimoji="0" lang="fr-FR" sz="2000" b="0" i="0" u="none" strike="noStrike" kern="1200" cap="none" spc="0" normalizeH="0" baseline="0" noProof="0" dirty="0">
+                <a:ln>
+                  <a:noFill/>
+                </a:ln>
+                <a:solidFill>
+                  <a:prstClr val="black"/>
+                </a:solidFill>
+                <a:effectLst/>
+                <a:uLnTx/>
+                <a:uFillTx/>
+                <a:latin typeface="Times New Roman"/>
+                <a:ea typeface="Times New Roman"/>
+                <a:cs typeface="+mj-cs"/>
+              </a:rPr>
+              <a:t/>
+            </a:r>
             <a:br>
               <a:rPr kumimoji="0" lang="fr-FR" sz="2000" b="0" i="0" u="none" strike="noStrike" kern="1200" cap="none" spc="0" normalizeH="0" baseline="0" noProof="0" dirty="0">
                 <a:ln>
@@ -4680,6 +4748,23 @@
               <a:tabLst/>
               <a:defRPr/>
             </a:pPr>
+            <a:r>
+              <a:rPr kumimoji="0" lang="fr-FR" sz="2400" b="0" i="0" u="none" strike="noStrike" kern="1200" cap="none" spc="0" normalizeH="0" baseline="0" noProof="0" dirty="0">
+                <a:ln>
+                  <a:noFill/>
+                </a:ln>
+                <a:solidFill>
+                  <a:prstClr val="black"/>
+                </a:solidFill>
+                <a:effectLst/>
+                <a:uLnTx/>
+                <a:uFillTx/>
+                <a:latin typeface="Calibri" panose="020F0502020204030204"/>
+                <a:ea typeface="+mn-ea"/>
+                <a:cs typeface="+mn-cs"/>
+              </a:rPr>
+              <a:t/>
+            </a:r>
             <a:br>
               <a:rPr kumimoji="0" lang="fr-FR" sz="2400" b="0" i="0" u="none" strike="noStrike" kern="1200" cap="none" spc="0" normalizeH="0" baseline="0" noProof="0" dirty="0">
                 <a:ln>
@@ -5006,6 +5091,10 @@
           <a:lstStyle/>
           <a:p>
             <a:pPr marL="12700" algn="ctr"/>
+            <a:r>
+              <a:rPr lang="fr-FR" sz="2400" dirty="0"/>
+              <a:t/>
+            </a:r>
             <a:br>
               <a:rPr lang="fr-FR" sz="2400" dirty="0"/>
             </a:br>
@@ -5304,6 +5393,10 @@
           <a:lstStyle/>
           <a:p>
             <a:pPr marL="12700" algn="ctr"/>
+            <a:r>
+              <a:rPr lang="fr-FR" sz="2400" dirty="0"/>
+              <a:t/>
+            </a:r>
             <a:br>
               <a:rPr lang="fr-FR" sz="2400" dirty="0"/>
             </a:br>
@@ -5644,6 +5737,10 @@
           <a:lstStyle/>
           <a:p>
             <a:pPr marL="12700" algn="ctr"/>
+            <a:r>
+              <a:rPr lang="fr-FR" sz="2400" dirty="0"/>
+              <a:t/>
+            </a:r>
             <a:br>
               <a:rPr lang="fr-FR" sz="2400" dirty="0"/>
             </a:br>
@@ -6859,6 +6956,10 @@
           <a:lstStyle/>
           <a:p>
             <a:pPr marL="12700" algn="ctr"/>
+            <a:r>
+              <a:rPr lang="fr-FR" sz="2400" dirty="0"/>
+              <a:t/>
+            </a:r>
             <a:br>
               <a:rPr lang="fr-FR" sz="2400" dirty="0"/>
             </a:br>
@@ -8285,6 +8386,10 @@
           <a:lstStyle/>
           <a:p>
             <a:pPr marL="12700" algn="ctr"/>
+            <a:r>
+              <a:rPr lang="fr-FR" sz="2400" dirty="0"/>
+              <a:t/>
+            </a:r>
             <a:br>
               <a:rPr lang="fr-FR" sz="2400" dirty="0"/>
             </a:br>
@@ -8714,6 +8819,10 @@
           <a:lstStyle/>
           <a:p>
             <a:pPr marL="12700" algn="ctr"/>
+            <a:r>
+              <a:rPr lang="fr-FR" sz="2400" dirty="0"/>
+              <a:t/>
+            </a:r>
             <a:br>
               <a:rPr lang="fr-FR" sz="2400" dirty="0"/>
             </a:br>
@@ -9916,6 +10025,10 @@
           <a:lstStyle/>
           <a:p>
             <a:pPr marL="12700" algn="ctr"/>
+            <a:r>
+              <a:rPr lang="fr-FR" sz="2400" dirty="0"/>
+              <a:t/>
+            </a:r>
             <a:br>
               <a:rPr lang="fr-FR" sz="2400" dirty="0"/>
             </a:br>
@@ -10017,6 +10130,14 @@
   <p:clrMapOvr>
     <a:masterClrMapping/>
   </p:clrMapOvr>
+  <mc:AlternateContent xmlns:mc="http://schemas.openxmlformats.org/markup-compatibility/2006">
+    <mc:Choice xmlns:p14="http://schemas.microsoft.com/office/powerpoint/2010/main" Requires="p14">
+      <p:transition spd="slow" p14:dur="2000"/>
+    </mc:Choice>
+    <mc:Fallback>
+      <p:transition spd="slow"/>
+    </mc:Fallback>
+  </mc:AlternateContent>
 </p:sld>
 </file>
 
@@ -10143,6 +10264,10 @@
           <a:lstStyle/>
           <a:p>
             <a:pPr marL="12700" algn="ctr"/>
+            <a:r>
+              <a:rPr lang="fr-FR" sz="2400" dirty="0"/>
+              <a:t/>
+            </a:r>
             <a:br>
               <a:rPr lang="fr-FR" sz="2400" dirty="0"/>
             </a:br>
@@ -10383,6 +10508,10 @@
           <a:lstStyle/>
           <a:p>
             <a:pPr marL="12700" algn="ctr"/>
+            <a:r>
+              <a:rPr lang="fr-FR" sz="2400" dirty="0"/>
+              <a:t/>
+            </a:r>
             <a:br>
               <a:rPr lang="fr-FR" sz="2400" dirty="0"/>
             </a:br>
@@ -12889,6 +13018,23 @@
               <a:tabLst/>
               <a:defRPr/>
             </a:pPr>
+            <a:r>
+              <a:rPr kumimoji="0" lang="fr-FR" sz="2400" b="0" i="0" u="none" strike="noStrike" kern="1200" cap="none" spc="0" normalizeH="0" baseline="0" noProof="0" dirty="0">
+                <a:ln>
+                  <a:noFill/>
+                </a:ln>
+                <a:solidFill>
+                  <a:prstClr val="black"/>
+                </a:solidFill>
+                <a:effectLst/>
+                <a:uLnTx/>
+                <a:uFillTx/>
+                <a:latin typeface="Calibri" panose="020F0502020204030204"/>
+                <a:ea typeface="+mn-ea"/>
+                <a:cs typeface="+mn-cs"/>
+              </a:rPr>
+              <a:t/>
+            </a:r>
             <a:br>
               <a:rPr kumimoji="0" lang="fr-FR" sz="2400" b="0" i="0" u="none" strike="noStrike" kern="1200" cap="none" spc="0" normalizeH="0" baseline="0" noProof="0" dirty="0">
                 <a:ln>
@@ -14039,6 +14185,10 @@
           <a:lstStyle/>
           <a:p>
             <a:pPr marL="12700" algn="ctr"/>
+            <a:r>
+              <a:rPr lang="fr-FR" sz="2400" dirty="0"/>
+              <a:t/>
+            </a:r>
             <a:br>
               <a:rPr lang="fr-FR" sz="2400" dirty="0"/>
             </a:br>
@@ -15640,6 +15790,23 @@
               <a:tabLst/>
               <a:defRPr/>
             </a:pPr>
+            <a:r>
+              <a:rPr kumimoji="0" lang="fr-FR" sz="2400" b="0" i="0" u="none" strike="noStrike" kern="1200" cap="none" spc="0" normalizeH="0" baseline="0" noProof="0" dirty="0">
+                <a:ln>
+                  <a:noFill/>
+                </a:ln>
+                <a:solidFill>
+                  <a:prstClr val="black"/>
+                </a:solidFill>
+                <a:effectLst/>
+                <a:uLnTx/>
+                <a:uFillTx/>
+                <a:latin typeface="Calibri" panose="020F0502020204030204"/>
+                <a:ea typeface="+mn-ea"/>
+                <a:cs typeface="+mn-cs"/>
+              </a:rPr>
+              <a:t/>
+            </a:r>
             <a:br>
               <a:rPr kumimoji="0" lang="fr-FR" sz="2400" b="0" i="0" u="none" strike="noStrike" kern="1200" cap="none" spc="0" normalizeH="0" baseline="0" noProof="0" dirty="0">
                 <a:ln>
@@ -17597,6 +17764,10 @@
           <a:lstStyle/>
           <a:p>
             <a:pPr marL="12700" algn="ctr"/>
+            <a:r>
+              <a:rPr lang="fr-FR" sz="2400" dirty="0"/>
+              <a:t/>
+            </a:r>
             <a:br>
               <a:rPr lang="fr-FR" sz="2400" dirty="0"/>
             </a:br>
@@ -18305,6 +18476,10 @@
           <a:lstStyle/>
           <a:p>
             <a:pPr marL="12700" algn="ctr"/>
+            <a:r>
+              <a:rPr lang="fr-FR" sz="2400" dirty="0"/>
+              <a:t/>
+            </a:r>
             <a:br>
               <a:rPr lang="fr-FR" sz="2400" dirty="0"/>
             </a:br>
@@ -19485,6 +19660,10 @@
           <a:lstStyle/>
           <a:p>
             <a:pPr marL="12700" algn="ctr"/>
+            <a:r>
+              <a:rPr lang="fr-FR" sz="2400" dirty="0"/>
+              <a:t/>
+            </a:r>
             <a:br>
               <a:rPr lang="fr-FR" sz="2400" dirty="0"/>
             </a:br>
@@ -20088,6 +20267,10 @@
           <a:lstStyle/>
           <a:p>
             <a:pPr marL="12700" algn="ctr"/>
+            <a:r>
+              <a:rPr lang="fr-FR" sz="2400" dirty="0"/>
+              <a:t/>
+            </a:r>
             <a:br>
               <a:rPr lang="fr-FR" sz="2400" dirty="0"/>
             </a:br>
@@ -20505,6 +20688,10 @@
           <a:lstStyle/>
           <a:p>
             <a:pPr marL="12700" algn="ctr"/>
+            <a:r>
+              <a:rPr lang="fr-FR" sz="2400" dirty="0"/>
+              <a:t/>
+            </a:r>
             <a:br>
               <a:rPr lang="fr-FR" sz="2400" dirty="0"/>
             </a:br>
@@ -21147,6 +21334,10 @@
           <a:lstStyle/>
           <a:p>
             <a:pPr marL="12700" algn="ctr"/>
+            <a:r>
+              <a:rPr lang="fr-FR" sz="2400" dirty="0"/>
+              <a:t/>
+            </a:r>
             <a:br>
               <a:rPr lang="fr-FR" sz="2400" dirty="0"/>
             </a:br>
@@ -21585,6 +21776,10 @@
           <a:lstStyle/>
           <a:p>
             <a:pPr marL="12700" algn="ctr"/>
+            <a:r>
+              <a:rPr lang="fr-FR" sz="2400" dirty="0"/>
+              <a:t/>
+            </a:r>
             <a:br>
               <a:rPr lang="fr-FR" sz="2400" dirty="0"/>
             </a:br>
@@ -22087,6 +22282,10 @@
           <a:lstStyle/>
           <a:p>
             <a:pPr marL="12700" algn="ctr"/>
+            <a:r>
+              <a:rPr lang="fr-FR" sz="2400" dirty="0"/>
+              <a:t/>
+            </a:r>
             <a:br>
               <a:rPr lang="fr-FR" sz="2400" dirty="0"/>
             </a:br>
@@ -22670,6 +22869,10 @@
           <a:lstStyle/>
           <a:p>
             <a:pPr marL="12700" algn="ctr"/>
+            <a:r>
+              <a:rPr lang="fr-FR" sz="2400" dirty="0"/>
+              <a:t/>
+            </a:r>
             <a:br>
               <a:rPr lang="fr-FR" sz="2400" dirty="0"/>
             </a:br>
@@ -23385,6 +23588,10 @@
           <a:lstStyle/>
           <a:p>
             <a:pPr marL="12700" algn="ctr"/>
+            <a:r>
+              <a:rPr lang="fr-FR" sz="2400" dirty="0"/>
+              <a:t/>
+            </a:r>
             <a:br>
               <a:rPr lang="fr-FR" sz="2400" dirty="0"/>
             </a:br>
@@ -25543,6 +25750,10 @@
           <a:lstStyle/>
           <a:p>
             <a:pPr marL="12700" algn="ctr"/>
+            <a:r>
+              <a:rPr lang="fr-FR" sz="2400" dirty="0"/>
+              <a:t/>
+            </a:r>
             <a:br>
               <a:rPr lang="fr-FR" sz="2400" dirty="0"/>
             </a:br>
@@ -26568,8 +26779,8 @@
         </p:nvSpPr>
         <p:spPr>
           <a:xfrm>
-            <a:off x="861485" y="1049861"/>
-            <a:ext cx="10882835" cy="5892382"/>
+            <a:off x="274321" y="1049861"/>
+            <a:ext cx="11470000" cy="4662815"/>
           </a:xfrm>
           <a:prstGeom prst="rect">
             <a:avLst/>
@@ -26588,7 +26799,7 @@
               <a:defRPr/>
             </a:pPr>
             <a:r>
-              <a:rPr lang="en-US" sz="2000" dirty="0">
+              <a:rPr lang="en-US" sz="2200" dirty="0">
                 <a:latin typeface="Calibri" panose="020F0502020204030204" pitchFamily="34" charset="0"/>
                 <a:ea typeface="Calibri" panose="020F0502020204030204" pitchFamily="34" charset="0"/>
                 <a:cs typeface="Arial" panose="020B0604020202020204" pitchFamily="34" charset="0"/>
@@ -26596,7 +26807,7 @@
               <a:t>SQLite is a software library that provides relational database management system, the lite in SQLite means that it is lightweight when setting it up, administrating it and its required </a:t>
             </a:r>
             <a:r>
-              <a:rPr lang="en-US" sz="2000" dirty="0" err="1">
+              <a:rPr lang="en-US" sz="2200" dirty="0" err="1">
                 <a:latin typeface="Calibri" panose="020F0502020204030204" pitchFamily="34" charset="0"/>
                 <a:ea typeface="Calibri" panose="020F0502020204030204" pitchFamily="34" charset="0"/>
                 <a:cs typeface="Arial" panose="020B0604020202020204" pitchFamily="34" charset="0"/>
@@ -26604,7 +26815,7 @@
               <a:t>ressources</a:t>
             </a:r>
             <a:r>
-              <a:rPr lang="en-US" sz="2000" dirty="0">
+              <a:rPr lang="en-US" sz="2200" dirty="0">
                 <a:latin typeface="Calibri" panose="020F0502020204030204" pitchFamily="34" charset="0"/>
                 <a:ea typeface="Calibri" panose="020F0502020204030204" pitchFamily="34" charset="0"/>
                 <a:cs typeface="Arial" panose="020B0604020202020204" pitchFamily="34" charset="0"/>
@@ -26622,7 +26833,7 @@
               <a:defRPr/>
             </a:pPr>
             <a:r>
-              <a:rPr lang="en-US" sz="2400" dirty="0">
+              <a:rPr lang="en-US" sz="2200" dirty="0">
                 <a:latin typeface="Calibri" panose="020F0502020204030204" pitchFamily="34" charset="0"/>
                 <a:ea typeface="Calibri" panose="020F0502020204030204" pitchFamily="34" charset="0"/>
                 <a:cs typeface="Arial" panose="020B0604020202020204" pitchFamily="34" charset="0"/>
@@ -26630,7 +26841,7 @@
               <a:t>Created by Dr Richard </a:t>
             </a:r>
             <a:r>
-              <a:rPr lang="en-US" sz="2400" dirty="0" err="1">
+              <a:rPr lang="en-US" sz="2200" dirty="0" err="1">
                 <a:latin typeface="Calibri" panose="020F0502020204030204" pitchFamily="34" charset="0"/>
                 <a:ea typeface="Calibri" panose="020F0502020204030204" pitchFamily="34" charset="0"/>
                 <a:cs typeface="Arial" panose="020B0604020202020204" pitchFamily="34" charset="0"/>
@@ -26638,7 +26849,7 @@
               <a:t>Hipp</a:t>
             </a:r>
             <a:r>
-              <a:rPr lang="en-US" sz="2400" dirty="0">
+              <a:rPr lang="en-US" sz="2200" dirty="0">
                 <a:latin typeface="Calibri" panose="020F0502020204030204" pitchFamily="34" charset="0"/>
                 <a:ea typeface="Calibri" panose="020F0502020204030204" pitchFamily="34" charset="0"/>
                 <a:cs typeface="Arial" panose="020B0604020202020204" pitchFamily="34" charset="0"/>
@@ -26656,21 +26867,21 @@
               <a:defRPr/>
             </a:pPr>
             <a:r>
-              <a:rPr lang="en-US" sz="2400" dirty="0">
+              <a:rPr lang="en-US" sz="2200" dirty="0">
                 <a:latin typeface="Calibri" panose="020F0502020204030204" pitchFamily="34" charset="0"/>
                 <a:cs typeface="Arial" panose="020B0604020202020204" pitchFamily="34" charset="0"/>
               </a:rPr>
               <a:t>Written in C and </a:t>
             </a:r>
             <a:r>
-              <a:rPr lang="en-US" sz="2400" dirty="0" err="1">
+              <a:rPr lang="en-US" sz="2200" dirty="0" err="1">
                 <a:latin typeface="Calibri" panose="020F0502020204030204" pitchFamily="34" charset="0"/>
                 <a:cs typeface="Arial" panose="020B0604020202020204" pitchFamily="34" charset="0"/>
               </a:rPr>
               <a:t>queryable</a:t>
             </a:r>
             <a:r>
-              <a:rPr lang="en-US" sz="2400" dirty="0">
+              <a:rPr lang="en-US" sz="2200" dirty="0">
                 <a:latin typeface="Calibri" panose="020F0502020204030204" pitchFamily="34" charset="0"/>
                 <a:cs typeface="Arial" panose="020B0604020202020204" pitchFamily="34" charset="0"/>
               </a:rPr>
@@ -26687,7 +26898,7 @@
               <a:defRPr/>
             </a:pPr>
             <a:r>
-              <a:rPr lang="en-US" sz="2400" dirty="0"/>
+              <a:rPr lang="en-US" sz="2200" dirty="0"/>
               <a:t>Is an embeddable open source database</a:t>
             </a:r>
           </a:p>
@@ -26709,7 +26920,7 @@
               <a:defRPr/>
             </a:pPr>
             <a:r>
-              <a:rPr kumimoji="0" lang="en-US" sz="2400" b="0" i="0" u="none" strike="noStrike" kern="1200" cap="none" spc="0" normalizeH="0" baseline="0" noProof="0" dirty="0">
+              <a:rPr kumimoji="0" lang="en-US" sz="2200" b="0" i="0" u="none" strike="noStrike" kern="1200" cap="none" spc="0" normalizeH="0" baseline="0" noProof="0" dirty="0">
                 <a:ln>
                   <a:noFill/>
                 </a:ln>
@@ -26721,7 +26932,7 @@
               <a:t>Does not reproduce the usual client-server scheme but is directly integrated into programs</a:t>
             </a:r>
             <a:r>
-              <a:rPr kumimoji="0" lang="en-US" sz="2400" b="0" i="0" u="none" strike="noStrike" kern="1200" cap="none" spc="0" normalizeH="0" baseline="0" noProof="0" dirty="0">
+              <a:rPr kumimoji="0" lang="en-US" sz="2200" b="0" i="0" u="none" strike="noStrike" kern="1200" cap="none" spc="0" normalizeH="0" baseline="0" noProof="0" dirty="0" smtClean="0">
                 <a:ln>
                   <a:noFill/>
                 </a:ln>
@@ -26735,7 +26946,7 @@
               </a:rPr>
               <a:t>.</a:t>
             </a:r>
-            <a:endParaRPr kumimoji="0" lang="fr-FR" sz="2400" b="0" i="0" u="none" strike="noStrike" kern="1200" cap="none" spc="0" normalizeH="0" baseline="0" noProof="0" dirty="0">
+            <a:endParaRPr kumimoji="0" lang="fr-FR" sz="2200" b="0" i="0" u="none" strike="noStrike" kern="1200" cap="none" spc="0" normalizeH="0" baseline="0" noProof="0" dirty="0">
               <a:ln>
                 <a:noFill/>
               </a:ln>
@@ -26746,41 +26957,6 @@
               <a:uLnTx/>
               <a:uFillTx/>
               <a:latin typeface="Calibri" panose="020F0502020204030204"/>
-            </a:endParaRPr>
-          </a:p>
-          <a:p>
-            <a:pPr marL="0" marR="0" lvl="0" indent="0" algn="l" defTabSz="914400" rtl="0" eaLnBrk="1" fontAlgn="auto" latinLnBrk="0" hangingPunct="1">
-              <a:lnSpc>
-                <a:spcPct val="150000"/>
-              </a:lnSpc>
-              <a:spcBef>
-                <a:spcPts val="0"/>
-              </a:spcBef>
-              <a:spcAft>
-                <a:spcPts val="0"/>
-              </a:spcAft>
-              <a:buClr>
-                <a:srgbClr val="C00000"/>
-              </a:buClr>
-              <a:buSzTx/>
-              <a:buFontTx/>
-              <a:buNone/>
-              <a:tabLst/>
-              <a:defRPr/>
-            </a:pPr>
-            <a:endParaRPr kumimoji="0" lang="fr-FR" sz="2000" b="0" i="0" u="none" strike="noStrike" kern="1200" cap="none" spc="0" normalizeH="0" baseline="0" noProof="0" dirty="0">
-              <a:ln>
-                <a:noFill/>
-              </a:ln>
-              <a:solidFill>
-                <a:prstClr val="black"/>
-              </a:solidFill>
-              <a:effectLst/>
-              <a:uLnTx/>
-              <a:uFillTx/>
-              <a:latin typeface="Calibri" panose="020F0502020204030204"/>
-              <a:ea typeface="+mn-ea"/>
-              <a:cs typeface="+mn-cs"/>
             </a:endParaRPr>
           </a:p>
           <a:p>
@@ -26803,7 +26979,7 @@
               <a:tabLst/>
               <a:defRPr/>
             </a:pPr>
-            <a:endParaRPr kumimoji="0" lang="fr-FR" sz="2000" b="0" i="0" u="none" strike="noStrike" kern="1200" cap="none" spc="0" normalizeH="0" baseline="0" noProof="0" dirty="0">
+            <a:endParaRPr kumimoji="0" lang="fr-FR" sz="2200" b="0" i="0" u="none" strike="noStrike" kern="1200" cap="none" spc="0" normalizeH="0" baseline="0" noProof="0" dirty="0">
               <a:ln>
                 <a:noFill/>
               </a:ln>
@@ -26814,8 +26990,6 @@
               <a:uLnTx/>
               <a:uFillTx/>
               <a:latin typeface="Calibri" panose="020F0502020204030204"/>
-              <a:ea typeface="+mn-ea"/>
-              <a:cs typeface="+mn-cs"/>
             </a:endParaRPr>
           </a:p>
         </p:txBody>
@@ -27007,6 +27181,23 @@
               <a:tabLst/>
               <a:defRPr/>
             </a:pPr>
+            <a:r>
+              <a:rPr kumimoji="0" lang="fr-FR" sz="2400" b="0" i="0" u="none" strike="noStrike" kern="1200" cap="none" spc="0" normalizeH="0" baseline="0" noProof="0" dirty="0">
+                <a:ln>
+                  <a:noFill/>
+                </a:ln>
+                <a:solidFill>
+                  <a:prstClr val="black"/>
+                </a:solidFill>
+                <a:effectLst/>
+                <a:uLnTx/>
+                <a:uFillTx/>
+                <a:latin typeface="Calibri" panose="020F0502020204030204"/>
+                <a:ea typeface="+mn-ea"/>
+                <a:cs typeface="+mn-cs"/>
+              </a:rPr>
+              <a:t/>
+            </a:r>
             <a:br>
               <a:rPr kumimoji="0" lang="fr-FR" sz="2400" b="0" i="0" u="none" strike="noStrike" kern="1200" cap="none" spc="0" normalizeH="0" baseline="0" noProof="0" dirty="0">
                 <a:ln>

--- a/Presentation-projet-SQLite [Autosaved].pptx
+++ b/Presentation-projet-SQLite [Autosaved].pptx
@@ -5,10 +5,10 @@
     <p:sldMasterId id="2147483839" r:id="rId1"/>
   </p:sldMasterIdLst>
   <p:notesMasterIdLst>
-    <p:notesMasterId r:id="rId81"/>
+    <p:notesMasterId r:id="rId80"/>
   </p:notesMasterIdLst>
   <p:handoutMasterIdLst>
-    <p:handoutMasterId r:id="rId82"/>
+    <p:handoutMasterId r:id="rId81"/>
   </p:handoutMasterIdLst>
   <p:sldIdLst>
     <p:sldId id="257" r:id="rId2"/>
@@ -89,7 +89,6 @@
     <p:sldId id="277" r:id="rId77"/>
     <p:sldId id="339" r:id="rId78"/>
     <p:sldId id="281" r:id="rId79"/>
-    <p:sldId id="282" r:id="rId80"/>
   </p:sldIdLst>
   <p:sldSz cx="12192000" cy="6858000"/>
   <p:notesSz cx="6858000" cy="9144000"/>
@@ -290,7 +289,7 @@
           <a:p>
             <a:fld id="{5AB0D58B-1CA4-4E9D-A493-960D8694032C}" type="datetimeFigureOut">
               <a:rPr lang="fr-FR" smtClean="0"/>
-              <a:t>10/03/2021</a:t>
+              <a:t>11/03/2021</a:t>
             </a:fld>
             <a:endParaRPr lang="fr-FR"/>
           </a:p>
@@ -456,7 +455,7 @@
           <a:p>
             <a:fld id="{F80B55E0-88E5-4B0C-B49A-E9075B3352A2}" type="datetimeFigureOut">
               <a:rPr lang="fr-FR" smtClean="0"/>
-              <a:t>10/03/2021</a:t>
+              <a:t>11/03/2021</a:t>
             </a:fld>
             <a:endParaRPr lang="fr-FR"/>
           </a:p>
@@ -854,7 +853,7 @@
           <a:p>
             <a:fld id="{E88E51D1-19E0-4A91-93E4-F6582C82DFE9}" type="datetime1">
               <a:rPr lang="fr-FR" smtClean="0"/>
-              <a:t>10/03/2021</a:t>
+              <a:t>11/03/2021</a:t>
             </a:fld>
             <a:endParaRPr lang="fr-FR"/>
           </a:p>
@@ -1023,7 +1022,7 @@
           <a:p>
             <a:fld id="{6FE1E652-55A6-4E86-A9CD-07BB054ED371}" type="datetime1">
               <a:rPr lang="fr-FR" smtClean="0"/>
-              <a:t>10/03/2021</a:t>
+              <a:t>11/03/2021</a:t>
             </a:fld>
             <a:endParaRPr lang="fr-FR"/>
           </a:p>
@@ -1203,7 +1202,7 @@
           <a:p>
             <a:fld id="{6FE1E652-55A6-4E86-A9CD-07BB054ED371}" type="datetime1">
               <a:rPr lang="fr-FR" smtClean="0"/>
-              <a:t>10/03/2021</a:t>
+              <a:t>11/03/2021</a:t>
             </a:fld>
             <a:endParaRPr lang="fr-FR"/>
           </a:p>
@@ -1373,7 +1372,7 @@
           <a:p>
             <a:fld id="{6FE1E652-55A6-4E86-A9CD-07BB054ED371}" type="datetime1">
               <a:rPr lang="fr-FR" smtClean="0"/>
-              <a:t>10/03/2021</a:t>
+              <a:t>11/03/2021</a:t>
             </a:fld>
             <a:endParaRPr lang="fr-FR"/>
           </a:p>
@@ -1620,7 +1619,7 @@
           <a:p>
             <a:fld id="{00C31191-9C07-4668-B2BC-5089C650D2B7}" type="datetime1">
               <a:rPr lang="fr-FR" smtClean="0"/>
-              <a:t>10/03/2021</a:t>
+              <a:t>11/03/2021</a:t>
             </a:fld>
             <a:endParaRPr lang="fr-FR"/>
           </a:p>
@@ -1849,7 +1848,7 @@
           <a:p>
             <a:fld id="{6FE1E652-55A6-4E86-A9CD-07BB054ED371}" type="datetime1">
               <a:rPr lang="fr-FR" smtClean="0"/>
-              <a:t>10/03/2021</a:t>
+              <a:t>11/03/2021</a:t>
             </a:fld>
             <a:endParaRPr lang="fr-FR"/>
           </a:p>
@@ -2215,7 +2214,7 @@
           <a:p>
             <a:fld id="{6FE1E652-55A6-4E86-A9CD-07BB054ED371}" type="datetime1">
               <a:rPr lang="fr-FR" smtClean="0"/>
-              <a:t>10/03/2021</a:t>
+              <a:t>11/03/2021</a:t>
             </a:fld>
             <a:endParaRPr lang="fr-FR"/>
           </a:p>
@@ -2334,7 +2333,7 @@
           <a:p>
             <a:fld id="{C37F1761-D244-4832-A897-AA9BFF027495}" type="datetime1">
               <a:rPr lang="fr-FR" smtClean="0"/>
-              <a:t>10/03/2021</a:t>
+              <a:t>11/03/2021</a:t>
             </a:fld>
             <a:endParaRPr lang="fr-FR"/>
           </a:p>
@@ -2429,7 +2428,7 @@
           <a:p>
             <a:fld id="{DB79BAB4-633D-4B71-A80A-06DCCB7E61AD}" type="datetime1">
               <a:rPr lang="fr-FR" smtClean="0"/>
-              <a:t>10/03/2021</a:t>
+              <a:t>11/03/2021</a:t>
             </a:fld>
             <a:endParaRPr lang="fr-FR"/>
           </a:p>
@@ -2704,7 +2703,7 @@
           <a:p>
             <a:fld id="{6FE1E652-55A6-4E86-A9CD-07BB054ED371}" type="datetime1">
               <a:rPr lang="fr-FR" smtClean="0"/>
-              <a:t>10/03/2021</a:t>
+              <a:t>11/03/2021</a:t>
             </a:fld>
             <a:endParaRPr lang="fr-FR"/>
           </a:p>
@@ -2958,7 +2957,7 @@
           <a:p>
             <a:fld id="{C1203806-AA52-4B57-B194-5A147094410C}" type="datetime1">
               <a:rPr lang="fr-FR" smtClean="0"/>
-              <a:t>10/03/2021</a:t>
+              <a:t>11/03/2021</a:t>
             </a:fld>
             <a:endParaRPr lang="fr-FR"/>
           </a:p>
@@ -3169,7 +3168,7 @@
           <a:p>
             <a:fld id="{6FE1E652-55A6-4E86-A9CD-07BB054ED371}" type="datetime1">
               <a:rPr lang="fr-FR" smtClean="0"/>
-              <a:t>10/03/2021</a:t>
+              <a:t>11/03/2021</a:t>
             </a:fld>
             <a:endParaRPr lang="fr-FR"/>
           </a:p>
@@ -10130,11 +10129,11 @@
   <p:clrMapOvr>
     <a:masterClrMapping/>
   </p:clrMapOvr>
-  <mc:AlternateContent xmlns:mc="http://schemas.openxmlformats.org/markup-compatibility/2006">
-    <mc:Choice xmlns:p14="http://schemas.microsoft.com/office/powerpoint/2010/main" Requires="p14">
+  <mc:AlternateContent xmlns:mc="http://schemas.openxmlformats.org/markup-compatibility/2006" xmlns:p14="http://schemas.microsoft.com/office/powerpoint/2010/main">
+    <mc:Choice Requires="p14">
       <p:transition spd="slow" p14:dur="2000"/>
     </mc:Choice>
-    <mc:Fallback>
+    <mc:Fallback xmlns="">
       <p:transition spd="slow"/>
     </mc:Fallback>
   </mc:AlternateContent>
@@ -26372,276 +26371,6 @@
     <mc:Fallback xmlns="">
       <p:transition spd="slow">
         <p:split orient="vert"/>
-      </p:transition>
-    </mc:Fallback>
-  </mc:AlternateContent>
-</p:sld>
-</file>
-
-<file path=ppt/slides/slide79.xml><?xml version="1.0" encoding="utf-8"?>
-<p:sld xmlns:a="http://schemas.openxmlformats.org/drawingml/2006/main" xmlns:r="http://schemas.openxmlformats.org/officeDocument/2006/relationships" xmlns:p="http://schemas.openxmlformats.org/presentationml/2006/main">
-  <p:cSld>
-    <p:bg>
-      <p:bgPr>
-        <a:solidFill>
-          <a:schemeClr val="bg2"/>
-        </a:solidFill>
-        <a:effectLst/>
-      </p:bgPr>
-    </p:bg>
-    <p:spTree>
-      <p:nvGrpSpPr>
-        <p:cNvPr id="1" name=""/>
-        <p:cNvGrpSpPr/>
-        <p:nvPr/>
-      </p:nvGrpSpPr>
-      <p:grpSpPr>
-        <a:xfrm>
-          <a:off x="0" y="0"/>
-          <a:ext cx="0" cy="0"/>
-          <a:chOff x="0" y="0"/>
-          <a:chExt cx="0" cy="0"/>
-        </a:xfrm>
-      </p:grpSpPr>
-      <p:sp>
-        <p:nvSpPr>
-          <p:cNvPr id="3" name="Titre 1"/>
-          <p:cNvSpPr txBox="1">
-            <a:spLocks/>
-          </p:cNvSpPr>
-          <p:nvPr/>
-        </p:nvSpPr>
-        <p:spPr>
-          <a:xfrm>
-            <a:off x="2025434" y="396969"/>
-            <a:ext cx="8440271" cy="810950"/>
-          </a:xfrm>
-          <a:prstGeom prst="rect">
-            <a:avLst/>
-          </a:prstGeom>
-        </p:spPr>
-        <p:txBody>
-          <a:bodyPr>
-            <a:normAutofit fontScale="97500"/>
-          </a:bodyPr>
-          <a:lstStyle>
-            <a:lvl1pPr algn="l" defTabSz="914400" rtl="0" eaLnBrk="1" latinLnBrk="0" hangingPunct="1">
-              <a:lnSpc>
-                <a:spcPct val="90000"/>
-              </a:lnSpc>
-              <a:spcBef>
-                <a:spcPct val="0"/>
-              </a:spcBef>
-              <a:buNone/>
-              <a:defRPr sz="4400" kern="1200">
-                <a:solidFill>
-                  <a:schemeClr val="tx1"/>
-                </a:solidFill>
-                <a:latin typeface="+mj-lt"/>
-                <a:ea typeface="+mj-ea"/>
-                <a:cs typeface="+mj-cs"/>
-              </a:defRPr>
-            </a:lvl1pPr>
-          </a:lstStyle>
-          <a:p>
-            <a:pPr algn="ctr"/>
-            <a:r>
-              <a:rPr lang="en-US" sz="3800" dirty="0">
-                <a:solidFill>
-                  <a:prstClr val="black">
-                    <a:lumMod val="85000"/>
-                    <a:lumOff val="15000"/>
-                  </a:prstClr>
-                </a:solidFill>
-                <a:latin typeface="Segoe UI" panose="020B0502040204020203" pitchFamily="34" charset="0"/>
-                <a:cs typeface="Segoe UI" panose="020B0502040204020203" pitchFamily="34" charset="0"/>
-              </a:rPr>
-              <a:t>Why the lack of SQLite Access Rights?</a:t>
-            </a:r>
-            <a:endParaRPr lang="fr-FR" sz="3800" dirty="0">
-              <a:solidFill>
-                <a:prstClr val="black">
-                  <a:lumMod val="85000"/>
-                  <a:lumOff val="15000"/>
-                </a:prstClr>
-              </a:solidFill>
-            </a:endParaRPr>
-          </a:p>
-        </p:txBody>
-      </p:sp>
-      <p:sp>
-        <p:nvSpPr>
-          <p:cNvPr id="6" name="Rectangle 5"/>
-          <p:cNvSpPr/>
-          <p:nvPr/>
-        </p:nvSpPr>
-        <p:spPr>
-          <a:xfrm>
-            <a:off x="1278658" y="2089549"/>
-            <a:ext cx="9933825" cy="2677656"/>
-          </a:xfrm>
-          <a:prstGeom prst="rect">
-            <a:avLst/>
-          </a:prstGeom>
-        </p:spPr>
-        <p:txBody>
-          <a:bodyPr wrap="square">
-            <a:spAutoFit/>
-          </a:bodyPr>
-          <a:lstStyle/>
-          <a:p>
-            <a:pPr marL="800100" lvl="1" indent="-342900">
-              <a:lnSpc>
-                <a:spcPct val="200000"/>
-              </a:lnSpc>
-              <a:buFont typeface="Arial" panose="020B0604020202020204" pitchFamily="34" charset="0"/>
-              <a:buChar char="•"/>
-            </a:pPr>
-            <a:r>
-              <a:rPr lang="fr-FR" sz="2400" dirty="0" err="1">
-                <a:solidFill>
-                  <a:prstClr val="black"/>
-                </a:solidFill>
-              </a:rPr>
-              <a:t>Number</a:t>
-            </a:r>
-            <a:r>
-              <a:rPr lang="fr-FR" sz="2400" dirty="0">
-                <a:solidFill>
-                  <a:prstClr val="black"/>
-                </a:solidFill>
-              </a:rPr>
-              <a:t> of </a:t>
-            </a:r>
-            <a:r>
-              <a:rPr lang="fr-FR" sz="2400" dirty="0" err="1">
-                <a:solidFill>
-                  <a:prstClr val="black"/>
-                </a:solidFill>
-              </a:rPr>
-              <a:t>users</a:t>
-            </a:r>
-            <a:r>
-              <a:rPr lang="fr-FR" sz="2400" dirty="0">
-                <a:solidFill>
-                  <a:prstClr val="black"/>
-                </a:solidFill>
-              </a:rPr>
-              <a:t> </a:t>
-            </a:r>
-            <a:r>
-              <a:rPr lang="fr-FR" sz="2400" dirty="0" err="1">
-                <a:solidFill>
-                  <a:prstClr val="black"/>
-                </a:solidFill>
-              </a:rPr>
-              <a:t>is</a:t>
-            </a:r>
-            <a:r>
-              <a:rPr lang="fr-FR" sz="2400" dirty="0">
-                <a:solidFill>
-                  <a:prstClr val="black"/>
-                </a:solidFill>
-              </a:rPr>
-              <a:t> Limited</a:t>
-            </a:r>
-          </a:p>
-          <a:p>
-            <a:pPr marL="800100" lvl="1" indent="-342900">
-              <a:lnSpc>
-                <a:spcPct val="200000"/>
-              </a:lnSpc>
-              <a:buFont typeface="Arial" panose="020B0604020202020204" pitchFamily="34" charset="0"/>
-              <a:buChar char="•"/>
-            </a:pPr>
-            <a:r>
-              <a:rPr lang="en-US" sz="2400" dirty="0">
-                <a:solidFill>
-                  <a:prstClr val="black"/>
-                </a:solidFill>
-              </a:rPr>
-              <a:t>Considered to be structured system files</a:t>
-            </a:r>
-          </a:p>
-          <a:p>
-            <a:pPr marL="800100" lvl="1" indent="-342900">
-              <a:lnSpc>
-                <a:spcPct val="200000"/>
-              </a:lnSpc>
-              <a:buFont typeface="Arial" panose="020B0604020202020204" pitchFamily="34" charset="0"/>
-              <a:buChar char="•"/>
-            </a:pPr>
-            <a:r>
-              <a:rPr lang="en-US" sz="2400" dirty="0">
-                <a:solidFill>
-                  <a:prstClr val="black"/>
-                </a:solidFill>
-              </a:rPr>
-              <a:t>Very low probability of attack or intrusion</a:t>
-            </a:r>
-            <a:endParaRPr lang="fr-FR" sz="2400" dirty="0">
-              <a:solidFill>
-                <a:prstClr val="black"/>
-              </a:solidFill>
-            </a:endParaRPr>
-          </a:p>
-          <a:p>
-            <a:endParaRPr lang="fr-FR" sz="2400" dirty="0">
-              <a:solidFill>
-                <a:srgbClr val="BF72CC"/>
-              </a:solidFill>
-            </a:endParaRPr>
-          </a:p>
-        </p:txBody>
-      </p:sp>
-      <p:sp>
-        <p:nvSpPr>
-          <p:cNvPr id="5" name="Slide Number Placeholder 4">
-            <a:extLst>
-              <a:ext uri="{FF2B5EF4-FFF2-40B4-BE49-F238E27FC236}">
-                <a16:creationId xmlns:a16="http://schemas.microsoft.com/office/drawing/2014/main" id="{640B05F1-21EE-4387-85D9-6B69E06414E9}"/>
-              </a:ext>
-            </a:extLst>
-          </p:cNvPr>
-          <p:cNvSpPr>
-            <a:spLocks noGrp="1"/>
-          </p:cNvSpPr>
-          <p:nvPr>
-            <p:ph type="sldNum" sz="quarter" idx="12"/>
-          </p:nvPr>
-        </p:nvSpPr>
-        <p:spPr/>
-        <p:txBody>
-          <a:bodyPr/>
-          <a:lstStyle/>
-          <a:p>
-            <a:fld id="{2376E620-B82E-4BB3-B55A-C1C511C62C08}" type="slidenum">
-              <a:rPr lang="fr-FR" smtClean="0"/>
-              <a:t>79</a:t>
-            </a:fld>
-            <a:endParaRPr lang="fr-FR"/>
-          </a:p>
-        </p:txBody>
-      </p:sp>
-    </p:spTree>
-    <p:extLst>
-      <p:ext uri="{BB962C8B-B14F-4D97-AF65-F5344CB8AC3E}">
-        <p14:creationId xmlns:p14="http://schemas.microsoft.com/office/powerpoint/2010/main" val="2094665438"/>
-      </p:ext>
-    </p:extLst>
-  </p:cSld>
-  <p:clrMapOvr>
-    <a:masterClrMapping/>
-  </p:clrMapOvr>
-  <mc:AlternateContent xmlns:mc="http://schemas.openxmlformats.org/markup-compatibility/2006" xmlns:p14="http://schemas.microsoft.com/office/powerpoint/2010/main">
-    <mc:Choice Requires="p14">
-      <p:transition spd="med" p14:dur="700">
-        <p:fade/>
-      </p:transition>
-    </mc:Choice>
-    <mc:Fallback xmlns="">
-      <p:transition spd="med">
-        <p:fade/>
       </p:transition>
     </mc:Fallback>
   </mc:AlternateContent>

--- a/Presentation-projet-SQLite [Autosaved].pptx
+++ b/Presentation-projet-SQLite [Autosaved].pptx
@@ -5,10 +5,10 @@
     <p:sldMasterId id="2147483839" r:id="rId1"/>
   </p:sldMasterIdLst>
   <p:notesMasterIdLst>
-    <p:notesMasterId r:id="rId80"/>
+    <p:notesMasterId r:id="rId82"/>
   </p:notesMasterIdLst>
   <p:handoutMasterIdLst>
-    <p:handoutMasterId r:id="rId81"/>
+    <p:handoutMasterId r:id="rId83"/>
   </p:handoutMasterIdLst>
   <p:sldIdLst>
     <p:sldId id="257" r:id="rId2"/>
@@ -88,7 +88,9 @@
     <p:sldId id="262" r:id="rId76"/>
     <p:sldId id="277" r:id="rId77"/>
     <p:sldId id="339" r:id="rId78"/>
-    <p:sldId id="281" r:id="rId79"/>
+    <p:sldId id="349" r:id="rId79"/>
+    <p:sldId id="350" r:id="rId80"/>
+    <p:sldId id="281" r:id="rId81"/>
   </p:sldIdLst>
   <p:sldSz cx="12192000" cy="6858000"/>
   <p:notesSz cx="6858000" cy="9144000"/>
@@ -355,7 +357,7 @@
           <a:p>
             <a:fld id="{4BBBBF6B-ACDD-4A14-800E-2B828951F2E5}" type="slidenum">
               <a:rPr lang="fr-FR" smtClean="0"/>
-              <a:t>‹#›</a:t>
+              <a:t>‹N°›</a:t>
             </a:fld>
             <a:endParaRPr lang="fr-FR"/>
           </a:p>
@@ -614,7 +616,7 @@
           <a:p>
             <a:fld id="{F4625AEE-926E-49DB-B657-4E194F63E769}" type="slidenum">
               <a:rPr lang="fr-FR" smtClean="0"/>
-              <a:t>‹#›</a:t>
+              <a:t>‹N°›</a:t>
             </a:fld>
             <a:endParaRPr lang="fr-FR"/>
           </a:p>
@@ -896,7 +898,7 @@
             <a:fld id="{2376E620-B82E-4BB3-B55A-C1C511C62C08}" type="slidenum">
               <a:rPr lang="fr-FR" smtClean="0"/>
               <a:pPr/>
-              <a:t>‹#›</a:t>
+              <a:t>‹N°›</a:t>
             </a:fld>
             <a:endParaRPr lang="fr-FR" dirty="0"/>
           </a:p>
@@ -1065,7 +1067,7 @@
             <a:fld id="{2376E620-B82E-4BB3-B55A-C1C511C62C08}" type="slidenum">
               <a:rPr lang="fr-FR" smtClean="0"/>
               <a:pPr/>
-              <a:t>‹#›</a:t>
+              <a:t>‹N°›</a:t>
             </a:fld>
             <a:endParaRPr lang="fr-FR" dirty="0"/>
           </a:p>
@@ -1245,7 +1247,7 @@
             <a:fld id="{2376E620-B82E-4BB3-B55A-C1C511C62C08}" type="slidenum">
               <a:rPr lang="fr-FR" smtClean="0"/>
               <a:pPr/>
-              <a:t>‹#›</a:t>
+              <a:t>‹N°›</a:t>
             </a:fld>
             <a:endParaRPr lang="fr-FR" dirty="0"/>
           </a:p>
@@ -1415,7 +1417,7 @@
             <a:fld id="{2376E620-B82E-4BB3-B55A-C1C511C62C08}" type="slidenum">
               <a:rPr lang="fr-FR" smtClean="0"/>
               <a:pPr/>
-              <a:t>‹#›</a:t>
+              <a:t>‹N°›</a:t>
             </a:fld>
             <a:endParaRPr lang="fr-FR" dirty="0"/>
           </a:p>
@@ -1661,7 +1663,7 @@
           <a:p>
             <a:fld id="{2376E620-B82E-4BB3-B55A-C1C511C62C08}" type="slidenum">
               <a:rPr lang="fr-FR" smtClean="0"/>
-              <a:t>‹#›</a:t>
+              <a:t>‹N°›</a:t>
             </a:fld>
             <a:endParaRPr lang="fr-FR" dirty="0"/>
           </a:p>
@@ -1891,7 +1893,7 @@
             <a:fld id="{2376E620-B82E-4BB3-B55A-C1C511C62C08}" type="slidenum">
               <a:rPr lang="fr-FR" smtClean="0"/>
               <a:pPr/>
-              <a:t>‹#›</a:t>
+              <a:t>‹N°›</a:t>
             </a:fld>
             <a:endParaRPr lang="fr-FR" dirty="0"/>
           </a:p>
@@ -2257,7 +2259,7 @@
             <a:fld id="{2376E620-B82E-4BB3-B55A-C1C511C62C08}" type="slidenum">
               <a:rPr lang="fr-FR" smtClean="0"/>
               <a:pPr/>
-              <a:t>‹#›</a:t>
+              <a:t>‹N°›</a:t>
             </a:fld>
             <a:endParaRPr lang="fr-FR" dirty="0"/>
           </a:p>
@@ -2375,7 +2377,7 @@
           <a:p>
             <a:fld id="{2376E620-B82E-4BB3-B55A-C1C511C62C08}" type="slidenum">
               <a:rPr lang="fr-FR" smtClean="0"/>
-              <a:t>‹#›</a:t>
+              <a:t>‹N°›</a:t>
             </a:fld>
             <a:endParaRPr lang="fr-FR" dirty="0"/>
           </a:p>
@@ -2470,7 +2472,7 @@
           <a:p>
             <a:fld id="{2376E620-B82E-4BB3-B55A-C1C511C62C08}" type="slidenum">
               <a:rPr lang="fr-FR" smtClean="0"/>
-              <a:t>‹#›</a:t>
+              <a:t>‹N°›</a:t>
             </a:fld>
             <a:endParaRPr lang="fr-FR" dirty="0"/>
           </a:p>
@@ -2746,7 +2748,7 @@
             <a:fld id="{2376E620-B82E-4BB3-B55A-C1C511C62C08}" type="slidenum">
               <a:rPr lang="fr-FR" smtClean="0"/>
               <a:pPr/>
-              <a:t>‹#›</a:t>
+              <a:t>‹N°›</a:t>
             </a:fld>
             <a:endParaRPr lang="fr-FR" dirty="0"/>
           </a:p>
@@ -2999,7 +3001,7 @@
           <a:p>
             <a:fld id="{2376E620-B82E-4BB3-B55A-C1C511C62C08}" type="slidenum">
               <a:rPr lang="fr-FR" smtClean="0"/>
-              <a:t>‹#›</a:t>
+              <a:t>‹N°›</a:t>
             </a:fld>
             <a:endParaRPr lang="fr-FR"/>
           </a:p>
@@ -3247,7 +3249,7 @@
             <a:fld id="{2376E620-B82E-4BB3-B55A-C1C511C62C08}" type="slidenum">
               <a:rPr lang="fr-FR" smtClean="0"/>
               <a:pPr/>
-              <a:t>‹#›</a:t>
+              <a:t>‹N°›</a:t>
             </a:fld>
             <a:endParaRPr lang="fr-FR" dirty="0"/>
           </a:p>
@@ -3706,7 +3708,7 @@
               </a:rPr>
               <a:t>People's Democratic Republic of Algeria</a:t>
             </a:r>
-            <a:r>
+            <a:br>
               <a:rPr kumimoji="0" lang="fr-FR" sz="2000" b="0" i="0" u="none" strike="noStrike" kern="1200" cap="none" spc="0" normalizeH="0" baseline="0" noProof="0" dirty="0">
                 <a:ln>
                   <a:noFill/>
@@ -3721,23 +3723,6 @@
                 <a:ea typeface="Times New Roman"/>
                 <a:cs typeface="+mj-cs"/>
               </a:rPr>
-              <a:t/>
-            </a:r>
-            <a:br>
-              <a:rPr kumimoji="0" lang="fr-FR" sz="2000" b="0" i="0" u="none" strike="noStrike" kern="1200" cap="none" spc="0" normalizeH="0" baseline="0" noProof="0" dirty="0">
-                <a:ln>
-                  <a:noFill/>
-                </a:ln>
-                <a:solidFill>
-                  <a:prstClr val="black"/>
-                </a:solidFill>
-                <a:effectLst/>
-                <a:uLnTx/>
-                <a:uFillTx/>
-                <a:latin typeface="Times New Roman"/>
-                <a:ea typeface="Times New Roman"/>
-                <a:cs typeface="+mj-cs"/>
-              </a:rPr>
             </a:br>
             <a:r>
               <a:rPr kumimoji="0" lang="en-US" sz="2000" b="0" i="0" u="none" strike="noStrike" kern="1200" cap="none" spc="0" normalizeH="0" baseline="0" noProof="0" dirty="0">
@@ -3756,7 +3741,7 @@
               </a:rPr>
               <a:t>Ministry of Higher Education and Scientific Research</a:t>
             </a:r>
-            <a:r>
+            <a:br>
               <a:rPr kumimoji="0" lang="fr-FR" sz="2000" b="0" i="0" u="none" strike="noStrike" kern="1200" cap="none" spc="0" normalizeH="0" baseline="0" noProof="0" dirty="0">
                 <a:ln>
                   <a:noFill/>
@@ -3771,9 +3756,8 @@
                 <a:ea typeface="Calibri"/>
                 <a:cs typeface="Times New Roman"/>
               </a:rPr>
-              <a:t/>
-            </a:r>
-            <a:br>
+            </a:br>
+            <a:r>
               <a:rPr kumimoji="0" lang="fr-FR" sz="2000" b="0" i="0" u="none" strike="noStrike" kern="1200" cap="none" spc="0" normalizeH="0" baseline="0" noProof="0" dirty="0">
                 <a:ln>
                   <a:noFill/>
@@ -3788,9 +3772,10 @@
                 <a:ea typeface="Calibri"/>
                 <a:cs typeface="Times New Roman"/>
               </a:rPr>
-            </a:br>
-            <a:r>
-              <a:rPr kumimoji="0" lang="fr-FR" sz="2000" b="0" i="0" u="none" strike="noStrike" kern="1200" cap="none" spc="0" normalizeH="0" baseline="0" noProof="0" dirty="0">
+              <a:t>Ibn </a:t>
+            </a:r>
+            <a:r>
+              <a:rPr kumimoji="0" lang="fr-FR" sz="2000" b="0" i="0" u="none" strike="noStrike" kern="1200" cap="none" spc="0" normalizeH="0" baseline="0" noProof="0" dirty="0" err="1">
                 <a:ln>
                   <a:noFill/>
                 </a:ln>
@@ -3804,10 +3789,10 @@
                 <a:ea typeface="Calibri"/>
                 <a:cs typeface="Times New Roman"/>
               </a:rPr>
-              <a:t>Ibn </a:t>
-            </a:r>
-            <a:r>
-              <a:rPr kumimoji="0" lang="fr-FR" sz="2000" b="0" i="0" u="none" strike="noStrike" kern="1200" cap="none" spc="0" normalizeH="0" baseline="0" noProof="0" dirty="0" err="1">
+              <a:t>Khaldoun</a:t>
+            </a:r>
+            <a:r>
+              <a:rPr kumimoji="0" lang="fr-FR" sz="2000" b="0" i="0" u="none" strike="noStrike" kern="1200" cap="none" spc="0" normalizeH="0" baseline="0" noProof="0" dirty="0">
                 <a:ln>
                   <a:noFill/>
                 </a:ln>
@@ -3821,10 +3806,10 @@
                 <a:ea typeface="Calibri"/>
                 <a:cs typeface="Times New Roman"/>
               </a:rPr>
-              <a:t>Khaldoun</a:t>
-            </a:r>
-            <a:r>
-              <a:rPr kumimoji="0" lang="fr-FR" sz="2000" b="0" i="0" u="none" strike="noStrike" kern="1200" cap="none" spc="0" normalizeH="0" baseline="0" noProof="0" dirty="0">
+              <a:t> </a:t>
+            </a:r>
+            <a:r>
+              <a:rPr kumimoji="0" lang="fr-FR" sz="2000" b="0" i="0" u="none" strike="noStrike" kern="1200" cap="none" spc="0" normalizeH="0" baseline="0" noProof="0" dirty="0" err="1">
                 <a:ln>
                   <a:noFill/>
                 </a:ln>
@@ -3838,10 +3823,10 @@
                 <a:ea typeface="Calibri"/>
                 <a:cs typeface="Times New Roman"/>
               </a:rPr>
-              <a:t> </a:t>
-            </a:r>
-            <a:r>
-              <a:rPr kumimoji="0" lang="fr-FR" sz="2000" b="0" i="0" u="none" strike="noStrike" kern="1200" cap="none" spc="0" normalizeH="0" baseline="0" noProof="0" dirty="0" err="1">
+              <a:t>University</a:t>
+            </a:r>
+            <a:r>
+              <a:rPr kumimoji="0" lang="fr-FR" sz="2000" b="0" i="0" u="none" strike="noStrike" kern="1200" cap="none" spc="0" normalizeH="0" baseline="0" noProof="0" dirty="0">
                 <a:ln>
                   <a:noFill/>
                 </a:ln>
@@ -3855,9 +3840,9 @@
                 <a:ea typeface="Calibri"/>
                 <a:cs typeface="Times New Roman"/>
               </a:rPr>
-              <a:t>University</a:t>
-            </a:r>
-            <a:r>
+              <a:t> of Tiaret</a:t>
+            </a:r>
+            <a:br>
               <a:rPr kumimoji="0" lang="fr-FR" sz="2000" b="0" i="0" u="none" strike="noStrike" kern="1200" cap="none" spc="0" normalizeH="0" baseline="0" noProof="0" dirty="0">
                 <a:ln>
                   <a:noFill/>
@@ -3872,9 +3857,8 @@
                 <a:ea typeface="Calibri"/>
                 <a:cs typeface="Times New Roman"/>
               </a:rPr>
-              <a:t> of Tiaret</a:t>
-            </a:r>
-            <a:br>
+            </a:br>
+            <a:r>
               <a:rPr kumimoji="0" lang="fr-FR" sz="2000" b="0" i="0" u="none" strike="noStrike" kern="1200" cap="none" spc="0" normalizeH="0" baseline="0" noProof="0" dirty="0">
                 <a:ln>
                   <a:noFill/>
@@ -3889,9 +3873,10 @@
                 <a:ea typeface="Calibri"/>
                 <a:cs typeface="Times New Roman"/>
               </a:rPr>
-            </a:br>
-            <a:r>
-              <a:rPr kumimoji="0" lang="fr-FR" sz="2000" b="0" i="0" u="none" strike="noStrike" kern="1200" cap="none" spc="0" normalizeH="0" baseline="0" noProof="0" dirty="0">
+              <a:t>computer science </a:t>
+            </a:r>
+            <a:r>
+              <a:rPr kumimoji="0" lang="fr-FR" sz="2000" b="0" i="0" u="none" strike="noStrike" kern="1200" cap="none" spc="0" normalizeH="0" baseline="0" noProof="0" dirty="0" err="1">
                 <a:ln>
                   <a:noFill/>
                 </a:ln>
@@ -3905,10 +3890,10 @@
                 <a:ea typeface="Calibri"/>
                 <a:cs typeface="Times New Roman"/>
               </a:rPr>
-              <a:t>computer science </a:t>
-            </a:r>
-            <a:r>
-              <a:rPr kumimoji="0" lang="fr-FR" sz="2000" b="0" i="0" u="none" strike="noStrike" kern="1200" cap="none" spc="0" normalizeH="0" baseline="0" noProof="0" dirty="0" err="1">
+              <a:t>faculty</a:t>
+            </a:r>
+            <a:r>
+              <a:rPr kumimoji="0" lang="fr-FR" sz="2000" b="0" i="0" u="none" strike="noStrike" kern="1200" cap="none" spc="0" normalizeH="0" baseline="0" noProof="0" dirty="0">
                 <a:ln>
                   <a:noFill/>
                 </a:ln>
@@ -3922,10 +3907,10 @@
                 <a:ea typeface="Calibri"/>
                 <a:cs typeface="Times New Roman"/>
               </a:rPr>
-              <a:t>faculty</a:t>
-            </a:r>
-            <a:r>
-              <a:rPr kumimoji="0" lang="fr-FR" sz="2000" b="0" i="0" u="none" strike="noStrike" kern="1200" cap="none" spc="0" normalizeH="0" baseline="0" noProof="0" dirty="0">
+              <a:t> </a:t>
+            </a:r>
+            <a:r>
+              <a:rPr kumimoji="0" lang="fr-FR" sz="100" b="0" i="0" u="none" strike="noStrike" kern="1200" cap="none" spc="0" normalizeH="0" noProof="0" dirty="0">
                 <a:ln>
                   <a:noFill/>
                 </a:ln>
@@ -3942,34 +3927,17 @@
               <a:t> </a:t>
             </a:r>
             <a:r>
-              <a:rPr kumimoji="0" lang="fr-FR" sz="100" b="0" i="0" u="none" strike="noStrike" kern="1200" cap="none" spc="0" normalizeH="0" noProof="0" dirty="0">
-                <a:ln>
-                  <a:noFill/>
-                </a:ln>
+              <a:rPr lang="ja-JP" altLang="en-US" sz="100" dirty="0">
                 <a:solidFill>
                   <a:prstClr val="black"/>
                 </a:solidFill>
-                <a:effectLst/>
-                <a:uLnTx/>
-                <a:uFillTx/>
                 <a:latin typeface="Times New Roman"/>
                 <a:ea typeface="Calibri"/>
                 <a:cs typeface="Times New Roman"/>
               </a:rPr>
-              <a:t> </a:t>
-            </a:r>
-            <a:r>
-              <a:rPr lang="ja-JP" altLang="en-US" sz="100" dirty="0">
-                <a:solidFill>
-                  <a:prstClr val="black"/>
-                </a:solidFill>
-                <a:latin typeface="Times New Roman"/>
-                <a:ea typeface="Calibri"/>
-                <a:cs typeface="Times New Roman"/>
-              </a:rPr>
               <a:t>私たちはアルジェリア人です</a:t>
             </a:r>
-            <a:r>
+            <a:br>
               <a:rPr kumimoji="0" lang="fr-FR" sz="2000" b="1" i="0" u="none" strike="noStrike" kern="1200" cap="none" spc="0" normalizeH="0" baseline="0" noProof="0" dirty="0">
                 <a:ln>
                   <a:noFill/>
@@ -3984,41 +3952,7 @@
                 <a:ea typeface="+mj-ea"/>
                 <a:cs typeface="+mj-cs"/>
               </a:rPr>
-              <a:t/>
-            </a:r>
-            <a:br>
-              <a:rPr kumimoji="0" lang="fr-FR" sz="2000" b="1" i="0" u="none" strike="noStrike" kern="1200" cap="none" spc="0" normalizeH="0" baseline="0" noProof="0" dirty="0">
-                <a:ln>
-                  <a:noFill/>
-                </a:ln>
-                <a:solidFill>
-                  <a:srgbClr val="000000"/>
-                </a:solidFill>
-                <a:effectLst/>
-                <a:uLnTx/>
-                <a:uFillTx/>
-                <a:latin typeface="Constantia" pitchFamily="18" charset="0"/>
-                <a:ea typeface="+mj-ea"/>
-                <a:cs typeface="+mj-cs"/>
-              </a:rPr>
             </a:br>
-            <a:r>
-              <a:rPr kumimoji="0" lang="fr-FR" sz="2000" b="0" i="0" u="none" strike="noStrike" kern="1200" cap="none" spc="0" normalizeH="0" baseline="0" noProof="0" dirty="0">
-                <a:ln>
-                  <a:noFill/>
-                </a:ln>
-                <a:solidFill>
-                  <a:prstClr val="black"/>
-                </a:solidFill>
-                <a:effectLst/>
-                <a:uLnTx/>
-                <a:uFillTx/>
-                <a:latin typeface="Times New Roman"/>
-                <a:ea typeface="Times New Roman"/>
-                <a:cs typeface="+mj-cs"/>
-              </a:rPr>
-              <a:t/>
-            </a:r>
             <a:br>
               <a:rPr kumimoji="0" lang="fr-FR" sz="2000" b="0" i="0" u="none" strike="noStrike" kern="1200" cap="none" spc="0" normalizeH="0" baseline="0" noProof="0" dirty="0">
                 <a:ln>
@@ -4747,23 +4681,6 @@
               <a:tabLst/>
               <a:defRPr/>
             </a:pPr>
-            <a:r>
-              <a:rPr kumimoji="0" lang="fr-FR" sz="2400" b="0" i="0" u="none" strike="noStrike" kern="1200" cap="none" spc="0" normalizeH="0" baseline="0" noProof="0" dirty="0">
-                <a:ln>
-                  <a:noFill/>
-                </a:ln>
-                <a:solidFill>
-                  <a:prstClr val="black"/>
-                </a:solidFill>
-                <a:effectLst/>
-                <a:uLnTx/>
-                <a:uFillTx/>
-                <a:latin typeface="Calibri" panose="020F0502020204030204"/>
-                <a:ea typeface="+mn-ea"/>
-                <a:cs typeface="+mn-cs"/>
-              </a:rPr>
-              <a:t/>
-            </a:r>
             <a:br>
               <a:rPr kumimoji="0" lang="fr-FR" sz="2400" b="0" i="0" u="none" strike="noStrike" kern="1200" cap="none" spc="0" normalizeH="0" baseline="0" noProof="0" dirty="0">
                 <a:ln>
@@ -5090,10 +5007,6 @@
           <a:lstStyle/>
           <a:p>
             <a:pPr marL="12700" algn="ctr"/>
-            <a:r>
-              <a:rPr lang="fr-FR" sz="2400" dirty="0"/>
-              <a:t/>
-            </a:r>
             <a:br>
               <a:rPr lang="fr-FR" sz="2400" dirty="0"/>
             </a:br>
@@ -5392,10 +5305,6 @@
           <a:lstStyle/>
           <a:p>
             <a:pPr marL="12700" algn="ctr"/>
-            <a:r>
-              <a:rPr lang="fr-FR" sz="2400" dirty="0"/>
-              <a:t/>
-            </a:r>
             <a:br>
               <a:rPr lang="fr-FR" sz="2400" dirty="0"/>
             </a:br>
@@ -5736,10 +5645,6 @@
           <a:lstStyle/>
           <a:p>
             <a:pPr marL="12700" algn="ctr"/>
-            <a:r>
-              <a:rPr lang="fr-FR" sz="2400" dirty="0"/>
-              <a:t/>
-            </a:r>
             <a:br>
               <a:rPr lang="fr-FR" sz="2400" dirty="0"/>
             </a:br>
@@ -6955,10 +6860,6 @@
           <a:lstStyle/>
           <a:p>
             <a:pPr marL="12700" algn="ctr"/>
-            <a:r>
-              <a:rPr lang="fr-FR" sz="2400" dirty="0"/>
-              <a:t/>
-            </a:r>
             <a:br>
               <a:rPr lang="fr-FR" sz="2400" dirty="0"/>
             </a:br>
@@ -8385,10 +8286,6 @@
           <a:lstStyle/>
           <a:p>
             <a:pPr marL="12700" algn="ctr"/>
-            <a:r>
-              <a:rPr lang="fr-FR" sz="2400" dirty="0"/>
-              <a:t/>
-            </a:r>
             <a:br>
               <a:rPr lang="fr-FR" sz="2400" dirty="0"/>
             </a:br>
@@ -8818,10 +8715,6 @@
           <a:lstStyle/>
           <a:p>
             <a:pPr marL="12700" algn="ctr"/>
-            <a:r>
-              <a:rPr lang="fr-FR" sz="2400" dirty="0"/>
-              <a:t/>
-            </a:r>
             <a:br>
               <a:rPr lang="fr-FR" sz="2400" dirty="0"/>
             </a:br>
@@ -10024,10 +9917,6 @@
           <a:lstStyle/>
           <a:p>
             <a:pPr marL="12700" algn="ctr"/>
-            <a:r>
-              <a:rPr lang="fr-FR" sz="2400" dirty="0"/>
-              <a:t/>
-            </a:r>
             <a:br>
               <a:rPr lang="fr-FR" sz="2400" dirty="0"/>
             </a:br>
@@ -10129,14 +10018,6 @@
   <p:clrMapOvr>
     <a:masterClrMapping/>
   </p:clrMapOvr>
-  <mc:AlternateContent xmlns:mc="http://schemas.openxmlformats.org/markup-compatibility/2006" xmlns:p14="http://schemas.microsoft.com/office/powerpoint/2010/main">
-    <mc:Choice Requires="p14">
-      <p:transition spd="slow" p14:dur="2000"/>
-    </mc:Choice>
-    <mc:Fallback xmlns="">
-      <p:transition spd="slow"/>
-    </mc:Fallback>
-  </mc:AlternateContent>
 </p:sld>
 </file>
 
@@ -10263,10 +10144,6 @@
           <a:lstStyle/>
           <a:p>
             <a:pPr marL="12700" algn="ctr"/>
-            <a:r>
-              <a:rPr lang="fr-FR" sz="2400" dirty="0"/>
-              <a:t/>
-            </a:r>
             <a:br>
               <a:rPr lang="fr-FR" sz="2400" dirty="0"/>
             </a:br>
@@ -10507,10 +10384,6 @@
           <a:lstStyle/>
           <a:p>
             <a:pPr marL="12700" algn="ctr"/>
-            <a:r>
-              <a:rPr lang="fr-FR" sz="2400" dirty="0"/>
-              <a:t/>
-            </a:r>
             <a:br>
               <a:rPr lang="fr-FR" sz="2400" dirty="0"/>
             </a:br>
@@ -13017,23 +12890,6 @@
               <a:tabLst/>
               <a:defRPr/>
             </a:pPr>
-            <a:r>
-              <a:rPr kumimoji="0" lang="fr-FR" sz="2400" b="0" i="0" u="none" strike="noStrike" kern="1200" cap="none" spc="0" normalizeH="0" baseline="0" noProof="0" dirty="0">
-                <a:ln>
-                  <a:noFill/>
-                </a:ln>
-                <a:solidFill>
-                  <a:prstClr val="black"/>
-                </a:solidFill>
-                <a:effectLst/>
-                <a:uLnTx/>
-                <a:uFillTx/>
-                <a:latin typeface="Calibri" panose="020F0502020204030204"/>
-                <a:ea typeface="+mn-ea"/>
-                <a:cs typeface="+mn-cs"/>
-              </a:rPr>
-              <a:t/>
-            </a:r>
             <a:br>
               <a:rPr kumimoji="0" lang="fr-FR" sz="2400" b="0" i="0" u="none" strike="noStrike" kern="1200" cap="none" spc="0" normalizeH="0" baseline="0" noProof="0" dirty="0">
                 <a:ln>
@@ -14184,10 +14040,6 @@
           <a:lstStyle/>
           <a:p>
             <a:pPr marL="12700" algn="ctr"/>
-            <a:r>
-              <a:rPr lang="fr-FR" sz="2400" dirty="0"/>
-              <a:t/>
-            </a:r>
             <a:br>
               <a:rPr lang="fr-FR" sz="2400" dirty="0"/>
             </a:br>
@@ -15789,23 +15641,6 @@
               <a:tabLst/>
               <a:defRPr/>
             </a:pPr>
-            <a:r>
-              <a:rPr kumimoji="0" lang="fr-FR" sz="2400" b="0" i="0" u="none" strike="noStrike" kern="1200" cap="none" spc="0" normalizeH="0" baseline="0" noProof="0" dirty="0">
-                <a:ln>
-                  <a:noFill/>
-                </a:ln>
-                <a:solidFill>
-                  <a:prstClr val="black"/>
-                </a:solidFill>
-                <a:effectLst/>
-                <a:uLnTx/>
-                <a:uFillTx/>
-                <a:latin typeface="Calibri" panose="020F0502020204030204"/>
-                <a:ea typeface="+mn-ea"/>
-                <a:cs typeface="+mn-cs"/>
-              </a:rPr>
-              <a:t/>
-            </a:r>
             <a:br>
               <a:rPr kumimoji="0" lang="fr-FR" sz="2400" b="0" i="0" u="none" strike="noStrike" kern="1200" cap="none" spc="0" normalizeH="0" baseline="0" noProof="0" dirty="0">
                 <a:ln>
@@ -17763,10 +17598,6 @@
           <a:lstStyle/>
           <a:p>
             <a:pPr marL="12700" algn="ctr"/>
-            <a:r>
-              <a:rPr lang="fr-FR" sz="2400" dirty="0"/>
-              <a:t/>
-            </a:r>
             <a:br>
               <a:rPr lang="fr-FR" sz="2400" dirty="0"/>
             </a:br>
@@ -18475,10 +18306,6 @@
           <a:lstStyle/>
           <a:p>
             <a:pPr marL="12700" algn="ctr"/>
-            <a:r>
-              <a:rPr lang="fr-FR" sz="2400" dirty="0"/>
-              <a:t/>
-            </a:r>
             <a:br>
               <a:rPr lang="fr-FR" sz="2400" dirty="0"/>
             </a:br>
@@ -19659,10 +19486,6 @@
           <a:lstStyle/>
           <a:p>
             <a:pPr marL="12700" algn="ctr"/>
-            <a:r>
-              <a:rPr lang="fr-FR" sz="2400" dirty="0"/>
-              <a:t/>
-            </a:r>
             <a:br>
               <a:rPr lang="fr-FR" sz="2400" dirty="0"/>
             </a:br>
@@ -20266,10 +20089,6 @@
           <a:lstStyle/>
           <a:p>
             <a:pPr marL="12700" algn="ctr"/>
-            <a:r>
-              <a:rPr lang="fr-FR" sz="2400" dirty="0"/>
-              <a:t/>
-            </a:r>
             <a:br>
               <a:rPr lang="fr-FR" sz="2400" dirty="0"/>
             </a:br>
@@ -20687,10 +20506,6 @@
           <a:lstStyle/>
           <a:p>
             <a:pPr marL="12700" algn="ctr"/>
-            <a:r>
-              <a:rPr lang="fr-FR" sz="2400" dirty="0"/>
-              <a:t/>
-            </a:r>
             <a:br>
               <a:rPr lang="fr-FR" sz="2400" dirty="0"/>
             </a:br>
@@ -21333,10 +21148,6 @@
           <a:lstStyle/>
           <a:p>
             <a:pPr marL="12700" algn="ctr"/>
-            <a:r>
-              <a:rPr lang="fr-FR" sz="2400" dirty="0"/>
-              <a:t/>
-            </a:r>
             <a:br>
               <a:rPr lang="fr-FR" sz="2400" dirty="0"/>
             </a:br>
@@ -21775,10 +21586,6 @@
           <a:lstStyle/>
           <a:p>
             <a:pPr marL="12700" algn="ctr"/>
-            <a:r>
-              <a:rPr lang="fr-FR" sz="2400" dirty="0"/>
-              <a:t/>
-            </a:r>
             <a:br>
               <a:rPr lang="fr-FR" sz="2400" dirty="0"/>
             </a:br>
@@ -22281,10 +22088,6 @@
           <a:lstStyle/>
           <a:p>
             <a:pPr marL="12700" algn="ctr"/>
-            <a:r>
-              <a:rPr lang="fr-FR" sz="2400" dirty="0"/>
-              <a:t/>
-            </a:r>
             <a:br>
               <a:rPr lang="fr-FR" sz="2400" dirty="0"/>
             </a:br>
@@ -22868,10 +22671,6 @@
           <a:lstStyle/>
           <a:p>
             <a:pPr marL="12700" algn="ctr"/>
-            <a:r>
-              <a:rPr lang="fr-FR" sz="2400" dirty="0"/>
-              <a:t/>
-            </a:r>
             <a:br>
               <a:rPr lang="fr-FR" sz="2400" dirty="0"/>
             </a:br>
@@ -23587,10 +23386,6 @@
           <a:lstStyle/>
           <a:p>
             <a:pPr marL="12700" algn="ctr"/>
-            <a:r>
-              <a:rPr lang="fr-FR" sz="2400" dirty="0"/>
-              <a:t/>
-            </a:r>
             <a:br>
               <a:rPr lang="fr-FR" sz="2400" dirty="0"/>
             </a:br>
@@ -25749,10 +25544,6 @@
           <a:lstStyle/>
           <a:p>
             <a:pPr marL="12700" algn="ctr"/>
-            <a:r>
-              <a:rPr lang="fr-FR" sz="2400" dirty="0"/>
-              <a:t/>
-            </a:r>
             <a:br>
               <a:rPr lang="fr-FR" sz="2400" dirty="0"/>
             </a:br>
@@ -26132,7 +25923,7 @@
       </p:grpSpPr>
       <p:sp>
         <p:nvSpPr>
-          <p:cNvPr id="3" name="Titre 1"/>
+          <p:cNvPr id="7" name="Titre 1"/>
           <p:cNvSpPr txBox="1">
             <a:spLocks/>
           </p:cNvSpPr>
@@ -26140,8 +25931,8 @@
         </p:nvSpPr>
         <p:spPr>
           <a:xfrm>
-            <a:off x="1875087" y="426851"/>
-            <a:ext cx="9011012" cy="810950"/>
+            <a:off x="2025434" y="396969"/>
+            <a:ext cx="8440271" cy="810950"/>
           </a:xfrm>
           <a:prstGeom prst="rect">
             <a:avLst/>
@@ -26173,7 +25964,7 @@
           <a:p>
             <a:pPr algn="ctr"/>
             <a:r>
-              <a:rPr lang="fr-FR" sz="3800" dirty="0">
+              <a:rPr lang="en-US" sz="3800" dirty="0">
                 <a:solidFill>
                   <a:prstClr val="black">
                     <a:lumMod val="85000"/>
@@ -26183,7 +25974,7 @@
                 <a:latin typeface="Segoe UI" panose="020B0502040204020203" pitchFamily="34" charset="0"/>
                 <a:cs typeface="Segoe UI" panose="020B0502040204020203" pitchFamily="34" charset="0"/>
               </a:rPr>
-              <a:t>Access Permissions in SQLite</a:t>
+              <a:t>Security </a:t>
             </a:r>
             <a:endParaRPr lang="fr-FR" sz="3800" dirty="0">
               <a:solidFill>
@@ -26196,16 +25987,52 @@
           </a:p>
         </p:txBody>
       </p:sp>
-      <p:sp>
-        <p:nvSpPr>
-          <p:cNvPr id="9" name="TextBox 8"/>
+      <p:pic>
+        <p:nvPicPr>
+          <p:cNvPr id="3" name="Image 2">
+            <a:extLst>
+              <a:ext uri="{FF2B5EF4-FFF2-40B4-BE49-F238E27FC236}">
+                <a16:creationId xmlns:a16="http://schemas.microsoft.com/office/drawing/2014/main" id="{9CAC4143-6A75-46E9-B24A-D49612AD612E}"/>
+              </a:ext>
+            </a:extLst>
+          </p:cNvPr>
+          <p:cNvPicPr>
+            <a:picLocks noChangeAspect="1"/>
+          </p:cNvPicPr>
+          <p:nvPr/>
+        </p:nvPicPr>
+        <p:blipFill>
+          <a:blip r:embed="rId2"/>
+          <a:stretch>
+            <a:fillRect/>
+          </a:stretch>
+        </p:blipFill>
+        <p:spPr>
+          <a:xfrm>
+            <a:off x="201227" y="2406911"/>
+            <a:ext cx="11789546" cy="4191533"/>
+          </a:xfrm>
+          <a:prstGeom prst="rect">
+            <a:avLst/>
+          </a:prstGeom>
+        </p:spPr>
+      </p:pic>
+      <p:sp>
+        <p:nvSpPr>
+          <p:cNvPr id="4" name="ZoneTexte 3">
+            <a:extLst>
+              <a:ext uri="{FF2B5EF4-FFF2-40B4-BE49-F238E27FC236}">
+                <a16:creationId xmlns:a16="http://schemas.microsoft.com/office/drawing/2014/main" id="{075E5FD0-FD18-46F7-AAC2-9D6AF1135DC3}"/>
+              </a:ext>
+            </a:extLst>
+          </p:cNvPr>
           <p:cNvSpPr txBox="1"/>
           <p:nvPr/>
         </p:nvSpPr>
         <p:spPr>
           <a:xfrm>
-            <a:off x="507274" y="3475972"/>
-            <a:ext cx="10720603" cy="523220"/>
+            <a:off x="1887100" y="1407305"/>
+            <a:ext cx="8716938" cy="400110"/>
           </a:xfrm>
           <a:prstGeom prst="rect">
             <a:avLst/>
@@ -26213,164 +26040,351 @@
           <a:noFill/>
         </p:spPr>
         <p:txBody>
-          <a:bodyPr wrap="square" rtlCol="0">
-            <a:spAutoFit/>
-          </a:bodyPr>
-          <a:lstStyle/>
-          <a:p>
-            <a:pPr marL="457200" indent="-457200">
-              <a:buFont typeface="Arial" panose="020B0604020202020204" pitchFamily="34" charset="0"/>
-              <a:buChar char="•"/>
-            </a:pPr>
-            <a:endParaRPr lang="fr-FR" sz="2800" dirty="0">
-              <a:solidFill>
-                <a:srgbClr val="287C66"/>
-              </a:solidFill>
-            </a:endParaRPr>
-          </a:p>
-        </p:txBody>
-      </p:sp>
-      <p:sp>
-        <p:nvSpPr>
-          <p:cNvPr id="7" name="TextBox 6"/>
-          <p:cNvSpPr txBox="1"/>
-          <p:nvPr/>
-        </p:nvSpPr>
-        <p:spPr>
-          <a:xfrm>
-            <a:off x="670803" y="2224268"/>
-            <a:ext cx="10113987" cy="2031325"/>
-          </a:xfrm>
-          <a:prstGeom prst="rect">
-            <a:avLst/>
-          </a:prstGeom>
-          <a:noFill/>
-        </p:spPr>
-        <p:txBody>
           <a:bodyPr wrap="none" rtlCol="0">
             <a:spAutoFit/>
           </a:bodyPr>
           <a:lstStyle/>
           <a:p>
-            <a:pPr marL="914400" lvl="1" indent="-457200">
-              <a:lnSpc>
-                <a:spcPct val="150000"/>
-              </a:lnSpc>
-              <a:buFont typeface="Arial" panose="020B0604020202020204" pitchFamily="34" charset="0"/>
-              <a:buChar char="•"/>
-            </a:pPr>
-            <a:r>
-              <a:rPr lang="fr-FR" sz="2400" dirty="0" err="1"/>
-              <a:t>SQLite</a:t>
-            </a:r>
-            <a:r>
-              <a:rPr lang="fr-FR" sz="2400" dirty="0"/>
+            <a:r>
+              <a:rPr lang="fr-FR" sz="2000" dirty="0"/>
+              <a:t>This </a:t>
+            </a:r>
+            <a:r>
+              <a:rPr lang="fr-FR" sz="2000" dirty="0" err="1"/>
+              <a:t>is</a:t>
+            </a:r>
+            <a:r>
+              <a:rPr lang="fr-FR" sz="2000" dirty="0"/>
+              <a:t> an </a:t>
+            </a:r>
+            <a:r>
+              <a:rPr lang="fr-FR" sz="2000" dirty="0" err="1"/>
+              <a:t>example</a:t>
+            </a:r>
+            <a:r>
+              <a:rPr lang="fr-FR" sz="2000" dirty="0"/>
               <a:t> </a:t>
             </a:r>
             <a:r>
-              <a:rPr lang="fr-FR" sz="2400" dirty="0" err="1"/>
-              <a:t>does</a:t>
-            </a:r>
-            <a:r>
-              <a:rPr lang="fr-FR" sz="2400" dirty="0"/>
-              <a:t> not </a:t>
-            </a:r>
-            <a:r>
-              <a:rPr lang="fr-FR" sz="2400" dirty="0" err="1"/>
-              <a:t>provide</a:t>
-            </a:r>
-            <a:r>
-              <a:rPr lang="fr-FR" sz="2400" dirty="0"/>
-              <a:t> a control </a:t>
-            </a:r>
-            <a:r>
-              <a:rPr lang="fr-FR" sz="2400" dirty="0" err="1"/>
-              <a:t>mechanism</a:t>
-            </a:r>
-            <a:r>
-              <a:rPr lang="fr-FR" sz="2400" dirty="0"/>
+              <a:rPr lang="fr-FR" sz="2000" dirty="0" err="1"/>
+              <a:t>that</a:t>
+            </a:r>
+            <a:r>
+              <a:rPr lang="fr-FR" sz="2000" dirty="0"/>
+              <a:t> </a:t>
+            </a:r>
+            <a:r>
+              <a:rPr lang="fr-FR" sz="2000" dirty="0" err="1"/>
+              <a:t>we</a:t>
+            </a:r>
+            <a:r>
+              <a:rPr lang="fr-FR" sz="2000" dirty="0"/>
+              <a:t> </a:t>
+            </a:r>
+            <a:r>
+              <a:rPr lang="fr-FR" sz="2000" dirty="0" err="1"/>
+              <a:t>coded</a:t>
+            </a:r>
+            <a:r>
+              <a:rPr lang="fr-FR" sz="2000" dirty="0"/>
               <a:t> to </a:t>
             </a:r>
             <a:r>
-              <a:rPr lang="fr-FR" sz="2400" dirty="0" err="1"/>
-              <a:t>access</a:t>
-            </a:r>
-            <a:r>
-              <a:rPr lang="fr-FR" sz="2400" dirty="0"/>
-              <a:t> permissions</a:t>
-            </a:r>
-          </a:p>
-          <a:p>
-            <a:pPr marL="457200" indent="-457200">
-              <a:lnSpc>
-                <a:spcPct val="150000"/>
-              </a:lnSpc>
-              <a:buFont typeface="Arial" panose="020B0604020202020204" pitchFamily="34" charset="0"/>
-              <a:buChar char="•"/>
-            </a:pPr>
-            <a:endParaRPr lang="fr-FR" sz="2400" dirty="0"/>
-          </a:p>
-          <a:p>
-            <a:pPr marL="914400" lvl="1" indent="-457200">
-              <a:lnSpc>
-                <a:spcPct val="150000"/>
-              </a:lnSpc>
-              <a:buFont typeface="Arial" panose="020B0604020202020204" pitchFamily="34" charset="0"/>
-              <a:buChar char="•"/>
-            </a:pPr>
-            <a:r>
-              <a:rPr lang="fr-FR" sz="2400" dirty="0"/>
-              <a:t>The </a:t>
-            </a:r>
-            <a:r>
-              <a:rPr lang="fr-FR" sz="2400" dirty="0" err="1"/>
-              <a:t>only</a:t>
-            </a:r>
-            <a:r>
-              <a:rPr lang="fr-FR" sz="2400" dirty="0"/>
-              <a:t> Access Permission </a:t>
-            </a:r>
-            <a:r>
-              <a:rPr lang="fr-FR" sz="2400" dirty="0" err="1"/>
-              <a:t>is</a:t>
-            </a:r>
-            <a:r>
-              <a:rPr lang="fr-FR" sz="2400" dirty="0"/>
-              <a:t> the one </a:t>
-            </a:r>
-            <a:r>
-              <a:rPr lang="fr-FR" sz="2400" dirty="0" err="1"/>
-              <a:t>provided</a:t>
-            </a:r>
-            <a:r>
-              <a:rPr lang="fr-FR" sz="2400" dirty="0"/>
-              <a:t> by the Operating System</a:t>
-            </a:r>
-          </a:p>
-          <a:p>
-            <a:endParaRPr lang="en-US" sz="1600" dirty="0"/>
+              <a:rPr lang="fr-FR" sz="2000" dirty="0" err="1"/>
+              <a:t>encrypt</a:t>
+            </a:r>
+            <a:r>
+              <a:rPr lang="fr-FR" sz="2000" dirty="0"/>
+              <a:t> data </a:t>
+            </a:r>
+            <a:r>
+              <a:rPr lang="fr-FR" sz="2000" dirty="0" err="1"/>
+              <a:t>before</a:t>
+            </a:r>
+            <a:r>
+              <a:rPr lang="fr-FR" sz="2000" dirty="0"/>
+              <a:t> </a:t>
+            </a:r>
+            <a:r>
+              <a:rPr lang="fr-FR" sz="2000" dirty="0" err="1"/>
+              <a:t>Storing</a:t>
+            </a:r>
+            <a:r>
+              <a:rPr lang="fr-FR" sz="2000" dirty="0"/>
+              <a:t> </a:t>
+            </a:r>
+            <a:r>
+              <a:rPr lang="fr-FR" sz="2000" dirty="0" err="1"/>
+              <a:t>it</a:t>
+            </a:r>
+            <a:r>
+              <a:rPr lang="fr-FR" sz="2000" dirty="0"/>
+              <a:t> in the </a:t>
+            </a:r>
+            <a:r>
+              <a:rPr lang="fr-FR" sz="2000" dirty="0" err="1"/>
+              <a:t>DataBase</a:t>
+            </a:r>
+            <a:endParaRPr lang="fr-FR" sz="2000" dirty="0"/>
           </a:p>
         </p:txBody>
       </p:sp>
     </p:spTree>
     <p:extLst>
       <p:ext uri="{BB962C8B-B14F-4D97-AF65-F5344CB8AC3E}">
-        <p14:creationId xmlns:p14="http://schemas.microsoft.com/office/powerpoint/2010/main" val="1481813034"/>
+        <p14:creationId xmlns:p14="http://schemas.microsoft.com/office/powerpoint/2010/main" val="1382703198"/>
       </p:ext>
     </p:extLst>
   </p:cSld>
   <p:clrMapOvr>
     <a:masterClrMapping/>
   </p:clrMapOvr>
-  <mc:AlternateContent xmlns:mc="http://schemas.openxmlformats.org/markup-compatibility/2006" xmlns:p14="http://schemas.microsoft.com/office/powerpoint/2010/main">
-    <mc:Choice Requires="p14">
-      <p:transition spd="slow" p14:dur="1500">
-        <p:split orient="vert"/>
+  <mc:AlternateContent xmlns:mc="http://schemas.openxmlformats.org/markup-compatibility/2006">
+    <mc:Choice xmlns:p14="http://schemas.microsoft.com/office/powerpoint/2010/main" Requires="p14">
+      <p:transition spd="med" p14:dur="700">
+        <p:fade/>
       </p:transition>
     </mc:Choice>
-    <mc:Fallback xmlns="">
-      <p:transition spd="slow">
-        <p:split orient="vert"/>
+    <mc:Fallback>
+      <p:transition spd="med">
+        <p:fade/>
+      </p:transition>
+    </mc:Fallback>
+  </mc:AlternateContent>
+</p:sld>
+</file>
+
+<file path=ppt/slides/slide79.xml><?xml version="1.0" encoding="utf-8"?>
+<p:sld xmlns:a="http://schemas.openxmlformats.org/drawingml/2006/main" xmlns:r="http://schemas.openxmlformats.org/officeDocument/2006/relationships" xmlns:p="http://schemas.openxmlformats.org/presentationml/2006/main">
+  <p:cSld>
+    <p:bg>
+      <p:bgPr>
+        <a:solidFill>
+          <a:schemeClr val="bg2"/>
+        </a:solidFill>
+        <a:effectLst/>
+      </p:bgPr>
+    </p:bg>
+    <p:spTree>
+      <p:nvGrpSpPr>
+        <p:cNvPr id="1" name=""/>
+        <p:cNvGrpSpPr/>
+        <p:nvPr/>
+      </p:nvGrpSpPr>
+      <p:grpSpPr>
+        <a:xfrm>
+          <a:off x="0" y="0"/>
+          <a:ext cx="0" cy="0"/>
+          <a:chOff x="0" y="0"/>
+          <a:chExt cx="0" cy="0"/>
+        </a:xfrm>
+      </p:grpSpPr>
+      <p:sp>
+        <p:nvSpPr>
+          <p:cNvPr id="7" name="Titre 1"/>
+          <p:cNvSpPr txBox="1">
+            <a:spLocks/>
+          </p:cNvSpPr>
+          <p:nvPr/>
+        </p:nvSpPr>
+        <p:spPr>
+          <a:xfrm>
+            <a:off x="2025434" y="396969"/>
+            <a:ext cx="8440271" cy="810950"/>
+          </a:xfrm>
+          <a:prstGeom prst="rect">
+            <a:avLst/>
+          </a:prstGeom>
+        </p:spPr>
+        <p:txBody>
+          <a:bodyPr>
+            <a:normAutofit fontScale="97500"/>
+          </a:bodyPr>
+          <a:lstStyle>
+            <a:lvl1pPr algn="l" defTabSz="914400" rtl="0" eaLnBrk="1" latinLnBrk="0" hangingPunct="1">
+              <a:lnSpc>
+                <a:spcPct val="90000"/>
+              </a:lnSpc>
+              <a:spcBef>
+                <a:spcPct val="0"/>
+              </a:spcBef>
+              <a:buNone/>
+              <a:defRPr sz="4400" kern="1200">
+                <a:solidFill>
+                  <a:schemeClr val="tx1"/>
+                </a:solidFill>
+                <a:latin typeface="+mj-lt"/>
+                <a:ea typeface="+mj-ea"/>
+                <a:cs typeface="+mj-cs"/>
+              </a:defRPr>
+            </a:lvl1pPr>
+          </a:lstStyle>
+          <a:p>
+            <a:pPr algn="ctr"/>
+            <a:r>
+              <a:rPr lang="en-US" sz="3800" dirty="0">
+                <a:solidFill>
+                  <a:prstClr val="black">
+                    <a:lumMod val="85000"/>
+                    <a:lumOff val="15000"/>
+                  </a:prstClr>
+                </a:solidFill>
+                <a:latin typeface="Segoe UI" panose="020B0502040204020203" pitchFamily="34" charset="0"/>
+                <a:cs typeface="Segoe UI" panose="020B0502040204020203" pitchFamily="34" charset="0"/>
+              </a:rPr>
+              <a:t>Security </a:t>
+            </a:r>
+            <a:endParaRPr lang="fr-FR" sz="3800" dirty="0">
+              <a:solidFill>
+                <a:prstClr val="black">
+                  <a:lumMod val="85000"/>
+                  <a:lumOff val="15000"/>
+                </a:prstClr>
+              </a:solidFill>
+            </a:endParaRPr>
+          </a:p>
+        </p:txBody>
+      </p:sp>
+      <p:sp>
+        <p:nvSpPr>
+          <p:cNvPr id="4" name="ZoneTexte 3">
+            <a:extLst>
+              <a:ext uri="{FF2B5EF4-FFF2-40B4-BE49-F238E27FC236}">
+                <a16:creationId xmlns:a16="http://schemas.microsoft.com/office/drawing/2014/main" id="{075E5FD0-FD18-46F7-AAC2-9D6AF1135DC3}"/>
+              </a:ext>
+            </a:extLst>
+          </p:cNvPr>
+          <p:cNvSpPr txBox="1"/>
+          <p:nvPr/>
+        </p:nvSpPr>
+        <p:spPr>
+          <a:xfrm>
+            <a:off x="2248023" y="1305355"/>
+            <a:ext cx="8051563" cy="400110"/>
+          </a:xfrm>
+          <a:prstGeom prst="rect">
+            <a:avLst/>
+          </a:prstGeom>
+          <a:noFill/>
+        </p:spPr>
+        <p:txBody>
+          <a:bodyPr wrap="none" rtlCol="0">
+            <a:spAutoFit/>
+          </a:bodyPr>
+          <a:lstStyle/>
+          <a:p>
+            <a:r>
+              <a:rPr lang="fr-FR" sz="2000" dirty="0"/>
+              <a:t>This </a:t>
+            </a:r>
+            <a:r>
+              <a:rPr lang="fr-FR" sz="2000" dirty="0" err="1"/>
+              <a:t>is</a:t>
+            </a:r>
+            <a:r>
+              <a:rPr lang="fr-FR" sz="2000" dirty="0"/>
+              <a:t> the class </a:t>
+            </a:r>
+            <a:r>
+              <a:rPr lang="fr-FR" sz="2000" dirty="0" err="1"/>
+              <a:t>we</a:t>
+            </a:r>
+            <a:r>
+              <a:rPr lang="fr-FR" sz="2000" dirty="0"/>
+              <a:t> </a:t>
+            </a:r>
+            <a:r>
+              <a:rPr lang="fr-FR" sz="2000" dirty="0" err="1"/>
+              <a:t>coded</a:t>
+            </a:r>
+            <a:r>
+              <a:rPr lang="fr-FR" sz="2000" dirty="0"/>
+              <a:t> in Java, </a:t>
+            </a:r>
+            <a:r>
+              <a:rPr lang="fr-FR" sz="2000" dirty="0" err="1"/>
+              <a:t>We</a:t>
+            </a:r>
+            <a:r>
+              <a:rPr lang="fr-FR" sz="2000" dirty="0"/>
+              <a:t> </a:t>
+            </a:r>
+            <a:r>
+              <a:rPr lang="fr-FR" sz="2000" dirty="0" err="1"/>
+              <a:t>used</a:t>
+            </a:r>
+            <a:r>
+              <a:rPr lang="fr-FR" sz="2000" dirty="0"/>
+              <a:t> AES </a:t>
+            </a:r>
+            <a:r>
+              <a:rPr lang="fr-FR" sz="2000" dirty="0" err="1"/>
+              <a:t>Encryption</a:t>
+            </a:r>
+            <a:r>
+              <a:rPr lang="fr-FR" sz="2000" dirty="0"/>
+              <a:t> </a:t>
+            </a:r>
+            <a:r>
+              <a:rPr lang="fr-FR" sz="2000" dirty="0" err="1"/>
+              <a:t>with</a:t>
+            </a:r>
+            <a:r>
+              <a:rPr lang="fr-FR" sz="2000" dirty="0"/>
+              <a:t> 16byte keys</a:t>
+            </a:r>
+          </a:p>
+        </p:txBody>
+      </p:sp>
+      <p:pic>
+        <p:nvPicPr>
+          <p:cNvPr id="5" name="Image 4">
+            <a:extLst>
+              <a:ext uri="{FF2B5EF4-FFF2-40B4-BE49-F238E27FC236}">
+                <a16:creationId xmlns:a16="http://schemas.microsoft.com/office/drawing/2014/main" id="{1CC8A835-60C8-46E3-B642-6ACB37D260AF}"/>
+              </a:ext>
+            </a:extLst>
+          </p:cNvPr>
+          <p:cNvPicPr>
+            <a:picLocks noChangeAspect="1"/>
+          </p:cNvPicPr>
+          <p:nvPr/>
+        </p:nvPicPr>
+        <p:blipFill>
+          <a:blip r:embed="rId2"/>
+          <a:stretch>
+            <a:fillRect/>
+          </a:stretch>
+        </p:blipFill>
+        <p:spPr>
+          <a:xfrm>
+            <a:off x="2025434" y="2203012"/>
+            <a:ext cx="7751347" cy="4320852"/>
+          </a:xfrm>
+          <a:prstGeom prst="rect">
+            <a:avLst/>
+          </a:prstGeom>
+        </p:spPr>
+      </p:pic>
+    </p:spTree>
+    <p:extLst>
+      <p:ext uri="{BB962C8B-B14F-4D97-AF65-F5344CB8AC3E}">
+        <p14:creationId xmlns:p14="http://schemas.microsoft.com/office/powerpoint/2010/main" val="382352930"/>
+      </p:ext>
+    </p:extLst>
+  </p:cSld>
+  <p:clrMapOvr>
+    <a:masterClrMapping/>
+  </p:clrMapOvr>
+  <mc:AlternateContent xmlns:mc="http://schemas.openxmlformats.org/markup-compatibility/2006">
+    <mc:Choice xmlns:p14="http://schemas.microsoft.com/office/powerpoint/2010/main" Requires="p14">
+      <p:transition spd="med" p14:dur="700">
+        <p:fade/>
+      </p:transition>
+    </mc:Choice>
+    <mc:Fallback>
+      <p:transition spd="med">
+        <p:fade/>
       </p:transition>
     </mc:Fallback>
   </mc:AlternateContent>
@@ -26661,7 +26675,7 @@
               <a:t>Does not reproduce the usual client-server scheme but is directly integrated into programs</a:t>
             </a:r>
             <a:r>
-              <a:rPr kumimoji="0" lang="en-US" sz="2200" b="0" i="0" u="none" strike="noStrike" kern="1200" cap="none" spc="0" normalizeH="0" baseline="0" noProof="0" dirty="0" smtClean="0">
+              <a:rPr kumimoji="0" lang="en-US" sz="2200" b="0" i="0" u="none" strike="noStrike" kern="1200" cap="none" spc="0" normalizeH="0" baseline="0" noProof="0" dirty="0">
                 <a:ln>
                   <a:noFill/>
                 </a:ln>
@@ -26733,6 +26747,278 @@
   <p:clrMapOvr>
     <a:masterClrMapping/>
   </p:clrMapOvr>
+</p:sld>
+</file>
+
+<file path=ppt/slides/slide80.xml><?xml version="1.0" encoding="utf-8"?>
+<p:sld xmlns:a="http://schemas.openxmlformats.org/drawingml/2006/main" xmlns:r="http://schemas.openxmlformats.org/officeDocument/2006/relationships" xmlns:p="http://schemas.openxmlformats.org/presentationml/2006/main">
+  <p:cSld>
+    <p:bg>
+      <p:bgPr>
+        <a:solidFill>
+          <a:schemeClr val="bg2"/>
+        </a:solidFill>
+        <a:effectLst/>
+      </p:bgPr>
+    </p:bg>
+    <p:spTree>
+      <p:nvGrpSpPr>
+        <p:cNvPr id="1" name=""/>
+        <p:cNvGrpSpPr/>
+        <p:nvPr/>
+      </p:nvGrpSpPr>
+      <p:grpSpPr>
+        <a:xfrm>
+          <a:off x="0" y="0"/>
+          <a:ext cx="0" cy="0"/>
+          <a:chOff x="0" y="0"/>
+          <a:chExt cx="0" cy="0"/>
+        </a:xfrm>
+      </p:grpSpPr>
+      <p:sp>
+        <p:nvSpPr>
+          <p:cNvPr id="3" name="Titre 1"/>
+          <p:cNvSpPr txBox="1">
+            <a:spLocks/>
+          </p:cNvSpPr>
+          <p:nvPr/>
+        </p:nvSpPr>
+        <p:spPr>
+          <a:xfrm>
+            <a:off x="1875087" y="426851"/>
+            <a:ext cx="9011012" cy="810950"/>
+          </a:xfrm>
+          <a:prstGeom prst="rect">
+            <a:avLst/>
+          </a:prstGeom>
+        </p:spPr>
+        <p:txBody>
+          <a:bodyPr>
+            <a:normAutofit fontScale="97500"/>
+          </a:bodyPr>
+          <a:lstStyle>
+            <a:lvl1pPr algn="l" defTabSz="914400" rtl="0" eaLnBrk="1" latinLnBrk="0" hangingPunct="1">
+              <a:lnSpc>
+                <a:spcPct val="90000"/>
+              </a:lnSpc>
+              <a:spcBef>
+                <a:spcPct val="0"/>
+              </a:spcBef>
+              <a:buNone/>
+              <a:defRPr sz="4400" kern="1200">
+                <a:solidFill>
+                  <a:schemeClr val="tx1"/>
+                </a:solidFill>
+                <a:latin typeface="+mj-lt"/>
+                <a:ea typeface="+mj-ea"/>
+                <a:cs typeface="+mj-cs"/>
+              </a:defRPr>
+            </a:lvl1pPr>
+          </a:lstStyle>
+          <a:p>
+            <a:pPr algn="ctr"/>
+            <a:r>
+              <a:rPr lang="fr-FR" sz="3800" dirty="0">
+                <a:solidFill>
+                  <a:prstClr val="black">
+                    <a:lumMod val="85000"/>
+                    <a:lumOff val="15000"/>
+                  </a:prstClr>
+                </a:solidFill>
+                <a:latin typeface="Segoe UI" panose="020B0502040204020203" pitchFamily="34" charset="0"/>
+                <a:cs typeface="Segoe UI" panose="020B0502040204020203" pitchFamily="34" charset="0"/>
+              </a:rPr>
+              <a:t>Access Permissions in SQLite</a:t>
+            </a:r>
+            <a:endParaRPr lang="fr-FR" sz="3800" dirty="0">
+              <a:solidFill>
+                <a:prstClr val="black">
+                  <a:lumMod val="85000"/>
+                  <a:lumOff val="15000"/>
+                </a:prstClr>
+              </a:solidFill>
+            </a:endParaRPr>
+          </a:p>
+        </p:txBody>
+      </p:sp>
+      <p:sp>
+        <p:nvSpPr>
+          <p:cNvPr id="9" name="TextBox 8"/>
+          <p:cNvSpPr txBox="1"/>
+          <p:nvPr/>
+        </p:nvSpPr>
+        <p:spPr>
+          <a:xfrm>
+            <a:off x="507274" y="3475972"/>
+            <a:ext cx="10720603" cy="523220"/>
+          </a:xfrm>
+          <a:prstGeom prst="rect">
+            <a:avLst/>
+          </a:prstGeom>
+          <a:noFill/>
+        </p:spPr>
+        <p:txBody>
+          <a:bodyPr wrap="square" rtlCol="0">
+            <a:spAutoFit/>
+          </a:bodyPr>
+          <a:lstStyle/>
+          <a:p>
+            <a:pPr marL="457200" indent="-457200">
+              <a:buFont typeface="Arial" panose="020B0604020202020204" pitchFamily="34" charset="0"/>
+              <a:buChar char="•"/>
+            </a:pPr>
+            <a:endParaRPr lang="fr-FR" sz="2800" dirty="0">
+              <a:solidFill>
+                <a:srgbClr val="287C66"/>
+              </a:solidFill>
+            </a:endParaRPr>
+          </a:p>
+        </p:txBody>
+      </p:sp>
+      <p:sp>
+        <p:nvSpPr>
+          <p:cNvPr id="7" name="TextBox 6"/>
+          <p:cNvSpPr txBox="1"/>
+          <p:nvPr/>
+        </p:nvSpPr>
+        <p:spPr>
+          <a:xfrm>
+            <a:off x="670803" y="2224268"/>
+            <a:ext cx="10113987" cy="2031325"/>
+          </a:xfrm>
+          <a:prstGeom prst="rect">
+            <a:avLst/>
+          </a:prstGeom>
+          <a:noFill/>
+        </p:spPr>
+        <p:txBody>
+          <a:bodyPr wrap="none" rtlCol="0">
+            <a:spAutoFit/>
+          </a:bodyPr>
+          <a:lstStyle/>
+          <a:p>
+            <a:pPr marL="914400" lvl="1" indent="-457200">
+              <a:lnSpc>
+                <a:spcPct val="150000"/>
+              </a:lnSpc>
+              <a:buFont typeface="Arial" panose="020B0604020202020204" pitchFamily="34" charset="0"/>
+              <a:buChar char="•"/>
+            </a:pPr>
+            <a:r>
+              <a:rPr lang="fr-FR" sz="2400" dirty="0" err="1"/>
+              <a:t>SQLite</a:t>
+            </a:r>
+            <a:r>
+              <a:rPr lang="fr-FR" sz="2400" dirty="0"/>
+              <a:t> </a:t>
+            </a:r>
+            <a:r>
+              <a:rPr lang="fr-FR" sz="2400" dirty="0" err="1"/>
+              <a:t>does</a:t>
+            </a:r>
+            <a:r>
+              <a:rPr lang="fr-FR" sz="2400" dirty="0"/>
+              <a:t> not </a:t>
+            </a:r>
+            <a:r>
+              <a:rPr lang="fr-FR" sz="2400" dirty="0" err="1"/>
+              <a:t>provide</a:t>
+            </a:r>
+            <a:r>
+              <a:rPr lang="fr-FR" sz="2400" dirty="0"/>
+              <a:t> a control </a:t>
+            </a:r>
+            <a:r>
+              <a:rPr lang="fr-FR" sz="2400" dirty="0" err="1"/>
+              <a:t>mechanism</a:t>
+            </a:r>
+            <a:r>
+              <a:rPr lang="fr-FR" sz="2400" dirty="0"/>
+              <a:t> to </a:t>
+            </a:r>
+            <a:r>
+              <a:rPr lang="fr-FR" sz="2400" dirty="0" err="1"/>
+              <a:t>access</a:t>
+            </a:r>
+            <a:r>
+              <a:rPr lang="fr-FR" sz="2400" dirty="0"/>
+              <a:t> permissions</a:t>
+            </a:r>
+          </a:p>
+          <a:p>
+            <a:pPr marL="457200" indent="-457200">
+              <a:lnSpc>
+                <a:spcPct val="150000"/>
+              </a:lnSpc>
+              <a:buFont typeface="Arial" panose="020B0604020202020204" pitchFamily="34" charset="0"/>
+              <a:buChar char="•"/>
+            </a:pPr>
+            <a:endParaRPr lang="fr-FR" sz="2400" dirty="0"/>
+          </a:p>
+          <a:p>
+            <a:pPr marL="914400" lvl="1" indent="-457200">
+              <a:lnSpc>
+                <a:spcPct val="150000"/>
+              </a:lnSpc>
+              <a:buFont typeface="Arial" panose="020B0604020202020204" pitchFamily="34" charset="0"/>
+              <a:buChar char="•"/>
+            </a:pPr>
+            <a:r>
+              <a:rPr lang="fr-FR" sz="2400" dirty="0"/>
+              <a:t>The </a:t>
+            </a:r>
+            <a:r>
+              <a:rPr lang="fr-FR" sz="2400" dirty="0" err="1"/>
+              <a:t>only</a:t>
+            </a:r>
+            <a:r>
+              <a:rPr lang="fr-FR" sz="2400" dirty="0"/>
+              <a:t> Access Permission </a:t>
+            </a:r>
+            <a:r>
+              <a:rPr lang="fr-FR" sz="2400" dirty="0" err="1"/>
+              <a:t>is</a:t>
+            </a:r>
+            <a:r>
+              <a:rPr lang="fr-FR" sz="2400" dirty="0"/>
+              <a:t> the one </a:t>
+            </a:r>
+            <a:r>
+              <a:rPr lang="fr-FR" sz="2400" dirty="0" err="1"/>
+              <a:t>provided</a:t>
+            </a:r>
+            <a:r>
+              <a:rPr lang="fr-FR" sz="2400" dirty="0"/>
+              <a:t> by the Operating System</a:t>
+            </a:r>
+          </a:p>
+          <a:p>
+            <a:endParaRPr lang="en-US" sz="1600" dirty="0"/>
+          </a:p>
+        </p:txBody>
+      </p:sp>
+    </p:spTree>
+    <p:extLst>
+      <p:ext uri="{BB962C8B-B14F-4D97-AF65-F5344CB8AC3E}">
+        <p14:creationId xmlns:p14="http://schemas.microsoft.com/office/powerpoint/2010/main" val="1481813034"/>
+      </p:ext>
+    </p:extLst>
+  </p:cSld>
+  <p:clrMapOvr>
+    <a:masterClrMapping/>
+  </p:clrMapOvr>
+  <mc:AlternateContent xmlns:mc="http://schemas.openxmlformats.org/markup-compatibility/2006" xmlns:p14="http://schemas.microsoft.com/office/powerpoint/2010/main">
+    <mc:Choice Requires="p14">
+      <p:transition spd="slow" p14:dur="1500">
+        <p:split orient="vert"/>
+      </p:transition>
+    </mc:Choice>
+    <mc:Fallback xmlns="">
+      <p:transition spd="slow">
+        <p:split orient="vert"/>
+      </p:transition>
+    </mc:Fallback>
+  </mc:AlternateContent>
 </p:sld>
 </file>
 
@@ -26910,23 +27196,6 @@
               <a:tabLst/>
               <a:defRPr/>
             </a:pPr>
-            <a:r>
-              <a:rPr kumimoji="0" lang="fr-FR" sz="2400" b="0" i="0" u="none" strike="noStrike" kern="1200" cap="none" spc="0" normalizeH="0" baseline="0" noProof="0" dirty="0">
-                <a:ln>
-                  <a:noFill/>
-                </a:ln>
-                <a:solidFill>
-                  <a:prstClr val="black"/>
-                </a:solidFill>
-                <a:effectLst/>
-                <a:uLnTx/>
-                <a:uFillTx/>
-                <a:latin typeface="Calibri" panose="020F0502020204030204"/>
-                <a:ea typeface="+mn-ea"/>
-                <a:cs typeface="+mn-cs"/>
-              </a:rPr>
-              <a:t/>
-            </a:r>
             <a:br>
               <a:rPr kumimoji="0" lang="fr-FR" sz="2400" b="0" i="0" u="none" strike="noStrike" kern="1200" cap="none" spc="0" normalizeH="0" baseline="0" noProof="0" dirty="0">
                 <a:ln>
